--- a/tutorial/T06/tut06.pptx
+++ b/tutorial/T06/tut06.pptx
@@ -5,28 +5,26 @@
     <p:sldMasterId id="2147483660" r:id="rId1"/>
   </p:sldMasterIdLst>
   <p:notesMasterIdLst>
-    <p:notesMasterId r:id="rId21"/>
+    <p:notesMasterId r:id="rId19"/>
   </p:notesMasterIdLst>
   <p:sldIdLst>
     <p:sldId id="613" r:id="rId2"/>
     <p:sldId id="624" r:id="rId3"/>
     <p:sldId id="646" r:id="rId4"/>
-    <p:sldId id="635" r:id="rId5"/>
-    <p:sldId id="657" r:id="rId6"/>
-    <p:sldId id="648" r:id="rId7"/>
-    <p:sldId id="625" r:id="rId8"/>
-    <p:sldId id="636" r:id="rId9"/>
-    <p:sldId id="658" r:id="rId10"/>
-    <p:sldId id="659" r:id="rId11"/>
-    <p:sldId id="660" r:id="rId12"/>
-    <p:sldId id="661" r:id="rId13"/>
-    <p:sldId id="662" r:id="rId14"/>
-    <p:sldId id="642" r:id="rId15"/>
-    <p:sldId id="652" r:id="rId16"/>
-    <p:sldId id="653" r:id="rId17"/>
-    <p:sldId id="663" r:id="rId18"/>
-    <p:sldId id="664" r:id="rId19"/>
-    <p:sldId id="634" r:id="rId20"/>
+    <p:sldId id="648" r:id="rId5"/>
+    <p:sldId id="625" r:id="rId6"/>
+    <p:sldId id="636" r:id="rId7"/>
+    <p:sldId id="658" r:id="rId8"/>
+    <p:sldId id="659" r:id="rId9"/>
+    <p:sldId id="660" r:id="rId10"/>
+    <p:sldId id="661" r:id="rId11"/>
+    <p:sldId id="662" r:id="rId12"/>
+    <p:sldId id="642" r:id="rId13"/>
+    <p:sldId id="652" r:id="rId14"/>
+    <p:sldId id="653" r:id="rId15"/>
+    <p:sldId id="663" r:id="rId16"/>
+    <p:sldId id="664" r:id="rId17"/>
+    <p:sldId id="634" r:id="rId18"/>
   </p:sldIdLst>
   <p:sldSz cx="12192000" cy="6858000"/>
   <p:notesSz cx="6858000" cy="9144000"/>
@@ -215,7 +213,7 @@
           <a:p>
             <a:fld id="{90751E9F-A845-4914-A3CC-CC345012599B}" type="datetimeFigureOut">
               <a:rPr lang="en-US" smtClean="0"/>
-              <a:t>10/8/2024</a:t>
+              <a:t>10/9/2024</a:t>
             </a:fld>
             <a:endParaRPr lang="en-US"/>
           </a:p>
@@ -619,7 +617,7 @@
     </p:spTree>
     <p:extLst>
       <p:ext uri="{BB962C8B-B14F-4D97-AF65-F5344CB8AC3E}">
-        <p14:creationId xmlns:p14="http://schemas.microsoft.com/office/powerpoint/2010/main" val="1227800600"/>
+        <p14:creationId xmlns:p14="http://schemas.microsoft.com/office/powerpoint/2010/main" val="520917887"/>
       </p:ext>
     </p:extLst>
   </p:cSld>
@@ -690,7 +688,7 @@
     </p:spTree>
     <p:extLst>
       <p:ext uri="{BB962C8B-B14F-4D97-AF65-F5344CB8AC3E}">
-        <p14:creationId xmlns:p14="http://schemas.microsoft.com/office/powerpoint/2010/main" val="2936721829"/>
+        <p14:creationId xmlns:p14="http://schemas.microsoft.com/office/powerpoint/2010/main" val="676632311"/>
       </p:ext>
     </p:extLst>
   </p:cSld>
@@ -761,7 +759,7 @@
     </p:spTree>
     <p:extLst>
       <p:ext uri="{BB962C8B-B14F-4D97-AF65-F5344CB8AC3E}">
-        <p14:creationId xmlns:p14="http://schemas.microsoft.com/office/powerpoint/2010/main" val="520917887"/>
+        <p14:creationId xmlns:p14="http://schemas.microsoft.com/office/powerpoint/2010/main" val="2425664549"/>
       </p:ext>
     </p:extLst>
   </p:cSld>
@@ -832,7 +830,7 @@
     </p:spTree>
     <p:extLst>
       <p:ext uri="{BB962C8B-B14F-4D97-AF65-F5344CB8AC3E}">
-        <p14:creationId xmlns:p14="http://schemas.microsoft.com/office/powerpoint/2010/main" val="676632311"/>
+        <p14:creationId xmlns:p14="http://schemas.microsoft.com/office/powerpoint/2010/main" val="1010288990"/>
       </p:ext>
     </p:extLst>
   </p:cSld>
@@ -903,7 +901,7 @@
     </p:spTree>
     <p:extLst>
       <p:ext uri="{BB962C8B-B14F-4D97-AF65-F5344CB8AC3E}">
-        <p14:creationId xmlns:p14="http://schemas.microsoft.com/office/powerpoint/2010/main" val="2425664549"/>
+        <p14:creationId xmlns:p14="http://schemas.microsoft.com/office/powerpoint/2010/main" val="2755363304"/>
       </p:ext>
     </p:extLst>
   </p:cSld>
@@ -974,7 +972,7 @@
     </p:spTree>
     <p:extLst>
       <p:ext uri="{BB962C8B-B14F-4D97-AF65-F5344CB8AC3E}">
-        <p14:creationId xmlns:p14="http://schemas.microsoft.com/office/powerpoint/2010/main" val="1010288990"/>
+        <p14:creationId xmlns:p14="http://schemas.microsoft.com/office/powerpoint/2010/main" val="2823413523"/>
       </p:ext>
     </p:extLst>
   </p:cSld>
@@ -1045,7 +1043,7 @@
     </p:spTree>
     <p:extLst>
       <p:ext uri="{BB962C8B-B14F-4D97-AF65-F5344CB8AC3E}">
-        <p14:creationId xmlns:p14="http://schemas.microsoft.com/office/powerpoint/2010/main" val="2755363304"/>
+        <p14:creationId xmlns:p14="http://schemas.microsoft.com/office/powerpoint/2010/main" val="1743339692"/>
       </p:ext>
     </p:extLst>
   </p:cSld>
@@ -1056,148 +1054,6 @@
 </file>
 
 <file path=ppt/notesSlides/notesSlide17.xml><?xml version="1.0" encoding="utf-8"?>
-<p:notes xmlns:a="http://schemas.openxmlformats.org/drawingml/2006/main" xmlns:r="http://schemas.openxmlformats.org/officeDocument/2006/relationships" xmlns:p="http://schemas.openxmlformats.org/presentationml/2006/main">
-  <p:cSld>
-    <p:spTree>
-      <p:nvGrpSpPr>
-        <p:cNvPr id="1" name=""/>
-        <p:cNvGrpSpPr/>
-        <p:nvPr/>
-      </p:nvGrpSpPr>
-      <p:grpSpPr>
-        <a:xfrm>
-          <a:off x="0" y="0"/>
-          <a:ext cx="0" cy="0"/>
-          <a:chOff x="0" y="0"/>
-          <a:chExt cx="0" cy="0"/>
-        </a:xfrm>
-      </p:grpSpPr>
-      <p:sp>
-        <p:nvSpPr>
-          <p:cNvPr id="2" name="Slide Image Placeholder 1"/>
-          <p:cNvSpPr>
-            <a:spLocks noGrp="1" noRot="1" noChangeAspect="1"/>
-          </p:cNvSpPr>
-          <p:nvPr>
-            <p:ph type="sldImg"/>
-          </p:nvPr>
-        </p:nvSpPr>
-        <p:spPr>
-          <a:xfrm>
-            <a:off x="381000" y="685800"/>
-            <a:ext cx="6096000" cy="3429000"/>
-          </a:xfrm>
-        </p:spPr>
-      </p:sp>
-      <p:sp>
-        <p:nvSpPr>
-          <p:cNvPr id="3" name="Notes Placeholder 2"/>
-          <p:cNvSpPr>
-            <a:spLocks noGrp="1"/>
-          </p:cNvSpPr>
-          <p:nvPr>
-            <p:ph type="body" idx="1"/>
-          </p:nvPr>
-        </p:nvSpPr>
-        <p:spPr/>
-        <p:txBody>
-          <a:bodyPr/>
-          <a:lstStyle/>
-          <a:p>
-            <a:pPr marL="0" indent="0">
-              <a:buNone/>
-            </a:pPr>
-            <a:endParaRPr lang="en-US" dirty="0">
-              <a:latin typeface="Gill Sans MT"/>
-            </a:endParaRPr>
-          </a:p>
-        </p:txBody>
-      </p:sp>
-    </p:spTree>
-    <p:extLst>
-      <p:ext uri="{BB962C8B-B14F-4D97-AF65-F5344CB8AC3E}">
-        <p14:creationId xmlns:p14="http://schemas.microsoft.com/office/powerpoint/2010/main" val="2823413523"/>
-      </p:ext>
-    </p:extLst>
-  </p:cSld>
-  <p:clrMapOvr>
-    <a:masterClrMapping/>
-  </p:clrMapOvr>
-</p:notes>
-</file>
-
-<file path=ppt/notesSlides/notesSlide18.xml><?xml version="1.0" encoding="utf-8"?>
-<p:notes xmlns:a="http://schemas.openxmlformats.org/drawingml/2006/main" xmlns:r="http://schemas.openxmlformats.org/officeDocument/2006/relationships" xmlns:p="http://schemas.openxmlformats.org/presentationml/2006/main">
-  <p:cSld>
-    <p:spTree>
-      <p:nvGrpSpPr>
-        <p:cNvPr id="1" name=""/>
-        <p:cNvGrpSpPr/>
-        <p:nvPr/>
-      </p:nvGrpSpPr>
-      <p:grpSpPr>
-        <a:xfrm>
-          <a:off x="0" y="0"/>
-          <a:ext cx="0" cy="0"/>
-          <a:chOff x="0" y="0"/>
-          <a:chExt cx="0" cy="0"/>
-        </a:xfrm>
-      </p:grpSpPr>
-      <p:sp>
-        <p:nvSpPr>
-          <p:cNvPr id="2" name="Slide Image Placeholder 1"/>
-          <p:cNvSpPr>
-            <a:spLocks noGrp="1" noRot="1" noChangeAspect="1"/>
-          </p:cNvSpPr>
-          <p:nvPr>
-            <p:ph type="sldImg"/>
-          </p:nvPr>
-        </p:nvSpPr>
-        <p:spPr>
-          <a:xfrm>
-            <a:off x="381000" y="685800"/>
-            <a:ext cx="6096000" cy="3429000"/>
-          </a:xfrm>
-        </p:spPr>
-      </p:sp>
-      <p:sp>
-        <p:nvSpPr>
-          <p:cNvPr id="3" name="Notes Placeholder 2"/>
-          <p:cNvSpPr>
-            <a:spLocks noGrp="1"/>
-          </p:cNvSpPr>
-          <p:nvPr>
-            <p:ph type="body" idx="1"/>
-          </p:nvPr>
-        </p:nvSpPr>
-        <p:spPr/>
-        <p:txBody>
-          <a:bodyPr/>
-          <a:lstStyle/>
-          <a:p>
-            <a:pPr marL="0" indent="0">
-              <a:buNone/>
-            </a:pPr>
-            <a:endParaRPr lang="en-US" dirty="0">
-              <a:latin typeface="Gill Sans MT"/>
-            </a:endParaRPr>
-          </a:p>
-        </p:txBody>
-      </p:sp>
-    </p:spTree>
-    <p:extLst>
-      <p:ext uri="{BB962C8B-B14F-4D97-AF65-F5344CB8AC3E}">
-        <p14:creationId xmlns:p14="http://schemas.microsoft.com/office/powerpoint/2010/main" val="1743339692"/>
-      </p:ext>
-    </p:extLst>
-  </p:cSld>
-  <p:clrMapOvr>
-    <a:masterClrMapping/>
-  </p:clrMapOvr>
-</p:notes>
-</file>
-
-<file path=ppt/notesSlides/notesSlide19.xml><?xml version="1.0" encoding="utf-8"?>
 <p:notes xmlns:a="http://schemas.openxmlformats.org/drawingml/2006/main" xmlns:r="http://schemas.openxmlformats.org/officeDocument/2006/relationships" xmlns:p="http://schemas.openxmlformats.org/presentationml/2006/main">
   <p:cSld>
     <p:spTree>
@@ -1475,7 +1331,7 @@
     </p:spTree>
     <p:extLst>
       <p:ext uri="{BB962C8B-B14F-4D97-AF65-F5344CB8AC3E}">
-        <p14:creationId xmlns:p14="http://schemas.microsoft.com/office/powerpoint/2010/main" val="2529905569"/>
+        <p14:creationId xmlns:p14="http://schemas.microsoft.com/office/powerpoint/2010/main" val="3231475801"/>
       </p:ext>
     </p:extLst>
   </p:cSld>
@@ -1546,7 +1402,7 @@
     </p:spTree>
     <p:extLst>
       <p:ext uri="{BB962C8B-B14F-4D97-AF65-F5344CB8AC3E}">
-        <p14:creationId xmlns:p14="http://schemas.microsoft.com/office/powerpoint/2010/main" val="4274800168"/>
+        <p14:creationId xmlns:p14="http://schemas.microsoft.com/office/powerpoint/2010/main" val="359420791"/>
       </p:ext>
     </p:extLst>
   </p:cSld>
@@ -1617,7 +1473,7 @@
     </p:spTree>
     <p:extLst>
       <p:ext uri="{BB962C8B-B14F-4D97-AF65-F5344CB8AC3E}">
-        <p14:creationId xmlns:p14="http://schemas.microsoft.com/office/powerpoint/2010/main" val="3231475801"/>
+        <p14:creationId xmlns:p14="http://schemas.microsoft.com/office/powerpoint/2010/main" val="670232710"/>
       </p:ext>
     </p:extLst>
   </p:cSld>
@@ -1688,7 +1544,7 @@
     </p:spTree>
     <p:extLst>
       <p:ext uri="{BB962C8B-B14F-4D97-AF65-F5344CB8AC3E}">
-        <p14:creationId xmlns:p14="http://schemas.microsoft.com/office/powerpoint/2010/main" val="359420791"/>
+        <p14:creationId xmlns:p14="http://schemas.microsoft.com/office/powerpoint/2010/main" val="91072866"/>
       </p:ext>
     </p:extLst>
   </p:cSld>
@@ -1759,7 +1615,7 @@
     </p:spTree>
     <p:extLst>
       <p:ext uri="{BB962C8B-B14F-4D97-AF65-F5344CB8AC3E}">
-        <p14:creationId xmlns:p14="http://schemas.microsoft.com/office/powerpoint/2010/main" val="670232710"/>
+        <p14:creationId xmlns:p14="http://schemas.microsoft.com/office/powerpoint/2010/main" val="1227800600"/>
       </p:ext>
     </p:extLst>
   </p:cSld>
@@ -1830,7 +1686,7 @@
     </p:spTree>
     <p:extLst>
       <p:ext uri="{BB962C8B-B14F-4D97-AF65-F5344CB8AC3E}">
-        <p14:creationId xmlns:p14="http://schemas.microsoft.com/office/powerpoint/2010/main" val="91072866"/>
+        <p14:creationId xmlns:p14="http://schemas.microsoft.com/office/powerpoint/2010/main" val="2936721829"/>
       </p:ext>
     </p:extLst>
   </p:cSld>
@@ -2777,7 +2633,7 @@
           <a:p>
             <a:fld id="{4110DD41-9B81-A544-8498-92133950A0E4}" type="datetime1">
               <a:rPr lang="en-US" smtClean="0"/>
-              <a:t>10/8/2024</a:t>
+              <a:t>10/9/2024</a:t>
             </a:fld>
             <a:endParaRPr lang="en-US"/>
           </a:p>
@@ -4219,7 +4075,7 @@
           </a:ln>
           <a:extLst>
             <a:ext uri="{C572A759-6A51-4108-AA02-DFA0A04FC94B}">
-              <ma14:wrappingTextBoxFlag xmlns="" xmlns:ma14="http://schemas.microsoft.com/office/mac/drawingml/2011/main" xmlns:a14="http://schemas.microsoft.com/office/drawing/2010/main" xmlns:m="http://schemas.openxmlformats.org/officeDocument/2006/math" val="1"/>
+              <ma14:wrappingTextBoxFlag xmlns:m="http://schemas.openxmlformats.org/officeDocument/2006/math" xmlns:a14="http://schemas.microsoft.com/office/drawing/2010/main" xmlns:ma14="http://schemas.microsoft.com/office/mac/drawingml/2011/main" xmlns="" val="1"/>
             </a:ext>
           </a:extLst>
         </p:spPr>
@@ -4258,7 +4114,7 @@
           </a:ln>
           <a:extLst>
             <a:ext uri="{C572A759-6A51-4108-AA02-DFA0A04FC94B}">
-              <ma14:wrappingTextBoxFlag xmlns="" xmlns:ma14="http://schemas.microsoft.com/office/mac/drawingml/2011/main" xmlns:a14="http://schemas.microsoft.com/office/drawing/2010/main" xmlns:m="http://schemas.openxmlformats.org/officeDocument/2006/math" val="1"/>
+              <ma14:wrappingTextBoxFlag xmlns:m="http://schemas.openxmlformats.org/officeDocument/2006/math" xmlns:a14="http://schemas.microsoft.com/office/drawing/2010/main" xmlns:ma14="http://schemas.microsoft.com/office/mac/drawingml/2011/main" xmlns="" val="1"/>
             </a:ext>
           </a:extLst>
         </p:spPr>
@@ -5385,2079 +5241,6 @@
           <a:p>
             <a:r>
               <a:rPr lang="en-US" dirty="0"/>
-              <a:t>3. </a:t>
-            </a:r>
-            <a:r>
-              <a:rPr lang="en-US" dirty="0" err="1"/>
-              <a:t>sem_trywait</a:t>
-            </a:r>
-            <a:endParaRPr lang="en-US" dirty="0"/>
-          </a:p>
-        </p:txBody>
-      </p:sp>
-      <p:sp>
-        <p:nvSpPr>
-          <p:cNvPr id="4" name="Slide Number Placeholder 3">
-            <a:extLst>
-              <a:ext uri="{FF2B5EF4-FFF2-40B4-BE49-F238E27FC236}">
-                <a16:creationId xmlns:a16="http://schemas.microsoft.com/office/drawing/2014/main" id="{C903FAE4-3A59-50C4-1BA6-A9AEC61D52CB}"/>
-              </a:ext>
-            </a:extLst>
-          </p:cNvPr>
-          <p:cNvSpPr>
-            <a:spLocks noGrp="1"/>
-          </p:cNvSpPr>
-          <p:nvPr>
-            <p:ph type="sldNum" sz="quarter" idx="2"/>
-          </p:nvPr>
-        </p:nvSpPr>
-        <p:spPr>
-          <a:xfrm>
-            <a:off x="11686121" y="6400800"/>
-            <a:ext cx="218008" cy="379591"/>
-          </a:xfrm>
-        </p:spPr>
-        <p:txBody>
-          <a:bodyPr/>
-          <a:lstStyle/>
-          <a:p>
-            <a:pPr marL="0" marR="0" lvl="0" indent="0" algn="ctr" defTabSz="412750" rtl="0" eaLnBrk="1" fontAlgn="auto" latinLnBrk="0" hangingPunct="0">
-              <a:lnSpc>
-                <a:spcPct val="100000"/>
-              </a:lnSpc>
-              <a:spcBef>
-                <a:spcPts val="0"/>
-              </a:spcBef>
-              <a:spcAft>
-                <a:spcPts val="0"/>
-              </a:spcAft>
-              <a:buClrTx/>
-              <a:buSzTx/>
-              <a:buFontTx/>
-              <a:buNone/>
-              <a:tabLst/>
-              <a:defRPr/>
-            </a:pPr>
-            <a:fld id="{86CB4B4D-7CA3-9044-876B-883B54F8677D}" type="slidenum">
-              <a:rPr kumimoji="0" lang="en-US" sz="1800" b="0" i="0" u="none" strike="noStrike" kern="0" cap="none" spc="0" normalizeH="0" baseline="0" noProof="0">
-                <a:ln>
-                  <a:noFill/>
-                </a:ln>
-                <a:solidFill>
-                  <a:srgbClr val="800080"/>
-                </a:solidFill>
-                <a:effectLst/>
-                <a:uLnTx/>
-                <a:uFillTx/>
-                <a:latin typeface="Gill Sans MT" panose="020B0502020104020203" pitchFamily="34" charset="0"/>
-                <a:cs typeface="Helvetica"/>
-                <a:sym typeface="Helvetica"/>
-              </a:rPr>
-              <a:pPr marL="0" marR="0" lvl="0" indent="0" algn="ctr" defTabSz="412750" rtl="0" eaLnBrk="1" fontAlgn="auto" latinLnBrk="0" hangingPunct="0">
-                <a:lnSpc>
-                  <a:spcPct val="100000"/>
-                </a:lnSpc>
-                <a:spcBef>
-                  <a:spcPts val="0"/>
-                </a:spcBef>
-                <a:spcAft>
-                  <a:spcPts val="0"/>
-                </a:spcAft>
-                <a:buClrTx/>
-                <a:buSzTx/>
-                <a:buFontTx/>
-                <a:buNone/>
-                <a:tabLst/>
-                <a:defRPr/>
-              </a:pPr>
-              <a:t>10</a:t>
-            </a:fld>
-            <a:endParaRPr kumimoji="0" lang="en-US" sz="1800" b="0" i="0" u="none" strike="noStrike" kern="0" cap="none" spc="0" normalizeH="0" baseline="0" noProof="0">
-              <a:ln>
-                <a:noFill/>
-              </a:ln>
-              <a:solidFill>
-                <a:srgbClr val="800080"/>
-              </a:solidFill>
-              <a:effectLst/>
-              <a:uLnTx/>
-              <a:uFillTx/>
-              <a:latin typeface="Gill Sans MT" panose="020B0502020104020203" pitchFamily="34" charset="0"/>
-              <a:cs typeface="Helvetica"/>
-              <a:sym typeface="Helvetica"/>
-            </a:endParaRPr>
-          </a:p>
-        </p:txBody>
-      </p:sp>
-      <p:sp>
-        <p:nvSpPr>
-          <p:cNvPr id="8" name="文本占位符 7">
-            <a:extLst>
-              <a:ext uri="{FF2B5EF4-FFF2-40B4-BE49-F238E27FC236}">
-                <a16:creationId xmlns:a16="http://schemas.microsoft.com/office/drawing/2014/main" id="{1D68554F-5AF8-7E1E-17A3-DE6F9E0E8871}"/>
-              </a:ext>
-            </a:extLst>
-          </p:cNvPr>
-          <p:cNvSpPr>
-            <a:spLocks noGrp="1"/>
-          </p:cNvSpPr>
-          <p:nvPr>
-            <p:ph type="body" idx="1"/>
-          </p:nvPr>
-        </p:nvSpPr>
-        <p:spPr>
-          <a:xfrm>
-            <a:off x="844550" y="1229567"/>
-            <a:ext cx="10502900" cy="1596830"/>
-          </a:xfrm>
-        </p:spPr>
-        <p:txBody>
-          <a:bodyPr>
-            <a:normAutofit lnSpcReduction="10000"/>
-          </a:bodyPr>
-          <a:lstStyle/>
-          <a:p>
-            <a:pPr marL="342900" marR="0" lvl="0" indent="-342900" algn="l" defTabSz="914400" rtl="0" eaLnBrk="0" fontAlgn="t" latinLnBrk="0" hangingPunct="0">
-              <a:lnSpc>
-                <a:spcPct val="100000"/>
-              </a:lnSpc>
-              <a:spcBef>
-                <a:spcPct val="0"/>
-              </a:spcBef>
-              <a:spcAft>
-                <a:spcPct val="0"/>
-              </a:spcAft>
-              <a:buClrTx/>
-              <a:buSzTx/>
-              <a:buFont typeface="Wingdings" panose="05000000000000000000" pitchFamily="2" charset="2"/>
-              <a:buChar char="Ø"/>
-              <a:tabLst/>
-              <a:defRPr/>
-            </a:pPr>
-            <a:r>
-              <a:rPr kumimoji="0" lang="zh-CN" altLang="zh-CN" sz="2400" b="0" i="0" u="none" strike="noStrike" kern="0" cap="none" spc="0" normalizeH="0" baseline="0" noProof="0" dirty="0">
-                <a:ln>
-                  <a:noFill/>
-                </a:ln>
-                <a:solidFill>
-                  <a:srgbClr val="202020"/>
-                </a:solidFill>
-                <a:effectLst/>
-                <a:uLnTx/>
-                <a:uFillTx/>
-                <a:latin typeface="Gill Sans MT" panose="020B0502020104020203" pitchFamily="34" charset="0"/>
-                <a:cs typeface="Helvetica"/>
-              </a:rPr>
-              <a:t>P</a:t>
-            </a:r>
-            <a:r>
-              <a:rPr lang="en-US" altLang="zh-CN" sz="2400" dirty="0" err="1">
-                <a:cs typeface="Helvetica"/>
-              </a:rPr>
-              <a:t>urpose</a:t>
-            </a:r>
-            <a:r>
-              <a:rPr lang="en-US" altLang="zh-CN" sz="2400" dirty="0">
-                <a:cs typeface="Helvetica"/>
-              </a:rPr>
-              <a:t>: </a:t>
-            </a:r>
-            <a:r>
-              <a:rPr lang="en-US" altLang="zh-CN" sz="2400" dirty="0" err="1">
-                <a:cs typeface="Helvetica"/>
-              </a:rPr>
-              <a:t>i</a:t>
-            </a:r>
-            <a:r>
-              <a:rPr kumimoji="0" lang="en-US" altLang="zh-CN" sz="2400" b="0" i="0" u="none" strike="noStrike" kern="0" cap="none" spc="0" normalizeH="0" baseline="0" noProof="0" dirty="0">
-                <a:ln>
-                  <a:noFill/>
-                </a:ln>
-                <a:solidFill>
-                  <a:srgbClr val="202020"/>
-                </a:solidFill>
-                <a:effectLst/>
-                <a:uLnTx/>
-                <a:uFillTx/>
-                <a:latin typeface="Gill Sans MT" panose="020B0502020104020203" pitchFamily="34" charset="0"/>
-                <a:cs typeface="Helvetica"/>
-              </a:rPr>
-              <a:t>t is useful in cases where you don't want the process or thread to block while waiting for the semaphore.</a:t>
-            </a:r>
-            <a:endParaRPr kumimoji="0" lang="zh-CN" altLang="zh-CN" sz="2400" b="0" i="0" u="none" strike="noStrike" kern="0" cap="none" spc="0" normalizeH="0" baseline="0" noProof="0" dirty="0">
-              <a:ln>
-                <a:noFill/>
-              </a:ln>
-              <a:solidFill>
-                <a:srgbClr val="202020"/>
-              </a:solidFill>
-              <a:effectLst/>
-              <a:uLnTx/>
-              <a:uFillTx/>
-              <a:latin typeface="Gill Sans MT" panose="020B0502020104020203" pitchFamily="34" charset="0"/>
-              <a:cs typeface="Helvetica"/>
-            </a:endParaRPr>
-          </a:p>
-          <a:p>
-            <a:pPr marL="457200" marR="0" lvl="1" indent="0" algn="l" defTabSz="914400" rtl="0" eaLnBrk="0" fontAlgn="base" latinLnBrk="0" hangingPunct="0">
-              <a:lnSpc>
-                <a:spcPct val="100000"/>
-              </a:lnSpc>
-              <a:spcBef>
-                <a:spcPct val="0"/>
-              </a:spcBef>
-              <a:spcAft>
-                <a:spcPct val="0"/>
-              </a:spcAft>
-              <a:buClrTx/>
-              <a:buSzTx/>
-              <a:buFontTx/>
-              <a:buChar char="•"/>
-              <a:tabLst/>
-              <a:defRPr/>
-            </a:pPr>
-            <a:r>
-              <a:rPr kumimoji="0" lang="en-US" altLang="zh-CN" sz="1800" b="0" i="0" u="none" strike="noStrike" kern="0" cap="none" spc="0" normalizeH="0" baseline="0" noProof="0" dirty="0">
-                <a:ln>
-                  <a:noFill/>
-                </a:ln>
-                <a:solidFill>
-                  <a:srgbClr val="202020"/>
-                </a:solidFill>
-                <a:effectLst/>
-                <a:uLnTx/>
-                <a:uFillTx/>
-                <a:latin typeface="Gill Sans MT" panose="020B0502020104020203" pitchFamily="34" charset="0"/>
-                <a:cs typeface="Helvetica"/>
-              </a:rPr>
-              <a:t> </a:t>
-            </a:r>
-            <a:r>
-              <a:rPr lang="en-US" altLang="zh-CN" sz="1800" kern="1200" dirty="0" err="1">
-                <a:solidFill>
-                  <a:srgbClr val="74531F"/>
-                </a:solidFill>
-                <a:latin typeface="Consolas" panose="020B0609020204030204" pitchFamily="49" charset="0"/>
-              </a:rPr>
-              <a:t>sem_trywait</a:t>
-            </a:r>
-            <a:r>
-              <a:rPr lang="en-US" altLang="zh-CN" sz="1800" kern="1200" dirty="0">
-                <a:solidFill>
-                  <a:srgbClr val="74531F"/>
-                </a:solidFill>
-                <a:latin typeface="Consolas" panose="020B0609020204030204" pitchFamily="49" charset="0"/>
-              </a:rPr>
-              <a:t> </a:t>
-            </a:r>
-            <a:r>
-              <a:rPr kumimoji="0" lang="en-US" altLang="zh-CN" sz="1800" b="0" i="0" u="none" strike="noStrike" kern="0" cap="none" spc="0" normalizeH="0" baseline="0" noProof="0" dirty="0">
-                <a:ln>
-                  <a:noFill/>
-                </a:ln>
-                <a:solidFill>
-                  <a:srgbClr val="202020"/>
-                </a:solidFill>
-                <a:effectLst/>
-                <a:uLnTx/>
-                <a:uFillTx/>
-                <a:latin typeface="Gill Sans MT" panose="020B0502020104020203" pitchFamily="34" charset="0"/>
-                <a:cs typeface="Helvetica"/>
-              </a:rPr>
-              <a:t>is a non-blocking function that attempts to decrease (lock) the value of a semaphore. If the semaphore’s value is greater than 0, it decrements the value and proceeds. However, if the semaphore's value is 0 (unavailable), it returns immediately with a failure and sets </a:t>
-            </a:r>
-            <a:r>
-              <a:rPr kumimoji="0" lang="en-US" altLang="zh-CN" sz="1800" b="0" i="0" u="none" strike="noStrike" kern="0" cap="none" spc="0" normalizeH="0" baseline="0" noProof="0" dirty="0" err="1">
-                <a:ln>
-                  <a:noFill/>
-                </a:ln>
-                <a:solidFill>
-                  <a:srgbClr val="202020"/>
-                </a:solidFill>
-                <a:effectLst/>
-                <a:uLnTx/>
-                <a:uFillTx/>
-                <a:latin typeface="Gill Sans MT" panose="020B0502020104020203" pitchFamily="34" charset="0"/>
-                <a:cs typeface="Helvetica"/>
-              </a:rPr>
-              <a:t>errno</a:t>
-            </a:r>
-            <a:r>
-              <a:rPr kumimoji="0" lang="en-US" altLang="zh-CN" sz="1800" b="0" i="0" u="none" strike="noStrike" kern="0" cap="none" spc="0" normalizeH="0" baseline="0" noProof="0" dirty="0">
-                <a:ln>
-                  <a:noFill/>
-                </a:ln>
-                <a:solidFill>
-                  <a:srgbClr val="202020"/>
-                </a:solidFill>
-                <a:effectLst/>
-                <a:uLnTx/>
-                <a:uFillTx/>
-                <a:latin typeface="Gill Sans MT" panose="020B0502020104020203" pitchFamily="34" charset="0"/>
-                <a:cs typeface="Helvetica"/>
-              </a:rPr>
-              <a:t> to EAGAIN.</a:t>
-            </a:r>
-            <a:endParaRPr lang="en-US" altLang="zh-CN" sz="2400" dirty="0"/>
-          </a:p>
-        </p:txBody>
-      </p:sp>
-      <p:sp>
-        <p:nvSpPr>
-          <p:cNvPr id="13" name="文本框 12">
-            <a:extLst>
-              <a:ext uri="{FF2B5EF4-FFF2-40B4-BE49-F238E27FC236}">
-                <a16:creationId xmlns:a16="http://schemas.microsoft.com/office/drawing/2014/main" id="{ED25030F-4FDC-B91B-5C28-8CD4A7CDFC47}"/>
-              </a:ext>
-            </a:extLst>
-          </p:cNvPr>
-          <p:cNvSpPr txBox="1"/>
-          <p:nvPr/>
-        </p:nvSpPr>
-        <p:spPr>
-          <a:xfrm>
-            <a:off x="844550" y="2762996"/>
-            <a:ext cx="6096000" cy="461665"/>
-          </a:xfrm>
-          <a:prstGeom prst="rect">
-            <a:avLst/>
-          </a:prstGeom>
-          <a:noFill/>
-          <a:ln w="12700" cap="flat">
-            <a:noFill/>
-            <a:miter lim="400000"/>
-          </a:ln>
-          <a:effectLst/>
-          <a:sp3d/>
-        </p:spPr>
-        <p:style>
-          <a:lnRef idx="0">
-            <a:scrgbClr r="0" g="0" b="0"/>
-          </a:lnRef>
-          <a:fillRef idx="0">
-            <a:scrgbClr r="0" g="0" b="0"/>
-          </a:fillRef>
-          <a:effectRef idx="0">
-            <a:scrgbClr r="0" g="0" b="0"/>
-          </a:effectRef>
-          <a:fontRef idx="none"/>
-        </p:style>
-        <p:txBody>
-          <a:bodyPr wrap="square">
-            <a:spAutoFit/>
-          </a:bodyPr>
-          <a:lstStyle/>
-          <a:p>
-            <a:pPr marL="289152" marR="0" lvl="0" indent="-289152" algn="l" defTabSz="412750" rtl="0" eaLnBrk="1" fontAlgn="auto" latinLnBrk="0" hangingPunct="1">
-              <a:lnSpc>
-                <a:spcPct val="100000"/>
-              </a:lnSpc>
-              <a:spcBef>
-                <a:spcPts val="2950"/>
-              </a:spcBef>
-              <a:spcAft>
-                <a:spcPts val="0"/>
-              </a:spcAft>
-              <a:buClrTx/>
-              <a:buSzPct val="100000"/>
-              <a:buFont typeface="Wingdings" panose="05000000000000000000" pitchFamily="2" charset="2"/>
-              <a:buChar char="Ø"/>
-              <a:tabLst/>
-              <a:defRPr/>
-            </a:pPr>
-            <a:r>
-              <a:rPr kumimoji="0" lang="en-US" altLang="zh-CN" sz="2400" b="0" i="0" u="none" strike="noStrike" kern="0" cap="none" spc="0" normalizeH="0" baseline="0" noProof="0" dirty="0">
-                <a:ln>
-                  <a:noFill/>
-                </a:ln>
-                <a:solidFill>
-                  <a:srgbClr val="202020"/>
-                </a:solidFill>
-                <a:effectLst/>
-                <a:uLnTx/>
-                <a:uFillTx/>
-                <a:latin typeface="Gill Sans MT" panose="020B0502020104020203" pitchFamily="34" charset="0"/>
-                <a:cs typeface="Helvetica"/>
-                <a:sym typeface="Helvetica"/>
-              </a:rPr>
-              <a:t>Syntax:</a:t>
-            </a:r>
-            <a:endParaRPr kumimoji="0" lang="zh-CN" altLang="en-US" sz="2400" b="0" i="0" u="none" strike="noStrike" kern="0" cap="none" spc="0" normalizeH="0" baseline="0" noProof="0" dirty="0">
-              <a:ln>
-                <a:noFill/>
-              </a:ln>
-              <a:solidFill>
-                <a:srgbClr val="202020"/>
-              </a:solidFill>
-              <a:effectLst/>
-              <a:uLnTx/>
-              <a:uFillTx/>
-              <a:latin typeface="Gill Sans MT" panose="020B0502020104020203" pitchFamily="34" charset="0"/>
-              <a:cs typeface="Helvetica"/>
-              <a:sym typeface="Helvetica"/>
-            </a:endParaRPr>
-          </a:p>
-        </p:txBody>
-      </p:sp>
-      <p:sp>
-        <p:nvSpPr>
-          <p:cNvPr id="17" name="文本框 16">
-            <a:extLst>
-              <a:ext uri="{FF2B5EF4-FFF2-40B4-BE49-F238E27FC236}">
-                <a16:creationId xmlns:a16="http://schemas.microsoft.com/office/drawing/2014/main" id="{6581B964-F4DA-382E-A5CC-2C7FCE505809}"/>
-              </a:ext>
-            </a:extLst>
-          </p:cNvPr>
-          <p:cNvSpPr txBox="1"/>
-          <p:nvPr/>
-        </p:nvSpPr>
-        <p:spPr>
-          <a:xfrm>
-            <a:off x="1262740" y="3291296"/>
-            <a:ext cx="10084709" cy="369332"/>
-          </a:xfrm>
-          <a:prstGeom prst="rect">
-            <a:avLst/>
-          </a:prstGeom>
-          <a:noFill/>
-          <a:ln w="12700" cap="flat">
-            <a:solidFill>
-              <a:schemeClr val="tx1"/>
-            </a:solidFill>
-            <a:miter lim="400000"/>
-          </a:ln>
-          <a:effectLst/>
-          <a:sp3d/>
-        </p:spPr>
-        <p:style>
-          <a:lnRef idx="0">
-            <a:scrgbClr r="0" g="0" b="0"/>
-          </a:lnRef>
-          <a:fillRef idx="0">
-            <a:scrgbClr r="0" g="0" b="0"/>
-          </a:fillRef>
-          <a:effectRef idx="0">
-            <a:scrgbClr r="0" g="0" b="0"/>
-          </a:effectRef>
-          <a:fontRef idx="none"/>
-        </p:style>
-        <p:txBody>
-          <a:bodyPr wrap="square">
-            <a:spAutoFit/>
-          </a:bodyPr>
-          <a:lstStyle/>
-          <a:p>
-            <a:r>
-              <a:rPr lang="pt-BR" altLang="zh-CN" b="0" dirty="0">
-                <a:solidFill>
-                  <a:srgbClr val="0000FF"/>
-                </a:solidFill>
-                <a:effectLst/>
-                <a:latin typeface="Consolas" panose="020B0609020204030204" pitchFamily="49" charset="0"/>
-              </a:rPr>
-              <a:t>int</a:t>
-            </a:r>
-            <a:r>
-              <a:rPr lang="pt-BR" altLang="zh-CN" b="0" dirty="0">
-                <a:solidFill>
-                  <a:srgbClr val="000000"/>
-                </a:solidFill>
-                <a:effectLst/>
-                <a:latin typeface="Consolas" panose="020B0609020204030204" pitchFamily="49" charset="0"/>
-              </a:rPr>
-              <a:t> </a:t>
-            </a:r>
-            <a:r>
-              <a:rPr lang="pt-BR" altLang="zh-CN" b="0" dirty="0">
-                <a:solidFill>
-                  <a:srgbClr val="74531F"/>
-                </a:solidFill>
-                <a:effectLst/>
-                <a:latin typeface="Consolas" panose="020B0609020204030204" pitchFamily="49" charset="0"/>
-              </a:rPr>
-              <a:t>sem_trywait</a:t>
-            </a:r>
-            <a:r>
-              <a:rPr lang="pt-BR" altLang="zh-CN" b="0" dirty="0">
-                <a:solidFill>
-                  <a:srgbClr val="000000"/>
-                </a:solidFill>
-                <a:effectLst/>
-                <a:latin typeface="Consolas" panose="020B0609020204030204" pitchFamily="49" charset="0"/>
-              </a:rPr>
-              <a:t>(</a:t>
-            </a:r>
-            <a:r>
-              <a:rPr lang="pt-BR" altLang="zh-CN" b="0" dirty="0">
-                <a:solidFill>
-                  <a:srgbClr val="2B91AF"/>
-                </a:solidFill>
-                <a:effectLst/>
-                <a:latin typeface="Consolas" panose="020B0609020204030204" pitchFamily="49" charset="0"/>
-              </a:rPr>
-              <a:t>sem_t</a:t>
-            </a:r>
-            <a:r>
-              <a:rPr lang="pt-BR" altLang="zh-CN" b="0" dirty="0">
-                <a:solidFill>
-                  <a:srgbClr val="000000"/>
-                </a:solidFill>
-                <a:effectLst/>
-                <a:latin typeface="Consolas" panose="020B0609020204030204" pitchFamily="49" charset="0"/>
-              </a:rPr>
-              <a:t> *</a:t>
-            </a:r>
-            <a:r>
-              <a:rPr lang="pt-BR" altLang="zh-CN" b="0" dirty="0">
-                <a:solidFill>
-                  <a:srgbClr val="808080"/>
-                </a:solidFill>
-                <a:effectLst/>
-                <a:latin typeface="Consolas" panose="020B0609020204030204" pitchFamily="49" charset="0"/>
-              </a:rPr>
-              <a:t>sem</a:t>
-            </a:r>
-            <a:r>
-              <a:rPr lang="pt-BR" altLang="zh-CN" b="0" dirty="0">
-                <a:solidFill>
-                  <a:srgbClr val="000000"/>
-                </a:solidFill>
-                <a:effectLst/>
-                <a:latin typeface="Consolas" panose="020B0609020204030204" pitchFamily="49" charset="0"/>
-              </a:rPr>
-              <a:t>);</a:t>
-            </a:r>
-          </a:p>
-        </p:txBody>
-      </p:sp>
-      <p:sp>
-        <p:nvSpPr>
-          <p:cNvPr id="18" name="Rectangle 2">
-            <a:extLst>
-              <a:ext uri="{FF2B5EF4-FFF2-40B4-BE49-F238E27FC236}">
-                <a16:creationId xmlns:a16="http://schemas.microsoft.com/office/drawing/2014/main" id="{A18B1B3D-31B5-29E2-CF84-EA37A5C3394F}"/>
-              </a:ext>
-            </a:extLst>
-          </p:cNvPr>
-          <p:cNvSpPr>
-            <a:spLocks noChangeArrowheads="1"/>
-          </p:cNvSpPr>
-          <p:nvPr/>
-        </p:nvSpPr>
-        <p:spPr bwMode="auto">
-          <a:xfrm>
-            <a:off x="844550" y="3650965"/>
-            <a:ext cx="10084709" cy="738664"/>
-          </a:xfrm>
-          <a:prstGeom prst="rect">
-            <a:avLst/>
-          </a:prstGeom>
-          <a:noFill/>
-          <a:ln>
-            <a:noFill/>
-          </a:ln>
-          <a:effectLst/>
-        </p:spPr>
-        <p:txBody>
-          <a:bodyPr vert="horz" wrap="square" lIns="91440" tIns="45720" rIns="91440" bIns="45720" numCol="1" anchor="ctr" anchorCtr="0" compatLnSpc="1">
-            <a:prstTxWarp prst="textNoShape">
-              <a:avLst/>
-            </a:prstTxWarp>
-            <a:spAutoFit/>
-          </a:bodyPr>
-          <a:lstStyle/>
-          <a:p>
-            <a:pPr marL="342900" marR="0" lvl="0" indent="-342900" algn="l" defTabSz="914400" rtl="0" eaLnBrk="0" fontAlgn="t" latinLnBrk="0" hangingPunct="0">
-              <a:lnSpc>
-                <a:spcPct val="100000"/>
-              </a:lnSpc>
-              <a:spcBef>
-                <a:spcPct val="0"/>
-              </a:spcBef>
-              <a:spcAft>
-                <a:spcPct val="0"/>
-              </a:spcAft>
-              <a:buClrTx/>
-              <a:buSzTx/>
-              <a:buFont typeface="Wingdings" panose="05000000000000000000" pitchFamily="2" charset="2"/>
-              <a:buChar char="Ø"/>
-              <a:tabLst/>
-            </a:pPr>
-            <a:r>
-              <a:rPr lang="zh-CN" altLang="zh-CN" sz="2400" kern="0" dirty="0">
-                <a:solidFill>
-                  <a:srgbClr val="202020"/>
-                </a:solidFill>
-                <a:latin typeface="Gill Sans MT" panose="020B0502020104020203" pitchFamily="34" charset="0"/>
-                <a:cs typeface="Helvetica"/>
-              </a:rPr>
-              <a:t>Parameters:</a:t>
-            </a:r>
-          </a:p>
-          <a:p>
-            <a:pPr marL="457200" marR="0" lvl="1" indent="0" algn="l" defTabSz="914400" rtl="0" eaLnBrk="0" fontAlgn="base" latinLnBrk="0" hangingPunct="0">
-              <a:lnSpc>
-                <a:spcPct val="100000"/>
-              </a:lnSpc>
-              <a:spcBef>
-                <a:spcPct val="0"/>
-              </a:spcBef>
-              <a:spcAft>
-                <a:spcPct val="0"/>
-              </a:spcAft>
-              <a:buClrTx/>
-              <a:buSzTx/>
-              <a:buFontTx/>
-              <a:buChar char="•"/>
-              <a:tabLst/>
-            </a:pPr>
-            <a:r>
-              <a:rPr lang="en-US" altLang="zh-CN" kern="0" dirty="0">
-                <a:solidFill>
-                  <a:srgbClr val="202020"/>
-                </a:solidFill>
-                <a:latin typeface="Gill Sans MT" panose="020B0502020104020203" pitchFamily="34" charset="0"/>
-                <a:cs typeface="Helvetica"/>
-              </a:rPr>
-              <a:t> </a:t>
-            </a:r>
-            <a:r>
-              <a:rPr lang="en-US" altLang="zh-CN" b="0" dirty="0" err="1">
-                <a:solidFill>
-                  <a:srgbClr val="808080"/>
-                </a:solidFill>
-                <a:effectLst/>
-                <a:latin typeface="Consolas" panose="020B0609020204030204" pitchFamily="49" charset="0"/>
-              </a:rPr>
-              <a:t>sem</a:t>
-            </a:r>
-            <a:r>
-              <a:rPr lang="en-US" altLang="zh-CN" kern="0" dirty="0">
-                <a:solidFill>
-                  <a:srgbClr val="C00000"/>
-                </a:solidFill>
-                <a:latin typeface="Gill Sans MT" panose="020B0502020104020203" pitchFamily="34" charset="0"/>
-                <a:cs typeface="Helvetica"/>
-              </a:rPr>
-              <a:t>: </a:t>
-            </a:r>
-            <a:r>
-              <a:rPr lang="en-US" altLang="zh-CN" kern="0" dirty="0">
-                <a:solidFill>
-                  <a:schemeClr val="tx1">
-                    <a:lumMod val="50000"/>
-                  </a:schemeClr>
-                </a:solidFill>
-                <a:latin typeface="Gill Sans MT" panose="020B0502020104020203" pitchFamily="34" charset="0"/>
-                <a:cs typeface="Helvetica"/>
-              </a:rPr>
-              <a:t>pointer to the semaphore variable.</a:t>
-            </a:r>
-          </a:p>
-        </p:txBody>
-      </p:sp>
-      <p:sp>
-        <p:nvSpPr>
-          <p:cNvPr id="19" name="文本框 18">
-            <a:extLst>
-              <a:ext uri="{FF2B5EF4-FFF2-40B4-BE49-F238E27FC236}">
-                <a16:creationId xmlns:a16="http://schemas.microsoft.com/office/drawing/2014/main" id="{5CABB9FE-E2BB-4A06-2289-2E62E1541A6C}"/>
-              </a:ext>
-            </a:extLst>
-          </p:cNvPr>
-          <p:cNvSpPr txBox="1"/>
-          <p:nvPr/>
-        </p:nvSpPr>
-        <p:spPr>
-          <a:xfrm>
-            <a:off x="844550" y="4307627"/>
-            <a:ext cx="6096000" cy="461665"/>
-          </a:xfrm>
-          <a:prstGeom prst="rect">
-            <a:avLst/>
-          </a:prstGeom>
-          <a:noFill/>
-          <a:ln w="12700" cap="flat">
-            <a:noFill/>
-            <a:miter lim="400000"/>
-          </a:ln>
-          <a:effectLst/>
-          <a:sp3d/>
-        </p:spPr>
-        <p:style>
-          <a:lnRef idx="0">
-            <a:scrgbClr r="0" g="0" b="0"/>
-          </a:lnRef>
-          <a:fillRef idx="0">
-            <a:scrgbClr r="0" g="0" b="0"/>
-          </a:fillRef>
-          <a:effectRef idx="0">
-            <a:scrgbClr r="0" g="0" b="0"/>
-          </a:effectRef>
-          <a:fontRef idx="none"/>
-        </p:style>
-        <p:txBody>
-          <a:bodyPr wrap="square">
-            <a:spAutoFit/>
-          </a:bodyPr>
-          <a:lstStyle/>
-          <a:p>
-            <a:pPr marL="289152" marR="0" lvl="0" indent="-289152" algn="l" defTabSz="412750" rtl="0" eaLnBrk="1" fontAlgn="auto" latinLnBrk="0" hangingPunct="1">
-              <a:lnSpc>
-                <a:spcPct val="100000"/>
-              </a:lnSpc>
-              <a:spcBef>
-                <a:spcPts val="2950"/>
-              </a:spcBef>
-              <a:spcAft>
-                <a:spcPts val="0"/>
-              </a:spcAft>
-              <a:buClrTx/>
-              <a:buSzPct val="100000"/>
-              <a:buFont typeface="Wingdings" panose="05000000000000000000" pitchFamily="2" charset="2"/>
-              <a:buChar char="Ø"/>
-              <a:tabLst/>
-              <a:defRPr/>
-            </a:pPr>
-            <a:r>
-              <a:rPr kumimoji="0" lang="en-US" altLang="zh-CN" sz="2400" b="0" i="0" u="none" strike="noStrike" kern="0" cap="none" spc="0" normalizeH="0" baseline="0" noProof="0" dirty="0">
-                <a:ln>
-                  <a:noFill/>
-                </a:ln>
-                <a:solidFill>
-                  <a:srgbClr val="202020"/>
-                </a:solidFill>
-                <a:effectLst/>
-                <a:uLnTx/>
-                <a:uFillTx/>
-                <a:latin typeface="Gill Sans MT" panose="020B0502020104020203" pitchFamily="34" charset="0"/>
-                <a:cs typeface="Helvetica"/>
-                <a:sym typeface="Helvetica"/>
-              </a:rPr>
-              <a:t>Example:</a:t>
-            </a:r>
-            <a:endParaRPr lang="en-US" altLang="zh-CN" sz="2400" kern="0" dirty="0">
-              <a:solidFill>
-                <a:srgbClr val="202020"/>
-              </a:solidFill>
-              <a:latin typeface="Gill Sans MT" panose="020B0502020104020203" pitchFamily="34" charset="0"/>
-              <a:cs typeface="Helvetica"/>
-              <a:sym typeface="Helvetica"/>
-            </a:endParaRPr>
-          </a:p>
-        </p:txBody>
-      </p:sp>
-      <p:sp>
-        <p:nvSpPr>
-          <p:cNvPr id="6" name="文本框 5">
-            <a:extLst>
-              <a:ext uri="{FF2B5EF4-FFF2-40B4-BE49-F238E27FC236}">
-                <a16:creationId xmlns:a16="http://schemas.microsoft.com/office/drawing/2014/main" id="{11970F9F-5EC6-EC7C-76FE-811228D7001B}"/>
-              </a:ext>
-            </a:extLst>
-          </p:cNvPr>
-          <p:cNvSpPr txBox="1"/>
-          <p:nvPr/>
-        </p:nvSpPr>
-        <p:spPr>
-          <a:xfrm>
-            <a:off x="1262739" y="4796014"/>
-            <a:ext cx="10084709" cy="2031325"/>
-          </a:xfrm>
-          <a:prstGeom prst="rect">
-            <a:avLst/>
-          </a:prstGeom>
-          <a:noFill/>
-          <a:ln w="12700" cap="flat">
-            <a:solidFill>
-              <a:schemeClr val="tx1"/>
-            </a:solidFill>
-            <a:miter lim="400000"/>
-          </a:ln>
-          <a:effectLst/>
-          <a:sp3d/>
-        </p:spPr>
-        <p:style>
-          <a:lnRef idx="0">
-            <a:scrgbClr r="0" g="0" b="0"/>
-          </a:lnRef>
-          <a:fillRef idx="0">
-            <a:scrgbClr r="0" g="0" b="0"/>
-          </a:fillRef>
-          <a:effectRef idx="0">
-            <a:scrgbClr r="0" g="0" b="0"/>
-          </a:effectRef>
-          <a:fontRef idx="none"/>
-        </p:style>
-        <p:txBody>
-          <a:bodyPr wrap="square">
-            <a:spAutoFit/>
-          </a:bodyPr>
-          <a:lstStyle/>
-          <a:p>
-            <a:r>
-              <a:rPr lang="en-HK" altLang="zh-CN" b="0" dirty="0">
-                <a:solidFill>
-                  <a:srgbClr val="8F08C4"/>
-                </a:solidFill>
-                <a:effectLst/>
-                <a:latin typeface="Consolas" panose="020B0609020204030204" pitchFamily="49" charset="0"/>
-              </a:rPr>
-              <a:t>if</a:t>
-            </a:r>
-            <a:r>
-              <a:rPr lang="en-HK" altLang="zh-CN" b="0" dirty="0">
-                <a:solidFill>
-                  <a:srgbClr val="000000"/>
-                </a:solidFill>
-                <a:effectLst/>
-                <a:latin typeface="Consolas" panose="020B0609020204030204" pitchFamily="49" charset="0"/>
-              </a:rPr>
-              <a:t> (</a:t>
-            </a:r>
-            <a:r>
-              <a:rPr lang="en-HK" altLang="zh-CN" b="0" dirty="0" err="1">
-                <a:solidFill>
-                  <a:srgbClr val="74531F"/>
-                </a:solidFill>
-                <a:effectLst/>
-                <a:latin typeface="Consolas" panose="020B0609020204030204" pitchFamily="49" charset="0"/>
-              </a:rPr>
-              <a:t>sem_trywait</a:t>
-            </a:r>
-            <a:r>
-              <a:rPr lang="en-HK" altLang="zh-CN" b="0" dirty="0">
-                <a:solidFill>
-                  <a:srgbClr val="000000"/>
-                </a:solidFill>
-                <a:effectLst/>
-                <a:latin typeface="Consolas" panose="020B0609020204030204" pitchFamily="49" charset="0"/>
-              </a:rPr>
-              <a:t>(&amp;</a:t>
-            </a:r>
-            <a:r>
-              <a:rPr lang="en-HK" altLang="zh-CN" b="0" dirty="0" err="1">
-                <a:solidFill>
-                  <a:srgbClr val="808080"/>
-                </a:solidFill>
-                <a:effectLst/>
-                <a:latin typeface="Consolas" panose="020B0609020204030204" pitchFamily="49" charset="0"/>
-              </a:rPr>
-              <a:t>sem</a:t>
-            </a:r>
-            <a:r>
-              <a:rPr lang="en-HK" altLang="zh-CN" b="0" dirty="0">
-                <a:solidFill>
-                  <a:srgbClr val="000000"/>
-                </a:solidFill>
-                <a:effectLst/>
-                <a:latin typeface="Consolas" panose="020B0609020204030204" pitchFamily="49" charset="0"/>
-              </a:rPr>
-              <a:t>) == </a:t>
-            </a:r>
-            <a:r>
-              <a:rPr lang="en-HK" altLang="zh-CN" b="0" dirty="0">
-                <a:solidFill>
-                  <a:srgbClr val="098658"/>
-                </a:solidFill>
-                <a:effectLst/>
-                <a:latin typeface="Consolas" panose="020B0609020204030204" pitchFamily="49" charset="0"/>
-              </a:rPr>
-              <a:t>0</a:t>
-            </a:r>
-            <a:r>
-              <a:rPr lang="en-HK" altLang="zh-CN" b="0" dirty="0">
-                <a:solidFill>
-                  <a:srgbClr val="000000"/>
-                </a:solidFill>
-                <a:effectLst/>
-                <a:latin typeface="Consolas" panose="020B0609020204030204" pitchFamily="49" charset="0"/>
-              </a:rPr>
-              <a:t>) {</a:t>
-            </a:r>
-          </a:p>
-          <a:p>
-            <a:r>
-              <a:rPr lang="en-HK" altLang="zh-CN" b="0" dirty="0">
-                <a:solidFill>
-                  <a:srgbClr val="000000"/>
-                </a:solidFill>
-                <a:effectLst/>
-                <a:latin typeface="Consolas" panose="020B0609020204030204" pitchFamily="49" charset="0"/>
-              </a:rPr>
-              <a:t>    </a:t>
-            </a:r>
-            <a:r>
-              <a:rPr lang="en-HK" altLang="zh-CN" b="0" dirty="0" err="1">
-                <a:solidFill>
-                  <a:srgbClr val="74531F"/>
-                </a:solidFill>
-                <a:effectLst/>
-                <a:latin typeface="Consolas" panose="020B0609020204030204" pitchFamily="49" charset="0"/>
-              </a:rPr>
-              <a:t>printf</a:t>
-            </a:r>
-            <a:r>
-              <a:rPr lang="en-HK" altLang="zh-CN" b="0" dirty="0">
-                <a:solidFill>
-                  <a:srgbClr val="000000"/>
-                </a:solidFill>
-                <a:effectLst/>
-                <a:latin typeface="Consolas" panose="020B0609020204030204" pitchFamily="49" charset="0"/>
-              </a:rPr>
-              <a:t>(</a:t>
-            </a:r>
-            <a:r>
-              <a:rPr lang="en-HK" altLang="zh-CN" b="0" dirty="0">
-                <a:solidFill>
-                  <a:srgbClr val="E21F1F"/>
-                </a:solidFill>
-                <a:effectLst/>
-                <a:latin typeface="Consolas" panose="020B0609020204030204" pitchFamily="49" charset="0"/>
-              </a:rPr>
-              <a:t>"</a:t>
-            </a:r>
-            <a:r>
-              <a:rPr lang="en-HK" altLang="zh-CN" b="0" dirty="0">
-                <a:solidFill>
-                  <a:srgbClr val="A31515"/>
-                </a:solidFill>
-                <a:effectLst/>
-                <a:latin typeface="Consolas" panose="020B0609020204030204" pitchFamily="49" charset="0"/>
-              </a:rPr>
-              <a:t>Semaphore acquired!</a:t>
-            </a:r>
-            <a:r>
-              <a:rPr lang="en-HK" altLang="zh-CN" b="0" dirty="0">
-                <a:solidFill>
-                  <a:srgbClr val="B776FB"/>
-                </a:solidFill>
-                <a:effectLst/>
-                <a:latin typeface="Consolas" panose="020B0609020204030204" pitchFamily="49" charset="0"/>
-              </a:rPr>
-              <a:t>\n</a:t>
-            </a:r>
-            <a:r>
-              <a:rPr lang="en-HK" altLang="zh-CN" b="0" dirty="0">
-                <a:solidFill>
-                  <a:srgbClr val="E21F1F"/>
-                </a:solidFill>
-                <a:effectLst/>
-                <a:latin typeface="Consolas" panose="020B0609020204030204" pitchFamily="49" charset="0"/>
-              </a:rPr>
-              <a:t>"</a:t>
-            </a:r>
-            <a:r>
-              <a:rPr lang="en-HK" altLang="zh-CN" b="0" dirty="0">
-                <a:solidFill>
-                  <a:srgbClr val="000000"/>
-                </a:solidFill>
-                <a:effectLst/>
-                <a:latin typeface="Consolas" panose="020B0609020204030204" pitchFamily="49" charset="0"/>
-              </a:rPr>
-              <a:t>);</a:t>
-            </a:r>
-          </a:p>
-          <a:p>
-            <a:r>
-              <a:rPr lang="en-HK" altLang="zh-CN" b="0" dirty="0">
-                <a:solidFill>
-                  <a:srgbClr val="000000"/>
-                </a:solidFill>
-                <a:effectLst/>
-                <a:latin typeface="Consolas" panose="020B0609020204030204" pitchFamily="49" charset="0"/>
-              </a:rPr>
-              <a:t>} </a:t>
-            </a:r>
-            <a:r>
-              <a:rPr lang="en-HK" altLang="zh-CN" b="0" dirty="0">
-                <a:solidFill>
-                  <a:srgbClr val="8F08C4"/>
-                </a:solidFill>
-                <a:effectLst/>
-                <a:latin typeface="Consolas" panose="020B0609020204030204" pitchFamily="49" charset="0"/>
-              </a:rPr>
-              <a:t>else</a:t>
-            </a:r>
-            <a:r>
-              <a:rPr lang="en-HK" altLang="zh-CN" b="0" dirty="0">
-                <a:solidFill>
-                  <a:srgbClr val="000000"/>
-                </a:solidFill>
-                <a:effectLst/>
-                <a:latin typeface="Consolas" panose="020B0609020204030204" pitchFamily="49" charset="0"/>
-              </a:rPr>
-              <a:t> {</a:t>
-            </a:r>
-          </a:p>
-          <a:p>
-            <a:r>
-              <a:rPr lang="en-HK" altLang="zh-CN" b="0" dirty="0">
-                <a:solidFill>
-                  <a:srgbClr val="000000"/>
-                </a:solidFill>
-                <a:effectLst/>
-                <a:latin typeface="Consolas" panose="020B0609020204030204" pitchFamily="49" charset="0"/>
-              </a:rPr>
-              <a:t>    </a:t>
-            </a:r>
-            <a:r>
-              <a:rPr lang="en-HK" altLang="zh-CN" b="0" dirty="0">
-                <a:solidFill>
-                  <a:srgbClr val="8F08C4"/>
-                </a:solidFill>
-                <a:effectLst/>
-                <a:latin typeface="Consolas" panose="020B0609020204030204" pitchFamily="49" charset="0"/>
-              </a:rPr>
-              <a:t>if</a:t>
-            </a:r>
-            <a:r>
-              <a:rPr lang="en-HK" altLang="zh-CN" b="0" dirty="0">
-                <a:solidFill>
-                  <a:srgbClr val="000000"/>
-                </a:solidFill>
-                <a:effectLst/>
-                <a:latin typeface="Consolas" panose="020B0609020204030204" pitchFamily="49" charset="0"/>
-              </a:rPr>
-              <a:t> (</a:t>
-            </a:r>
-            <a:r>
-              <a:rPr lang="en-HK" altLang="zh-CN" b="0" dirty="0" err="1">
-                <a:solidFill>
-                  <a:srgbClr val="000000"/>
-                </a:solidFill>
-                <a:effectLst/>
-                <a:latin typeface="Consolas" panose="020B0609020204030204" pitchFamily="49" charset="0"/>
-              </a:rPr>
-              <a:t>errno</a:t>
-            </a:r>
-            <a:r>
-              <a:rPr lang="en-HK" altLang="zh-CN" b="0" dirty="0">
-                <a:solidFill>
-                  <a:srgbClr val="000000"/>
-                </a:solidFill>
-                <a:effectLst/>
-                <a:latin typeface="Consolas" panose="020B0609020204030204" pitchFamily="49" charset="0"/>
-              </a:rPr>
-              <a:t> == EAGAIN) {</a:t>
-            </a:r>
-          </a:p>
-          <a:p>
-            <a:r>
-              <a:rPr lang="en-HK" altLang="zh-CN" b="0" dirty="0">
-                <a:solidFill>
-                  <a:srgbClr val="000000"/>
-                </a:solidFill>
-                <a:effectLst/>
-                <a:latin typeface="Consolas" panose="020B0609020204030204" pitchFamily="49" charset="0"/>
-              </a:rPr>
-              <a:t>        </a:t>
-            </a:r>
-            <a:r>
-              <a:rPr lang="en-HK" altLang="zh-CN" b="0" dirty="0" err="1">
-                <a:solidFill>
-                  <a:srgbClr val="74531F"/>
-                </a:solidFill>
-                <a:effectLst/>
-                <a:latin typeface="Consolas" panose="020B0609020204030204" pitchFamily="49" charset="0"/>
-              </a:rPr>
-              <a:t>printf</a:t>
-            </a:r>
-            <a:r>
-              <a:rPr lang="en-HK" altLang="zh-CN" b="0" dirty="0">
-                <a:solidFill>
-                  <a:srgbClr val="000000"/>
-                </a:solidFill>
-                <a:effectLst/>
-                <a:latin typeface="Consolas" panose="020B0609020204030204" pitchFamily="49" charset="0"/>
-              </a:rPr>
-              <a:t>(</a:t>
-            </a:r>
-            <a:r>
-              <a:rPr lang="en-HK" altLang="zh-CN" b="0" dirty="0">
-                <a:solidFill>
-                  <a:srgbClr val="E21F1F"/>
-                </a:solidFill>
-                <a:effectLst/>
-                <a:latin typeface="Consolas" panose="020B0609020204030204" pitchFamily="49" charset="0"/>
-              </a:rPr>
-              <a:t>"</a:t>
-            </a:r>
-            <a:r>
-              <a:rPr lang="en-HK" altLang="zh-CN" b="0" dirty="0">
-                <a:solidFill>
-                  <a:srgbClr val="A31515"/>
-                </a:solidFill>
-                <a:effectLst/>
-                <a:latin typeface="Consolas" panose="020B0609020204030204" pitchFamily="49" charset="0"/>
-              </a:rPr>
-              <a:t>Semaphore unavailable, try again later.</a:t>
-            </a:r>
-            <a:r>
-              <a:rPr lang="en-HK" altLang="zh-CN" b="0" dirty="0">
-                <a:solidFill>
-                  <a:srgbClr val="B776FB"/>
-                </a:solidFill>
-                <a:effectLst/>
-                <a:latin typeface="Consolas" panose="020B0609020204030204" pitchFamily="49" charset="0"/>
-              </a:rPr>
-              <a:t>\n</a:t>
-            </a:r>
-            <a:r>
-              <a:rPr lang="en-HK" altLang="zh-CN" b="0" dirty="0">
-                <a:solidFill>
-                  <a:srgbClr val="E21F1F"/>
-                </a:solidFill>
-                <a:effectLst/>
-                <a:latin typeface="Consolas" panose="020B0609020204030204" pitchFamily="49" charset="0"/>
-              </a:rPr>
-              <a:t>"</a:t>
-            </a:r>
-            <a:r>
-              <a:rPr lang="en-HK" altLang="zh-CN" b="0" dirty="0">
-                <a:solidFill>
-                  <a:srgbClr val="000000"/>
-                </a:solidFill>
-                <a:effectLst/>
-                <a:latin typeface="Consolas" panose="020B0609020204030204" pitchFamily="49" charset="0"/>
-              </a:rPr>
-              <a:t>);</a:t>
-            </a:r>
-          </a:p>
-          <a:p>
-            <a:r>
-              <a:rPr lang="en-HK" altLang="zh-CN" b="0" dirty="0">
-                <a:solidFill>
-                  <a:srgbClr val="000000"/>
-                </a:solidFill>
-                <a:effectLst/>
-                <a:latin typeface="Consolas" panose="020B0609020204030204" pitchFamily="49" charset="0"/>
-              </a:rPr>
-              <a:t>    }</a:t>
-            </a:r>
-          </a:p>
-          <a:p>
-            <a:r>
-              <a:rPr lang="en-HK" altLang="zh-CN" b="0" dirty="0">
-                <a:solidFill>
-                  <a:srgbClr val="000000"/>
-                </a:solidFill>
-                <a:effectLst/>
-                <a:latin typeface="Consolas" panose="020B0609020204030204" pitchFamily="49" charset="0"/>
-              </a:rPr>
-              <a:t>}</a:t>
-            </a:r>
-          </a:p>
-        </p:txBody>
-      </p:sp>
-    </p:spTree>
-    <p:extLst>
-      <p:ext uri="{BB962C8B-B14F-4D97-AF65-F5344CB8AC3E}">
-        <p14:creationId xmlns:p14="http://schemas.microsoft.com/office/powerpoint/2010/main" val="4233124307"/>
-      </p:ext>
-    </p:extLst>
-  </p:cSld>
-  <p:clrMapOvr>
-    <a:masterClrMapping/>
-  </p:clrMapOvr>
-  <p:transition spd="med"/>
-</p:sld>
-</file>
-
-<file path=ppt/slides/slide11.xml><?xml version="1.0" encoding="utf-8"?>
-<p:sld xmlns:a="http://schemas.openxmlformats.org/drawingml/2006/main" xmlns:r="http://schemas.openxmlformats.org/officeDocument/2006/relationships" xmlns:p="http://schemas.openxmlformats.org/presentationml/2006/main">
-  <p:cSld>
-    <p:spTree>
-      <p:nvGrpSpPr>
-        <p:cNvPr id="1" name=""/>
-        <p:cNvGrpSpPr/>
-        <p:nvPr/>
-      </p:nvGrpSpPr>
-      <p:grpSpPr>
-        <a:xfrm>
-          <a:off x="0" y="0"/>
-          <a:ext cx="0" cy="0"/>
-          <a:chOff x="0" y="0"/>
-          <a:chExt cx="0" cy="0"/>
-        </a:xfrm>
-      </p:grpSpPr>
-      <p:sp>
-        <p:nvSpPr>
-          <p:cNvPr id="2" name="Title 1">
-            <a:extLst>
-              <a:ext uri="{FF2B5EF4-FFF2-40B4-BE49-F238E27FC236}">
-                <a16:creationId xmlns:a16="http://schemas.microsoft.com/office/drawing/2014/main" id="{62715A2E-656D-EC5D-FDE7-230488526EFC}"/>
-              </a:ext>
-            </a:extLst>
-          </p:cNvPr>
-          <p:cNvSpPr>
-            <a:spLocks noGrp="1"/>
-          </p:cNvSpPr>
-          <p:nvPr>
-            <p:ph type="title"/>
-          </p:nvPr>
-        </p:nvSpPr>
-        <p:spPr/>
-        <p:txBody>
-          <a:bodyPr/>
-          <a:lstStyle/>
-          <a:p>
-            <a:r>
-              <a:rPr lang="en-US" dirty="0"/>
-              <a:t>4. </a:t>
-            </a:r>
-            <a:r>
-              <a:rPr lang="en-US" dirty="0" err="1"/>
-              <a:t>sem_destroy</a:t>
-            </a:r>
-            <a:endParaRPr lang="en-US" dirty="0"/>
-          </a:p>
-        </p:txBody>
-      </p:sp>
-      <p:sp>
-        <p:nvSpPr>
-          <p:cNvPr id="4" name="Slide Number Placeholder 3">
-            <a:extLst>
-              <a:ext uri="{FF2B5EF4-FFF2-40B4-BE49-F238E27FC236}">
-                <a16:creationId xmlns:a16="http://schemas.microsoft.com/office/drawing/2014/main" id="{C903FAE4-3A59-50C4-1BA6-A9AEC61D52CB}"/>
-              </a:ext>
-            </a:extLst>
-          </p:cNvPr>
-          <p:cNvSpPr>
-            <a:spLocks noGrp="1"/>
-          </p:cNvSpPr>
-          <p:nvPr>
-            <p:ph type="sldNum" sz="quarter" idx="2"/>
-          </p:nvPr>
-        </p:nvSpPr>
-        <p:spPr>
-          <a:xfrm>
-            <a:off x="11686121" y="6400800"/>
-            <a:ext cx="218008" cy="379591"/>
-          </a:xfrm>
-        </p:spPr>
-        <p:txBody>
-          <a:bodyPr/>
-          <a:lstStyle/>
-          <a:p>
-            <a:pPr marL="0" marR="0" lvl="0" indent="0" algn="ctr" defTabSz="412750" rtl="0" eaLnBrk="1" fontAlgn="auto" latinLnBrk="0" hangingPunct="0">
-              <a:lnSpc>
-                <a:spcPct val="100000"/>
-              </a:lnSpc>
-              <a:spcBef>
-                <a:spcPts val="0"/>
-              </a:spcBef>
-              <a:spcAft>
-                <a:spcPts val="0"/>
-              </a:spcAft>
-              <a:buClrTx/>
-              <a:buSzTx/>
-              <a:buFontTx/>
-              <a:buNone/>
-              <a:tabLst/>
-              <a:defRPr/>
-            </a:pPr>
-            <a:fld id="{86CB4B4D-7CA3-9044-876B-883B54F8677D}" type="slidenum">
-              <a:rPr kumimoji="0" lang="en-US" sz="1800" b="0" i="0" u="none" strike="noStrike" kern="0" cap="none" spc="0" normalizeH="0" baseline="0" noProof="0">
-                <a:ln>
-                  <a:noFill/>
-                </a:ln>
-                <a:solidFill>
-                  <a:srgbClr val="800080"/>
-                </a:solidFill>
-                <a:effectLst/>
-                <a:uLnTx/>
-                <a:uFillTx/>
-                <a:latin typeface="Gill Sans MT" panose="020B0502020104020203" pitchFamily="34" charset="0"/>
-                <a:cs typeface="Helvetica"/>
-                <a:sym typeface="Helvetica"/>
-              </a:rPr>
-              <a:pPr marL="0" marR="0" lvl="0" indent="0" algn="ctr" defTabSz="412750" rtl="0" eaLnBrk="1" fontAlgn="auto" latinLnBrk="0" hangingPunct="0">
-                <a:lnSpc>
-                  <a:spcPct val="100000"/>
-                </a:lnSpc>
-                <a:spcBef>
-                  <a:spcPts val="0"/>
-                </a:spcBef>
-                <a:spcAft>
-                  <a:spcPts val="0"/>
-                </a:spcAft>
-                <a:buClrTx/>
-                <a:buSzTx/>
-                <a:buFontTx/>
-                <a:buNone/>
-                <a:tabLst/>
-                <a:defRPr/>
-              </a:pPr>
-              <a:t>11</a:t>
-            </a:fld>
-            <a:endParaRPr kumimoji="0" lang="en-US" sz="1800" b="0" i="0" u="none" strike="noStrike" kern="0" cap="none" spc="0" normalizeH="0" baseline="0" noProof="0">
-              <a:ln>
-                <a:noFill/>
-              </a:ln>
-              <a:solidFill>
-                <a:srgbClr val="800080"/>
-              </a:solidFill>
-              <a:effectLst/>
-              <a:uLnTx/>
-              <a:uFillTx/>
-              <a:latin typeface="Gill Sans MT" panose="020B0502020104020203" pitchFamily="34" charset="0"/>
-              <a:cs typeface="Helvetica"/>
-              <a:sym typeface="Helvetica"/>
-            </a:endParaRPr>
-          </a:p>
-        </p:txBody>
-      </p:sp>
-      <p:sp>
-        <p:nvSpPr>
-          <p:cNvPr id="8" name="文本占位符 7">
-            <a:extLst>
-              <a:ext uri="{FF2B5EF4-FFF2-40B4-BE49-F238E27FC236}">
-                <a16:creationId xmlns:a16="http://schemas.microsoft.com/office/drawing/2014/main" id="{1D68554F-5AF8-7E1E-17A3-DE6F9E0E8871}"/>
-              </a:ext>
-            </a:extLst>
-          </p:cNvPr>
-          <p:cNvSpPr>
-            <a:spLocks noGrp="1"/>
-          </p:cNvSpPr>
-          <p:nvPr>
-            <p:ph type="body" idx="1"/>
-          </p:nvPr>
-        </p:nvSpPr>
-        <p:spPr>
-          <a:xfrm>
-            <a:off x="844550" y="1229567"/>
-            <a:ext cx="10502900" cy="805912"/>
-          </a:xfrm>
-        </p:spPr>
-        <p:txBody>
-          <a:bodyPr>
-            <a:normAutofit/>
-          </a:bodyPr>
-          <a:lstStyle/>
-          <a:p>
-            <a:pPr marL="342900" marR="0" lvl="0" indent="-342900" algn="l" defTabSz="914400" rtl="0" eaLnBrk="0" fontAlgn="t" latinLnBrk="0" hangingPunct="0">
-              <a:lnSpc>
-                <a:spcPct val="100000"/>
-              </a:lnSpc>
-              <a:spcBef>
-                <a:spcPct val="0"/>
-              </a:spcBef>
-              <a:spcAft>
-                <a:spcPct val="0"/>
-              </a:spcAft>
-              <a:buClrTx/>
-              <a:buSzTx/>
-              <a:buFont typeface="Wingdings" panose="05000000000000000000" pitchFamily="2" charset="2"/>
-              <a:buChar char="Ø"/>
-              <a:tabLst/>
-              <a:defRPr/>
-            </a:pPr>
-            <a:r>
-              <a:rPr lang="en-US" altLang="zh-CN" sz="2400" dirty="0"/>
-              <a:t>Purpose: used to destroy the </a:t>
-            </a:r>
-            <a:r>
-              <a:rPr lang="en-US" altLang="zh-CN" sz="2400" i="1" u="sng" dirty="0"/>
-              <a:t>unnamed semaphore</a:t>
-            </a:r>
-            <a:r>
-              <a:rPr lang="en-US" altLang="zh-CN" sz="2400" dirty="0"/>
-              <a:t>.</a:t>
-            </a:r>
-            <a:endParaRPr kumimoji="0" lang="zh-CN" altLang="zh-CN" sz="2400" b="0" i="0" u="none" strike="noStrike" kern="0" cap="none" spc="0" normalizeH="0" baseline="0" noProof="0" dirty="0">
-              <a:ln>
-                <a:noFill/>
-              </a:ln>
-              <a:solidFill>
-                <a:srgbClr val="202020"/>
-              </a:solidFill>
-              <a:effectLst/>
-              <a:uLnTx/>
-              <a:uFillTx/>
-              <a:latin typeface="Gill Sans MT" panose="020B0502020104020203" pitchFamily="34" charset="0"/>
-              <a:cs typeface="Helvetica"/>
-            </a:endParaRPr>
-          </a:p>
-          <a:p>
-            <a:pPr marL="457200" marR="0" lvl="1" indent="0" algn="l" defTabSz="914400" rtl="0" eaLnBrk="0" fontAlgn="base" latinLnBrk="0" hangingPunct="0">
-              <a:lnSpc>
-                <a:spcPct val="100000"/>
-              </a:lnSpc>
-              <a:spcBef>
-                <a:spcPct val="0"/>
-              </a:spcBef>
-              <a:spcAft>
-                <a:spcPct val="0"/>
-              </a:spcAft>
-              <a:buClrTx/>
-              <a:buSzTx/>
-              <a:buFontTx/>
-              <a:buChar char="•"/>
-              <a:tabLst/>
-              <a:defRPr/>
-            </a:pPr>
-            <a:r>
-              <a:rPr kumimoji="0" lang="en-US" altLang="zh-CN" sz="1800" b="0" i="0" u="none" strike="noStrike" kern="0" cap="none" spc="0" normalizeH="0" baseline="0" noProof="0" dirty="0">
-                <a:ln>
-                  <a:noFill/>
-                </a:ln>
-                <a:solidFill>
-                  <a:srgbClr val="202020"/>
-                </a:solidFill>
-                <a:effectLst/>
-                <a:uLnTx/>
-                <a:uFillTx/>
-                <a:latin typeface="Gill Sans MT" panose="020B0502020104020203" pitchFamily="34" charset="0"/>
-                <a:cs typeface="Helvetica"/>
-              </a:rPr>
-              <a:t> Only a semaphore that was created using </a:t>
-            </a:r>
-            <a:r>
-              <a:rPr lang="en-US" altLang="zh-CN" sz="1900" kern="1200" dirty="0" err="1">
-                <a:solidFill>
-                  <a:srgbClr val="74531F"/>
-                </a:solidFill>
-                <a:latin typeface="Consolas" panose="020B0609020204030204" pitchFamily="49" charset="0"/>
-              </a:rPr>
-              <a:t>sem_init</a:t>
-            </a:r>
-            <a:r>
-              <a:rPr lang="en-US" altLang="zh-CN" sz="1900" kern="1200" dirty="0">
-                <a:solidFill>
-                  <a:srgbClr val="74531F"/>
-                </a:solidFill>
-                <a:latin typeface="Consolas" panose="020B0609020204030204" pitchFamily="49" charset="0"/>
-              </a:rPr>
-              <a:t>() </a:t>
-            </a:r>
-            <a:r>
-              <a:rPr kumimoji="0" lang="en-US" altLang="zh-CN" sz="1800" b="0" i="0" u="none" strike="noStrike" kern="0" cap="none" spc="0" normalizeH="0" baseline="0" noProof="0" dirty="0">
-                <a:ln>
-                  <a:noFill/>
-                </a:ln>
-                <a:solidFill>
-                  <a:srgbClr val="202020"/>
-                </a:solidFill>
-                <a:effectLst/>
-                <a:uLnTx/>
-                <a:uFillTx/>
-                <a:latin typeface="Gill Sans MT" panose="020B0502020104020203" pitchFamily="34" charset="0"/>
-                <a:cs typeface="Helvetica"/>
-              </a:rPr>
-              <a:t>may be destroyed using </a:t>
-            </a:r>
-            <a:r>
-              <a:rPr lang="en-US" altLang="zh-CN" sz="1900" kern="1200" dirty="0" err="1">
-                <a:solidFill>
-                  <a:srgbClr val="74531F"/>
-                </a:solidFill>
-                <a:latin typeface="Consolas" panose="020B0609020204030204" pitchFamily="49" charset="0"/>
-              </a:rPr>
-              <a:t>sem_destroy</a:t>
-            </a:r>
-            <a:r>
-              <a:rPr lang="en-US" altLang="zh-CN" sz="1900" kern="1200" dirty="0">
-                <a:solidFill>
-                  <a:srgbClr val="74531F"/>
-                </a:solidFill>
-                <a:latin typeface="Consolas" panose="020B0609020204030204" pitchFamily="49" charset="0"/>
-              </a:rPr>
-              <a:t>().</a:t>
-            </a:r>
-          </a:p>
-        </p:txBody>
-      </p:sp>
-      <p:sp>
-        <p:nvSpPr>
-          <p:cNvPr id="13" name="文本框 12">
-            <a:extLst>
-              <a:ext uri="{FF2B5EF4-FFF2-40B4-BE49-F238E27FC236}">
-                <a16:creationId xmlns:a16="http://schemas.microsoft.com/office/drawing/2014/main" id="{ED25030F-4FDC-B91B-5C28-8CD4A7CDFC47}"/>
-              </a:ext>
-            </a:extLst>
-          </p:cNvPr>
-          <p:cNvSpPr txBox="1"/>
-          <p:nvPr/>
-        </p:nvSpPr>
-        <p:spPr>
-          <a:xfrm>
-            <a:off x="844550" y="2017699"/>
-            <a:ext cx="6096000" cy="461665"/>
-          </a:xfrm>
-          <a:prstGeom prst="rect">
-            <a:avLst/>
-          </a:prstGeom>
-          <a:noFill/>
-          <a:ln w="12700" cap="flat">
-            <a:noFill/>
-            <a:miter lim="400000"/>
-          </a:ln>
-          <a:effectLst/>
-          <a:sp3d/>
-        </p:spPr>
-        <p:style>
-          <a:lnRef idx="0">
-            <a:scrgbClr r="0" g="0" b="0"/>
-          </a:lnRef>
-          <a:fillRef idx="0">
-            <a:scrgbClr r="0" g="0" b="0"/>
-          </a:fillRef>
-          <a:effectRef idx="0">
-            <a:scrgbClr r="0" g="0" b="0"/>
-          </a:effectRef>
-          <a:fontRef idx="none"/>
-        </p:style>
-        <p:txBody>
-          <a:bodyPr wrap="square">
-            <a:spAutoFit/>
-          </a:bodyPr>
-          <a:lstStyle/>
-          <a:p>
-            <a:pPr marL="289152" marR="0" lvl="0" indent="-289152" algn="l" defTabSz="412750" rtl="0" eaLnBrk="1" fontAlgn="auto" latinLnBrk="0" hangingPunct="1">
-              <a:lnSpc>
-                <a:spcPct val="100000"/>
-              </a:lnSpc>
-              <a:spcBef>
-                <a:spcPts val="2950"/>
-              </a:spcBef>
-              <a:spcAft>
-                <a:spcPts val="0"/>
-              </a:spcAft>
-              <a:buClrTx/>
-              <a:buSzPct val="100000"/>
-              <a:buFont typeface="Wingdings" panose="05000000000000000000" pitchFamily="2" charset="2"/>
-              <a:buChar char="Ø"/>
-              <a:tabLst/>
-              <a:defRPr/>
-            </a:pPr>
-            <a:r>
-              <a:rPr kumimoji="0" lang="en-US" altLang="zh-CN" sz="2400" b="0" i="0" u="none" strike="noStrike" kern="0" cap="none" spc="0" normalizeH="0" baseline="0" noProof="0" dirty="0">
-                <a:ln>
-                  <a:noFill/>
-                </a:ln>
-                <a:solidFill>
-                  <a:srgbClr val="202020"/>
-                </a:solidFill>
-                <a:effectLst/>
-                <a:uLnTx/>
-                <a:uFillTx/>
-                <a:latin typeface="Gill Sans MT" panose="020B0502020104020203" pitchFamily="34" charset="0"/>
-                <a:cs typeface="Helvetica"/>
-                <a:sym typeface="Helvetica"/>
-              </a:rPr>
-              <a:t>Syntax:</a:t>
-            </a:r>
-            <a:endParaRPr kumimoji="0" lang="zh-CN" altLang="en-US" sz="2400" b="0" i="0" u="none" strike="noStrike" kern="0" cap="none" spc="0" normalizeH="0" baseline="0" noProof="0" dirty="0">
-              <a:ln>
-                <a:noFill/>
-              </a:ln>
-              <a:solidFill>
-                <a:srgbClr val="202020"/>
-              </a:solidFill>
-              <a:effectLst/>
-              <a:uLnTx/>
-              <a:uFillTx/>
-              <a:latin typeface="Gill Sans MT" panose="020B0502020104020203" pitchFamily="34" charset="0"/>
-              <a:cs typeface="Helvetica"/>
-              <a:sym typeface="Helvetica"/>
-            </a:endParaRPr>
-          </a:p>
-        </p:txBody>
-      </p:sp>
-      <p:sp>
-        <p:nvSpPr>
-          <p:cNvPr id="17" name="文本框 16">
-            <a:extLst>
-              <a:ext uri="{FF2B5EF4-FFF2-40B4-BE49-F238E27FC236}">
-                <a16:creationId xmlns:a16="http://schemas.microsoft.com/office/drawing/2014/main" id="{6581B964-F4DA-382E-A5CC-2C7FCE505809}"/>
-              </a:ext>
-            </a:extLst>
-          </p:cNvPr>
-          <p:cNvSpPr txBox="1"/>
-          <p:nvPr/>
-        </p:nvSpPr>
-        <p:spPr>
-          <a:xfrm>
-            <a:off x="1262740" y="2545999"/>
-            <a:ext cx="10084709" cy="369332"/>
-          </a:xfrm>
-          <a:prstGeom prst="rect">
-            <a:avLst/>
-          </a:prstGeom>
-          <a:noFill/>
-          <a:ln w="12700" cap="flat">
-            <a:solidFill>
-              <a:schemeClr val="tx1"/>
-            </a:solidFill>
-            <a:miter lim="400000"/>
-          </a:ln>
-          <a:effectLst/>
-          <a:sp3d/>
-        </p:spPr>
-        <p:style>
-          <a:lnRef idx="0">
-            <a:scrgbClr r="0" g="0" b="0"/>
-          </a:lnRef>
-          <a:fillRef idx="0">
-            <a:scrgbClr r="0" g="0" b="0"/>
-          </a:fillRef>
-          <a:effectRef idx="0">
-            <a:scrgbClr r="0" g="0" b="0"/>
-          </a:effectRef>
-          <a:fontRef idx="none"/>
-        </p:style>
-        <p:txBody>
-          <a:bodyPr wrap="square">
-            <a:spAutoFit/>
-          </a:bodyPr>
-          <a:lstStyle/>
-          <a:p>
-            <a:r>
-              <a:rPr lang="pt-BR" altLang="zh-CN" b="0" dirty="0">
-                <a:solidFill>
-                  <a:srgbClr val="0000FF"/>
-                </a:solidFill>
-                <a:effectLst/>
-                <a:latin typeface="Consolas" panose="020B0609020204030204" pitchFamily="49" charset="0"/>
-              </a:rPr>
-              <a:t>int</a:t>
-            </a:r>
-            <a:r>
-              <a:rPr lang="pt-BR" altLang="zh-CN" b="0" dirty="0">
-                <a:solidFill>
-                  <a:srgbClr val="000000"/>
-                </a:solidFill>
-                <a:effectLst/>
-                <a:latin typeface="Consolas" panose="020B0609020204030204" pitchFamily="49" charset="0"/>
-              </a:rPr>
-              <a:t> </a:t>
-            </a:r>
-            <a:r>
-              <a:rPr lang="pt-BR" altLang="zh-CN" b="0" dirty="0">
-                <a:solidFill>
-                  <a:srgbClr val="74531F"/>
-                </a:solidFill>
-                <a:effectLst/>
-                <a:latin typeface="Consolas" panose="020B0609020204030204" pitchFamily="49" charset="0"/>
-              </a:rPr>
-              <a:t>sem_destroy</a:t>
-            </a:r>
-            <a:r>
-              <a:rPr lang="pt-BR" altLang="zh-CN" b="0" dirty="0">
-                <a:solidFill>
-                  <a:srgbClr val="000000"/>
-                </a:solidFill>
-                <a:effectLst/>
-                <a:latin typeface="Consolas" panose="020B0609020204030204" pitchFamily="49" charset="0"/>
-              </a:rPr>
-              <a:t>(</a:t>
-            </a:r>
-            <a:r>
-              <a:rPr lang="pt-BR" altLang="zh-CN" b="0" dirty="0">
-                <a:solidFill>
-                  <a:srgbClr val="2B91AF"/>
-                </a:solidFill>
-                <a:effectLst/>
-                <a:latin typeface="Consolas" panose="020B0609020204030204" pitchFamily="49" charset="0"/>
-              </a:rPr>
-              <a:t>sem_t</a:t>
-            </a:r>
-            <a:r>
-              <a:rPr lang="pt-BR" altLang="zh-CN" b="0" dirty="0">
-                <a:solidFill>
-                  <a:srgbClr val="000000"/>
-                </a:solidFill>
-                <a:effectLst/>
-                <a:latin typeface="Consolas" panose="020B0609020204030204" pitchFamily="49" charset="0"/>
-              </a:rPr>
-              <a:t> *</a:t>
-            </a:r>
-            <a:r>
-              <a:rPr lang="pt-BR" altLang="zh-CN" b="0" dirty="0">
-                <a:solidFill>
-                  <a:srgbClr val="808080"/>
-                </a:solidFill>
-                <a:effectLst/>
-                <a:latin typeface="Consolas" panose="020B0609020204030204" pitchFamily="49" charset="0"/>
-              </a:rPr>
-              <a:t>sem</a:t>
-            </a:r>
-            <a:r>
-              <a:rPr lang="pt-BR" altLang="zh-CN" b="0" dirty="0">
-                <a:solidFill>
-                  <a:srgbClr val="000000"/>
-                </a:solidFill>
-                <a:effectLst/>
-                <a:latin typeface="Consolas" panose="020B0609020204030204" pitchFamily="49" charset="0"/>
-              </a:rPr>
-              <a:t>);</a:t>
-            </a:r>
-          </a:p>
-        </p:txBody>
-      </p:sp>
-      <p:sp>
-        <p:nvSpPr>
-          <p:cNvPr id="18" name="Rectangle 2">
-            <a:extLst>
-              <a:ext uri="{FF2B5EF4-FFF2-40B4-BE49-F238E27FC236}">
-                <a16:creationId xmlns:a16="http://schemas.microsoft.com/office/drawing/2014/main" id="{A18B1B3D-31B5-29E2-CF84-EA37A5C3394F}"/>
-              </a:ext>
-            </a:extLst>
-          </p:cNvPr>
-          <p:cNvSpPr>
-            <a:spLocks noChangeArrowheads="1"/>
-          </p:cNvSpPr>
-          <p:nvPr/>
-        </p:nvSpPr>
-        <p:spPr bwMode="auto">
-          <a:xfrm>
-            <a:off x="844550" y="3200030"/>
-            <a:ext cx="10084709" cy="738664"/>
-          </a:xfrm>
-          <a:prstGeom prst="rect">
-            <a:avLst/>
-          </a:prstGeom>
-          <a:noFill/>
-          <a:ln>
-            <a:noFill/>
-          </a:ln>
-          <a:effectLst/>
-        </p:spPr>
-        <p:txBody>
-          <a:bodyPr vert="horz" wrap="square" lIns="91440" tIns="45720" rIns="91440" bIns="45720" numCol="1" anchor="ctr" anchorCtr="0" compatLnSpc="1">
-            <a:prstTxWarp prst="textNoShape">
-              <a:avLst/>
-            </a:prstTxWarp>
-            <a:spAutoFit/>
-          </a:bodyPr>
-          <a:lstStyle/>
-          <a:p>
-            <a:pPr marL="342900" marR="0" lvl="0" indent="-342900" algn="l" defTabSz="914400" rtl="0" eaLnBrk="0" fontAlgn="t" latinLnBrk="0" hangingPunct="0">
-              <a:lnSpc>
-                <a:spcPct val="100000"/>
-              </a:lnSpc>
-              <a:spcBef>
-                <a:spcPct val="0"/>
-              </a:spcBef>
-              <a:spcAft>
-                <a:spcPct val="0"/>
-              </a:spcAft>
-              <a:buClrTx/>
-              <a:buSzTx/>
-              <a:buFont typeface="Wingdings" panose="05000000000000000000" pitchFamily="2" charset="2"/>
-              <a:buChar char="Ø"/>
-              <a:tabLst/>
-            </a:pPr>
-            <a:r>
-              <a:rPr lang="zh-CN" altLang="zh-CN" sz="2400" kern="0" dirty="0">
-                <a:solidFill>
-                  <a:srgbClr val="202020"/>
-                </a:solidFill>
-                <a:latin typeface="Gill Sans MT" panose="020B0502020104020203" pitchFamily="34" charset="0"/>
-                <a:cs typeface="Helvetica"/>
-              </a:rPr>
-              <a:t>Parameters:</a:t>
-            </a:r>
-          </a:p>
-          <a:p>
-            <a:pPr marL="457200" marR="0" lvl="1" indent="0" algn="l" defTabSz="914400" rtl="0" eaLnBrk="0" fontAlgn="base" latinLnBrk="0" hangingPunct="0">
-              <a:lnSpc>
-                <a:spcPct val="100000"/>
-              </a:lnSpc>
-              <a:spcBef>
-                <a:spcPct val="0"/>
-              </a:spcBef>
-              <a:spcAft>
-                <a:spcPct val="0"/>
-              </a:spcAft>
-              <a:buClrTx/>
-              <a:buSzTx/>
-              <a:buFontTx/>
-              <a:buChar char="•"/>
-              <a:tabLst/>
-            </a:pPr>
-            <a:r>
-              <a:rPr lang="en-US" altLang="zh-CN" kern="0" dirty="0">
-                <a:solidFill>
-                  <a:srgbClr val="202020"/>
-                </a:solidFill>
-                <a:latin typeface="Gill Sans MT" panose="020B0502020104020203" pitchFamily="34" charset="0"/>
-                <a:cs typeface="Helvetica"/>
-              </a:rPr>
-              <a:t> </a:t>
-            </a:r>
-            <a:r>
-              <a:rPr lang="en-US" altLang="zh-CN" b="0" dirty="0" err="1">
-                <a:solidFill>
-                  <a:srgbClr val="808080"/>
-                </a:solidFill>
-                <a:effectLst/>
-                <a:latin typeface="Consolas" panose="020B0609020204030204" pitchFamily="49" charset="0"/>
-              </a:rPr>
-              <a:t>sem</a:t>
-            </a:r>
-            <a:r>
-              <a:rPr lang="en-US" altLang="zh-CN" kern="0" dirty="0">
-                <a:solidFill>
-                  <a:srgbClr val="C00000"/>
-                </a:solidFill>
-                <a:latin typeface="Gill Sans MT" panose="020B0502020104020203" pitchFamily="34" charset="0"/>
-                <a:cs typeface="Helvetica"/>
-              </a:rPr>
-              <a:t>: </a:t>
-            </a:r>
-            <a:r>
-              <a:rPr lang="en-US" altLang="zh-CN" kern="0" dirty="0">
-                <a:solidFill>
-                  <a:schemeClr val="tx1">
-                    <a:lumMod val="50000"/>
-                  </a:schemeClr>
-                </a:solidFill>
-                <a:latin typeface="Gill Sans MT" panose="020B0502020104020203" pitchFamily="34" charset="0"/>
-                <a:cs typeface="Helvetica"/>
-              </a:rPr>
-              <a:t>pointer to the semaphore variable.</a:t>
-            </a:r>
-          </a:p>
-        </p:txBody>
-      </p:sp>
-      <p:sp>
-        <p:nvSpPr>
-          <p:cNvPr id="19" name="文本框 18">
-            <a:extLst>
-              <a:ext uri="{FF2B5EF4-FFF2-40B4-BE49-F238E27FC236}">
-                <a16:creationId xmlns:a16="http://schemas.microsoft.com/office/drawing/2014/main" id="{5CABB9FE-E2BB-4A06-2289-2E62E1541A6C}"/>
-              </a:ext>
-            </a:extLst>
-          </p:cNvPr>
-          <p:cNvSpPr txBox="1"/>
-          <p:nvPr/>
-        </p:nvSpPr>
-        <p:spPr>
-          <a:xfrm>
-            <a:off x="844550" y="4050844"/>
-            <a:ext cx="6096000" cy="461665"/>
-          </a:xfrm>
-          <a:prstGeom prst="rect">
-            <a:avLst/>
-          </a:prstGeom>
-          <a:noFill/>
-          <a:ln w="12700" cap="flat">
-            <a:noFill/>
-            <a:miter lim="400000"/>
-          </a:ln>
-          <a:effectLst/>
-          <a:sp3d/>
-        </p:spPr>
-        <p:style>
-          <a:lnRef idx="0">
-            <a:scrgbClr r="0" g="0" b="0"/>
-          </a:lnRef>
-          <a:fillRef idx="0">
-            <a:scrgbClr r="0" g="0" b="0"/>
-          </a:fillRef>
-          <a:effectRef idx="0">
-            <a:scrgbClr r="0" g="0" b="0"/>
-          </a:effectRef>
-          <a:fontRef idx="none"/>
-        </p:style>
-        <p:txBody>
-          <a:bodyPr wrap="square">
-            <a:spAutoFit/>
-          </a:bodyPr>
-          <a:lstStyle/>
-          <a:p>
-            <a:pPr marL="289152" marR="0" lvl="0" indent="-289152" algn="l" defTabSz="412750" rtl="0" eaLnBrk="1" fontAlgn="auto" latinLnBrk="0" hangingPunct="1">
-              <a:lnSpc>
-                <a:spcPct val="100000"/>
-              </a:lnSpc>
-              <a:spcBef>
-                <a:spcPts val="2950"/>
-              </a:spcBef>
-              <a:spcAft>
-                <a:spcPts val="0"/>
-              </a:spcAft>
-              <a:buClrTx/>
-              <a:buSzPct val="100000"/>
-              <a:buFont typeface="Wingdings" panose="05000000000000000000" pitchFamily="2" charset="2"/>
-              <a:buChar char="Ø"/>
-              <a:tabLst/>
-              <a:defRPr/>
-            </a:pPr>
-            <a:r>
-              <a:rPr kumimoji="0" lang="en-US" altLang="zh-CN" sz="2400" b="0" i="0" u="none" strike="noStrike" kern="0" cap="none" spc="0" normalizeH="0" baseline="0" noProof="0" dirty="0">
-                <a:ln>
-                  <a:noFill/>
-                </a:ln>
-                <a:solidFill>
-                  <a:srgbClr val="202020"/>
-                </a:solidFill>
-                <a:effectLst/>
-                <a:uLnTx/>
-                <a:uFillTx/>
-                <a:latin typeface="Gill Sans MT" panose="020B0502020104020203" pitchFamily="34" charset="0"/>
-                <a:cs typeface="Helvetica"/>
-                <a:sym typeface="Helvetica"/>
-              </a:rPr>
-              <a:t>Example:</a:t>
-            </a:r>
-            <a:endParaRPr lang="en-US" altLang="zh-CN" sz="2400" kern="0" dirty="0">
-              <a:solidFill>
-                <a:srgbClr val="202020"/>
-              </a:solidFill>
-              <a:latin typeface="Gill Sans MT" panose="020B0502020104020203" pitchFamily="34" charset="0"/>
-              <a:cs typeface="Helvetica"/>
-              <a:sym typeface="Helvetica"/>
-            </a:endParaRPr>
-          </a:p>
-        </p:txBody>
-      </p:sp>
-      <p:sp>
-        <p:nvSpPr>
-          <p:cNvPr id="6" name="文本框 5">
-            <a:extLst>
-              <a:ext uri="{FF2B5EF4-FFF2-40B4-BE49-F238E27FC236}">
-                <a16:creationId xmlns:a16="http://schemas.microsoft.com/office/drawing/2014/main" id="{11970F9F-5EC6-EC7C-76FE-811228D7001B}"/>
-              </a:ext>
-            </a:extLst>
-          </p:cNvPr>
-          <p:cNvSpPr txBox="1"/>
-          <p:nvPr/>
-        </p:nvSpPr>
-        <p:spPr>
-          <a:xfrm>
-            <a:off x="1262739" y="4539231"/>
-            <a:ext cx="10084709" cy="369332"/>
-          </a:xfrm>
-          <a:prstGeom prst="rect">
-            <a:avLst/>
-          </a:prstGeom>
-          <a:noFill/>
-          <a:ln w="12700" cap="flat">
-            <a:solidFill>
-              <a:schemeClr val="tx1"/>
-            </a:solidFill>
-            <a:miter lim="400000"/>
-          </a:ln>
-          <a:effectLst/>
-          <a:sp3d/>
-        </p:spPr>
-        <p:style>
-          <a:lnRef idx="0">
-            <a:scrgbClr r="0" g="0" b="0"/>
-          </a:lnRef>
-          <a:fillRef idx="0">
-            <a:scrgbClr r="0" g="0" b="0"/>
-          </a:fillRef>
-          <a:effectRef idx="0">
-            <a:scrgbClr r="0" g="0" b="0"/>
-          </a:effectRef>
-          <a:fontRef idx="none"/>
-        </p:style>
-        <p:txBody>
-          <a:bodyPr wrap="square">
-            <a:spAutoFit/>
-          </a:bodyPr>
-          <a:lstStyle/>
-          <a:p>
-            <a:r>
-              <a:rPr lang="en-HK" altLang="zh-CN" b="0" dirty="0" err="1">
-                <a:solidFill>
-                  <a:srgbClr val="74531F"/>
-                </a:solidFill>
-                <a:effectLst/>
-                <a:latin typeface="Consolas" panose="020B0609020204030204" pitchFamily="49" charset="0"/>
-              </a:rPr>
-              <a:t>sem_destroy</a:t>
-            </a:r>
-            <a:r>
-              <a:rPr lang="en-HK" altLang="zh-CN" b="0" dirty="0">
-                <a:solidFill>
-                  <a:srgbClr val="000000"/>
-                </a:solidFill>
-                <a:effectLst/>
-                <a:latin typeface="Consolas" panose="020B0609020204030204" pitchFamily="49" charset="0"/>
-              </a:rPr>
-              <a:t>(&amp;</a:t>
-            </a:r>
-            <a:r>
-              <a:rPr lang="en-HK" altLang="zh-CN" b="0" dirty="0" err="1">
-                <a:solidFill>
-                  <a:srgbClr val="808080"/>
-                </a:solidFill>
-                <a:effectLst/>
-                <a:latin typeface="Consolas" panose="020B0609020204030204" pitchFamily="49" charset="0"/>
-              </a:rPr>
-              <a:t>sem</a:t>
-            </a:r>
-            <a:r>
-              <a:rPr lang="en-HK" altLang="zh-CN" b="0" dirty="0">
-                <a:solidFill>
-                  <a:srgbClr val="000000"/>
-                </a:solidFill>
-                <a:effectLst/>
-                <a:latin typeface="Consolas" panose="020B0609020204030204" pitchFamily="49" charset="0"/>
-              </a:rPr>
-              <a:t>); </a:t>
-            </a:r>
-          </a:p>
-        </p:txBody>
-      </p:sp>
-    </p:spTree>
-    <p:extLst>
-      <p:ext uri="{BB962C8B-B14F-4D97-AF65-F5344CB8AC3E}">
-        <p14:creationId xmlns:p14="http://schemas.microsoft.com/office/powerpoint/2010/main" val="3347961694"/>
-      </p:ext>
-    </p:extLst>
-  </p:cSld>
-  <p:clrMapOvr>
-    <a:masterClrMapping/>
-  </p:clrMapOvr>
-  <p:transition spd="med"/>
-</p:sld>
-</file>
-
-<file path=ppt/slides/slide12.xml><?xml version="1.0" encoding="utf-8"?>
-<p:sld xmlns:a="http://schemas.openxmlformats.org/drawingml/2006/main" xmlns:r="http://schemas.openxmlformats.org/officeDocument/2006/relationships" xmlns:p="http://schemas.openxmlformats.org/presentationml/2006/main">
-  <p:cSld>
-    <p:spTree>
-      <p:nvGrpSpPr>
-        <p:cNvPr id="1" name=""/>
-        <p:cNvGrpSpPr/>
-        <p:nvPr/>
-      </p:nvGrpSpPr>
-      <p:grpSpPr>
-        <a:xfrm>
-          <a:off x="0" y="0"/>
-          <a:ext cx="0" cy="0"/>
-          <a:chOff x="0" y="0"/>
-          <a:chExt cx="0" cy="0"/>
-        </a:xfrm>
-      </p:grpSpPr>
-      <p:sp>
-        <p:nvSpPr>
-          <p:cNvPr id="2" name="Title 1">
-            <a:extLst>
-              <a:ext uri="{FF2B5EF4-FFF2-40B4-BE49-F238E27FC236}">
-                <a16:creationId xmlns:a16="http://schemas.microsoft.com/office/drawing/2014/main" id="{62715A2E-656D-EC5D-FDE7-230488526EFC}"/>
-              </a:ext>
-            </a:extLst>
-          </p:cNvPr>
-          <p:cNvSpPr>
-            <a:spLocks noGrp="1"/>
-          </p:cNvSpPr>
-          <p:nvPr>
-            <p:ph type="title"/>
-          </p:nvPr>
-        </p:nvSpPr>
-        <p:spPr/>
-        <p:txBody>
-          <a:bodyPr/>
-          <a:lstStyle/>
-          <a:p>
-            <a:r>
-              <a:rPr lang="en-US" dirty="0"/>
               <a:t>5. </a:t>
             </a:r>
             <a:r>
@@ -7543,7 +5326,7 @@
                 <a:tabLst/>
                 <a:defRPr/>
               </a:pPr>
-              <a:t>12</a:t>
+              <a:t>10</a:t>
             </a:fld>
             <a:endParaRPr kumimoji="0" lang="en-US" sz="1800" b="0" i="0" u="none" strike="noStrike" kern="0" cap="none" spc="0" normalizeH="0" baseline="0" noProof="0">
               <a:ln>
@@ -8316,7 +6099,7 @@
 </p:sld>
 </file>
 
-<file path=ppt/slides/slide13.xml><?xml version="1.0" encoding="utf-8"?>
+<file path=ppt/slides/slide11.xml><?xml version="1.0" encoding="utf-8"?>
 <p:sld xmlns:a="http://schemas.openxmlformats.org/drawingml/2006/main" xmlns:r="http://schemas.openxmlformats.org/officeDocument/2006/relationships" xmlns:p="http://schemas.openxmlformats.org/presentationml/2006/main">
   <p:cSld>
     <p:spTree>
@@ -8441,7 +6224,7 @@
                 <a:tabLst/>
                 <a:defRPr/>
               </a:pPr>
-              <a:t>13</a:t>
+              <a:t>11</a:t>
             </a:fld>
             <a:endParaRPr kumimoji="0" lang="en-US" sz="1800" b="0" i="0" u="none" strike="noStrike" kern="0" cap="none" spc="0" normalizeH="0" baseline="0" noProof="0">
               <a:ln>
@@ -9312,7 +7095,7 @@
 </p:sld>
 </file>
 
-<file path=ppt/slides/slide14.xml><?xml version="1.0" encoding="utf-8"?>
+<file path=ppt/slides/slide12.xml><?xml version="1.0" encoding="utf-8"?>
 <p:sld xmlns:a="http://schemas.openxmlformats.org/drawingml/2006/main" xmlns:r="http://schemas.openxmlformats.org/officeDocument/2006/relationships" xmlns:p="http://schemas.openxmlformats.org/presentationml/2006/main">
   <p:cSld>
     <p:spTree>
@@ -9432,7 +7215,7 @@
                 <a:tabLst/>
                 <a:defRPr/>
               </a:pPr>
-              <a:t>14</a:t>
+              <a:t>12</a:t>
             </a:fld>
             <a:endParaRPr kumimoji="0" lang="en-US" sz="1800" b="0" i="0" u="none" strike="noStrike" kern="0" cap="none" spc="0" normalizeH="0" baseline="0" noProof="0">
               <a:ln>
@@ -9897,7 +7680,7 @@
 </p:sld>
 </file>
 
-<file path=ppt/slides/slide15.xml><?xml version="1.0" encoding="utf-8"?>
+<file path=ppt/slides/slide13.xml><?xml version="1.0" encoding="utf-8"?>
 <p:sld xmlns:a="http://schemas.openxmlformats.org/drawingml/2006/main" xmlns:r="http://schemas.openxmlformats.org/officeDocument/2006/relationships" xmlns:p="http://schemas.openxmlformats.org/presentationml/2006/main">
   <p:cSld>
     <p:spTree>
@@ -10018,7 +7801,7 @@
                 <a:tabLst/>
                 <a:defRPr/>
               </a:pPr>
-              <a:t>15</a:t>
+              <a:t>13</a:t>
             </a:fld>
             <a:endParaRPr kumimoji="0" lang="en-US" sz="1800" b="0" i="0" u="none" strike="noStrike" kern="0" cap="none" spc="0" normalizeH="0" baseline="0" noProof="0">
               <a:ln>
@@ -12578,7 +10361,7 @@
 </p:sld>
 </file>
 
-<file path=ppt/slides/slide16.xml><?xml version="1.0" encoding="utf-8"?>
+<file path=ppt/slides/slide14.xml><?xml version="1.0" encoding="utf-8"?>
 <p:sld xmlns:a="http://schemas.openxmlformats.org/drawingml/2006/main" xmlns:r="http://schemas.openxmlformats.org/officeDocument/2006/relationships" xmlns:p="http://schemas.openxmlformats.org/presentationml/2006/main">
   <p:cSld>
     <p:spTree>
@@ -12699,7 +10482,7 @@
                 <a:tabLst/>
                 <a:defRPr/>
               </a:pPr>
-              <a:t>16</a:t>
+              <a:t>14</a:t>
             </a:fld>
             <a:endParaRPr kumimoji="0" lang="en-US" sz="1800" b="0" i="0" u="none" strike="noStrike" kern="0" cap="none" spc="0" normalizeH="0" baseline="0" noProof="0">
               <a:ln>
@@ -12942,7 +10725,7 @@
 </p:sld>
 </file>
 
-<file path=ppt/slides/slide17.xml><?xml version="1.0" encoding="utf-8"?>
+<file path=ppt/slides/slide15.xml><?xml version="1.0" encoding="utf-8"?>
 <p:sld xmlns:a="http://schemas.openxmlformats.org/drawingml/2006/main" xmlns:r="http://schemas.openxmlformats.org/officeDocument/2006/relationships" xmlns:p="http://schemas.openxmlformats.org/presentationml/2006/main">
   <p:cSld>
     <p:spTree>
@@ -13063,7 +10846,7 @@
                 <a:tabLst/>
                 <a:defRPr/>
               </a:pPr>
-              <a:t>17</a:t>
+              <a:t>15</a:t>
             </a:fld>
             <a:endParaRPr kumimoji="0" lang="en-US" sz="1800" b="0" i="0" u="none" strike="noStrike" kern="0" cap="none" spc="0" normalizeH="0" baseline="0" noProof="0">
               <a:ln>
@@ -13270,7 +11053,7 @@
 </p:sld>
 </file>
 
-<file path=ppt/slides/slide18.xml><?xml version="1.0" encoding="utf-8"?>
+<file path=ppt/slides/slide16.xml><?xml version="1.0" encoding="utf-8"?>
 <p:sld xmlns:a="http://schemas.openxmlformats.org/drawingml/2006/main" xmlns:r="http://schemas.openxmlformats.org/officeDocument/2006/relationships" xmlns:p="http://schemas.openxmlformats.org/presentationml/2006/main">
   <p:cSld>
     <p:spTree>
@@ -13391,7 +11174,7 @@
                 <a:tabLst/>
                 <a:defRPr/>
               </a:pPr>
-              <a:t>18</a:t>
+              <a:t>16</a:t>
             </a:fld>
             <a:endParaRPr kumimoji="0" lang="en-US" sz="1800" b="0" i="0" u="none" strike="noStrike" kern="0" cap="none" spc="0" normalizeH="0" baseline="0" noProof="0">
               <a:ln>
@@ -13570,7 +11353,7 @@
 </p:sld>
 </file>
 
-<file path=ppt/slides/slide19.xml><?xml version="1.0" encoding="utf-8"?>
+<file path=ppt/slides/slide17.xml><?xml version="1.0" encoding="utf-8"?>
 <p:sld xmlns:a="http://schemas.openxmlformats.org/drawingml/2006/main" xmlns:r="http://schemas.openxmlformats.org/officeDocument/2006/relationships" xmlns:p="http://schemas.openxmlformats.org/presentationml/2006/main">
   <p:cSld>
     <p:spTree>
@@ -14054,101 +11837,6 @@
                 <a:cs typeface="Helvetica"/>
               </a:rPr>
               <a:t>Semaphore usage in C</a:t>
-            </a:r>
-          </a:p>
-          <a:p>
-            <a:pPr marL="923925" lvl="2" indent="-288925">
-              <a:spcBef>
-                <a:spcPts val="1200"/>
-              </a:spcBef>
-              <a:buFont typeface="Wingdings" pitchFamily="2" charset="2"/>
-              <a:buChar char="Ø"/>
-              <a:defRPr/>
-            </a:pPr>
-            <a:r>
-              <a:rPr kumimoji="0" lang="en-US" sz="2400" b="0" i="0" u="none" strike="noStrike" kern="0" cap="none" spc="0" normalizeH="0" baseline="0" noProof="0" dirty="0">
-                <a:ln>
-                  <a:noFill/>
-                </a:ln>
-                <a:solidFill>
-                  <a:srgbClr val="202020"/>
-                </a:solidFill>
-                <a:effectLst/>
-                <a:uLnTx/>
-                <a:uFillTx/>
-                <a:latin typeface="Gill Sans MT" panose="020B0502020104020203" pitchFamily="34" charset="0"/>
-                <a:cs typeface="Helvetica"/>
-                <a:sym typeface="Helvetica"/>
-              </a:rPr>
-              <a:t>Difference between &lt;sys/</a:t>
-            </a:r>
-            <a:r>
-              <a:rPr kumimoji="0" lang="en-US" sz="2400" b="0" i="0" u="none" strike="noStrike" kern="0" cap="none" spc="0" normalizeH="0" baseline="0" noProof="0" dirty="0" err="1">
-                <a:ln>
-                  <a:noFill/>
-                </a:ln>
-                <a:solidFill>
-                  <a:srgbClr val="202020"/>
-                </a:solidFill>
-                <a:effectLst/>
-                <a:uLnTx/>
-                <a:uFillTx/>
-                <a:latin typeface="Gill Sans MT" panose="020B0502020104020203" pitchFamily="34" charset="0"/>
-                <a:cs typeface="Helvetica"/>
-                <a:sym typeface="Helvetica"/>
-              </a:rPr>
-              <a:t>sem.h</a:t>
-            </a:r>
-            <a:r>
-              <a:rPr kumimoji="0" lang="en-US" sz="2400" b="0" i="0" u="none" strike="noStrike" kern="0" cap="none" spc="0" normalizeH="0" baseline="0" noProof="0" dirty="0">
-                <a:ln>
-                  <a:noFill/>
-                </a:ln>
-                <a:solidFill>
-                  <a:srgbClr val="202020"/>
-                </a:solidFill>
-                <a:effectLst/>
-                <a:uLnTx/>
-                <a:uFillTx/>
-                <a:latin typeface="Gill Sans MT" panose="020B0502020104020203" pitchFamily="34" charset="0"/>
-                <a:cs typeface="Helvetica"/>
-                <a:sym typeface="Helvetica"/>
-              </a:rPr>
-              <a:t>&gt; and &lt;</a:t>
-            </a:r>
-            <a:r>
-              <a:rPr kumimoji="0" lang="en-US" sz="2400" b="0" i="0" u="none" strike="noStrike" kern="0" cap="none" spc="0" normalizeH="0" baseline="0" noProof="0" dirty="0" err="1">
-                <a:ln>
-                  <a:noFill/>
-                </a:ln>
-                <a:solidFill>
-                  <a:srgbClr val="202020"/>
-                </a:solidFill>
-                <a:effectLst/>
-                <a:uLnTx/>
-                <a:uFillTx/>
-                <a:latin typeface="Gill Sans MT" panose="020B0502020104020203" pitchFamily="34" charset="0"/>
-                <a:cs typeface="Helvetica"/>
-                <a:sym typeface="Helvetica"/>
-              </a:rPr>
-              <a:t>semaphore.h</a:t>
-            </a:r>
-            <a:r>
-              <a:rPr kumimoji="0" lang="en-US" sz="2400" b="0" i="0" u="none" strike="noStrike" kern="0" cap="none" spc="0" normalizeH="0" baseline="0" noProof="0" dirty="0">
-                <a:ln>
-                  <a:noFill/>
-                </a:ln>
-                <a:solidFill>
-                  <a:srgbClr val="202020"/>
-                </a:solidFill>
-                <a:effectLst/>
-                <a:uLnTx/>
-                <a:uFillTx/>
-                <a:latin typeface="Gill Sans MT" panose="020B0502020104020203" pitchFamily="34" charset="0"/>
-                <a:cs typeface="Helvetica"/>
-                <a:sym typeface="Helvetica"/>
-              </a:rPr>
-              <a:t>&gt;</a:t>
             </a:r>
           </a:p>
           <a:p>
@@ -14558,8 +12246,22 @@
           <a:lstStyle/>
           <a:p>
             <a:r>
+              <a:rPr lang="en-US" altLang="zh-CN" dirty="0"/>
+              <a:t>Semaphores</a:t>
+            </a:r>
+            <a:r>
               <a:rPr lang="en-US" dirty="0"/>
-              <a:t>Semaphores in C</a:t>
+              <a:t> in &lt;</a:t>
+            </a:r>
+            <a:r>
+              <a:rPr lang="en-US" altLang="zh-CN" sz="4000" dirty="0" err="1">
+                <a:cs typeface="Helvetica"/>
+              </a:rPr>
+              <a:t>semaphore.h</a:t>
+            </a:r>
+            <a:r>
+              <a:rPr lang="en-US" dirty="0"/>
+              <a:t>&gt;</a:t>
             </a:r>
           </a:p>
         </p:txBody>
@@ -14582,8 +12284,8 @@
         </p:nvSpPr>
         <p:spPr>
           <a:xfrm>
-            <a:off x="306724" y="1157355"/>
-            <a:ext cx="11730787" cy="1245604"/>
+            <a:off x="306725" y="1157355"/>
+            <a:ext cx="10942521" cy="1245604"/>
           </a:xfrm>
         </p:spPr>
         <p:txBody>
@@ -14601,86 +12303,43 @@
               <a:rPr lang="en-US" altLang="zh-CN" sz="2400" dirty="0">
                 <a:cs typeface="Helvetica"/>
               </a:rPr>
-              <a:t>There are two headers related to semaphores in C:  </a:t>
-            </a:r>
-          </a:p>
-          <a:p>
-            <a:pPr marL="288925" indent="-288925">
-              <a:buFont typeface="Wingdings" pitchFamily="2" charset="2"/>
-              <a:buChar char="Ø"/>
-              <a:defRPr/>
-            </a:pPr>
-            <a:r>
-              <a:rPr lang="en-US" altLang="zh-CN" sz="2400" kern="1200" dirty="0">
-                <a:solidFill>
-                  <a:srgbClr val="50A14F"/>
-                </a:solidFill>
-                <a:latin typeface="Consolas" panose="020B0609020204030204" pitchFamily="49" charset="0"/>
-              </a:rPr>
-              <a:t>&lt;sys/</a:t>
-            </a:r>
-            <a:r>
-              <a:rPr lang="en-US" altLang="zh-CN" sz="2400" kern="1200" dirty="0" err="1">
-                <a:solidFill>
-                  <a:srgbClr val="50A14F"/>
-                </a:solidFill>
-                <a:latin typeface="Consolas" panose="020B0609020204030204" pitchFamily="49" charset="0"/>
-              </a:rPr>
-              <a:t>sem.h</a:t>
-            </a:r>
-            <a:r>
-              <a:rPr lang="en-US" altLang="zh-CN" sz="2400" kern="1200" dirty="0">
-                <a:solidFill>
-                  <a:srgbClr val="50A14F"/>
-                </a:solidFill>
-                <a:latin typeface="Consolas" panose="020B0609020204030204" pitchFamily="49" charset="0"/>
-              </a:rPr>
-              <a:t>&gt; </a:t>
-            </a:r>
-            <a:r>
-              <a:rPr kumimoji="0" lang="en-US" altLang="zh-CN" sz="2400" b="0" i="0" u="none" strike="noStrike" kern="1200" cap="none" spc="0" normalizeH="0" baseline="0" noProof="0" dirty="0">
-                <a:ln>
-                  <a:noFill/>
-                </a:ln>
-                <a:solidFill>
-                  <a:srgbClr val="202020"/>
-                </a:solidFill>
-                <a:effectLst/>
-                <a:uLnTx/>
-                <a:uFillTx/>
-                <a:latin typeface="Gill Sans MT" panose="020B0502020104020203" pitchFamily="34" charset="0"/>
+              <a:t>The </a:t>
+            </a:r>
+            <a:r>
+              <a:rPr lang="en-US" altLang="zh-CN" sz="2400" dirty="0" err="1">
                 <a:cs typeface="Helvetica"/>
-                <a:sym typeface="Helvetica"/>
-              </a:rPr>
-              <a:t>and </a:t>
-            </a:r>
-            <a:r>
-              <a:rPr lang="en-US" altLang="zh-CN" sz="2400" kern="1200" dirty="0">
-                <a:solidFill>
-                  <a:srgbClr val="50A14F"/>
-                </a:solidFill>
-                <a:latin typeface="Consolas" panose="020B0609020204030204" pitchFamily="49" charset="0"/>
-              </a:rPr>
-              <a:t>&lt;</a:t>
-            </a:r>
-            <a:r>
-              <a:rPr lang="en-US" altLang="zh-CN" sz="2400" kern="1200" dirty="0" err="1">
-                <a:solidFill>
-                  <a:srgbClr val="50A14F"/>
-                </a:solidFill>
-                <a:latin typeface="Consolas" panose="020B0609020204030204" pitchFamily="49" charset="0"/>
               </a:rPr>
               <a:t>semaphore.h</a:t>
             </a:r>
             <a:r>
-              <a:rPr lang="en-US" altLang="zh-CN" sz="2400" kern="1200" dirty="0">
-                <a:solidFill>
-                  <a:srgbClr val="50A14F"/>
-                </a:solidFill>
-                <a:latin typeface="Consolas" panose="020B0609020204030204" pitchFamily="49" charset="0"/>
-              </a:rPr>
-              <a:t>&gt; </a:t>
-            </a:r>
+              <a:rPr lang="en-US" altLang="zh-CN" sz="2400" dirty="0">
+                <a:cs typeface="Helvetica"/>
+              </a:rPr>
+              <a:t> is a powerful tool for creating and managing semaphores in C. It defines the </a:t>
+            </a:r>
+            <a:r>
+              <a:rPr lang="en-US" altLang="zh-CN" sz="2400" i="1" dirty="0" err="1">
+                <a:latin typeface="Consolas" panose="020B0609020204030204" pitchFamily="49" charset="0"/>
+                <a:cs typeface="Helvetica"/>
+              </a:rPr>
+              <a:t>sem_t</a:t>
+            </a:r>
+            <a:r>
+              <a:rPr lang="en-US" altLang="zh-CN" sz="2400" dirty="0">
+                <a:cs typeface="Helvetica"/>
+              </a:rPr>
+              <a:t> type, used in performing semaphore operations. See also </a:t>
+            </a:r>
+            <a:r>
+              <a:rPr lang="en-US" altLang="zh-CN" sz="2400" dirty="0">
+                <a:cs typeface="Helvetica"/>
+                <a:hlinkClick r:id="rId3"/>
+              </a:rPr>
+              <a:t>https://pubs.opengroup.org/onlinepubs/7908799/xsh/semaphore.h.html</a:t>
+            </a:r>
+            <a:endParaRPr lang="en-US" altLang="zh-CN" sz="2400" dirty="0">
+              <a:cs typeface="Helvetica"/>
+            </a:endParaRPr>
           </a:p>
           <a:p>
             <a:pPr marL="606425" lvl="1" indent="-288925">
@@ -14814,8 +12473,8 @@
         </p:nvSpPr>
         <p:spPr>
           <a:xfrm>
-            <a:off x="275383" y="2619020"/>
-            <a:ext cx="11609893" cy="3816429"/>
+            <a:off x="275383" y="2476679"/>
+            <a:ext cx="8342524" cy="4278094"/>
           </a:xfrm>
           <a:prstGeom prst="rect">
             <a:avLst/>
@@ -14851,33 +12510,68 @@
               <a:buChar char="Ø"/>
             </a:pPr>
             <a:r>
-              <a:rPr lang="en-US" altLang="zh-CN" sz="2400" kern="1200" dirty="0">
+              <a:rPr lang="en-US" altLang="zh-CN" sz="2400" dirty="0">
+                <a:solidFill>
+                  <a:srgbClr val="202020"/>
+                </a:solidFill>
+                <a:latin typeface="Gill Sans MT" panose="020B0502020104020203" pitchFamily="34" charset="0"/>
+                <a:cs typeface="Helvetica"/>
+                <a:sym typeface="Helvetica"/>
+              </a:rPr>
+              <a:t>To use it: </a:t>
+            </a:r>
+            <a:r>
+              <a:rPr lang="en-HK" altLang="zh-CN" sz="2400" dirty="0">
+                <a:solidFill>
+                  <a:srgbClr val="202020"/>
+                </a:solidFill>
+                <a:latin typeface="Gill Sans MT" panose="020B0502020104020203" pitchFamily="34" charset="0"/>
+                <a:cs typeface="Helvetica"/>
+                <a:sym typeface="Helvetica"/>
+              </a:rPr>
+              <a:t> </a:t>
+            </a:r>
+            <a:r>
+              <a:rPr lang="en-HK" altLang="zh-CN" b="0" i="0" dirty="0">
+                <a:solidFill>
+                  <a:srgbClr val="4078F2"/>
+                </a:solidFill>
+                <a:effectLst/>
+                <a:latin typeface="Consolas" panose="020B0609020204030204" pitchFamily="49" charset="0"/>
+              </a:rPr>
+              <a:t>#include </a:t>
+            </a:r>
+            <a:r>
+              <a:rPr lang="en-HK" altLang="zh-CN" b="0" i="0" dirty="0">
                 <a:solidFill>
                   <a:srgbClr val="50A14F"/>
                 </a:solidFill>
-                <a:latin typeface="Consolas" panose="020B0609020204030204" pitchFamily="49" charset="0"/>
-              </a:rPr>
-              <a:t>&lt;sys/</a:t>
-            </a:r>
-            <a:r>
-              <a:rPr lang="en-US" altLang="zh-CN" sz="2400" kern="1200" dirty="0" err="1">
+                <a:effectLst/>
+                <a:latin typeface="Consolas" panose="020B0609020204030204" pitchFamily="49" charset="0"/>
+              </a:rPr>
+              <a:t>&lt;</a:t>
+            </a:r>
+            <a:r>
+              <a:rPr lang="en-HK" altLang="zh-CN" b="0" i="0" dirty="0" err="1">
                 <a:solidFill>
                   <a:srgbClr val="50A14F"/>
                 </a:solidFill>
-                <a:latin typeface="Consolas" panose="020B0609020204030204" pitchFamily="49" charset="0"/>
-              </a:rPr>
-              <a:t>sem.h</a:t>
-            </a:r>
-            <a:r>
-              <a:rPr lang="en-US" altLang="zh-CN" sz="2400" kern="1200" dirty="0">
+                <a:effectLst/>
+                <a:latin typeface="Consolas" panose="020B0609020204030204" pitchFamily="49" charset="0"/>
+              </a:rPr>
+              <a:t>semaphore.h</a:t>
+            </a:r>
+            <a:r>
+              <a:rPr lang="en-HK" altLang="zh-CN" b="0" i="0" dirty="0">
                 <a:solidFill>
                   <a:srgbClr val="50A14F"/>
                 </a:solidFill>
+                <a:effectLst/>
                 <a:latin typeface="Consolas" panose="020B0609020204030204" pitchFamily="49" charset="0"/>
               </a:rPr>
               <a:t>&gt;</a:t>
             </a:r>
-            <a:endParaRPr kumimoji="0" lang="en-HK" altLang="zh-CN" sz="2400" i="0" u="none" strike="noStrike" kern="0" cap="none" spc="0" normalizeH="0" baseline="0" noProof="0" dirty="0">
+            <a:endParaRPr kumimoji="0" lang="en-HK" altLang="zh-CN" sz="2800" i="0" u="none" strike="noStrike" kern="0" cap="none" spc="0" normalizeH="0" baseline="0" noProof="0" dirty="0">
               <a:ln>
                 <a:noFill/>
               </a:ln>
@@ -14910,8 +12604,798 @@
                 <a:cs typeface="Helvetica"/>
                 <a:sym typeface="Helvetica"/>
               </a:rPr>
-              <a:t>Implemented in kernel space</a:t>
-            </a:r>
+              <a:t>Interfaces:</a:t>
+            </a:r>
+          </a:p>
+          <a:p>
+            <a:pPr algn="l"/>
+            <a:r>
+              <a:rPr lang="en-HK" altLang="zh-CN" sz="2000" b="1" i="0" dirty="0">
+                <a:solidFill>
+                  <a:srgbClr val="2E8B57"/>
+                </a:solidFill>
+                <a:effectLst/>
+                <a:latin typeface="Consolas" panose="020B0609020204030204" pitchFamily="49" charset="0"/>
+              </a:rPr>
+              <a:t>int</a:t>
+            </a:r>
+            <a:r>
+              <a:rPr lang="en-HK" altLang="zh-CN" sz="2000" b="0" i="0" dirty="0">
+                <a:solidFill>
+                  <a:srgbClr val="000000"/>
+                </a:solidFill>
+                <a:effectLst/>
+                <a:latin typeface="Consolas" panose="020B0609020204030204" pitchFamily="49" charset="0"/>
+              </a:rPr>
+              <a:t>    </a:t>
+            </a:r>
+            <a:r>
+              <a:rPr lang="en-HK" altLang="zh-CN" sz="2000" b="0" i="0" dirty="0" err="1">
+                <a:solidFill>
+                  <a:srgbClr val="000000"/>
+                </a:solidFill>
+                <a:effectLst/>
+                <a:latin typeface="Consolas" panose="020B0609020204030204" pitchFamily="49" charset="0"/>
+              </a:rPr>
+              <a:t>sem_close</a:t>
+            </a:r>
+            <a:r>
+              <a:rPr lang="en-HK" altLang="zh-CN" sz="2000" b="0" i="0" dirty="0">
+                <a:solidFill>
+                  <a:srgbClr val="000000"/>
+                </a:solidFill>
+                <a:effectLst/>
+                <a:latin typeface="Consolas" panose="020B0609020204030204" pitchFamily="49" charset="0"/>
+              </a:rPr>
+              <a:t>(</a:t>
+            </a:r>
+            <a:r>
+              <a:rPr lang="en-HK" altLang="zh-CN" sz="2000" b="0" i="0" dirty="0" err="1">
+                <a:solidFill>
+                  <a:srgbClr val="000000"/>
+                </a:solidFill>
+                <a:effectLst/>
+                <a:latin typeface="Consolas" panose="020B0609020204030204" pitchFamily="49" charset="0"/>
+              </a:rPr>
+              <a:t>sem_t</a:t>
+            </a:r>
+            <a:r>
+              <a:rPr lang="en-HK" altLang="zh-CN" sz="2000" b="0" i="0" dirty="0">
+                <a:solidFill>
+                  <a:srgbClr val="000000"/>
+                </a:solidFill>
+                <a:effectLst/>
+                <a:latin typeface="Consolas" panose="020B0609020204030204" pitchFamily="49" charset="0"/>
+              </a:rPr>
+              <a:t> *);  </a:t>
+            </a:r>
+            <a:endParaRPr lang="en-HK" altLang="zh-CN" sz="2000" b="0" i="0" dirty="0">
+              <a:solidFill>
+                <a:srgbClr val="5C5C5C"/>
+              </a:solidFill>
+              <a:effectLst/>
+              <a:latin typeface="Consolas" panose="020B0609020204030204" pitchFamily="49" charset="0"/>
+            </a:endParaRPr>
+          </a:p>
+          <a:p>
+            <a:pPr algn="l"/>
+            <a:r>
+              <a:rPr lang="en-HK" altLang="zh-CN" sz="2000" b="1" i="0" dirty="0">
+                <a:solidFill>
+                  <a:srgbClr val="2E8B57"/>
+                </a:solidFill>
+                <a:effectLst/>
+                <a:latin typeface="Consolas" panose="020B0609020204030204" pitchFamily="49" charset="0"/>
+              </a:rPr>
+              <a:t>int</a:t>
+            </a:r>
+            <a:r>
+              <a:rPr lang="en-HK" altLang="zh-CN" sz="2000" b="0" i="0" dirty="0">
+                <a:solidFill>
+                  <a:srgbClr val="000000"/>
+                </a:solidFill>
+                <a:effectLst/>
+                <a:latin typeface="Consolas" panose="020B0609020204030204" pitchFamily="49" charset="0"/>
+              </a:rPr>
+              <a:t>    </a:t>
+            </a:r>
+            <a:r>
+              <a:rPr lang="en-HK" altLang="zh-CN" sz="2000" b="0" i="0" dirty="0" err="1">
+                <a:solidFill>
+                  <a:srgbClr val="000000"/>
+                </a:solidFill>
+                <a:effectLst/>
+                <a:latin typeface="Consolas" panose="020B0609020204030204" pitchFamily="49" charset="0"/>
+              </a:rPr>
+              <a:t>sem_destroy</a:t>
+            </a:r>
+            <a:r>
+              <a:rPr lang="en-HK" altLang="zh-CN" sz="2000" b="0" i="0" dirty="0">
+                <a:solidFill>
+                  <a:srgbClr val="000000"/>
+                </a:solidFill>
+                <a:effectLst/>
+                <a:latin typeface="Consolas" panose="020B0609020204030204" pitchFamily="49" charset="0"/>
+              </a:rPr>
+              <a:t>(</a:t>
+            </a:r>
+            <a:r>
+              <a:rPr lang="en-HK" altLang="zh-CN" sz="2000" b="0" i="0" dirty="0" err="1">
+                <a:solidFill>
+                  <a:srgbClr val="000000"/>
+                </a:solidFill>
+                <a:effectLst/>
+                <a:latin typeface="Consolas" panose="020B0609020204030204" pitchFamily="49" charset="0"/>
+              </a:rPr>
+              <a:t>sem_t</a:t>
+            </a:r>
+            <a:r>
+              <a:rPr lang="en-HK" altLang="zh-CN" sz="2000" b="0" i="0" dirty="0">
+                <a:solidFill>
+                  <a:srgbClr val="000000"/>
+                </a:solidFill>
+                <a:effectLst/>
+                <a:latin typeface="Consolas" panose="020B0609020204030204" pitchFamily="49" charset="0"/>
+              </a:rPr>
+              <a:t> *);  </a:t>
+            </a:r>
+            <a:endParaRPr lang="en-HK" altLang="zh-CN" sz="2000" b="0" i="0" dirty="0">
+              <a:solidFill>
+                <a:srgbClr val="5C5C5C"/>
+              </a:solidFill>
+              <a:effectLst/>
+              <a:latin typeface="Consolas" panose="020B0609020204030204" pitchFamily="49" charset="0"/>
+            </a:endParaRPr>
+          </a:p>
+          <a:p>
+            <a:pPr algn="l"/>
+            <a:r>
+              <a:rPr lang="en-HK" altLang="zh-CN" sz="2000" b="1" i="0" dirty="0">
+                <a:solidFill>
+                  <a:srgbClr val="2E8B57"/>
+                </a:solidFill>
+                <a:effectLst/>
+                <a:latin typeface="Consolas" panose="020B0609020204030204" pitchFamily="49" charset="0"/>
+              </a:rPr>
+              <a:t>int</a:t>
+            </a:r>
+            <a:r>
+              <a:rPr lang="en-HK" altLang="zh-CN" sz="2000" b="0" i="0" dirty="0">
+                <a:solidFill>
+                  <a:srgbClr val="000000"/>
+                </a:solidFill>
+                <a:effectLst/>
+                <a:latin typeface="Consolas" panose="020B0609020204030204" pitchFamily="49" charset="0"/>
+              </a:rPr>
+              <a:t>    </a:t>
+            </a:r>
+            <a:r>
+              <a:rPr lang="en-HK" altLang="zh-CN" sz="2000" b="0" i="0" dirty="0" err="1">
+                <a:solidFill>
+                  <a:srgbClr val="000000"/>
+                </a:solidFill>
+                <a:effectLst/>
+                <a:latin typeface="Consolas" panose="020B0609020204030204" pitchFamily="49" charset="0"/>
+              </a:rPr>
+              <a:t>sem_getvalue</a:t>
+            </a:r>
+            <a:r>
+              <a:rPr lang="en-HK" altLang="zh-CN" sz="2000" b="0" i="0" dirty="0">
+                <a:solidFill>
+                  <a:srgbClr val="000000"/>
+                </a:solidFill>
+                <a:effectLst/>
+                <a:latin typeface="Consolas" panose="020B0609020204030204" pitchFamily="49" charset="0"/>
+              </a:rPr>
+              <a:t>(</a:t>
+            </a:r>
+            <a:r>
+              <a:rPr lang="en-HK" altLang="zh-CN" sz="2000" b="0" i="0" dirty="0" err="1">
+                <a:solidFill>
+                  <a:srgbClr val="000000"/>
+                </a:solidFill>
+                <a:effectLst/>
+                <a:latin typeface="Consolas" panose="020B0609020204030204" pitchFamily="49" charset="0"/>
+              </a:rPr>
+              <a:t>sem_t</a:t>
+            </a:r>
+            <a:r>
+              <a:rPr lang="en-HK" altLang="zh-CN" sz="2000" b="0" i="0" dirty="0">
+                <a:solidFill>
+                  <a:srgbClr val="000000"/>
+                </a:solidFill>
+                <a:effectLst/>
+                <a:latin typeface="Consolas" panose="020B0609020204030204" pitchFamily="49" charset="0"/>
+              </a:rPr>
+              <a:t> *, </a:t>
+            </a:r>
+            <a:r>
+              <a:rPr lang="en-HK" altLang="zh-CN" sz="2000" b="1" i="0" dirty="0">
+                <a:solidFill>
+                  <a:srgbClr val="2E8B57"/>
+                </a:solidFill>
+                <a:effectLst/>
+                <a:latin typeface="Consolas" panose="020B0609020204030204" pitchFamily="49" charset="0"/>
+              </a:rPr>
+              <a:t>int</a:t>
+            </a:r>
+            <a:r>
+              <a:rPr lang="en-HK" altLang="zh-CN" sz="2000" b="0" i="0" dirty="0">
+                <a:solidFill>
+                  <a:srgbClr val="000000"/>
+                </a:solidFill>
+                <a:effectLst/>
+                <a:latin typeface="Consolas" panose="020B0609020204030204" pitchFamily="49" charset="0"/>
+              </a:rPr>
+              <a:t> *);  </a:t>
+            </a:r>
+            <a:endParaRPr lang="en-HK" altLang="zh-CN" sz="2000" b="0" i="0" dirty="0">
+              <a:solidFill>
+                <a:srgbClr val="5C5C5C"/>
+              </a:solidFill>
+              <a:effectLst/>
+              <a:latin typeface="Consolas" panose="020B0609020204030204" pitchFamily="49" charset="0"/>
+            </a:endParaRPr>
+          </a:p>
+          <a:p>
+            <a:pPr algn="l"/>
+            <a:r>
+              <a:rPr lang="en-HK" altLang="zh-CN" sz="2000" b="1" i="0" dirty="0">
+                <a:solidFill>
+                  <a:srgbClr val="2E8B57"/>
+                </a:solidFill>
+                <a:effectLst/>
+                <a:latin typeface="Consolas" panose="020B0609020204030204" pitchFamily="49" charset="0"/>
+              </a:rPr>
+              <a:t>int</a:t>
+            </a:r>
+            <a:r>
+              <a:rPr lang="en-HK" altLang="zh-CN" sz="2000" b="0" i="0" dirty="0">
+                <a:solidFill>
+                  <a:srgbClr val="000000"/>
+                </a:solidFill>
+                <a:effectLst/>
+                <a:latin typeface="Consolas" panose="020B0609020204030204" pitchFamily="49" charset="0"/>
+              </a:rPr>
+              <a:t>    </a:t>
+            </a:r>
+            <a:r>
+              <a:rPr lang="en-HK" altLang="zh-CN" sz="2000" b="0" i="0" dirty="0" err="1">
+                <a:solidFill>
+                  <a:srgbClr val="000000"/>
+                </a:solidFill>
+                <a:effectLst/>
+                <a:latin typeface="Consolas" panose="020B0609020204030204" pitchFamily="49" charset="0"/>
+              </a:rPr>
+              <a:t>sem_init</a:t>
+            </a:r>
+            <a:r>
+              <a:rPr lang="en-HK" altLang="zh-CN" sz="2000" b="0" i="0" dirty="0">
+                <a:solidFill>
+                  <a:srgbClr val="000000"/>
+                </a:solidFill>
+                <a:effectLst/>
+                <a:latin typeface="Consolas" panose="020B0609020204030204" pitchFamily="49" charset="0"/>
+              </a:rPr>
+              <a:t>(</a:t>
+            </a:r>
+            <a:r>
+              <a:rPr lang="en-HK" altLang="zh-CN" sz="2000" b="0" i="0" dirty="0" err="1">
+                <a:solidFill>
+                  <a:srgbClr val="000000"/>
+                </a:solidFill>
+                <a:effectLst/>
+                <a:latin typeface="Consolas" panose="020B0609020204030204" pitchFamily="49" charset="0"/>
+              </a:rPr>
+              <a:t>sem_t</a:t>
+            </a:r>
+            <a:r>
+              <a:rPr lang="en-HK" altLang="zh-CN" sz="2000" b="0" i="0" dirty="0">
+                <a:solidFill>
+                  <a:srgbClr val="000000"/>
+                </a:solidFill>
+                <a:effectLst/>
+                <a:latin typeface="Consolas" panose="020B0609020204030204" pitchFamily="49" charset="0"/>
+              </a:rPr>
+              <a:t> *, </a:t>
+            </a:r>
+            <a:r>
+              <a:rPr lang="en-HK" altLang="zh-CN" sz="2000" b="1" i="0" dirty="0">
+                <a:solidFill>
+                  <a:srgbClr val="2E8B57"/>
+                </a:solidFill>
+                <a:effectLst/>
+                <a:latin typeface="Consolas" panose="020B0609020204030204" pitchFamily="49" charset="0"/>
+              </a:rPr>
+              <a:t>int</a:t>
+            </a:r>
+            <a:r>
+              <a:rPr lang="en-HK" altLang="zh-CN" sz="2000" b="0" i="0" dirty="0">
+                <a:solidFill>
+                  <a:srgbClr val="000000"/>
+                </a:solidFill>
+                <a:effectLst/>
+                <a:latin typeface="Consolas" panose="020B0609020204030204" pitchFamily="49" charset="0"/>
+              </a:rPr>
+              <a:t>, unsigned </a:t>
+            </a:r>
+            <a:r>
+              <a:rPr lang="en-HK" altLang="zh-CN" sz="2000" b="1" i="0" dirty="0">
+                <a:solidFill>
+                  <a:srgbClr val="2E8B57"/>
+                </a:solidFill>
+                <a:effectLst/>
+                <a:latin typeface="Consolas" panose="020B0609020204030204" pitchFamily="49" charset="0"/>
+              </a:rPr>
+              <a:t>int</a:t>
+            </a:r>
+            <a:r>
+              <a:rPr lang="en-HK" altLang="zh-CN" sz="2000" b="0" i="0" dirty="0">
+                <a:solidFill>
+                  <a:srgbClr val="000000"/>
+                </a:solidFill>
+                <a:effectLst/>
+                <a:latin typeface="Consolas" panose="020B0609020204030204" pitchFamily="49" charset="0"/>
+              </a:rPr>
+              <a:t>); </a:t>
+            </a:r>
+            <a:r>
+              <a:rPr lang="zh-CN" altLang="en-US" sz="2000" b="0" i="0" dirty="0">
+                <a:solidFill>
+                  <a:srgbClr val="000000"/>
+                </a:solidFill>
+                <a:effectLst/>
+                <a:latin typeface="Consolas" panose="020B0609020204030204" pitchFamily="49" charset="0"/>
+              </a:rPr>
+              <a:t>✔</a:t>
+            </a:r>
+            <a:r>
+              <a:rPr lang="en-HK" altLang="zh-CN" sz="2000" b="0" i="0" dirty="0">
+                <a:solidFill>
+                  <a:srgbClr val="000000"/>
+                </a:solidFill>
+                <a:effectLst/>
+                <a:latin typeface="Consolas" panose="020B0609020204030204" pitchFamily="49" charset="0"/>
+              </a:rPr>
+              <a:t>  </a:t>
+            </a:r>
+            <a:endParaRPr lang="en-HK" altLang="zh-CN" sz="2000" b="0" i="0" dirty="0">
+              <a:solidFill>
+                <a:srgbClr val="5C5C5C"/>
+              </a:solidFill>
+              <a:effectLst/>
+              <a:latin typeface="Consolas" panose="020B0609020204030204" pitchFamily="49" charset="0"/>
+            </a:endParaRPr>
+          </a:p>
+          <a:p>
+            <a:pPr algn="l"/>
+            <a:r>
+              <a:rPr lang="en-HK" altLang="zh-CN" sz="2000" b="0" i="0" dirty="0" err="1">
+                <a:solidFill>
+                  <a:srgbClr val="000000"/>
+                </a:solidFill>
+                <a:effectLst/>
+                <a:latin typeface="Consolas" panose="020B0609020204030204" pitchFamily="49" charset="0"/>
+              </a:rPr>
+              <a:t>sem_t</a:t>
+            </a:r>
+            <a:r>
+              <a:rPr lang="en-HK" altLang="zh-CN" sz="2000" b="0" i="0" dirty="0">
+                <a:solidFill>
+                  <a:srgbClr val="000000"/>
+                </a:solidFill>
+                <a:effectLst/>
+                <a:latin typeface="Consolas" panose="020B0609020204030204" pitchFamily="49" charset="0"/>
+              </a:rPr>
+              <a:t> *</a:t>
+            </a:r>
+            <a:r>
+              <a:rPr lang="en-HK" altLang="zh-CN" sz="2000" b="0" i="0" dirty="0" err="1">
+                <a:solidFill>
+                  <a:srgbClr val="000000"/>
+                </a:solidFill>
+                <a:effectLst/>
+                <a:latin typeface="Consolas" panose="020B0609020204030204" pitchFamily="49" charset="0"/>
+              </a:rPr>
+              <a:t>sem_open</a:t>
+            </a:r>
+            <a:r>
+              <a:rPr lang="en-HK" altLang="zh-CN" sz="2000" b="0" i="0" dirty="0">
+                <a:solidFill>
+                  <a:srgbClr val="000000"/>
+                </a:solidFill>
+                <a:effectLst/>
+                <a:latin typeface="Consolas" panose="020B0609020204030204" pitchFamily="49" charset="0"/>
+              </a:rPr>
+              <a:t>(</a:t>
+            </a:r>
+            <a:r>
+              <a:rPr lang="en-HK" altLang="zh-CN" sz="2000" b="1" i="0" dirty="0" err="1">
+                <a:solidFill>
+                  <a:srgbClr val="006699"/>
+                </a:solidFill>
+                <a:effectLst/>
+                <a:latin typeface="Consolas" panose="020B0609020204030204" pitchFamily="49" charset="0"/>
+              </a:rPr>
+              <a:t>const</a:t>
+            </a:r>
+            <a:r>
+              <a:rPr lang="en-HK" altLang="zh-CN" sz="2000" b="0" i="0" dirty="0">
+                <a:solidFill>
+                  <a:srgbClr val="000000"/>
+                </a:solidFill>
+                <a:effectLst/>
+                <a:latin typeface="Consolas" panose="020B0609020204030204" pitchFamily="49" charset="0"/>
+              </a:rPr>
+              <a:t> </a:t>
+            </a:r>
+            <a:r>
+              <a:rPr lang="en-HK" altLang="zh-CN" sz="2000" b="1" i="0" dirty="0">
+                <a:solidFill>
+                  <a:srgbClr val="2E8B57"/>
+                </a:solidFill>
+                <a:effectLst/>
+                <a:latin typeface="Consolas" panose="020B0609020204030204" pitchFamily="49" charset="0"/>
+              </a:rPr>
+              <a:t>char</a:t>
+            </a:r>
+            <a:r>
+              <a:rPr lang="en-HK" altLang="zh-CN" sz="2000" b="0" i="0" dirty="0">
+                <a:solidFill>
+                  <a:srgbClr val="000000"/>
+                </a:solidFill>
+                <a:effectLst/>
+                <a:latin typeface="Consolas" panose="020B0609020204030204" pitchFamily="49" charset="0"/>
+              </a:rPr>
+              <a:t> *, </a:t>
+            </a:r>
+            <a:r>
+              <a:rPr lang="en-HK" altLang="zh-CN" sz="2000" b="1" i="0" dirty="0">
+                <a:solidFill>
+                  <a:srgbClr val="2E8B57"/>
+                </a:solidFill>
+                <a:effectLst/>
+                <a:latin typeface="Consolas" panose="020B0609020204030204" pitchFamily="49" charset="0"/>
+              </a:rPr>
+              <a:t>int</a:t>
+            </a:r>
+            <a:r>
+              <a:rPr lang="en-HK" altLang="zh-CN" sz="2000" b="0" i="0" dirty="0">
+                <a:solidFill>
+                  <a:srgbClr val="000000"/>
+                </a:solidFill>
+                <a:effectLst/>
+                <a:latin typeface="Consolas" panose="020B0609020204030204" pitchFamily="49" charset="0"/>
+              </a:rPr>
+              <a:t>, ...);  </a:t>
+            </a:r>
+            <a:endParaRPr lang="en-HK" altLang="zh-CN" sz="2000" b="0" i="0" dirty="0">
+              <a:solidFill>
+                <a:srgbClr val="5C5C5C"/>
+              </a:solidFill>
+              <a:effectLst/>
+              <a:latin typeface="Consolas" panose="020B0609020204030204" pitchFamily="49" charset="0"/>
+            </a:endParaRPr>
+          </a:p>
+          <a:p>
+            <a:pPr algn="l"/>
+            <a:r>
+              <a:rPr lang="en-HK" altLang="zh-CN" sz="2000" b="1" i="0" dirty="0">
+                <a:solidFill>
+                  <a:srgbClr val="2E8B57"/>
+                </a:solidFill>
+                <a:effectLst/>
+                <a:latin typeface="Consolas" panose="020B0609020204030204" pitchFamily="49" charset="0"/>
+              </a:rPr>
+              <a:t>int</a:t>
+            </a:r>
+            <a:r>
+              <a:rPr lang="en-HK" altLang="zh-CN" sz="2000" b="0" i="0" dirty="0">
+                <a:solidFill>
+                  <a:srgbClr val="000000"/>
+                </a:solidFill>
+                <a:effectLst/>
+                <a:latin typeface="Consolas" panose="020B0609020204030204" pitchFamily="49" charset="0"/>
+              </a:rPr>
+              <a:t>    </a:t>
+            </a:r>
+            <a:r>
+              <a:rPr lang="en-HK" altLang="zh-CN" sz="2000" b="0" i="0" dirty="0" err="1">
+                <a:solidFill>
+                  <a:srgbClr val="000000"/>
+                </a:solidFill>
+                <a:effectLst/>
+                <a:latin typeface="Consolas" panose="020B0609020204030204" pitchFamily="49" charset="0"/>
+              </a:rPr>
+              <a:t>sem_post</a:t>
+            </a:r>
+            <a:r>
+              <a:rPr lang="en-HK" altLang="zh-CN" sz="2000" b="0" i="0" dirty="0">
+                <a:solidFill>
+                  <a:srgbClr val="000000"/>
+                </a:solidFill>
+                <a:effectLst/>
+                <a:latin typeface="Consolas" panose="020B0609020204030204" pitchFamily="49" charset="0"/>
+              </a:rPr>
+              <a:t>(</a:t>
+            </a:r>
+            <a:r>
+              <a:rPr lang="en-HK" altLang="zh-CN" sz="2000" b="0" i="0" dirty="0" err="1">
+                <a:solidFill>
+                  <a:srgbClr val="000000"/>
+                </a:solidFill>
+                <a:effectLst/>
+                <a:latin typeface="Consolas" panose="020B0609020204030204" pitchFamily="49" charset="0"/>
+              </a:rPr>
+              <a:t>sem_t</a:t>
+            </a:r>
+            <a:r>
+              <a:rPr lang="en-HK" altLang="zh-CN" sz="2000" b="0" i="0" dirty="0">
+                <a:solidFill>
+                  <a:srgbClr val="000000"/>
+                </a:solidFill>
+                <a:effectLst/>
+                <a:latin typeface="Consolas" panose="020B0609020204030204" pitchFamily="49" charset="0"/>
+              </a:rPr>
+              <a:t> *); </a:t>
+            </a:r>
+            <a:r>
+              <a:rPr lang="zh-CN" altLang="en-US" sz="2000" b="0" i="0" dirty="0">
+                <a:solidFill>
+                  <a:srgbClr val="000000"/>
+                </a:solidFill>
+                <a:effectLst/>
+                <a:latin typeface="Consolas" panose="020B0609020204030204" pitchFamily="49" charset="0"/>
+              </a:rPr>
+              <a:t> ✔</a:t>
+            </a:r>
+            <a:endParaRPr lang="en-HK" altLang="zh-CN" sz="2000" b="0" i="0" dirty="0">
+              <a:solidFill>
+                <a:srgbClr val="5C5C5C"/>
+              </a:solidFill>
+              <a:effectLst/>
+              <a:latin typeface="Consolas" panose="020B0609020204030204" pitchFamily="49" charset="0"/>
+            </a:endParaRPr>
+          </a:p>
+          <a:p>
+            <a:pPr algn="l"/>
+            <a:r>
+              <a:rPr lang="en-HK" altLang="zh-CN" sz="2000" b="1" i="0" dirty="0">
+                <a:solidFill>
+                  <a:srgbClr val="2E8B57"/>
+                </a:solidFill>
+                <a:effectLst/>
+                <a:latin typeface="Consolas" panose="020B0609020204030204" pitchFamily="49" charset="0"/>
+              </a:rPr>
+              <a:t>int</a:t>
+            </a:r>
+            <a:r>
+              <a:rPr lang="en-HK" altLang="zh-CN" sz="2000" b="0" i="0" dirty="0">
+                <a:solidFill>
+                  <a:srgbClr val="000000"/>
+                </a:solidFill>
+                <a:effectLst/>
+                <a:latin typeface="Consolas" panose="020B0609020204030204" pitchFamily="49" charset="0"/>
+              </a:rPr>
+              <a:t>    </a:t>
+            </a:r>
+            <a:r>
+              <a:rPr lang="en-HK" altLang="zh-CN" sz="2000" b="0" i="0" dirty="0" err="1">
+                <a:solidFill>
+                  <a:srgbClr val="000000"/>
+                </a:solidFill>
+                <a:effectLst/>
+                <a:latin typeface="Consolas" panose="020B0609020204030204" pitchFamily="49" charset="0"/>
+              </a:rPr>
+              <a:t>sem_trywait</a:t>
+            </a:r>
+            <a:r>
+              <a:rPr lang="en-HK" altLang="zh-CN" sz="2000" b="0" i="0" dirty="0">
+                <a:solidFill>
+                  <a:srgbClr val="000000"/>
+                </a:solidFill>
+                <a:effectLst/>
+                <a:latin typeface="Consolas" panose="020B0609020204030204" pitchFamily="49" charset="0"/>
+              </a:rPr>
+              <a:t>(</a:t>
+            </a:r>
+            <a:r>
+              <a:rPr lang="en-HK" altLang="zh-CN" sz="2000" b="0" i="0" dirty="0" err="1">
+                <a:solidFill>
+                  <a:srgbClr val="000000"/>
+                </a:solidFill>
+                <a:effectLst/>
+                <a:latin typeface="Consolas" panose="020B0609020204030204" pitchFamily="49" charset="0"/>
+              </a:rPr>
+              <a:t>sem_t</a:t>
+            </a:r>
+            <a:r>
+              <a:rPr lang="en-HK" altLang="zh-CN" sz="2000" b="0" i="0" dirty="0">
+                <a:solidFill>
+                  <a:srgbClr val="000000"/>
+                </a:solidFill>
+                <a:effectLst/>
+                <a:latin typeface="Consolas" panose="020B0609020204030204" pitchFamily="49" charset="0"/>
+              </a:rPr>
+              <a:t> *);  </a:t>
+            </a:r>
+            <a:endParaRPr lang="en-HK" altLang="zh-CN" sz="2000" b="0" i="0" dirty="0">
+              <a:solidFill>
+                <a:srgbClr val="5C5C5C"/>
+              </a:solidFill>
+              <a:effectLst/>
+              <a:latin typeface="Consolas" panose="020B0609020204030204" pitchFamily="49" charset="0"/>
+            </a:endParaRPr>
+          </a:p>
+          <a:p>
+            <a:pPr algn="l"/>
+            <a:r>
+              <a:rPr lang="en-HK" altLang="zh-CN" sz="2000" b="1" i="0" dirty="0">
+                <a:solidFill>
+                  <a:srgbClr val="2E8B57"/>
+                </a:solidFill>
+                <a:effectLst/>
+                <a:latin typeface="Consolas" panose="020B0609020204030204" pitchFamily="49" charset="0"/>
+              </a:rPr>
+              <a:t>int</a:t>
+            </a:r>
+            <a:r>
+              <a:rPr lang="en-HK" altLang="zh-CN" sz="2000" b="0" i="0" dirty="0">
+                <a:solidFill>
+                  <a:srgbClr val="000000"/>
+                </a:solidFill>
+                <a:effectLst/>
+                <a:latin typeface="Consolas" panose="020B0609020204030204" pitchFamily="49" charset="0"/>
+              </a:rPr>
+              <a:t>    </a:t>
+            </a:r>
+            <a:r>
+              <a:rPr lang="en-HK" altLang="zh-CN" sz="2000" b="0" i="0" dirty="0" err="1">
+                <a:solidFill>
+                  <a:srgbClr val="000000"/>
+                </a:solidFill>
+                <a:effectLst/>
+                <a:latin typeface="Consolas" panose="020B0609020204030204" pitchFamily="49" charset="0"/>
+              </a:rPr>
+              <a:t>sem_unlink</a:t>
+            </a:r>
+            <a:r>
+              <a:rPr lang="en-HK" altLang="zh-CN" sz="2000" b="0" i="0" dirty="0">
+                <a:solidFill>
+                  <a:srgbClr val="000000"/>
+                </a:solidFill>
+                <a:effectLst/>
+                <a:latin typeface="Consolas" panose="020B0609020204030204" pitchFamily="49" charset="0"/>
+              </a:rPr>
+              <a:t>(</a:t>
+            </a:r>
+            <a:r>
+              <a:rPr lang="en-HK" altLang="zh-CN" sz="2000" b="1" i="0" dirty="0" err="1">
+                <a:solidFill>
+                  <a:srgbClr val="006699"/>
+                </a:solidFill>
+                <a:effectLst/>
+                <a:latin typeface="Consolas" panose="020B0609020204030204" pitchFamily="49" charset="0"/>
+              </a:rPr>
+              <a:t>const</a:t>
+            </a:r>
+            <a:r>
+              <a:rPr lang="en-HK" altLang="zh-CN" sz="2000" b="0" i="0" dirty="0">
+                <a:solidFill>
+                  <a:srgbClr val="000000"/>
+                </a:solidFill>
+                <a:effectLst/>
+                <a:latin typeface="Consolas" panose="020B0609020204030204" pitchFamily="49" charset="0"/>
+              </a:rPr>
+              <a:t> </a:t>
+            </a:r>
+            <a:r>
+              <a:rPr lang="en-HK" altLang="zh-CN" sz="2000" b="1" i="0" dirty="0">
+                <a:solidFill>
+                  <a:srgbClr val="2E8B57"/>
+                </a:solidFill>
+                <a:effectLst/>
+                <a:latin typeface="Consolas" panose="020B0609020204030204" pitchFamily="49" charset="0"/>
+              </a:rPr>
+              <a:t>char</a:t>
+            </a:r>
+            <a:r>
+              <a:rPr lang="en-HK" altLang="zh-CN" sz="2000" b="0" i="0" dirty="0">
+                <a:solidFill>
+                  <a:srgbClr val="000000"/>
+                </a:solidFill>
+                <a:effectLst/>
+                <a:latin typeface="Consolas" panose="020B0609020204030204" pitchFamily="49" charset="0"/>
+              </a:rPr>
+              <a:t> *);  </a:t>
+            </a:r>
+            <a:endParaRPr lang="en-HK" altLang="zh-CN" sz="2000" b="0" i="0" dirty="0">
+              <a:solidFill>
+                <a:srgbClr val="5C5C5C"/>
+              </a:solidFill>
+              <a:effectLst/>
+              <a:latin typeface="Consolas" panose="020B0609020204030204" pitchFamily="49" charset="0"/>
+            </a:endParaRPr>
+          </a:p>
+          <a:p>
+            <a:pPr algn="l"/>
+            <a:r>
+              <a:rPr lang="en-HK" altLang="zh-CN" sz="2000" b="1" i="0" dirty="0">
+                <a:solidFill>
+                  <a:srgbClr val="2E8B57"/>
+                </a:solidFill>
+                <a:effectLst/>
+                <a:latin typeface="Consolas" panose="020B0609020204030204" pitchFamily="49" charset="0"/>
+              </a:rPr>
+              <a:t>int</a:t>
+            </a:r>
+            <a:r>
+              <a:rPr lang="en-HK" altLang="zh-CN" sz="2000" b="0" i="0" dirty="0">
+                <a:solidFill>
+                  <a:srgbClr val="000000"/>
+                </a:solidFill>
+                <a:effectLst/>
+                <a:latin typeface="Consolas" panose="020B0609020204030204" pitchFamily="49" charset="0"/>
+              </a:rPr>
+              <a:t>    </a:t>
+            </a:r>
+            <a:r>
+              <a:rPr lang="en-HK" altLang="zh-CN" sz="2000" b="0" i="0" dirty="0" err="1">
+                <a:solidFill>
+                  <a:srgbClr val="000000"/>
+                </a:solidFill>
+                <a:effectLst/>
+                <a:latin typeface="Consolas" panose="020B0609020204030204" pitchFamily="49" charset="0"/>
+              </a:rPr>
+              <a:t>sem_wait</a:t>
+            </a:r>
+            <a:r>
+              <a:rPr lang="en-HK" altLang="zh-CN" sz="2000" b="0" i="0" dirty="0">
+                <a:solidFill>
+                  <a:srgbClr val="000000"/>
+                </a:solidFill>
+                <a:effectLst/>
+                <a:latin typeface="Consolas" panose="020B0609020204030204" pitchFamily="49" charset="0"/>
+              </a:rPr>
+              <a:t>(</a:t>
+            </a:r>
+            <a:r>
+              <a:rPr lang="en-HK" altLang="zh-CN" sz="2000" b="0" i="0" dirty="0" err="1">
+                <a:solidFill>
+                  <a:srgbClr val="000000"/>
+                </a:solidFill>
+                <a:effectLst/>
+                <a:latin typeface="Consolas" panose="020B0609020204030204" pitchFamily="49" charset="0"/>
+              </a:rPr>
+              <a:t>sem_t</a:t>
+            </a:r>
+            <a:r>
+              <a:rPr lang="en-HK" altLang="zh-CN" sz="2000" b="0" i="0" dirty="0">
+                <a:solidFill>
+                  <a:srgbClr val="000000"/>
+                </a:solidFill>
+                <a:effectLst/>
+                <a:latin typeface="Consolas" panose="020B0609020204030204" pitchFamily="49" charset="0"/>
+              </a:rPr>
+              <a:t> *); </a:t>
+            </a:r>
+            <a:r>
+              <a:rPr lang="zh-CN" altLang="en-US" sz="2000" b="0" i="0" dirty="0">
+                <a:solidFill>
+                  <a:srgbClr val="000000"/>
+                </a:solidFill>
+                <a:effectLst/>
+                <a:latin typeface="Consolas" panose="020B0609020204030204" pitchFamily="49" charset="0"/>
+              </a:rPr>
+              <a:t>✔</a:t>
+            </a:r>
+            <a:endParaRPr lang="en-HK" altLang="zh-CN" sz="2000" b="0" i="0" dirty="0">
+              <a:solidFill>
+                <a:srgbClr val="5C5C5C"/>
+              </a:solidFill>
+              <a:effectLst/>
+              <a:latin typeface="Consolas" panose="020B0609020204030204" pitchFamily="49" charset="0"/>
+            </a:endParaRPr>
           </a:p>
           <a:p>
             <a:pPr marL="606425" lvl="1" indent="-288925">
@@ -14922,87 +13406,21 @@
               <a:buChar char="Ø"/>
               <a:defRPr/>
             </a:pPr>
-            <a:r>
-              <a:rPr lang="en-US" altLang="zh-CN" sz="2400" dirty="0">
-                <a:solidFill>
-                  <a:srgbClr val="202020"/>
-                </a:solidFill>
-                <a:latin typeface="Gill Sans MT" panose="020B0502020104020203" pitchFamily="34" charset="0"/>
-                <a:cs typeface="Helvetica"/>
-                <a:sym typeface="Helvetica"/>
-              </a:rPr>
-              <a:t>It gives you the ability to set them up so that the kernel can back-out operations if the process exits unexpectedly.</a:t>
-            </a:r>
-          </a:p>
-          <a:p>
-            <a:pPr marL="606425" lvl="1" indent="-288925">
-              <a:spcBef>
-                <a:spcPts val="1200"/>
-              </a:spcBef>
-              <a:buFont typeface="Wingdings" pitchFamily="2" charset="2"/>
-              <a:buChar char="Ø"/>
-              <a:defRPr/>
-            </a:pPr>
-            <a:r>
-              <a:rPr lang="en-US" altLang="zh-CN" sz="2400" dirty="0">
-                <a:solidFill>
-                  <a:srgbClr val="202020"/>
-                </a:solidFill>
-                <a:latin typeface="Gill Sans MT" panose="020B0502020104020203" pitchFamily="34" charset="0"/>
-                <a:cs typeface="Helvetica"/>
-                <a:sym typeface="Helvetica"/>
-              </a:rPr>
-              <a:t>But it is very slow because every operation is a round-trip to kernel space.</a:t>
-            </a:r>
-          </a:p>
-          <a:p>
-            <a:pPr marL="606425" lvl="1" indent="-288925">
-              <a:spcBef>
-                <a:spcPts val="1200"/>
-              </a:spcBef>
-              <a:buFont typeface="Wingdings" pitchFamily="2" charset="2"/>
-              <a:buChar char="Ø"/>
-              <a:defRPr/>
-            </a:pPr>
-            <a:r>
-              <a:rPr lang="en-US" altLang="zh-CN" sz="2400" dirty="0">
-                <a:solidFill>
-                  <a:srgbClr val="202020"/>
-                </a:solidFill>
-                <a:latin typeface="Gill Sans MT" panose="020B0502020104020203" pitchFamily="34" charset="0"/>
-                <a:cs typeface="Helvetica"/>
-                <a:sym typeface="Helvetica"/>
-              </a:rPr>
-              <a:t>The interfaces for using them are also very obtuse and hard to learn.</a:t>
-            </a:r>
-          </a:p>
-          <a:p>
-            <a:pPr marL="606425" lvl="1" indent="-288925">
-              <a:spcBef>
-                <a:spcPts val="1200"/>
-              </a:spcBef>
-              <a:buFont typeface="Wingdings" pitchFamily="2" charset="2"/>
-              <a:buChar char="Ø"/>
-              <a:defRPr/>
-            </a:pPr>
-            <a:r>
-              <a:rPr lang="en-US" altLang="zh-CN" sz="2400" dirty="0">
-                <a:solidFill>
-                  <a:srgbClr val="202020"/>
-                </a:solidFill>
-                <a:latin typeface="Gill Sans MT" panose="020B0502020104020203" pitchFamily="34" charset="0"/>
-                <a:cs typeface="Helvetica"/>
-                <a:sym typeface="Helvetica"/>
-              </a:rPr>
-              <a:t>While it is not considered deprecated yet, many programmers consider them deprecated.</a:t>
-            </a:r>
+            <a:endParaRPr lang="en-US" altLang="zh-CN" sz="2400" dirty="0">
+              <a:solidFill>
+                <a:srgbClr val="202020"/>
+              </a:solidFill>
+              <a:latin typeface="Gill Sans MT" panose="020B0502020104020203" pitchFamily="34" charset="0"/>
+              <a:cs typeface="Helvetica"/>
+              <a:sym typeface="Helvetica"/>
+            </a:endParaRPr>
           </a:p>
         </p:txBody>
       </p:sp>
     </p:spTree>
     <p:extLst>
       <p:ext uri="{BB962C8B-B14F-4D97-AF65-F5344CB8AC3E}">
-        <p14:creationId xmlns:p14="http://schemas.microsoft.com/office/powerpoint/2010/main" val="2856971437"/>
+        <p14:creationId xmlns:p14="http://schemas.microsoft.com/office/powerpoint/2010/main" val="618963421"/>
       </p:ext>
     </p:extLst>
   </p:cSld>
@@ -15053,150 +13471,13 @@
           <a:p>
             <a:r>
               <a:rPr lang="en-US" dirty="0"/>
-              <a:t>Semaphores in C</a:t>
-            </a:r>
-          </a:p>
-        </p:txBody>
-      </p:sp>
-      <p:sp>
-        <p:nvSpPr>
-          <p:cNvPr id="3" name="Text Placeholder 2">
-            <a:extLst>
-              <a:ext uri="{FF2B5EF4-FFF2-40B4-BE49-F238E27FC236}">
-                <a16:creationId xmlns:a16="http://schemas.microsoft.com/office/drawing/2014/main" id="{36A5FFEE-E22C-7E2F-1F3B-D8658E79FF2E}"/>
-              </a:ext>
-            </a:extLst>
-          </p:cNvPr>
-          <p:cNvSpPr>
-            <a:spLocks noGrp="1"/>
-          </p:cNvSpPr>
-          <p:nvPr>
-            <p:ph type="body" idx="1"/>
-          </p:nvPr>
-        </p:nvSpPr>
-        <p:spPr>
-          <a:xfrm>
-            <a:off x="306724" y="1157355"/>
-            <a:ext cx="11730787" cy="1245604"/>
-          </a:xfrm>
-        </p:spPr>
-        <p:txBody>
-          <a:bodyPr lIns="25400" tIns="25400" rIns="25400" bIns="25400" anchor="t">
-            <a:normAutofit/>
-          </a:bodyPr>
-          <a:lstStyle/>
-          <a:p>
-            <a:pPr marL="288925" indent="-288925">
-              <a:buFont typeface="Wingdings" pitchFamily="2" charset="2"/>
-              <a:buChar char="Ø"/>
-              <a:defRPr/>
-            </a:pPr>
-            <a:r>
-              <a:rPr lang="en-US" altLang="zh-CN" sz="2400" dirty="0">
-                <a:cs typeface="Helvetica"/>
-              </a:rPr>
-              <a:t>There are two headers related to semaphores in C:  </a:t>
-            </a:r>
-          </a:p>
-          <a:p>
-            <a:pPr marL="288925" indent="-288925">
-              <a:buFont typeface="Wingdings" pitchFamily="2" charset="2"/>
-              <a:buChar char="Ø"/>
-              <a:defRPr/>
-            </a:pPr>
-            <a:r>
-              <a:rPr lang="en-US" altLang="zh-CN" sz="2400" kern="1200" dirty="0">
-                <a:solidFill>
-                  <a:srgbClr val="50A14F"/>
-                </a:solidFill>
-                <a:latin typeface="Consolas" panose="020B0609020204030204" pitchFamily="49" charset="0"/>
-              </a:rPr>
-              <a:t>&lt;sys/</a:t>
-            </a:r>
-            <a:r>
-              <a:rPr lang="en-US" altLang="zh-CN" sz="2400" kern="1200" dirty="0" err="1">
-                <a:solidFill>
-                  <a:srgbClr val="50A14F"/>
-                </a:solidFill>
-                <a:latin typeface="Consolas" panose="020B0609020204030204" pitchFamily="49" charset="0"/>
-              </a:rPr>
-              <a:t>sem.h</a:t>
-            </a:r>
-            <a:r>
-              <a:rPr lang="en-US" altLang="zh-CN" sz="2400" kern="1200" dirty="0">
-                <a:solidFill>
-                  <a:srgbClr val="50A14F"/>
-                </a:solidFill>
-                <a:latin typeface="Consolas" panose="020B0609020204030204" pitchFamily="49" charset="0"/>
-              </a:rPr>
-              <a:t>&gt; </a:t>
-            </a:r>
-            <a:r>
-              <a:rPr kumimoji="0" lang="en-US" altLang="zh-CN" sz="2400" b="0" i="0" u="none" strike="noStrike" kern="1200" cap="none" spc="0" normalizeH="0" baseline="0" noProof="0" dirty="0">
-                <a:ln>
-                  <a:noFill/>
-                </a:ln>
-                <a:solidFill>
-                  <a:srgbClr val="202020"/>
-                </a:solidFill>
-                <a:effectLst/>
-                <a:uLnTx/>
-                <a:uFillTx/>
-                <a:latin typeface="Gill Sans MT" panose="020B0502020104020203" pitchFamily="34" charset="0"/>
-                <a:cs typeface="Helvetica"/>
-                <a:sym typeface="Helvetica"/>
-              </a:rPr>
-              <a:t>and </a:t>
-            </a:r>
-            <a:r>
-              <a:rPr lang="en-US" altLang="zh-CN" sz="2400" kern="1200" dirty="0">
-                <a:solidFill>
-                  <a:srgbClr val="50A14F"/>
-                </a:solidFill>
-                <a:latin typeface="Consolas" panose="020B0609020204030204" pitchFamily="49" charset="0"/>
-              </a:rPr>
-              <a:t>&lt;</a:t>
-            </a:r>
-            <a:r>
-              <a:rPr lang="en-US" altLang="zh-CN" sz="2400" kern="1200" dirty="0" err="1">
-                <a:solidFill>
-                  <a:srgbClr val="50A14F"/>
-                </a:solidFill>
-                <a:latin typeface="Consolas" panose="020B0609020204030204" pitchFamily="49" charset="0"/>
-              </a:rPr>
-              <a:t>semaphore.h</a:t>
-            </a:r>
-            <a:r>
-              <a:rPr lang="en-US" altLang="zh-CN" sz="2400" kern="1200" dirty="0">
-                <a:solidFill>
-                  <a:srgbClr val="50A14F"/>
-                </a:solidFill>
-                <a:latin typeface="Consolas" panose="020B0609020204030204" pitchFamily="49" charset="0"/>
-              </a:rPr>
-              <a:t>&gt; </a:t>
-            </a:r>
-          </a:p>
-          <a:p>
-            <a:pPr marL="606425" lvl="1" indent="-288925">
-              <a:spcBef>
-                <a:spcPts val="1200"/>
-              </a:spcBef>
-              <a:buFont typeface="Wingdings" pitchFamily="2" charset="2"/>
-              <a:buChar char="Ø"/>
-              <a:defRPr/>
-            </a:pPr>
-            <a:endParaRPr lang="en-US" sz="2400" dirty="0"/>
-          </a:p>
-          <a:p>
-            <a:pPr marL="606425" lvl="1" indent="-288925">
-              <a:spcBef>
-                <a:spcPts val="1200"/>
-              </a:spcBef>
-              <a:buFont typeface="Wingdings" pitchFamily="2" charset="2"/>
-              <a:buChar char="Ø"/>
-              <a:defRPr/>
-            </a:pPr>
-            <a:endParaRPr lang="en-US" sz="2400" dirty="0"/>
+              <a:t>1. </a:t>
+            </a:r>
+            <a:r>
+              <a:rPr lang="en-US" dirty="0" err="1"/>
+              <a:t>sem_init</a:t>
+            </a:r>
+            <a:endParaRPr lang="en-US" dirty="0"/>
           </a:p>
         </p:txBody>
       </p:sp>
@@ -15276,1695 +13557,6 @@
                 <a:defRPr/>
               </a:pPr>
               <a:t>5</a:t>
-            </a:fld>
-            <a:endParaRPr kumimoji="0" lang="en-US" sz="1800" b="0" i="0" u="none" strike="noStrike" kern="0" cap="none" spc="0" normalizeH="0" baseline="0" noProof="0">
-              <a:ln>
-                <a:noFill/>
-              </a:ln>
-              <a:solidFill>
-                <a:srgbClr val="800080"/>
-              </a:solidFill>
-              <a:effectLst/>
-              <a:uLnTx/>
-              <a:uFillTx/>
-              <a:latin typeface="Gill Sans MT" panose="020B0502020104020203" pitchFamily="34" charset="0"/>
-              <a:cs typeface="Helvetica"/>
-              <a:sym typeface="Helvetica"/>
-            </a:endParaRPr>
-          </a:p>
-        </p:txBody>
-      </p:sp>
-      <p:sp>
-        <p:nvSpPr>
-          <p:cNvPr id="18" name="文本框 17">
-            <a:extLst>
-              <a:ext uri="{FF2B5EF4-FFF2-40B4-BE49-F238E27FC236}">
-                <a16:creationId xmlns:a16="http://schemas.microsoft.com/office/drawing/2014/main" id="{000E6A9C-20C9-7CC9-CBF6-89EE2B4A6609}"/>
-              </a:ext>
-            </a:extLst>
-          </p:cNvPr>
-          <p:cNvSpPr txBox="1"/>
-          <p:nvPr/>
-        </p:nvSpPr>
-        <p:spPr>
-          <a:xfrm>
-            <a:off x="275383" y="2619020"/>
-            <a:ext cx="11609893" cy="3600986"/>
-          </a:xfrm>
-          <a:prstGeom prst="rect">
-            <a:avLst/>
-          </a:prstGeom>
-          <a:noFill/>
-          <a:ln w="12700" cap="flat">
-            <a:noFill/>
-            <a:miter lim="400000"/>
-          </a:ln>
-          <a:effectLst/>
-          <a:sp3d/>
-        </p:spPr>
-        <p:style>
-          <a:lnRef idx="0">
-            <a:scrgbClr r="0" g="0" b="0"/>
-          </a:lnRef>
-          <a:fillRef idx="0">
-            <a:scrgbClr r="0" g="0" b="0"/>
-          </a:fillRef>
-          <a:effectRef idx="0">
-            <a:scrgbClr r="0" g="0" b="0"/>
-          </a:effectRef>
-          <a:fontRef idx="none"/>
-        </p:style>
-        <p:txBody>
-          <a:bodyPr wrap="square">
-            <a:spAutoFit/>
-          </a:bodyPr>
-          <a:lstStyle/>
-          <a:p>
-            <a:pPr>
-              <a:buFont typeface="Wingdings" panose="05000000000000000000" pitchFamily="2" charset="2"/>
-              <a:buChar char="Ø"/>
-            </a:pPr>
-            <a:r>
-              <a:rPr lang="en-US" altLang="zh-CN" sz="2400" kern="1200" dirty="0">
-                <a:solidFill>
-                  <a:srgbClr val="50A14F"/>
-                </a:solidFill>
-                <a:latin typeface="Consolas" panose="020B0609020204030204" pitchFamily="49" charset="0"/>
-              </a:rPr>
-              <a:t>&lt;</a:t>
-            </a:r>
-            <a:r>
-              <a:rPr lang="en-US" altLang="zh-CN" sz="2400" kern="1200" dirty="0" err="1">
-                <a:solidFill>
-                  <a:srgbClr val="50A14F"/>
-                </a:solidFill>
-                <a:latin typeface="Consolas" panose="020B0609020204030204" pitchFamily="49" charset="0"/>
-              </a:rPr>
-              <a:t>semaphore.h</a:t>
-            </a:r>
-            <a:r>
-              <a:rPr lang="en-US" altLang="zh-CN" sz="2400" kern="1200" dirty="0">
-                <a:solidFill>
-                  <a:srgbClr val="50A14F"/>
-                </a:solidFill>
-                <a:latin typeface="Consolas" panose="020B0609020204030204" pitchFamily="49" charset="0"/>
-              </a:rPr>
-              <a:t>&gt;</a:t>
-            </a:r>
-            <a:endParaRPr kumimoji="0" lang="en-HK" altLang="zh-CN" sz="2400" i="0" u="none" strike="noStrike" kern="0" cap="none" spc="0" normalizeH="0" baseline="0" noProof="0" dirty="0">
-              <a:ln>
-                <a:noFill/>
-              </a:ln>
-              <a:solidFill>
-                <a:srgbClr val="202020"/>
-              </a:solidFill>
-              <a:effectLst/>
-              <a:uLnTx/>
-              <a:uFillTx/>
-              <a:latin typeface="Gill Sans MT" panose="020B0502020104020203" pitchFamily="34" charset="0"/>
-              <a:cs typeface="Helvetica"/>
-              <a:sym typeface="Helvetica"/>
-            </a:endParaRPr>
-          </a:p>
-          <a:p>
-            <a:pPr marL="288925" indent="-288925">
-              <a:spcBef>
-                <a:spcPts val="1200"/>
-              </a:spcBef>
-              <a:buFont typeface="Wingdings" pitchFamily="2" charset="2"/>
-              <a:buChar char="Ø"/>
-              <a:defRPr/>
-            </a:pPr>
-            <a:r>
-              <a:rPr lang="en-US" altLang="zh-CN" sz="2400" dirty="0">
-                <a:solidFill>
-                  <a:srgbClr val="202020"/>
-                </a:solidFill>
-                <a:latin typeface="Gill Sans MT" panose="020B0502020104020203" pitchFamily="34" charset="0"/>
-                <a:cs typeface="Helvetica"/>
-                <a:sym typeface="Helvetica"/>
-              </a:rPr>
-              <a:t>Implemented in user space (except in rare cases)</a:t>
-            </a:r>
-          </a:p>
-          <a:p>
-            <a:pPr marL="606425" lvl="1" indent="-288925">
-              <a:spcBef>
-                <a:spcPts val="1200"/>
-              </a:spcBef>
-              <a:buFont typeface="Wingdings" pitchFamily="2" charset="2"/>
-              <a:buChar char="Ø"/>
-              <a:defRPr/>
-            </a:pPr>
-            <a:r>
-              <a:rPr lang="en-US" altLang="zh-CN" sz="2400" dirty="0">
-                <a:solidFill>
-                  <a:srgbClr val="202020"/>
-                </a:solidFill>
-                <a:latin typeface="Gill Sans MT" panose="020B0502020104020203" pitchFamily="34" charset="0"/>
-                <a:cs typeface="Helvetica"/>
-                <a:sym typeface="Helvetica"/>
-              </a:rPr>
-              <a:t>Its performance should be near-optimal.</a:t>
-            </a:r>
-          </a:p>
-          <a:p>
-            <a:pPr marL="606425" lvl="1" indent="-288925">
-              <a:spcBef>
-                <a:spcPts val="1200"/>
-              </a:spcBef>
-              <a:buFont typeface="Wingdings" pitchFamily="2" charset="2"/>
-              <a:buChar char="Ø"/>
-              <a:defRPr/>
-            </a:pPr>
-            <a:r>
-              <a:rPr lang="en-US" altLang="zh-CN" sz="2400" dirty="0">
-                <a:solidFill>
-                  <a:srgbClr val="202020"/>
-                </a:solidFill>
-                <a:latin typeface="Gill Sans MT" panose="020B0502020104020203" pitchFamily="34" charset="0"/>
-                <a:cs typeface="Helvetica"/>
-                <a:sym typeface="Helvetica"/>
-              </a:rPr>
-              <a:t>It is not quite as featureful as </a:t>
-            </a:r>
-            <a:r>
-              <a:rPr lang="en-US" altLang="zh-CN" sz="2400" kern="1200" dirty="0">
-                <a:solidFill>
-                  <a:srgbClr val="50A14F"/>
-                </a:solidFill>
-                <a:latin typeface="Consolas" panose="020B0609020204030204" pitchFamily="49" charset="0"/>
-              </a:rPr>
-              <a:t>&lt;sys/</a:t>
-            </a:r>
-            <a:r>
-              <a:rPr lang="en-US" altLang="zh-CN" sz="2400" kern="1200" dirty="0" err="1">
-                <a:solidFill>
-                  <a:srgbClr val="50A14F"/>
-                </a:solidFill>
-                <a:latin typeface="Consolas" panose="020B0609020204030204" pitchFamily="49" charset="0"/>
-              </a:rPr>
-              <a:t>sem.h</a:t>
-            </a:r>
-            <a:r>
-              <a:rPr lang="en-US" altLang="zh-CN" sz="2400" kern="1200" dirty="0">
-                <a:solidFill>
-                  <a:srgbClr val="50A14F"/>
-                </a:solidFill>
-                <a:latin typeface="Consolas" panose="020B0609020204030204" pitchFamily="49" charset="0"/>
-              </a:rPr>
-              <a:t>&gt; </a:t>
-            </a:r>
-            <a:r>
-              <a:rPr lang="en-US" altLang="zh-CN" sz="2400" dirty="0">
-                <a:solidFill>
-                  <a:srgbClr val="202020"/>
-                </a:solidFill>
-                <a:latin typeface="Gill Sans MT" panose="020B0502020104020203" pitchFamily="34" charset="0"/>
-                <a:cs typeface="Helvetica"/>
-                <a:sym typeface="Helvetica"/>
-              </a:rPr>
-              <a:t>semaphores.</a:t>
-            </a:r>
-          </a:p>
-          <a:p>
-            <a:pPr marL="606425" lvl="1" indent="-288925">
-              <a:spcBef>
-                <a:spcPts val="1200"/>
-              </a:spcBef>
-              <a:buFont typeface="Wingdings" pitchFamily="2" charset="2"/>
-              <a:buChar char="Ø"/>
-              <a:defRPr/>
-            </a:pPr>
-            <a:r>
-              <a:rPr lang="en-US" altLang="zh-CN" sz="2400" dirty="0">
-                <a:solidFill>
-                  <a:srgbClr val="202020"/>
-                </a:solidFill>
-                <a:latin typeface="Gill Sans MT" panose="020B0502020104020203" pitchFamily="34" charset="0"/>
-                <a:cs typeface="Helvetica"/>
-                <a:sym typeface="Helvetica"/>
-              </a:rPr>
-              <a:t>The interfaces for using them are relatively simple.</a:t>
-            </a:r>
-          </a:p>
-          <a:p>
-            <a:pPr marL="149225" indent="-288925">
-              <a:spcBef>
-                <a:spcPts val="1200"/>
-              </a:spcBef>
-              <a:buFont typeface="Wingdings" pitchFamily="2" charset="2"/>
-              <a:buChar char="Ø"/>
-              <a:defRPr/>
-            </a:pPr>
-            <a:endParaRPr lang="en-US" altLang="zh-CN" sz="2400" dirty="0">
-              <a:solidFill>
-                <a:srgbClr val="202020"/>
-              </a:solidFill>
-              <a:latin typeface="Gill Sans MT" panose="020B0502020104020203" pitchFamily="34" charset="0"/>
-              <a:cs typeface="Helvetica"/>
-              <a:sym typeface="Helvetica"/>
-            </a:endParaRPr>
-          </a:p>
-          <a:p>
-            <a:pPr marL="149225" indent="-288925">
-              <a:spcBef>
-                <a:spcPts val="1200"/>
-              </a:spcBef>
-              <a:buFont typeface="Wingdings" pitchFamily="2" charset="2"/>
-              <a:buChar char="Ø"/>
-              <a:defRPr/>
-            </a:pPr>
-            <a:r>
-              <a:rPr lang="en-US" altLang="zh-CN" sz="2400" dirty="0">
-                <a:solidFill>
-                  <a:srgbClr val="202020"/>
-                </a:solidFill>
-                <a:latin typeface="Gill Sans MT" panose="020B0502020104020203" pitchFamily="34" charset="0"/>
-                <a:cs typeface="Helvetica"/>
-                <a:sym typeface="Helvetica"/>
-              </a:rPr>
-              <a:t>Today we focus on </a:t>
-            </a:r>
-            <a:r>
-              <a:rPr lang="en-US" altLang="zh-CN" sz="2400" kern="1200" dirty="0">
-                <a:solidFill>
-                  <a:srgbClr val="50A14F"/>
-                </a:solidFill>
-                <a:latin typeface="Consolas" panose="020B0609020204030204" pitchFamily="49" charset="0"/>
-              </a:rPr>
-              <a:t>&lt;</a:t>
-            </a:r>
-            <a:r>
-              <a:rPr lang="en-US" altLang="zh-CN" sz="2400" kern="1200" dirty="0" err="1">
-                <a:solidFill>
-                  <a:srgbClr val="50A14F"/>
-                </a:solidFill>
-                <a:latin typeface="Consolas" panose="020B0609020204030204" pitchFamily="49" charset="0"/>
-              </a:rPr>
-              <a:t>semaphore.h</a:t>
-            </a:r>
-            <a:r>
-              <a:rPr lang="en-US" altLang="zh-CN" sz="2400" kern="1200" dirty="0">
-                <a:solidFill>
-                  <a:srgbClr val="50A14F"/>
-                </a:solidFill>
-                <a:latin typeface="Consolas" panose="020B0609020204030204" pitchFamily="49" charset="0"/>
-              </a:rPr>
-              <a:t>&gt;</a:t>
-            </a:r>
-            <a:r>
-              <a:rPr lang="en-US" altLang="zh-CN" sz="2400" kern="1200" dirty="0">
-                <a:solidFill>
-                  <a:srgbClr val="202020"/>
-                </a:solidFill>
-                <a:latin typeface="Gill Sans MT" panose="020B0502020104020203" pitchFamily="34" charset="0"/>
-                <a:cs typeface="Helvetica"/>
-                <a:sym typeface="Helvetica"/>
-              </a:rPr>
-              <a:t>.</a:t>
-            </a:r>
-            <a:endParaRPr kumimoji="0" lang="en-HK" altLang="zh-CN" sz="2400" i="0" u="none" strike="noStrike" kern="0" cap="none" spc="0" normalizeH="0" baseline="0" noProof="0" dirty="0">
-              <a:ln>
-                <a:noFill/>
-              </a:ln>
-              <a:solidFill>
-                <a:srgbClr val="202020"/>
-              </a:solidFill>
-              <a:effectLst/>
-              <a:uLnTx/>
-              <a:uFillTx/>
-              <a:latin typeface="Gill Sans MT" panose="020B0502020104020203" pitchFamily="34" charset="0"/>
-              <a:cs typeface="Helvetica"/>
-              <a:sym typeface="Helvetica"/>
-            </a:endParaRPr>
-          </a:p>
-        </p:txBody>
-      </p:sp>
-    </p:spTree>
-    <p:extLst>
-      <p:ext uri="{BB962C8B-B14F-4D97-AF65-F5344CB8AC3E}">
-        <p14:creationId xmlns:p14="http://schemas.microsoft.com/office/powerpoint/2010/main" val="3371662688"/>
-      </p:ext>
-    </p:extLst>
-  </p:cSld>
-  <p:clrMapOvr>
-    <a:masterClrMapping/>
-  </p:clrMapOvr>
-  <p:transition spd="med"/>
-</p:sld>
-</file>
-
-<file path=ppt/slides/slide6.xml><?xml version="1.0" encoding="utf-8"?>
-<p:sld xmlns:a="http://schemas.openxmlformats.org/drawingml/2006/main" xmlns:r="http://schemas.openxmlformats.org/officeDocument/2006/relationships" xmlns:p="http://schemas.openxmlformats.org/presentationml/2006/main">
-  <p:cSld>
-    <p:spTree>
-      <p:nvGrpSpPr>
-        <p:cNvPr id="1" name=""/>
-        <p:cNvGrpSpPr/>
-        <p:nvPr/>
-      </p:nvGrpSpPr>
-      <p:grpSpPr>
-        <a:xfrm>
-          <a:off x="0" y="0"/>
-          <a:ext cx="0" cy="0"/>
-          <a:chOff x="0" y="0"/>
-          <a:chExt cx="0" cy="0"/>
-        </a:xfrm>
-      </p:grpSpPr>
-      <p:sp>
-        <p:nvSpPr>
-          <p:cNvPr id="2" name="Title 1">
-            <a:extLst>
-              <a:ext uri="{FF2B5EF4-FFF2-40B4-BE49-F238E27FC236}">
-                <a16:creationId xmlns:a16="http://schemas.microsoft.com/office/drawing/2014/main" id="{62715A2E-656D-EC5D-FDE7-230488526EFC}"/>
-              </a:ext>
-            </a:extLst>
-          </p:cNvPr>
-          <p:cNvSpPr>
-            <a:spLocks noGrp="1"/>
-          </p:cNvSpPr>
-          <p:nvPr>
-            <p:ph type="title"/>
-          </p:nvPr>
-        </p:nvSpPr>
-        <p:spPr/>
-        <p:txBody>
-          <a:bodyPr/>
-          <a:lstStyle/>
-          <a:p>
-            <a:r>
-              <a:rPr lang="en-US" altLang="zh-CN" dirty="0"/>
-              <a:t>Semaphores</a:t>
-            </a:r>
-            <a:r>
-              <a:rPr lang="en-US" dirty="0"/>
-              <a:t> in &lt;</a:t>
-            </a:r>
-            <a:r>
-              <a:rPr lang="en-US" altLang="zh-CN" sz="4000" dirty="0" err="1">
-                <a:cs typeface="Helvetica"/>
-              </a:rPr>
-              <a:t>semaphore.h</a:t>
-            </a:r>
-            <a:r>
-              <a:rPr lang="en-US" dirty="0"/>
-              <a:t>&gt;</a:t>
-            </a:r>
-          </a:p>
-        </p:txBody>
-      </p:sp>
-      <p:sp>
-        <p:nvSpPr>
-          <p:cNvPr id="3" name="Text Placeholder 2">
-            <a:extLst>
-              <a:ext uri="{FF2B5EF4-FFF2-40B4-BE49-F238E27FC236}">
-                <a16:creationId xmlns:a16="http://schemas.microsoft.com/office/drawing/2014/main" id="{36A5FFEE-E22C-7E2F-1F3B-D8658E79FF2E}"/>
-              </a:ext>
-            </a:extLst>
-          </p:cNvPr>
-          <p:cNvSpPr>
-            <a:spLocks noGrp="1"/>
-          </p:cNvSpPr>
-          <p:nvPr>
-            <p:ph type="body" idx="1"/>
-          </p:nvPr>
-        </p:nvSpPr>
-        <p:spPr>
-          <a:xfrm>
-            <a:off x="306725" y="1157355"/>
-            <a:ext cx="10942521" cy="1245604"/>
-          </a:xfrm>
-        </p:spPr>
-        <p:txBody>
-          <a:bodyPr lIns="25400" tIns="25400" rIns="25400" bIns="25400" anchor="t">
-            <a:normAutofit/>
-          </a:bodyPr>
-          <a:lstStyle/>
-          <a:p>
-            <a:pPr marL="288925" indent="-288925">
-              <a:buFont typeface="Wingdings" pitchFamily="2" charset="2"/>
-              <a:buChar char="Ø"/>
-              <a:defRPr/>
-            </a:pPr>
-            <a:r>
-              <a:rPr lang="en-US" altLang="zh-CN" sz="2400" dirty="0">
-                <a:cs typeface="Helvetica"/>
-              </a:rPr>
-              <a:t>The </a:t>
-            </a:r>
-            <a:r>
-              <a:rPr lang="en-US" altLang="zh-CN" sz="2400" dirty="0" err="1">
-                <a:cs typeface="Helvetica"/>
-              </a:rPr>
-              <a:t>semaphore.h</a:t>
-            </a:r>
-            <a:r>
-              <a:rPr lang="en-US" altLang="zh-CN" sz="2400" dirty="0">
-                <a:cs typeface="Helvetica"/>
-              </a:rPr>
-              <a:t> is a powerful tool for creating and managing semaphores in C. It defines the </a:t>
-            </a:r>
-            <a:r>
-              <a:rPr lang="en-US" altLang="zh-CN" sz="2400" i="1" dirty="0" err="1">
-                <a:latin typeface="Consolas" panose="020B0609020204030204" pitchFamily="49" charset="0"/>
-                <a:cs typeface="Helvetica"/>
-              </a:rPr>
-              <a:t>sem_t</a:t>
-            </a:r>
-            <a:r>
-              <a:rPr lang="en-US" altLang="zh-CN" sz="2400" dirty="0">
-                <a:cs typeface="Helvetica"/>
-              </a:rPr>
-              <a:t> type, used in performing semaphore operations. See also </a:t>
-            </a:r>
-            <a:r>
-              <a:rPr lang="en-US" altLang="zh-CN" sz="2400" dirty="0">
-                <a:cs typeface="Helvetica"/>
-                <a:hlinkClick r:id="rId3"/>
-              </a:rPr>
-              <a:t>https://pubs.opengroup.org/onlinepubs/7908799/xsh/semaphore.h.html</a:t>
-            </a:r>
-            <a:endParaRPr lang="en-US" altLang="zh-CN" sz="2400" dirty="0">
-              <a:cs typeface="Helvetica"/>
-            </a:endParaRPr>
-          </a:p>
-          <a:p>
-            <a:pPr marL="606425" lvl="1" indent="-288925">
-              <a:spcBef>
-                <a:spcPts val="1200"/>
-              </a:spcBef>
-              <a:buFont typeface="Wingdings" pitchFamily="2" charset="2"/>
-              <a:buChar char="Ø"/>
-              <a:defRPr/>
-            </a:pPr>
-            <a:endParaRPr lang="en-US" sz="2400" dirty="0"/>
-          </a:p>
-          <a:p>
-            <a:pPr marL="606425" lvl="1" indent="-288925">
-              <a:spcBef>
-                <a:spcPts val="1200"/>
-              </a:spcBef>
-              <a:buFont typeface="Wingdings" pitchFamily="2" charset="2"/>
-              <a:buChar char="Ø"/>
-              <a:defRPr/>
-            </a:pPr>
-            <a:endParaRPr lang="en-US" sz="2400" dirty="0"/>
-          </a:p>
-        </p:txBody>
-      </p:sp>
-      <p:sp>
-        <p:nvSpPr>
-          <p:cNvPr id="4" name="Slide Number Placeholder 3">
-            <a:extLst>
-              <a:ext uri="{FF2B5EF4-FFF2-40B4-BE49-F238E27FC236}">
-                <a16:creationId xmlns:a16="http://schemas.microsoft.com/office/drawing/2014/main" id="{C903FAE4-3A59-50C4-1BA6-A9AEC61D52CB}"/>
-              </a:ext>
-            </a:extLst>
-          </p:cNvPr>
-          <p:cNvSpPr>
-            <a:spLocks noGrp="1"/>
-          </p:cNvSpPr>
-          <p:nvPr>
-            <p:ph type="sldNum" sz="quarter" idx="2"/>
-          </p:nvPr>
-        </p:nvSpPr>
-        <p:spPr>
-          <a:xfrm>
-            <a:off x="11686121" y="6400800"/>
-            <a:ext cx="218008" cy="379591"/>
-          </a:xfrm>
-        </p:spPr>
-        <p:txBody>
-          <a:bodyPr/>
-          <a:lstStyle/>
-          <a:p>
-            <a:pPr marL="0" marR="0" lvl="0" indent="0" algn="ctr" defTabSz="412750" rtl="0" eaLnBrk="1" fontAlgn="auto" latinLnBrk="0" hangingPunct="0">
-              <a:lnSpc>
-                <a:spcPct val="100000"/>
-              </a:lnSpc>
-              <a:spcBef>
-                <a:spcPts val="0"/>
-              </a:spcBef>
-              <a:spcAft>
-                <a:spcPts val="0"/>
-              </a:spcAft>
-              <a:buClrTx/>
-              <a:buSzTx/>
-              <a:buFontTx/>
-              <a:buNone/>
-              <a:tabLst/>
-              <a:defRPr/>
-            </a:pPr>
-            <a:fld id="{86CB4B4D-7CA3-9044-876B-883B54F8677D}" type="slidenum">
-              <a:rPr kumimoji="0" lang="en-US" sz="1800" b="0" i="0" u="none" strike="noStrike" kern="0" cap="none" spc="0" normalizeH="0" baseline="0" noProof="0">
-                <a:ln>
-                  <a:noFill/>
-                </a:ln>
-                <a:solidFill>
-                  <a:srgbClr val="800080"/>
-                </a:solidFill>
-                <a:effectLst/>
-                <a:uLnTx/>
-                <a:uFillTx/>
-                <a:latin typeface="Gill Sans MT" panose="020B0502020104020203" pitchFamily="34" charset="0"/>
-                <a:cs typeface="Helvetica"/>
-                <a:sym typeface="Helvetica"/>
-              </a:rPr>
-              <a:pPr marL="0" marR="0" lvl="0" indent="0" algn="ctr" defTabSz="412750" rtl="0" eaLnBrk="1" fontAlgn="auto" latinLnBrk="0" hangingPunct="0">
-                <a:lnSpc>
-                  <a:spcPct val="100000"/>
-                </a:lnSpc>
-                <a:spcBef>
-                  <a:spcPts val="0"/>
-                </a:spcBef>
-                <a:spcAft>
-                  <a:spcPts val="0"/>
-                </a:spcAft>
-                <a:buClrTx/>
-                <a:buSzTx/>
-                <a:buFontTx/>
-                <a:buNone/>
-                <a:tabLst/>
-                <a:defRPr/>
-              </a:pPr>
-              <a:t>6</a:t>
-            </a:fld>
-            <a:endParaRPr kumimoji="0" lang="en-US" sz="1800" b="0" i="0" u="none" strike="noStrike" kern="0" cap="none" spc="0" normalizeH="0" baseline="0" noProof="0">
-              <a:ln>
-                <a:noFill/>
-              </a:ln>
-              <a:solidFill>
-                <a:srgbClr val="800080"/>
-              </a:solidFill>
-              <a:effectLst/>
-              <a:uLnTx/>
-              <a:uFillTx/>
-              <a:latin typeface="Gill Sans MT" panose="020B0502020104020203" pitchFamily="34" charset="0"/>
-              <a:cs typeface="Helvetica"/>
-              <a:sym typeface="Helvetica"/>
-            </a:endParaRPr>
-          </a:p>
-        </p:txBody>
-      </p:sp>
-      <p:sp>
-        <p:nvSpPr>
-          <p:cNvPr id="18" name="文本框 17">
-            <a:extLst>
-              <a:ext uri="{FF2B5EF4-FFF2-40B4-BE49-F238E27FC236}">
-                <a16:creationId xmlns:a16="http://schemas.microsoft.com/office/drawing/2014/main" id="{000E6A9C-20C9-7CC9-CBF6-89EE2B4A6609}"/>
-              </a:ext>
-            </a:extLst>
-          </p:cNvPr>
-          <p:cNvSpPr txBox="1"/>
-          <p:nvPr/>
-        </p:nvSpPr>
-        <p:spPr>
-          <a:xfrm>
-            <a:off x="275383" y="2476679"/>
-            <a:ext cx="8342524" cy="4278094"/>
-          </a:xfrm>
-          <a:prstGeom prst="rect">
-            <a:avLst/>
-          </a:prstGeom>
-          <a:noFill/>
-          <a:ln w="12700" cap="flat">
-            <a:noFill/>
-            <a:miter lim="400000"/>
-          </a:ln>
-          <a:effectLst/>
-          <a:sp3d/>
-        </p:spPr>
-        <p:style>
-          <a:lnRef idx="0">
-            <a:scrgbClr r="0" g="0" b="0"/>
-          </a:lnRef>
-          <a:fillRef idx="0">
-            <a:scrgbClr r="0" g="0" b="0"/>
-          </a:fillRef>
-          <a:effectRef idx="0">
-            <a:scrgbClr r="0" g="0" b="0"/>
-          </a:effectRef>
-          <a:fontRef idx="none"/>
-        </p:style>
-        <p:txBody>
-          <a:bodyPr wrap="square">
-            <a:spAutoFit/>
-          </a:bodyPr>
-          <a:lstStyle/>
-          <a:p>
-            <a:pPr>
-              <a:buFont typeface="Wingdings" panose="05000000000000000000" pitchFamily="2" charset="2"/>
-              <a:buChar char="Ø"/>
-            </a:pPr>
-            <a:r>
-              <a:rPr lang="en-US" altLang="zh-CN" sz="2400" dirty="0">
-                <a:solidFill>
-                  <a:srgbClr val="202020"/>
-                </a:solidFill>
-                <a:latin typeface="Gill Sans MT" panose="020B0502020104020203" pitchFamily="34" charset="0"/>
-                <a:cs typeface="Helvetica"/>
-                <a:sym typeface="Helvetica"/>
-              </a:rPr>
-              <a:t>To use it: </a:t>
-            </a:r>
-            <a:r>
-              <a:rPr lang="en-HK" altLang="zh-CN" sz="2400" dirty="0">
-                <a:solidFill>
-                  <a:srgbClr val="202020"/>
-                </a:solidFill>
-                <a:latin typeface="Gill Sans MT" panose="020B0502020104020203" pitchFamily="34" charset="0"/>
-                <a:cs typeface="Helvetica"/>
-                <a:sym typeface="Helvetica"/>
-              </a:rPr>
-              <a:t> </a:t>
-            </a:r>
-            <a:r>
-              <a:rPr lang="en-HK" altLang="zh-CN" b="0" i="0" dirty="0">
-                <a:solidFill>
-                  <a:srgbClr val="4078F2"/>
-                </a:solidFill>
-                <a:effectLst/>
-                <a:latin typeface="Consolas" panose="020B0609020204030204" pitchFamily="49" charset="0"/>
-              </a:rPr>
-              <a:t>#include </a:t>
-            </a:r>
-            <a:r>
-              <a:rPr lang="en-HK" altLang="zh-CN" b="0" i="0" dirty="0">
-                <a:solidFill>
-                  <a:srgbClr val="50A14F"/>
-                </a:solidFill>
-                <a:effectLst/>
-                <a:latin typeface="Consolas" panose="020B0609020204030204" pitchFamily="49" charset="0"/>
-              </a:rPr>
-              <a:t>&lt;</a:t>
-            </a:r>
-            <a:r>
-              <a:rPr lang="en-HK" altLang="zh-CN" b="0" i="0" dirty="0" err="1">
-                <a:solidFill>
-                  <a:srgbClr val="50A14F"/>
-                </a:solidFill>
-                <a:effectLst/>
-                <a:latin typeface="Consolas" panose="020B0609020204030204" pitchFamily="49" charset="0"/>
-              </a:rPr>
-              <a:t>semaphore.h</a:t>
-            </a:r>
-            <a:r>
-              <a:rPr lang="en-HK" altLang="zh-CN" b="0" i="0" dirty="0">
-                <a:solidFill>
-                  <a:srgbClr val="50A14F"/>
-                </a:solidFill>
-                <a:effectLst/>
-                <a:latin typeface="Consolas" panose="020B0609020204030204" pitchFamily="49" charset="0"/>
-              </a:rPr>
-              <a:t>&gt;</a:t>
-            </a:r>
-            <a:endParaRPr kumimoji="0" lang="en-HK" altLang="zh-CN" sz="2800" i="0" u="none" strike="noStrike" kern="0" cap="none" spc="0" normalizeH="0" baseline="0" noProof="0" dirty="0">
-              <a:ln>
-                <a:noFill/>
-              </a:ln>
-              <a:solidFill>
-                <a:srgbClr val="202020"/>
-              </a:solidFill>
-              <a:effectLst/>
-              <a:uLnTx/>
-              <a:uFillTx/>
-              <a:latin typeface="Gill Sans MT" panose="020B0502020104020203" pitchFamily="34" charset="0"/>
-              <a:cs typeface="Helvetica"/>
-              <a:sym typeface="Helvetica"/>
-            </a:endParaRPr>
-          </a:p>
-          <a:p>
-            <a:pPr marL="288925" indent="-288925">
-              <a:spcBef>
-                <a:spcPts val="1200"/>
-              </a:spcBef>
-              <a:buFont typeface="Wingdings" pitchFamily="2" charset="2"/>
-              <a:buChar char="Ø"/>
-              <a:defRPr/>
-            </a:pPr>
-            <a:r>
-              <a:rPr lang="en-US" altLang="zh-CN" sz="2400" dirty="0">
-                <a:solidFill>
-                  <a:srgbClr val="202020"/>
-                </a:solidFill>
-                <a:latin typeface="Gill Sans MT" panose="020B0502020104020203" pitchFamily="34" charset="0"/>
-                <a:cs typeface="Helvetica"/>
-                <a:sym typeface="Helvetica"/>
-              </a:rPr>
-              <a:t>Interfaces:</a:t>
-            </a:r>
-          </a:p>
-          <a:p>
-            <a:pPr algn="l"/>
-            <a:r>
-              <a:rPr lang="en-HK" altLang="zh-CN" sz="2000" b="1" i="0" dirty="0">
-                <a:solidFill>
-                  <a:srgbClr val="2E8B57"/>
-                </a:solidFill>
-                <a:effectLst/>
-                <a:latin typeface="Consolas" panose="020B0609020204030204" pitchFamily="49" charset="0"/>
-              </a:rPr>
-              <a:t>int</a:t>
-            </a:r>
-            <a:r>
-              <a:rPr lang="en-HK" altLang="zh-CN" sz="2000" b="0" i="0" dirty="0">
-                <a:solidFill>
-                  <a:srgbClr val="000000"/>
-                </a:solidFill>
-                <a:effectLst/>
-                <a:latin typeface="Consolas" panose="020B0609020204030204" pitchFamily="49" charset="0"/>
-              </a:rPr>
-              <a:t>    </a:t>
-            </a:r>
-            <a:r>
-              <a:rPr lang="en-HK" altLang="zh-CN" sz="2000" b="0" i="0" dirty="0" err="1">
-                <a:solidFill>
-                  <a:srgbClr val="000000"/>
-                </a:solidFill>
-                <a:effectLst/>
-                <a:latin typeface="Consolas" panose="020B0609020204030204" pitchFamily="49" charset="0"/>
-              </a:rPr>
-              <a:t>sem_close</a:t>
-            </a:r>
-            <a:r>
-              <a:rPr lang="en-HK" altLang="zh-CN" sz="2000" b="0" i="0" dirty="0">
-                <a:solidFill>
-                  <a:srgbClr val="000000"/>
-                </a:solidFill>
-                <a:effectLst/>
-                <a:latin typeface="Consolas" panose="020B0609020204030204" pitchFamily="49" charset="0"/>
-              </a:rPr>
-              <a:t>(</a:t>
-            </a:r>
-            <a:r>
-              <a:rPr lang="en-HK" altLang="zh-CN" sz="2000" b="0" i="0" dirty="0" err="1">
-                <a:solidFill>
-                  <a:srgbClr val="000000"/>
-                </a:solidFill>
-                <a:effectLst/>
-                <a:latin typeface="Consolas" panose="020B0609020204030204" pitchFamily="49" charset="0"/>
-              </a:rPr>
-              <a:t>sem_t</a:t>
-            </a:r>
-            <a:r>
-              <a:rPr lang="en-HK" altLang="zh-CN" sz="2000" b="0" i="0" dirty="0">
-                <a:solidFill>
-                  <a:srgbClr val="000000"/>
-                </a:solidFill>
-                <a:effectLst/>
-                <a:latin typeface="Consolas" panose="020B0609020204030204" pitchFamily="49" charset="0"/>
-              </a:rPr>
-              <a:t> *);  </a:t>
-            </a:r>
-            <a:endParaRPr lang="en-HK" altLang="zh-CN" sz="2000" b="0" i="0" dirty="0">
-              <a:solidFill>
-                <a:srgbClr val="5C5C5C"/>
-              </a:solidFill>
-              <a:effectLst/>
-              <a:latin typeface="Consolas" panose="020B0609020204030204" pitchFamily="49" charset="0"/>
-            </a:endParaRPr>
-          </a:p>
-          <a:p>
-            <a:pPr algn="l"/>
-            <a:r>
-              <a:rPr lang="en-HK" altLang="zh-CN" sz="2000" b="1" i="0" dirty="0">
-                <a:solidFill>
-                  <a:srgbClr val="2E8B57"/>
-                </a:solidFill>
-                <a:effectLst/>
-                <a:latin typeface="Consolas" panose="020B0609020204030204" pitchFamily="49" charset="0"/>
-              </a:rPr>
-              <a:t>int</a:t>
-            </a:r>
-            <a:r>
-              <a:rPr lang="en-HK" altLang="zh-CN" sz="2000" b="0" i="0" dirty="0">
-                <a:solidFill>
-                  <a:srgbClr val="000000"/>
-                </a:solidFill>
-                <a:effectLst/>
-                <a:latin typeface="Consolas" panose="020B0609020204030204" pitchFamily="49" charset="0"/>
-              </a:rPr>
-              <a:t>    </a:t>
-            </a:r>
-            <a:r>
-              <a:rPr lang="en-HK" altLang="zh-CN" sz="2000" b="0" i="0" dirty="0" err="1">
-                <a:solidFill>
-                  <a:srgbClr val="000000"/>
-                </a:solidFill>
-                <a:effectLst/>
-                <a:latin typeface="Consolas" panose="020B0609020204030204" pitchFamily="49" charset="0"/>
-              </a:rPr>
-              <a:t>sem_destroy</a:t>
-            </a:r>
-            <a:r>
-              <a:rPr lang="en-HK" altLang="zh-CN" sz="2000" b="0" i="0" dirty="0">
-                <a:solidFill>
-                  <a:srgbClr val="000000"/>
-                </a:solidFill>
-                <a:effectLst/>
-                <a:latin typeface="Consolas" panose="020B0609020204030204" pitchFamily="49" charset="0"/>
-              </a:rPr>
-              <a:t>(</a:t>
-            </a:r>
-            <a:r>
-              <a:rPr lang="en-HK" altLang="zh-CN" sz="2000" b="0" i="0" dirty="0" err="1">
-                <a:solidFill>
-                  <a:srgbClr val="000000"/>
-                </a:solidFill>
-                <a:effectLst/>
-                <a:latin typeface="Consolas" panose="020B0609020204030204" pitchFamily="49" charset="0"/>
-              </a:rPr>
-              <a:t>sem_t</a:t>
-            </a:r>
-            <a:r>
-              <a:rPr lang="en-HK" altLang="zh-CN" sz="2000" b="0" i="0" dirty="0">
-                <a:solidFill>
-                  <a:srgbClr val="000000"/>
-                </a:solidFill>
-                <a:effectLst/>
-                <a:latin typeface="Consolas" panose="020B0609020204030204" pitchFamily="49" charset="0"/>
-              </a:rPr>
-              <a:t> *);  </a:t>
-            </a:r>
-            <a:endParaRPr lang="en-HK" altLang="zh-CN" sz="2000" b="0" i="0" dirty="0">
-              <a:solidFill>
-                <a:srgbClr val="5C5C5C"/>
-              </a:solidFill>
-              <a:effectLst/>
-              <a:latin typeface="Consolas" panose="020B0609020204030204" pitchFamily="49" charset="0"/>
-            </a:endParaRPr>
-          </a:p>
-          <a:p>
-            <a:pPr algn="l"/>
-            <a:r>
-              <a:rPr lang="en-HK" altLang="zh-CN" sz="2000" b="1" i="0" dirty="0">
-                <a:solidFill>
-                  <a:srgbClr val="2E8B57"/>
-                </a:solidFill>
-                <a:effectLst/>
-                <a:latin typeface="Consolas" panose="020B0609020204030204" pitchFamily="49" charset="0"/>
-              </a:rPr>
-              <a:t>int</a:t>
-            </a:r>
-            <a:r>
-              <a:rPr lang="en-HK" altLang="zh-CN" sz="2000" b="0" i="0" dirty="0">
-                <a:solidFill>
-                  <a:srgbClr val="000000"/>
-                </a:solidFill>
-                <a:effectLst/>
-                <a:latin typeface="Consolas" panose="020B0609020204030204" pitchFamily="49" charset="0"/>
-              </a:rPr>
-              <a:t>    </a:t>
-            </a:r>
-            <a:r>
-              <a:rPr lang="en-HK" altLang="zh-CN" sz="2000" b="0" i="0" dirty="0" err="1">
-                <a:solidFill>
-                  <a:srgbClr val="000000"/>
-                </a:solidFill>
-                <a:effectLst/>
-                <a:latin typeface="Consolas" panose="020B0609020204030204" pitchFamily="49" charset="0"/>
-              </a:rPr>
-              <a:t>sem_getvalue</a:t>
-            </a:r>
-            <a:r>
-              <a:rPr lang="en-HK" altLang="zh-CN" sz="2000" b="0" i="0" dirty="0">
-                <a:solidFill>
-                  <a:srgbClr val="000000"/>
-                </a:solidFill>
-                <a:effectLst/>
-                <a:latin typeface="Consolas" panose="020B0609020204030204" pitchFamily="49" charset="0"/>
-              </a:rPr>
-              <a:t>(</a:t>
-            </a:r>
-            <a:r>
-              <a:rPr lang="en-HK" altLang="zh-CN" sz="2000" b="0" i="0" dirty="0" err="1">
-                <a:solidFill>
-                  <a:srgbClr val="000000"/>
-                </a:solidFill>
-                <a:effectLst/>
-                <a:latin typeface="Consolas" panose="020B0609020204030204" pitchFamily="49" charset="0"/>
-              </a:rPr>
-              <a:t>sem_t</a:t>
-            </a:r>
-            <a:r>
-              <a:rPr lang="en-HK" altLang="zh-CN" sz="2000" b="0" i="0" dirty="0">
-                <a:solidFill>
-                  <a:srgbClr val="000000"/>
-                </a:solidFill>
-                <a:effectLst/>
-                <a:latin typeface="Consolas" panose="020B0609020204030204" pitchFamily="49" charset="0"/>
-              </a:rPr>
-              <a:t> *, </a:t>
-            </a:r>
-            <a:r>
-              <a:rPr lang="en-HK" altLang="zh-CN" sz="2000" b="1" i="0" dirty="0">
-                <a:solidFill>
-                  <a:srgbClr val="2E8B57"/>
-                </a:solidFill>
-                <a:effectLst/>
-                <a:latin typeface="Consolas" panose="020B0609020204030204" pitchFamily="49" charset="0"/>
-              </a:rPr>
-              <a:t>int</a:t>
-            </a:r>
-            <a:r>
-              <a:rPr lang="en-HK" altLang="zh-CN" sz="2000" b="0" i="0" dirty="0">
-                <a:solidFill>
-                  <a:srgbClr val="000000"/>
-                </a:solidFill>
-                <a:effectLst/>
-                <a:latin typeface="Consolas" panose="020B0609020204030204" pitchFamily="49" charset="0"/>
-              </a:rPr>
-              <a:t> *);  </a:t>
-            </a:r>
-            <a:endParaRPr lang="en-HK" altLang="zh-CN" sz="2000" b="0" i="0" dirty="0">
-              <a:solidFill>
-                <a:srgbClr val="5C5C5C"/>
-              </a:solidFill>
-              <a:effectLst/>
-              <a:latin typeface="Consolas" panose="020B0609020204030204" pitchFamily="49" charset="0"/>
-            </a:endParaRPr>
-          </a:p>
-          <a:p>
-            <a:pPr algn="l"/>
-            <a:r>
-              <a:rPr lang="en-HK" altLang="zh-CN" sz="2000" b="1" i="0" dirty="0">
-                <a:solidFill>
-                  <a:srgbClr val="2E8B57"/>
-                </a:solidFill>
-                <a:effectLst/>
-                <a:latin typeface="Consolas" panose="020B0609020204030204" pitchFamily="49" charset="0"/>
-              </a:rPr>
-              <a:t>int</a:t>
-            </a:r>
-            <a:r>
-              <a:rPr lang="en-HK" altLang="zh-CN" sz="2000" b="0" i="0" dirty="0">
-                <a:solidFill>
-                  <a:srgbClr val="000000"/>
-                </a:solidFill>
-                <a:effectLst/>
-                <a:latin typeface="Consolas" panose="020B0609020204030204" pitchFamily="49" charset="0"/>
-              </a:rPr>
-              <a:t>    </a:t>
-            </a:r>
-            <a:r>
-              <a:rPr lang="en-HK" altLang="zh-CN" sz="2000" b="0" i="0" dirty="0" err="1">
-                <a:solidFill>
-                  <a:srgbClr val="000000"/>
-                </a:solidFill>
-                <a:effectLst/>
-                <a:latin typeface="Consolas" panose="020B0609020204030204" pitchFamily="49" charset="0"/>
-              </a:rPr>
-              <a:t>sem_init</a:t>
-            </a:r>
-            <a:r>
-              <a:rPr lang="en-HK" altLang="zh-CN" sz="2000" b="0" i="0" dirty="0">
-                <a:solidFill>
-                  <a:srgbClr val="000000"/>
-                </a:solidFill>
-                <a:effectLst/>
-                <a:latin typeface="Consolas" panose="020B0609020204030204" pitchFamily="49" charset="0"/>
-              </a:rPr>
-              <a:t>(</a:t>
-            </a:r>
-            <a:r>
-              <a:rPr lang="en-HK" altLang="zh-CN" sz="2000" b="0" i="0" dirty="0" err="1">
-                <a:solidFill>
-                  <a:srgbClr val="000000"/>
-                </a:solidFill>
-                <a:effectLst/>
-                <a:latin typeface="Consolas" panose="020B0609020204030204" pitchFamily="49" charset="0"/>
-              </a:rPr>
-              <a:t>sem_t</a:t>
-            </a:r>
-            <a:r>
-              <a:rPr lang="en-HK" altLang="zh-CN" sz="2000" b="0" i="0" dirty="0">
-                <a:solidFill>
-                  <a:srgbClr val="000000"/>
-                </a:solidFill>
-                <a:effectLst/>
-                <a:latin typeface="Consolas" panose="020B0609020204030204" pitchFamily="49" charset="0"/>
-              </a:rPr>
-              <a:t> *, </a:t>
-            </a:r>
-            <a:r>
-              <a:rPr lang="en-HK" altLang="zh-CN" sz="2000" b="1" i="0" dirty="0">
-                <a:solidFill>
-                  <a:srgbClr val="2E8B57"/>
-                </a:solidFill>
-                <a:effectLst/>
-                <a:latin typeface="Consolas" panose="020B0609020204030204" pitchFamily="49" charset="0"/>
-              </a:rPr>
-              <a:t>int</a:t>
-            </a:r>
-            <a:r>
-              <a:rPr lang="en-HK" altLang="zh-CN" sz="2000" b="0" i="0" dirty="0">
-                <a:solidFill>
-                  <a:srgbClr val="000000"/>
-                </a:solidFill>
-                <a:effectLst/>
-                <a:latin typeface="Consolas" panose="020B0609020204030204" pitchFamily="49" charset="0"/>
-              </a:rPr>
-              <a:t>, unsigned </a:t>
-            </a:r>
-            <a:r>
-              <a:rPr lang="en-HK" altLang="zh-CN" sz="2000" b="1" i="0" dirty="0">
-                <a:solidFill>
-                  <a:srgbClr val="2E8B57"/>
-                </a:solidFill>
-                <a:effectLst/>
-                <a:latin typeface="Consolas" panose="020B0609020204030204" pitchFamily="49" charset="0"/>
-              </a:rPr>
-              <a:t>int</a:t>
-            </a:r>
-            <a:r>
-              <a:rPr lang="en-HK" altLang="zh-CN" sz="2000" b="0" i="0" dirty="0">
-                <a:solidFill>
-                  <a:srgbClr val="000000"/>
-                </a:solidFill>
-                <a:effectLst/>
-                <a:latin typeface="Consolas" panose="020B0609020204030204" pitchFamily="49" charset="0"/>
-              </a:rPr>
-              <a:t>); </a:t>
-            </a:r>
-            <a:r>
-              <a:rPr lang="zh-CN" altLang="en-US" sz="2000" b="0" i="0" dirty="0">
-                <a:solidFill>
-                  <a:srgbClr val="000000"/>
-                </a:solidFill>
-                <a:effectLst/>
-                <a:latin typeface="Consolas" panose="020B0609020204030204" pitchFamily="49" charset="0"/>
-              </a:rPr>
-              <a:t>✔</a:t>
-            </a:r>
-            <a:r>
-              <a:rPr lang="en-HK" altLang="zh-CN" sz="2000" b="0" i="0" dirty="0">
-                <a:solidFill>
-                  <a:srgbClr val="000000"/>
-                </a:solidFill>
-                <a:effectLst/>
-                <a:latin typeface="Consolas" panose="020B0609020204030204" pitchFamily="49" charset="0"/>
-              </a:rPr>
-              <a:t>  </a:t>
-            </a:r>
-            <a:endParaRPr lang="en-HK" altLang="zh-CN" sz="2000" b="0" i="0" dirty="0">
-              <a:solidFill>
-                <a:srgbClr val="5C5C5C"/>
-              </a:solidFill>
-              <a:effectLst/>
-              <a:latin typeface="Consolas" panose="020B0609020204030204" pitchFamily="49" charset="0"/>
-            </a:endParaRPr>
-          </a:p>
-          <a:p>
-            <a:pPr algn="l"/>
-            <a:r>
-              <a:rPr lang="en-HK" altLang="zh-CN" sz="2000" b="0" i="0" dirty="0" err="1">
-                <a:solidFill>
-                  <a:srgbClr val="000000"/>
-                </a:solidFill>
-                <a:effectLst/>
-                <a:latin typeface="Consolas" panose="020B0609020204030204" pitchFamily="49" charset="0"/>
-              </a:rPr>
-              <a:t>sem_t</a:t>
-            </a:r>
-            <a:r>
-              <a:rPr lang="en-HK" altLang="zh-CN" sz="2000" b="0" i="0" dirty="0">
-                <a:solidFill>
-                  <a:srgbClr val="000000"/>
-                </a:solidFill>
-                <a:effectLst/>
-                <a:latin typeface="Consolas" panose="020B0609020204030204" pitchFamily="49" charset="0"/>
-              </a:rPr>
-              <a:t> *</a:t>
-            </a:r>
-            <a:r>
-              <a:rPr lang="en-HK" altLang="zh-CN" sz="2000" b="0" i="0" dirty="0" err="1">
-                <a:solidFill>
-                  <a:srgbClr val="000000"/>
-                </a:solidFill>
-                <a:effectLst/>
-                <a:latin typeface="Consolas" panose="020B0609020204030204" pitchFamily="49" charset="0"/>
-              </a:rPr>
-              <a:t>sem_open</a:t>
-            </a:r>
-            <a:r>
-              <a:rPr lang="en-HK" altLang="zh-CN" sz="2000" b="0" i="0" dirty="0">
-                <a:solidFill>
-                  <a:srgbClr val="000000"/>
-                </a:solidFill>
-                <a:effectLst/>
-                <a:latin typeface="Consolas" panose="020B0609020204030204" pitchFamily="49" charset="0"/>
-              </a:rPr>
-              <a:t>(</a:t>
-            </a:r>
-            <a:r>
-              <a:rPr lang="en-HK" altLang="zh-CN" sz="2000" b="1" i="0" dirty="0" err="1">
-                <a:solidFill>
-                  <a:srgbClr val="006699"/>
-                </a:solidFill>
-                <a:effectLst/>
-                <a:latin typeface="Consolas" panose="020B0609020204030204" pitchFamily="49" charset="0"/>
-              </a:rPr>
-              <a:t>const</a:t>
-            </a:r>
-            <a:r>
-              <a:rPr lang="en-HK" altLang="zh-CN" sz="2000" b="0" i="0" dirty="0">
-                <a:solidFill>
-                  <a:srgbClr val="000000"/>
-                </a:solidFill>
-                <a:effectLst/>
-                <a:latin typeface="Consolas" panose="020B0609020204030204" pitchFamily="49" charset="0"/>
-              </a:rPr>
-              <a:t> </a:t>
-            </a:r>
-            <a:r>
-              <a:rPr lang="en-HK" altLang="zh-CN" sz="2000" b="1" i="0" dirty="0">
-                <a:solidFill>
-                  <a:srgbClr val="2E8B57"/>
-                </a:solidFill>
-                <a:effectLst/>
-                <a:latin typeface="Consolas" panose="020B0609020204030204" pitchFamily="49" charset="0"/>
-              </a:rPr>
-              <a:t>char</a:t>
-            </a:r>
-            <a:r>
-              <a:rPr lang="en-HK" altLang="zh-CN" sz="2000" b="0" i="0" dirty="0">
-                <a:solidFill>
-                  <a:srgbClr val="000000"/>
-                </a:solidFill>
-                <a:effectLst/>
-                <a:latin typeface="Consolas" panose="020B0609020204030204" pitchFamily="49" charset="0"/>
-              </a:rPr>
-              <a:t> *, </a:t>
-            </a:r>
-            <a:r>
-              <a:rPr lang="en-HK" altLang="zh-CN" sz="2000" b="1" i="0" dirty="0">
-                <a:solidFill>
-                  <a:srgbClr val="2E8B57"/>
-                </a:solidFill>
-                <a:effectLst/>
-                <a:latin typeface="Consolas" panose="020B0609020204030204" pitchFamily="49" charset="0"/>
-              </a:rPr>
-              <a:t>int</a:t>
-            </a:r>
-            <a:r>
-              <a:rPr lang="en-HK" altLang="zh-CN" sz="2000" b="0" i="0" dirty="0">
-                <a:solidFill>
-                  <a:srgbClr val="000000"/>
-                </a:solidFill>
-                <a:effectLst/>
-                <a:latin typeface="Consolas" panose="020B0609020204030204" pitchFamily="49" charset="0"/>
-              </a:rPr>
-              <a:t>, ...);  </a:t>
-            </a:r>
-            <a:endParaRPr lang="en-HK" altLang="zh-CN" sz="2000" b="0" i="0" dirty="0">
-              <a:solidFill>
-                <a:srgbClr val="5C5C5C"/>
-              </a:solidFill>
-              <a:effectLst/>
-              <a:latin typeface="Consolas" panose="020B0609020204030204" pitchFamily="49" charset="0"/>
-            </a:endParaRPr>
-          </a:p>
-          <a:p>
-            <a:pPr algn="l"/>
-            <a:r>
-              <a:rPr lang="en-HK" altLang="zh-CN" sz="2000" b="1" i="0" dirty="0">
-                <a:solidFill>
-                  <a:srgbClr val="2E8B57"/>
-                </a:solidFill>
-                <a:effectLst/>
-                <a:latin typeface="Consolas" panose="020B0609020204030204" pitchFamily="49" charset="0"/>
-              </a:rPr>
-              <a:t>int</a:t>
-            </a:r>
-            <a:r>
-              <a:rPr lang="en-HK" altLang="zh-CN" sz="2000" b="0" i="0" dirty="0">
-                <a:solidFill>
-                  <a:srgbClr val="000000"/>
-                </a:solidFill>
-                <a:effectLst/>
-                <a:latin typeface="Consolas" panose="020B0609020204030204" pitchFamily="49" charset="0"/>
-              </a:rPr>
-              <a:t>    </a:t>
-            </a:r>
-            <a:r>
-              <a:rPr lang="en-HK" altLang="zh-CN" sz="2000" b="0" i="0" dirty="0" err="1">
-                <a:solidFill>
-                  <a:srgbClr val="000000"/>
-                </a:solidFill>
-                <a:effectLst/>
-                <a:latin typeface="Consolas" panose="020B0609020204030204" pitchFamily="49" charset="0"/>
-              </a:rPr>
-              <a:t>sem_post</a:t>
-            </a:r>
-            <a:r>
-              <a:rPr lang="en-HK" altLang="zh-CN" sz="2000" b="0" i="0" dirty="0">
-                <a:solidFill>
-                  <a:srgbClr val="000000"/>
-                </a:solidFill>
-                <a:effectLst/>
-                <a:latin typeface="Consolas" panose="020B0609020204030204" pitchFamily="49" charset="0"/>
-              </a:rPr>
-              <a:t>(</a:t>
-            </a:r>
-            <a:r>
-              <a:rPr lang="en-HK" altLang="zh-CN" sz="2000" b="0" i="0" dirty="0" err="1">
-                <a:solidFill>
-                  <a:srgbClr val="000000"/>
-                </a:solidFill>
-                <a:effectLst/>
-                <a:latin typeface="Consolas" panose="020B0609020204030204" pitchFamily="49" charset="0"/>
-              </a:rPr>
-              <a:t>sem_t</a:t>
-            </a:r>
-            <a:r>
-              <a:rPr lang="en-HK" altLang="zh-CN" sz="2000" b="0" i="0" dirty="0">
-                <a:solidFill>
-                  <a:srgbClr val="000000"/>
-                </a:solidFill>
-                <a:effectLst/>
-                <a:latin typeface="Consolas" panose="020B0609020204030204" pitchFamily="49" charset="0"/>
-              </a:rPr>
-              <a:t> *); </a:t>
-            </a:r>
-            <a:r>
-              <a:rPr lang="zh-CN" altLang="en-US" sz="2000" b="0" i="0" dirty="0">
-                <a:solidFill>
-                  <a:srgbClr val="000000"/>
-                </a:solidFill>
-                <a:effectLst/>
-                <a:latin typeface="Consolas" panose="020B0609020204030204" pitchFamily="49" charset="0"/>
-              </a:rPr>
-              <a:t> ✔</a:t>
-            </a:r>
-            <a:endParaRPr lang="en-HK" altLang="zh-CN" sz="2000" b="0" i="0" dirty="0">
-              <a:solidFill>
-                <a:srgbClr val="5C5C5C"/>
-              </a:solidFill>
-              <a:effectLst/>
-              <a:latin typeface="Consolas" panose="020B0609020204030204" pitchFamily="49" charset="0"/>
-            </a:endParaRPr>
-          </a:p>
-          <a:p>
-            <a:pPr algn="l"/>
-            <a:r>
-              <a:rPr lang="en-HK" altLang="zh-CN" sz="2000" b="1" i="0" dirty="0">
-                <a:solidFill>
-                  <a:srgbClr val="2E8B57"/>
-                </a:solidFill>
-                <a:effectLst/>
-                <a:latin typeface="Consolas" panose="020B0609020204030204" pitchFamily="49" charset="0"/>
-              </a:rPr>
-              <a:t>int</a:t>
-            </a:r>
-            <a:r>
-              <a:rPr lang="en-HK" altLang="zh-CN" sz="2000" b="0" i="0" dirty="0">
-                <a:solidFill>
-                  <a:srgbClr val="000000"/>
-                </a:solidFill>
-                <a:effectLst/>
-                <a:latin typeface="Consolas" panose="020B0609020204030204" pitchFamily="49" charset="0"/>
-              </a:rPr>
-              <a:t>    </a:t>
-            </a:r>
-            <a:r>
-              <a:rPr lang="en-HK" altLang="zh-CN" sz="2000" b="0" i="0" dirty="0" err="1">
-                <a:solidFill>
-                  <a:srgbClr val="000000"/>
-                </a:solidFill>
-                <a:effectLst/>
-                <a:latin typeface="Consolas" panose="020B0609020204030204" pitchFamily="49" charset="0"/>
-              </a:rPr>
-              <a:t>sem_trywait</a:t>
-            </a:r>
-            <a:r>
-              <a:rPr lang="en-HK" altLang="zh-CN" sz="2000" b="0" i="0" dirty="0">
-                <a:solidFill>
-                  <a:srgbClr val="000000"/>
-                </a:solidFill>
-                <a:effectLst/>
-                <a:latin typeface="Consolas" panose="020B0609020204030204" pitchFamily="49" charset="0"/>
-              </a:rPr>
-              <a:t>(</a:t>
-            </a:r>
-            <a:r>
-              <a:rPr lang="en-HK" altLang="zh-CN" sz="2000" b="0" i="0" dirty="0" err="1">
-                <a:solidFill>
-                  <a:srgbClr val="000000"/>
-                </a:solidFill>
-                <a:effectLst/>
-                <a:latin typeface="Consolas" panose="020B0609020204030204" pitchFamily="49" charset="0"/>
-              </a:rPr>
-              <a:t>sem_t</a:t>
-            </a:r>
-            <a:r>
-              <a:rPr lang="en-HK" altLang="zh-CN" sz="2000" b="0" i="0" dirty="0">
-                <a:solidFill>
-                  <a:srgbClr val="000000"/>
-                </a:solidFill>
-                <a:effectLst/>
-                <a:latin typeface="Consolas" panose="020B0609020204030204" pitchFamily="49" charset="0"/>
-              </a:rPr>
-              <a:t> *);  </a:t>
-            </a:r>
-            <a:endParaRPr lang="en-HK" altLang="zh-CN" sz="2000" b="0" i="0" dirty="0">
-              <a:solidFill>
-                <a:srgbClr val="5C5C5C"/>
-              </a:solidFill>
-              <a:effectLst/>
-              <a:latin typeface="Consolas" panose="020B0609020204030204" pitchFamily="49" charset="0"/>
-            </a:endParaRPr>
-          </a:p>
-          <a:p>
-            <a:pPr algn="l"/>
-            <a:r>
-              <a:rPr lang="en-HK" altLang="zh-CN" sz="2000" b="1" i="0" dirty="0">
-                <a:solidFill>
-                  <a:srgbClr val="2E8B57"/>
-                </a:solidFill>
-                <a:effectLst/>
-                <a:latin typeface="Consolas" panose="020B0609020204030204" pitchFamily="49" charset="0"/>
-              </a:rPr>
-              <a:t>int</a:t>
-            </a:r>
-            <a:r>
-              <a:rPr lang="en-HK" altLang="zh-CN" sz="2000" b="0" i="0" dirty="0">
-                <a:solidFill>
-                  <a:srgbClr val="000000"/>
-                </a:solidFill>
-                <a:effectLst/>
-                <a:latin typeface="Consolas" panose="020B0609020204030204" pitchFamily="49" charset="0"/>
-              </a:rPr>
-              <a:t>    </a:t>
-            </a:r>
-            <a:r>
-              <a:rPr lang="en-HK" altLang="zh-CN" sz="2000" b="0" i="0" dirty="0" err="1">
-                <a:solidFill>
-                  <a:srgbClr val="000000"/>
-                </a:solidFill>
-                <a:effectLst/>
-                <a:latin typeface="Consolas" panose="020B0609020204030204" pitchFamily="49" charset="0"/>
-              </a:rPr>
-              <a:t>sem_unlink</a:t>
-            </a:r>
-            <a:r>
-              <a:rPr lang="en-HK" altLang="zh-CN" sz="2000" b="0" i="0" dirty="0">
-                <a:solidFill>
-                  <a:srgbClr val="000000"/>
-                </a:solidFill>
-                <a:effectLst/>
-                <a:latin typeface="Consolas" panose="020B0609020204030204" pitchFamily="49" charset="0"/>
-              </a:rPr>
-              <a:t>(</a:t>
-            </a:r>
-            <a:r>
-              <a:rPr lang="en-HK" altLang="zh-CN" sz="2000" b="1" i="0" dirty="0" err="1">
-                <a:solidFill>
-                  <a:srgbClr val="006699"/>
-                </a:solidFill>
-                <a:effectLst/>
-                <a:latin typeface="Consolas" panose="020B0609020204030204" pitchFamily="49" charset="0"/>
-              </a:rPr>
-              <a:t>const</a:t>
-            </a:r>
-            <a:r>
-              <a:rPr lang="en-HK" altLang="zh-CN" sz="2000" b="0" i="0" dirty="0">
-                <a:solidFill>
-                  <a:srgbClr val="000000"/>
-                </a:solidFill>
-                <a:effectLst/>
-                <a:latin typeface="Consolas" panose="020B0609020204030204" pitchFamily="49" charset="0"/>
-              </a:rPr>
-              <a:t> </a:t>
-            </a:r>
-            <a:r>
-              <a:rPr lang="en-HK" altLang="zh-CN" sz="2000" b="1" i="0" dirty="0">
-                <a:solidFill>
-                  <a:srgbClr val="2E8B57"/>
-                </a:solidFill>
-                <a:effectLst/>
-                <a:latin typeface="Consolas" panose="020B0609020204030204" pitchFamily="49" charset="0"/>
-              </a:rPr>
-              <a:t>char</a:t>
-            </a:r>
-            <a:r>
-              <a:rPr lang="en-HK" altLang="zh-CN" sz="2000" b="0" i="0" dirty="0">
-                <a:solidFill>
-                  <a:srgbClr val="000000"/>
-                </a:solidFill>
-                <a:effectLst/>
-                <a:latin typeface="Consolas" panose="020B0609020204030204" pitchFamily="49" charset="0"/>
-              </a:rPr>
-              <a:t> *);  </a:t>
-            </a:r>
-            <a:endParaRPr lang="en-HK" altLang="zh-CN" sz="2000" b="0" i="0" dirty="0">
-              <a:solidFill>
-                <a:srgbClr val="5C5C5C"/>
-              </a:solidFill>
-              <a:effectLst/>
-              <a:latin typeface="Consolas" panose="020B0609020204030204" pitchFamily="49" charset="0"/>
-            </a:endParaRPr>
-          </a:p>
-          <a:p>
-            <a:pPr algn="l"/>
-            <a:r>
-              <a:rPr lang="en-HK" altLang="zh-CN" sz="2000" b="1" i="0" dirty="0">
-                <a:solidFill>
-                  <a:srgbClr val="2E8B57"/>
-                </a:solidFill>
-                <a:effectLst/>
-                <a:latin typeface="Consolas" panose="020B0609020204030204" pitchFamily="49" charset="0"/>
-              </a:rPr>
-              <a:t>int</a:t>
-            </a:r>
-            <a:r>
-              <a:rPr lang="en-HK" altLang="zh-CN" sz="2000" b="0" i="0" dirty="0">
-                <a:solidFill>
-                  <a:srgbClr val="000000"/>
-                </a:solidFill>
-                <a:effectLst/>
-                <a:latin typeface="Consolas" panose="020B0609020204030204" pitchFamily="49" charset="0"/>
-              </a:rPr>
-              <a:t>    </a:t>
-            </a:r>
-            <a:r>
-              <a:rPr lang="en-HK" altLang="zh-CN" sz="2000" b="0" i="0" dirty="0" err="1">
-                <a:solidFill>
-                  <a:srgbClr val="000000"/>
-                </a:solidFill>
-                <a:effectLst/>
-                <a:latin typeface="Consolas" panose="020B0609020204030204" pitchFamily="49" charset="0"/>
-              </a:rPr>
-              <a:t>sem_wait</a:t>
-            </a:r>
-            <a:r>
-              <a:rPr lang="en-HK" altLang="zh-CN" sz="2000" b="0" i="0" dirty="0">
-                <a:solidFill>
-                  <a:srgbClr val="000000"/>
-                </a:solidFill>
-                <a:effectLst/>
-                <a:latin typeface="Consolas" panose="020B0609020204030204" pitchFamily="49" charset="0"/>
-              </a:rPr>
-              <a:t>(</a:t>
-            </a:r>
-            <a:r>
-              <a:rPr lang="en-HK" altLang="zh-CN" sz="2000" b="0" i="0" dirty="0" err="1">
-                <a:solidFill>
-                  <a:srgbClr val="000000"/>
-                </a:solidFill>
-                <a:effectLst/>
-                <a:latin typeface="Consolas" panose="020B0609020204030204" pitchFamily="49" charset="0"/>
-              </a:rPr>
-              <a:t>sem_t</a:t>
-            </a:r>
-            <a:r>
-              <a:rPr lang="en-HK" altLang="zh-CN" sz="2000" b="0" i="0" dirty="0">
-                <a:solidFill>
-                  <a:srgbClr val="000000"/>
-                </a:solidFill>
-                <a:effectLst/>
-                <a:latin typeface="Consolas" panose="020B0609020204030204" pitchFamily="49" charset="0"/>
-              </a:rPr>
-              <a:t> *); </a:t>
-            </a:r>
-            <a:r>
-              <a:rPr lang="zh-CN" altLang="en-US" sz="2000" b="0" i="0" dirty="0">
-                <a:solidFill>
-                  <a:srgbClr val="000000"/>
-                </a:solidFill>
-                <a:effectLst/>
-                <a:latin typeface="Consolas" panose="020B0609020204030204" pitchFamily="49" charset="0"/>
-              </a:rPr>
-              <a:t>✔</a:t>
-            </a:r>
-            <a:endParaRPr lang="en-HK" altLang="zh-CN" sz="2000" b="0" i="0" dirty="0">
-              <a:solidFill>
-                <a:srgbClr val="5C5C5C"/>
-              </a:solidFill>
-              <a:effectLst/>
-              <a:latin typeface="Consolas" panose="020B0609020204030204" pitchFamily="49" charset="0"/>
-            </a:endParaRPr>
-          </a:p>
-          <a:p>
-            <a:pPr marL="606425" lvl="1" indent="-288925">
-              <a:spcBef>
-                <a:spcPts val="1200"/>
-              </a:spcBef>
-              <a:buFont typeface="Wingdings" pitchFamily="2" charset="2"/>
-              <a:buChar char="Ø"/>
-              <a:defRPr/>
-            </a:pPr>
-            <a:endParaRPr lang="en-US" altLang="zh-CN" sz="2400" dirty="0">
-              <a:solidFill>
-                <a:srgbClr val="202020"/>
-              </a:solidFill>
-              <a:latin typeface="Gill Sans MT" panose="020B0502020104020203" pitchFamily="34" charset="0"/>
-              <a:cs typeface="Helvetica"/>
-              <a:sym typeface="Helvetica"/>
-            </a:endParaRPr>
-          </a:p>
-        </p:txBody>
-      </p:sp>
-    </p:spTree>
-    <p:extLst>
-      <p:ext uri="{BB962C8B-B14F-4D97-AF65-F5344CB8AC3E}">
-        <p14:creationId xmlns:p14="http://schemas.microsoft.com/office/powerpoint/2010/main" val="618963421"/>
-      </p:ext>
-    </p:extLst>
-  </p:cSld>
-  <p:clrMapOvr>
-    <a:masterClrMapping/>
-  </p:clrMapOvr>
-  <p:transition spd="med"/>
-</p:sld>
-</file>
-
-<file path=ppt/slides/slide7.xml><?xml version="1.0" encoding="utf-8"?>
-<p:sld xmlns:a="http://schemas.openxmlformats.org/drawingml/2006/main" xmlns:r="http://schemas.openxmlformats.org/officeDocument/2006/relationships" xmlns:p="http://schemas.openxmlformats.org/presentationml/2006/main">
-  <p:cSld>
-    <p:spTree>
-      <p:nvGrpSpPr>
-        <p:cNvPr id="1" name=""/>
-        <p:cNvGrpSpPr/>
-        <p:nvPr/>
-      </p:nvGrpSpPr>
-      <p:grpSpPr>
-        <a:xfrm>
-          <a:off x="0" y="0"/>
-          <a:ext cx="0" cy="0"/>
-          <a:chOff x="0" y="0"/>
-          <a:chExt cx="0" cy="0"/>
-        </a:xfrm>
-      </p:grpSpPr>
-      <p:sp>
-        <p:nvSpPr>
-          <p:cNvPr id="2" name="Title 1">
-            <a:extLst>
-              <a:ext uri="{FF2B5EF4-FFF2-40B4-BE49-F238E27FC236}">
-                <a16:creationId xmlns:a16="http://schemas.microsoft.com/office/drawing/2014/main" id="{62715A2E-656D-EC5D-FDE7-230488526EFC}"/>
-              </a:ext>
-            </a:extLst>
-          </p:cNvPr>
-          <p:cNvSpPr>
-            <a:spLocks noGrp="1"/>
-          </p:cNvSpPr>
-          <p:nvPr>
-            <p:ph type="title"/>
-          </p:nvPr>
-        </p:nvSpPr>
-        <p:spPr/>
-        <p:txBody>
-          <a:bodyPr/>
-          <a:lstStyle/>
-          <a:p>
-            <a:r>
-              <a:rPr lang="en-US" dirty="0"/>
-              <a:t>1. </a:t>
-            </a:r>
-            <a:r>
-              <a:rPr lang="en-US" dirty="0" err="1"/>
-              <a:t>sem_init</a:t>
-            </a:r>
-            <a:endParaRPr lang="en-US" dirty="0"/>
-          </a:p>
-        </p:txBody>
-      </p:sp>
-      <p:sp>
-        <p:nvSpPr>
-          <p:cNvPr id="4" name="Slide Number Placeholder 3">
-            <a:extLst>
-              <a:ext uri="{FF2B5EF4-FFF2-40B4-BE49-F238E27FC236}">
-                <a16:creationId xmlns:a16="http://schemas.microsoft.com/office/drawing/2014/main" id="{C903FAE4-3A59-50C4-1BA6-A9AEC61D52CB}"/>
-              </a:ext>
-            </a:extLst>
-          </p:cNvPr>
-          <p:cNvSpPr>
-            <a:spLocks noGrp="1"/>
-          </p:cNvSpPr>
-          <p:nvPr>
-            <p:ph type="sldNum" sz="quarter" idx="2"/>
-          </p:nvPr>
-        </p:nvSpPr>
-        <p:spPr>
-          <a:xfrm>
-            <a:off x="11686121" y="6400800"/>
-            <a:ext cx="218008" cy="379591"/>
-          </a:xfrm>
-        </p:spPr>
-        <p:txBody>
-          <a:bodyPr/>
-          <a:lstStyle/>
-          <a:p>
-            <a:pPr marL="0" marR="0" lvl="0" indent="0" algn="ctr" defTabSz="412750" rtl="0" eaLnBrk="1" fontAlgn="auto" latinLnBrk="0" hangingPunct="0">
-              <a:lnSpc>
-                <a:spcPct val="100000"/>
-              </a:lnSpc>
-              <a:spcBef>
-                <a:spcPts val="0"/>
-              </a:spcBef>
-              <a:spcAft>
-                <a:spcPts val="0"/>
-              </a:spcAft>
-              <a:buClrTx/>
-              <a:buSzTx/>
-              <a:buFontTx/>
-              <a:buNone/>
-              <a:tabLst/>
-              <a:defRPr/>
-            </a:pPr>
-            <a:fld id="{86CB4B4D-7CA3-9044-876B-883B54F8677D}" type="slidenum">
-              <a:rPr kumimoji="0" lang="en-US" sz="1800" b="0" i="0" u="none" strike="noStrike" kern="0" cap="none" spc="0" normalizeH="0" baseline="0" noProof="0">
-                <a:ln>
-                  <a:noFill/>
-                </a:ln>
-                <a:solidFill>
-                  <a:srgbClr val="800080"/>
-                </a:solidFill>
-                <a:effectLst/>
-                <a:uLnTx/>
-                <a:uFillTx/>
-                <a:latin typeface="Gill Sans MT" panose="020B0502020104020203" pitchFamily="34" charset="0"/>
-                <a:cs typeface="Helvetica"/>
-                <a:sym typeface="Helvetica"/>
-              </a:rPr>
-              <a:pPr marL="0" marR="0" lvl="0" indent="0" algn="ctr" defTabSz="412750" rtl="0" eaLnBrk="1" fontAlgn="auto" latinLnBrk="0" hangingPunct="0">
-                <a:lnSpc>
-                  <a:spcPct val="100000"/>
-                </a:lnSpc>
-                <a:spcBef>
-                  <a:spcPts val="0"/>
-                </a:spcBef>
-                <a:spcAft>
-                  <a:spcPts val="0"/>
-                </a:spcAft>
-                <a:buClrTx/>
-                <a:buSzTx/>
-                <a:buFontTx/>
-                <a:buNone/>
-                <a:tabLst/>
-                <a:defRPr/>
-              </a:pPr>
-              <a:t>7</a:t>
             </a:fld>
             <a:endParaRPr kumimoji="0" lang="en-US" sz="1800" b="0" i="0" u="none" strike="noStrike" kern="0" cap="none" spc="0" normalizeH="0" baseline="0" noProof="0">
               <a:ln>
@@ -17928,7 +14520,7 @@
 </p:sld>
 </file>
 
-<file path=ppt/slides/slide8.xml><?xml version="1.0" encoding="utf-8"?>
+<file path=ppt/slides/slide6.xml><?xml version="1.0" encoding="utf-8"?>
 <p:sld xmlns:a="http://schemas.openxmlformats.org/drawingml/2006/main" xmlns:r="http://schemas.openxmlformats.org/officeDocument/2006/relationships" xmlns:p="http://schemas.openxmlformats.org/presentationml/2006/main">
   <p:cSld>
     <p:spTree>
@@ -18053,7 +14645,7 @@
                 <a:tabLst/>
                 <a:defRPr/>
               </a:pPr>
-              <a:t>8</a:t>
+              <a:t>6</a:t>
             </a:fld>
             <a:endParaRPr kumimoji="0" lang="en-US" sz="1800" b="0" i="0" u="none" strike="noStrike" kern="0" cap="none" spc="0" normalizeH="0" baseline="0" noProof="0">
               <a:ln>
@@ -19114,7 +15706,7 @@
 </p:sld>
 </file>
 
-<file path=ppt/slides/slide9.xml><?xml version="1.0" encoding="utf-8"?>
+<file path=ppt/slides/slide7.xml><?xml version="1.0" encoding="utf-8"?>
 <p:sld xmlns:a="http://schemas.openxmlformats.org/drawingml/2006/main" xmlns:r="http://schemas.openxmlformats.org/officeDocument/2006/relationships" xmlns:p="http://schemas.openxmlformats.org/presentationml/2006/main">
   <p:cSld>
     <p:spTree>
@@ -19239,7 +15831,7 @@
                 <a:tabLst/>
                 <a:defRPr/>
               </a:pPr>
-              <a:t>9</a:t>
+              <a:t>7</a:t>
             </a:fld>
             <a:endParaRPr kumimoji="0" lang="en-US" sz="1800" b="0" i="0" u="none" strike="noStrike" kern="0" cap="none" spc="0" normalizeH="0" baseline="0" noProof="0">
               <a:ln>
@@ -19935,6 +16527,2079 @@
     <p:extLst>
       <p:ext uri="{BB962C8B-B14F-4D97-AF65-F5344CB8AC3E}">
         <p14:creationId xmlns:p14="http://schemas.microsoft.com/office/powerpoint/2010/main" val="1239573708"/>
+      </p:ext>
+    </p:extLst>
+  </p:cSld>
+  <p:clrMapOvr>
+    <a:masterClrMapping/>
+  </p:clrMapOvr>
+  <p:transition spd="med"/>
+</p:sld>
+</file>
+
+<file path=ppt/slides/slide8.xml><?xml version="1.0" encoding="utf-8"?>
+<p:sld xmlns:a="http://schemas.openxmlformats.org/drawingml/2006/main" xmlns:r="http://schemas.openxmlformats.org/officeDocument/2006/relationships" xmlns:p="http://schemas.openxmlformats.org/presentationml/2006/main">
+  <p:cSld>
+    <p:spTree>
+      <p:nvGrpSpPr>
+        <p:cNvPr id="1" name=""/>
+        <p:cNvGrpSpPr/>
+        <p:nvPr/>
+      </p:nvGrpSpPr>
+      <p:grpSpPr>
+        <a:xfrm>
+          <a:off x="0" y="0"/>
+          <a:ext cx="0" cy="0"/>
+          <a:chOff x="0" y="0"/>
+          <a:chExt cx="0" cy="0"/>
+        </a:xfrm>
+      </p:grpSpPr>
+      <p:sp>
+        <p:nvSpPr>
+          <p:cNvPr id="2" name="Title 1">
+            <a:extLst>
+              <a:ext uri="{FF2B5EF4-FFF2-40B4-BE49-F238E27FC236}">
+                <a16:creationId xmlns:a16="http://schemas.microsoft.com/office/drawing/2014/main" id="{62715A2E-656D-EC5D-FDE7-230488526EFC}"/>
+              </a:ext>
+            </a:extLst>
+          </p:cNvPr>
+          <p:cNvSpPr>
+            <a:spLocks noGrp="1"/>
+          </p:cNvSpPr>
+          <p:nvPr>
+            <p:ph type="title"/>
+          </p:nvPr>
+        </p:nvSpPr>
+        <p:spPr/>
+        <p:txBody>
+          <a:bodyPr/>
+          <a:lstStyle/>
+          <a:p>
+            <a:r>
+              <a:rPr lang="en-US" dirty="0"/>
+              <a:t>3. </a:t>
+            </a:r>
+            <a:r>
+              <a:rPr lang="en-US" dirty="0" err="1"/>
+              <a:t>sem_trywait</a:t>
+            </a:r>
+            <a:endParaRPr lang="en-US" dirty="0"/>
+          </a:p>
+        </p:txBody>
+      </p:sp>
+      <p:sp>
+        <p:nvSpPr>
+          <p:cNvPr id="4" name="Slide Number Placeholder 3">
+            <a:extLst>
+              <a:ext uri="{FF2B5EF4-FFF2-40B4-BE49-F238E27FC236}">
+                <a16:creationId xmlns:a16="http://schemas.microsoft.com/office/drawing/2014/main" id="{C903FAE4-3A59-50C4-1BA6-A9AEC61D52CB}"/>
+              </a:ext>
+            </a:extLst>
+          </p:cNvPr>
+          <p:cNvSpPr>
+            <a:spLocks noGrp="1"/>
+          </p:cNvSpPr>
+          <p:nvPr>
+            <p:ph type="sldNum" sz="quarter" idx="2"/>
+          </p:nvPr>
+        </p:nvSpPr>
+        <p:spPr>
+          <a:xfrm>
+            <a:off x="11686121" y="6400800"/>
+            <a:ext cx="218008" cy="379591"/>
+          </a:xfrm>
+        </p:spPr>
+        <p:txBody>
+          <a:bodyPr/>
+          <a:lstStyle/>
+          <a:p>
+            <a:pPr marL="0" marR="0" lvl="0" indent="0" algn="ctr" defTabSz="412750" rtl="0" eaLnBrk="1" fontAlgn="auto" latinLnBrk="0" hangingPunct="0">
+              <a:lnSpc>
+                <a:spcPct val="100000"/>
+              </a:lnSpc>
+              <a:spcBef>
+                <a:spcPts val="0"/>
+              </a:spcBef>
+              <a:spcAft>
+                <a:spcPts val="0"/>
+              </a:spcAft>
+              <a:buClrTx/>
+              <a:buSzTx/>
+              <a:buFontTx/>
+              <a:buNone/>
+              <a:tabLst/>
+              <a:defRPr/>
+            </a:pPr>
+            <a:fld id="{86CB4B4D-7CA3-9044-876B-883B54F8677D}" type="slidenum">
+              <a:rPr kumimoji="0" lang="en-US" sz="1800" b="0" i="0" u="none" strike="noStrike" kern="0" cap="none" spc="0" normalizeH="0" baseline="0" noProof="0">
+                <a:ln>
+                  <a:noFill/>
+                </a:ln>
+                <a:solidFill>
+                  <a:srgbClr val="800080"/>
+                </a:solidFill>
+                <a:effectLst/>
+                <a:uLnTx/>
+                <a:uFillTx/>
+                <a:latin typeface="Gill Sans MT" panose="020B0502020104020203" pitchFamily="34" charset="0"/>
+                <a:cs typeface="Helvetica"/>
+                <a:sym typeface="Helvetica"/>
+              </a:rPr>
+              <a:pPr marL="0" marR="0" lvl="0" indent="0" algn="ctr" defTabSz="412750" rtl="0" eaLnBrk="1" fontAlgn="auto" latinLnBrk="0" hangingPunct="0">
+                <a:lnSpc>
+                  <a:spcPct val="100000"/>
+                </a:lnSpc>
+                <a:spcBef>
+                  <a:spcPts val="0"/>
+                </a:spcBef>
+                <a:spcAft>
+                  <a:spcPts val="0"/>
+                </a:spcAft>
+                <a:buClrTx/>
+                <a:buSzTx/>
+                <a:buFontTx/>
+                <a:buNone/>
+                <a:tabLst/>
+                <a:defRPr/>
+              </a:pPr>
+              <a:t>8</a:t>
+            </a:fld>
+            <a:endParaRPr kumimoji="0" lang="en-US" sz="1800" b="0" i="0" u="none" strike="noStrike" kern="0" cap="none" spc="0" normalizeH="0" baseline="0" noProof="0">
+              <a:ln>
+                <a:noFill/>
+              </a:ln>
+              <a:solidFill>
+                <a:srgbClr val="800080"/>
+              </a:solidFill>
+              <a:effectLst/>
+              <a:uLnTx/>
+              <a:uFillTx/>
+              <a:latin typeface="Gill Sans MT" panose="020B0502020104020203" pitchFamily="34" charset="0"/>
+              <a:cs typeface="Helvetica"/>
+              <a:sym typeface="Helvetica"/>
+            </a:endParaRPr>
+          </a:p>
+        </p:txBody>
+      </p:sp>
+      <p:sp>
+        <p:nvSpPr>
+          <p:cNvPr id="8" name="文本占位符 7">
+            <a:extLst>
+              <a:ext uri="{FF2B5EF4-FFF2-40B4-BE49-F238E27FC236}">
+                <a16:creationId xmlns:a16="http://schemas.microsoft.com/office/drawing/2014/main" id="{1D68554F-5AF8-7E1E-17A3-DE6F9E0E8871}"/>
+              </a:ext>
+            </a:extLst>
+          </p:cNvPr>
+          <p:cNvSpPr>
+            <a:spLocks noGrp="1"/>
+          </p:cNvSpPr>
+          <p:nvPr>
+            <p:ph type="body" idx="1"/>
+          </p:nvPr>
+        </p:nvSpPr>
+        <p:spPr>
+          <a:xfrm>
+            <a:off x="844550" y="1229567"/>
+            <a:ext cx="10502900" cy="1596830"/>
+          </a:xfrm>
+        </p:spPr>
+        <p:txBody>
+          <a:bodyPr>
+            <a:normAutofit lnSpcReduction="10000"/>
+          </a:bodyPr>
+          <a:lstStyle/>
+          <a:p>
+            <a:pPr marL="342900" marR="0" lvl="0" indent="-342900" algn="l" defTabSz="914400" rtl="0" eaLnBrk="0" fontAlgn="t" latinLnBrk="0" hangingPunct="0">
+              <a:lnSpc>
+                <a:spcPct val="100000"/>
+              </a:lnSpc>
+              <a:spcBef>
+                <a:spcPct val="0"/>
+              </a:spcBef>
+              <a:spcAft>
+                <a:spcPct val="0"/>
+              </a:spcAft>
+              <a:buClrTx/>
+              <a:buSzTx/>
+              <a:buFont typeface="Wingdings" panose="05000000000000000000" pitchFamily="2" charset="2"/>
+              <a:buChar char="Ø"/>
+              <a:tabLst/>
+              <a:defRPr/>
+            </a:pPr>
+            <a:r>
+              <a:rPr kumimoji="0" lang="zh-CN" altLang="zh-CN" sz="2400" b="0" i="0" u="none" strike="noStrike" kern="0" cap="none" spc="0" normalizeH="0" baseline="0" noProof="0" dirty="0">
+                <a:ln>
+                  <a:noFill/>
+                </a:ln>
+                <a:solidFill>
+                  <a:srgbClr val="202020"/>
+                </a:solidFill>
+                <a:effectLst/>
+                <a:uLnTx/>
+                <a:uFillTx/>
+                <a:latin typeface="Gill Sans MT" panose="020B0502020104020203" pitchFamily="34" charset="0"/>
+                <a:cs typeface="Helvetica"/>
+              </a:rPr>
+              <a:t>P</a:t>
+            </a:r>
+            <a:r>
+              <a:rPr lang="en-US" altLang="zh-CN" sz="2400" dirty="0" err="1">
+                <a:cs typeface="Helvetica"/>
+              </a:rPr>
+              <a:t>urpose</a:t>
+            </a:r>
+            <a:r>
+              <a:rPr lang="en-US" altLang="zh-CN" sz="2400" dirty="0">
+                <a:cs typeface="Helvetica"/>
+              </a:rPr>
+              <a:t>: </a:t>
+            </a:r>
+            <a:r>
+              <a:rPr lang="en-US" altLang="zh-CN" sz="2400" dirty="0" err="1">
+                <a:cs typeface="Helvetica"/>
+              </a:rPr>
+              <a:t>i</a:t>
+            </a:r>
+            <a:r>
+              <a:rPr kumimoji="0" lang="en-US" altLang="zh-CN" sz="2400" b="0" i="0" u="none" strike="noStrike" kern="0" cap="none" spc="0" normalizeH="0" baseline="0" noProof="0" dirty="0">
+                <a:ln>
+                  <a:noFill/>
+                </a:ln>
+                <a:solidFill>
+                  <a:srgbClr val="202020"/>
+                </a:solidFill>
+                <a:effectLst/>
+                <a:uLnTx/>
+                <a:uFillTx/>
+                <a:latin typeface="Gill Sans MT" panose="020B0502020104020203" pitchFamily="34" charset="0"/>
+                <a:cs typeface="Helvetica"/>
+              </a:rPr>
+              <a:t>t is useful in cases where you don't want the process or thread to block while waiting for the semaphore.</a:t>
+            </a:r>
+            <a:endParaRPr kumimoji="0" lang="zh-CN" altLang="zh-CN" sz="2400" b="0" i="0" u="none" strike="noStrike" kern="0" cap="none" spc="0" normalizeH="0" baseline="0" noProof="0" dirty="0">
+              <a:ln>
+                <a:noFill/>
+              </a:ln>
+              <a:solidFill>
+                <a:srgbClr val="202020"/>
+              </a:solidFill>
+              <a:effectLst/>
+              <a:uLnTx/>
+              <a:uFillTx/>
+              <a:latin typeface="Gill Sans MT" panose="020B0502020104020203" pitchFamily="34" charset="0"/>
+              <a:cs typeface="Helvetica"/>
+            </a:endParaRPr>
+          </a:p>
+          <a:p>
+            <a:pPr marL="457200" marR="0" lvl="1" indent="0" algn="l" defTabSz="914400" rtl="0" eaLnBrk="0" fontAlgn="base" latinLnBrk="0" hangingPunct="0">
+              <a:lnSpc>
+                <a:spcPct val="100000"/>
+              </a:lnSpc>
+              <a:spcBef>
+                <a:spcPct val="0"/>
+              </a:spcBef>
+              <a:spcAft>
+                <a:spcPct val="0"/>
+              </a:spcAft>
+              <a:buClrTx/>
+              <a:buSzTx/>
+              <a:buFontTx/>
+              <a:buChar char="•"/>
+              <a:tabLst/>
+              <a:defRPr/>
+            </a:pPr>
+            <a:r>
+              <a:rPr kumimoji="0" lang="en-US" altLang="zh-CN" sz="1800" b="0" i="0" u="none" strike="noStrike" kern="0" cap="none" spc="0" normalizeH="0" baseline="0" noProof="0" dirty="0">
+                <a:ln>
+                  <a:noFill/>
+                </a:ln>
+                <a:solidFill>
+                  <a:srgbClr val="202020"/>
+                </a:solidFill>
+                <a:effectLst/>
+                <a:uLnTx/>
+                <a:uFillTx/>
+                <a:latin typeface="Gill Sans MT" panose="020B0502020104020203" pitchFamily="34" charset="0"/>
+                <a:cs typeface="Helvetica"/>
+              </a:rPr>
+              <a:t> </a:t>
+            </a:r>
+            <a:r>
+              <a:rPr lang="en-US" altLang="zh-CN" sz="1800" kern="1200" dirty="0" err="1">
+                <a:solidFill>
+                  <a:srgbClr val="74531F"/>
+                </a:solidFill>
+                <a:latin typeface="Consolas" panose="020B0609020204030204" pitchFamily="49" charset="0"/>
+              </a:rPr>
+              <a:t>sem_trywait</a:t>
+            </a:r>
+            <a:r>
+              <a:rPr lang="en-US" altLang="zh-CN" sz="1800" kern="1200" dirty="0">
+                <a:solidFill>
+                  <a:srgbClr val="74531F"/>
+                </a:solidFill>
+                <a:latin typeface="Consolas" panose="020B0609020204030204" pitchFamily="49" charset="0"/>
+              </a:rPr>
+              <a:t> </a:t>
+            </a:r>
+            <a:r>
+              <a:rPr kumimoji="0" lang="en-US" altLang="zh-CN" sz="1800" b="0" i="0" u="none" strike="noStrike" kern="0" cap="none" spc="0" normalizeH="0" baseline="0" noProof="0" dirty="0">
+                <a:ln>
+                  <a:noFill/>
+                </a:ln>
+                <a:solidFill>
+                  <a:srgbClr val="202020"/>
+                </a:solidFill>
+                <a:effectLst/>
+                <a:uLnTx/>
+                <a:uFillTx/>
+                <a:latin typeface="Gill Sans MT" panose="020B0502020104020203" pitchFamily="34" charset="0"/>
+                <a:cs typeface="Helvetica"/>
+              </a:rPr>
+              <a:t>is a non-blocking function that attempts to decrease (lock) the value of a semaphore. If the semaphore’s value is greater than 0, it decrements the value and proceeds. However, if the semaphore's value is 0 (unavailable), it returns immediately with a failure and sets </a:t>
+            </a:r>
+            <a:r>
+              <a:rPr kumimoji="0" lang="en-US" altLang="zh-CN" sz="1800" b="0" i="0" u="none" strike="noStrike" kern="0" cap="none" spc="0" normalizeH="0" baseline="0" noProof="0" dirty="0" err="1">
+                <a:ln>
+                  <a:noFill/>
+                </a:ln>
+                <a:solidFill>
+                  <a:srgbClr val="202020"/>
+                </a:solidFill>
+                <a:effectLst/>
+                <a:uLnTx/>
+                <a:uFillTx/>
+                <a:latin typeface="Gill Sans MT" panose="020B0502020104020203" pitchFamily="34" charset="0"/>
+                <a:cs typeface="Helvetica"/>
+              </a:rPr>
+              <a:t>errno</a:t>
+            </a:r>
+            <a:r>
+              <a:rPr kumimoji="0" lang="en-US" altLang="zh-CN" sz="1800" b="0" i="0" u="none" strike="noStrike" kern="0" cap="none" spc="0" normalizeH="0" baseline="0" noProof="0" dirty="0">
+                <a:ln>
+                  <a:noFill/>
+                </a:ln>
+                <a:solidFill>
+                  <a:srgbClr val="202020"/>
+                </a:solidFill>
+                <a:effectLst/>
+                <a:uLnTx/>
+                <a:uFillTx/>
+                <a:latin typeface="Gill Sans MT" panose="020B0502020104020203" pitchFamily="34" charset="0"/>
+                <a:cs typeface="Helvetica"/>
+              </a:rPr>
+              <a:t> to EAGAIN.</a:t>
+            </a:r>
+            <a:endParaRPr lang="en-US" altLang="zh-CN" sz="2400" dirty="0"/>
+          </a:p>
+        </p:txBody>
+      </p:sp>
+      <p:sp>
+        <p:nvSpPr>
+          <p:cNvPr id="13" name="文本框 12">
+            <a:extLst>
+              <a:ext uri="{FF2B5EF4-FFF2-40B4-BE49-F238E27FC236}">
+                <a16:creationId xmlns:a16="http://schemas.microsoft.com/office/drawing/2014/main" id="{ED25030F-4FDC-B91B-5C28-8CD4A7CDFC47}"/>
+              </a:ext>
+            </a:extLst>
+          </p:cNvPr>
+          <p:cNvSpPr txBox="1"/>
+          <p:nvPr/>
+        </p:nvSpPr>
+        <p:spPr>
+          <a:xfrm>
+            <a:off x="844550" y="2762996"/>
+            <a:ext cx="6096000" cy="461665"/>
+          </a:xfrm>
+          <a:prstGeom prst="rect">
+            <a:avLst/>
+          </a:prstGeom>
+          <a:noFill/>
+          <a:ln w="12700" cap="flat">
+            <a:noFill/>
+            <a:miter lim="400000"/>
+          </a:ln>
+          <a:effectLst/>
+          <a:sp3d/>
+        </p:spPr>
+        <p:style>
+          <a:lnRef idx="0">
+            <a:scrgbClr r="0" g="0" b="0"/>
+          </a:lnRef>
+          <a:fillRef idx="0">
+            <a:scrgbClr r="0" g="0" b="0"/>
+          </a:fillRef>
+          <a:effectRef idx="0">
+            <a:scrgbClr r="0" g="0" b="0"/>
+          </a:effectRef>
+          <a:fontRef idx="none"/>
+        </p:style>
+        <p:txBody>
+          <a:bodyPr wrap="square">
+            <a:spAutoFit/>
+          </a:bodyPr>
+          <a:lstStyle/>
+          <a:p>
+            <a:pPr marL="289152" marR="0" lvl="0" indent="-289152" algn="l" defTabSz="412750" rtl="0" eaLnBrk="1" fontAlgn="auto" latinLnBrk="0" hangingPunct="1">
+              <a:lnSpc>
+                <a:spcPct val="100000"/>
+              </a:lnSpc>
+              <a:spcBef>
+                <a:spcPts val="2950"/>
+              </a:spcBef>
+              <a:spcAft>
+                <a:spcPts val="0"/>
+              </a:spcAft>
+              <a:buClrTx/>
+              <a:buSzPct val="100000"/>
+              <a:buFont typeface="Wingdings" panose="05000000000000000000" pitchFamily="2" charset="2"/>
+              <a:buChar char="Ø"/>
+              <a:tabLst/>
+              <a:defRPr/>
+            </a:pPr>
+            <a:r>
+              <a:rPr kumimoji="0" lang="en-US" altLang="zh-CN" sz="2400" b="0" i="0" u="none" strike="noStrike" kern="0" cap="none" spc="0" normalizeH="0" baseline="0" noProof="0" dirty="0">
+                <a:ln>
+                  <a:noFill/>
+                </a:ln>
+                <a:solidFill>
+                  <a:srgbClr val="202020"/>
+                </a:solidFill>
+                <a:effectLst/>
+                <a:uLnTx/>
+                <a:uFillTx/>
+                <a:latin typeface="Gill Sans MT" panose="020B0502020104020203" pitchFamily="34" charset="0"/>
+                <a:cs typeface="Helvetica"/>
+                <a:sym typeface="Helvetica"/>
+              </a:rPr>
+              <a:t>Syntax:</a:t>
+            </a:r>
+            <a:endParaRPr kumimoji="0" lang="zh-CN" altLang="en-US" sz="2400" b="0" i="0" u="none" strike="noStrike" kern="0" cap="none" spc="0" normalizeH="0" baseline="0" noProof="0" dirty="0">
+              <a:ln>
+                <a:noFill/>
+              </a:ln>
+              <a:solidFill>
+                <a:srgbClr val="202020"/>
+              </a:solidFill>
+              <a:effectLst/>
+              <a:uLnTx/>
+              <a:uFillTx/>
+              <a:latin typeface="Gill Sans MT" panose="020B0502020104020203" pitchFamily="34" charset="0"/>
+              <a:cs typeface="Helvetica"/>
+              <a:sym typeface="Helvetica"/>
+            </a:endParaRPr>
+          </a:p>
+        </p:txBody>
+      </p:sp>
+      <p:sp>
+        <p:nvSpPr>
+          <p:cNvPr id="17" name="文本框 16">
+            <a:extLst>
+              <a:ext uri="{FF2B5EF4-FFF2-40B4-BE49-F238E27FC236}">
+                <a16:creationId xmlns:a16="http://schemas.microsoft.com/office/drawing/2014/main" id="{6581B964-F4DA-382E-A5CC-2C7FCE505809}"/>
+              </a:ext>
+            </a:extLst>
+          </p:cNvPr>
+          <p:cNvSpPr txBox="1"/>
+          <p:nvPr/>
+        </p:nvSpPr>
+        <p:spPr>
+          <a:xfrm>
+            <a:off x="1262740" y="3291296"/>
+            <a:ext cx="10084709" cy="369332"/>
+          </a:xfrm>
+          <a:prstGeom prst="rect">
+            <a:avLst/>
+          </a:prstGeom>
+          <a:noFill/>
+          <a:ln w="12700" cap="flat">
+            <a:solidFill>
+              <a:schemeClr val="tx1"/>
+            </a:solidFill>
+            <a:miter lim="400000"/>
+          </a:ln>
+          <a:effectLst/>
+          <a:sp3d/>
+        </p:spPr>
+        <p:style>
+          <a:lnRef idx="0">
+            <a:scrgbClr r="0" g="0" b="0"/>
+          </a:lnRef>
+          <a:fillRef idx="0">
+            <a:scrgbClr r="0" g="0" b="0"/>
+          </a:fillRef>
+          <a:effectRef idx="0">
+            <a:scrgbClr r="0" g="0" b="0"/>
+          </a:effectRef>
+          <a:fontRef idx="none"/>
+        </p:style>
+        <p:txBody>
+          <a:bodyPr wrap="square">
+            <a:spAutoFit/>
+          </a:bodyPr>
+          <a:lstStyle/>
+          <a:p>
+            <a:r>
+              <a:rPr lang="pt-BR" altLang="zh-CN" b="0" dirty="0">
+                <a:solidFill>
+                  <a:srgbClr val="0000FF"/>
+                </a:solidFill>
+                <a:effectLst/>
+                <a:latin typeface="Consolas" panose="020B0609020204030204" pitchFamily="49" charset="0"/>
+              </a:rPr>
+              <a:t>int</a:t>
+            </a:r>
+            <a:r>
+              <a:rPr lang="pt-BR" altLang="zh-CN" b="0" dirty="0">
+                <a:solidFill>
+                  <a:srgbClr val="000000"/>
+                </a:solidFill>
+                <a:effectLst/>
+                <a:latin typeface="Consolas" panose="020B0609020204030204" pitchFamily="49" charset="0"/>
+              </a:rPr>
+              <a:t> </a:t>
+            </a:r>
+            <a:r>
+              <a:rPr lang="pt-BR" altLang="zh-CN" b="0" dirty="0">
+                <a:solidFill>
+                  <a:srgbClr val="74531F"/>
+                </a:solidFill>
+                <a:effectLst/>
+                <a:latin typeface="Consolas" panose="020B0609020204030204" pitchFamily="49" charset="0"/>
+              </a:rPr>
+              <a:t>sem_trywait</a:t>
+            </a:r>
+            <a:r>
+              <a:rPr lang="pt-BR" altLang="zh-CN" b="0" dirty="0">
+                <a:solidFill>
+                  <a:srgbClr val="000000"/>
+                </a:solidFill>
+                <a:effectLst/>
+                <a:latin typeface="Consolas" panose="020B0609020204030204" pitchFamily="49" charset="0"/>
+              </a:rPr>
+              <a:t>(</a:t>
+            </a:r>
+            <a:r>
+              <a:rPr lang="pt-BR" altLang="zh-CN" b="0" dirty="0">
+                <a:solidFill>
+                  <a:srgbClr val="2B91AF"/>
+                </a:solidFill>
+                <a:effectLst/>
+                <a:latin typeface="Consolas" panose="020B0609020204030204" pitchFamily="49" charset="0"/>
+              </a:rPr>
+              <a:t>sem_t</a:t>
+            </a:r>
+            <a:r>
+              <a:rPr lang="pt-BR" altLang="zh-CN" b="0" dirty="0">
+                <a:solidFill>
+                  <a:srgbClr val="000000"/>
+                </a:solidFill>
+                <a:effectLst/>
+                <a:latin typeface="Consolas" panose="020B0609020204030204" pitchFamily="49" charset="0"/>
+              </a:rPr>
+              <a:t> *</a:t>
+            </a:r>
+            <a:r>
+              <a:rPr lang="pt-BR" altLang="zh-CN" b="0" dirty="0">
+                <a:solidFill>
+                  <a:srgbClr val="808080"/>
+                </a:solidFill>
+                <a:effectLst/>
+                <a:latin typeface="Consolas" panose="020B0609020204030204" pitchFamily="49" charset="0"/>
+              </a:rPr>
+              <a:t>sem</a:t>
+            </a:r>
+            <a:r>
+              <a:rPr lang="pt-BR" altLang="zh-CN" b="0" dirty="0">
+                <a:solidFill>
+                  <a:srgbClr val="000000"/>
+                </a:solidFill>
+                <a:effectLst/>
+                <a:latin typeface="Consolas" panose="020B0609020204030204" pitchFamily="49" charset="0"/>
+              </a:rPr>
+              <a:t>);</a:t>
+            </a:r>
+          </a:p>
+        </p:txBody>
+      </p:sp>
+      <p:sp>
+        <p:nvSpPr>
+          <p:cNvPr id="18" name="Rectangle 2">
+            <a:extLst>
+              <a:ext uri="{FF2B5EF4-FFF2-40B4-BE49-F238E27FC236}">
+                <a16:creationId xmlns:a16="http://schemas.microsoft.com/office/drawing/2014/main" id="{A18B1B3D-31B5-29E2-CF84-EA37A5C3394F}"/>
+              </a:ext>
+            </a:extLst>
+          </p:cNvPr>
+          <p:cNvSpPr>
+            <a:spLocks noChangeArrowheads="1"/>
+          </p:cNvSpPr>
+          <p:nvPr/>
+        </p:nvSpPr>
+        <p:spPr bwMode="auto">
+          <a:xfrm>
+            <a:off x="844550" y="3650965"/>
+            <a:ext cx="10084709" cy="738664"/>
+          </a:xfrm>
+          <a:prstGeom prst="rect">
+            <a:avLst/>
+          </a:prstGeom>
+          <a:noFill/>
+          <a:ln>
+            <a:noFill/>
+          </a:ln>
+          <a:effectLst/>
+        </p:spPr>
+        <p:txBody>
+          <a:bodyPr vert="horz" wrap="square" lIns="91440" tIns="45720" rIns="91440" bIns="45720" numCol="1" anchor="ctr" anchorCtr="0" compatLnSpc="1">
+            <a:prstTxWarp prst="textNoShape">
+              <a:avLst/>
+            </a:prstTxWarp>
+            <a:spAutoFit/>
+          </a:bodyPr>
+          <a:lstStyle/>
+          <a:p>
+            <a:pPr marL="342900" marR="0" lvl="0" indent="-342900" algn="l" defTabSz="914400" rtl="0" eaLnBrk="0" fontAlgn="t" latinLnBrk="0" hangingPunct="0">
+              <a:lnSpc>
+                <a:spcPct val="100000"/>
+              </a:lnSpc>
+              <a:spcBef>
+                <a:spcPct val="0"/>
+              </a:spcBef>
+              <a:spcAft>
+                <a:spcPct val="0"/>
+              </a:spcAft>
+              <a:buClrTx/>
+              <a:buSzTx/>
+              <a:buFont typeface="Wingdings" panose="05000000000000000000" pitchFamily="2" charset="2"/>
+              <a:buChar char="Ø"/>
+              <a:tabLst/>
+            </a:pPr>
+            <a:r>
+              <a:rPr lang="zh-CN" altLang="zh-CN" sz="2400" kern="0" dirty="0">
+                <a:solidFill>
+                  <a:srgbClr val="202020"/>
+                </a:solidFill>
+                <a:latin typeface="Gill Sans MT" panose="020B0502020104020203" pitchFamily="34" charset="0"/>
+                <a:cs typeface="Helvetica"/>
+              </a:rPr>
+              <a:t>Parameters:</a:t>
+            </a:r>
+          </a:p>
+          <a:p>
+            <a:pPr marL="457200" marR="0" lvl="1" indent="0" algn="l" defTabSz="914400" rtl="0" eaLnBrk="0" fontAlgn="base" latinLnBrk="0" hangingPunct="0">
+              <a:lnSpc>
+                <a:spcPct val="100000"/>
+              </a:lnSpc>
+              <a:spcBef>
+                <a:spcPct val="0"/>
+              </a:spcBef>
+              <a:spcAft>
+                <a:spcPct val="0"/>
+              </a:spcAft>
+              <a:buClrTx/>
+              <a:buSzTx/>
+              <a:buFontTx/>
+              <a:buChar char="•"/>
+              <a:tabLst/>
+            </a:pPr>
+            <a:r>
+              <a:rPr lang="en-US" altLang="zh-CN" kern="0" dirty="0">
+                <a:solidFill>
+                  <a:srgbClr val="202020"/>
+                </a:solidFill>
+                <a:latin typeface="Gill Sans MT" panose="020B0502020104020203" pitchFamily="34" charset="0"/>
+                <a:cs typeface="Helvetica"/>
+              </a:rPr>
+              <a:t> </a:t>
+            </a:r>
+            <a:r>
+              <a:rPr lang="en-US" altLang="zh-CN" b="0" dirty="0" err="1">
+                <a:solidFill>
+                  <a:srgbClr val="808080"/>
+                </a:solidFill>
+                <a:effectLst/>
+                <a:latin typeface="Consolas" panose="020B0609020204030204" pitchFamily="49" charset="0"/>
+              </a:rPr>
+              <a:t>sem</a:t>
+            </a:r>
+            <a:r>
+              <a:rPr lang="en-US" altLang="zh-CN" kern="0" dirty="0">
+                <a:solidFill>
+                  <a:srgbClr val="C00000"/>
+                </a:solidFill>
+                <a:latin typeface="Gill Sans MT" panose="020B0502020104020203" pitchFamily="34" charset="0"/>
+                <a:cs typeface="Helvetica"/>
+              </a:rPr>
+              <a:t>: </a:t>
+            </a:r>
+            <a:r>
+              <a:rPr lang="en-US" altLang="zh-CN" kern="0" dirty="0">
+                <a:solidFill>
+                  <a:schemeClr val="tx1">
+                    <a:lumMod val="50000"/>
+                  </a:schemeClr>
+                </a:solidFill>
+                <a:latin typeface="Gill Sans MT" panose="020B0502020104020203" pitchFamily="34" charset="0"/>
+                <a:cs typeface="Helvetica"/>
+              </a:rPr>
+              <a:t>pointer to the semaphore variable.</a:t>
+            </a:r>
+          </a:p>
+        </p:txBody>
+      </p:sp>
+      <p:sp>
+        <p:nvSpPr>
+          <p:cNvPr id="19" name="文本框 18">
+            <a:extLst>
+              <a:ext uri="{FF2B5EF4-FFF2-40B4-BE49-F238E27FC236}">
+                <a16:creationId xmlns:a16="http://schemas.microsoft.com/office/drawing/2014/main" id="{5CABB9FE-E2BB-4A06-2289-2E62E1541A6C}"/>
+              </a:ext>
+            </a:extLst>
+          </p:cNvPr>
+          <p:cNvSpPr txBox="1"/>
+          <p:nvPr/>
+        </p:nvSpPr>
+        <p:spPr>
+          <a:xfrm>
+            <a:off x="844550" y="4307627"/>
+            <a:ext cx="6096000" cy="461665"/>
+          </a:xfrm>
+          <a:prstGeom prst="rect">
+            <a:avLst/>
+          </a:prstGeom>
+          <a:noFill/>
+          <a:ln w="12700" cap="flat">
+            <a:noFill/>
+            <a:miter lim="400000"/>
+          </a:ln>
+          <a:effectLst/>
+          <a:sp3d/>
+        </p:spPr>
+        <p:style>
+          <a:lnRef idx="0">
+            <a:scrgbClr r="0" g="0" b="0"/>
+          </a:lnRef>
+          <a:fillRef idx="0">
+            <a:scrgbClr r="0" g="0" b="0"/>
+          </a:fillRef>
+          <a:effectRef idx="0">
+            <a:scrgbClr r="0" g="0" b="0"/>
+          </a:effectRef>
+          <a:fontRef idx="none"/>
+        </p:style>
+        <p:txBody>
+          <a:bodyPr wrap="square">
+            <a:spAutoFit/>
+          </a:bodyPr>
+          <a:lstStyle/>
+          <a:p>
+            <a:pPr marL="289152" marR="0" lvl="0" indent="-289152" algn="l" defTabSz="412750" rtl="0" eaLnBrk="1" fontAlgn="auto" latinLnBrk="0" hangingPunct="1">
+              <a:lnSpc>
+                <a:spcPct val="100000"/>
+              </a:lnSpc>
+              <a:spcBef>
+                <a:spcPts val="2950"/>
+              </a:spcBef>
+              <a:spcAft>
+                <a:spcPts val="0"/>
+              </a:spcAft>
+              <a:buClrTx/>
+              <a:buSzPct val="100000"/>
+              <a:buFont typeface="Wingdings" panose="05000000000000000000" pitchFamily="2" charset="2"/>
+              <a:buChar char="Ø"/>
+              <a:tabLst/>
+              <a:defRPr/>
+            </a:pPr>
+            <a:r>
+              <a:rPr kumimoji="0" lang="en-US" altLang="zh-CN" sz="2400" b="0" i="0" u="none" strike="noStrike" kern="0" cap="none" spc="0" normalizeH="0" baseline="0" noProof="0" dirty="0">
+                <a:ln>
+                  <a:noFill/>
+                </a:ln>
+                <a:solidFill>
+                  <a:srgbClr val="202020"/>
+                </a:solidFill>
+                <a:effectLst/>
+                <a:uLnTx/>
+                <a:uFillTx/>
+                <a:latin typeface="Gill Sans MT" panose="020B0502020104020203" pitchFamily="34" charset="0"/>
+                <a:cs typeface="Helvetica"/>
+                <a:sym typeface="Helvetica"/>
+              </a:rPr>
+              <a:t>Example:</a:t>
+            </a:r>
+            <a:endParaRPr lang="en-US" altLang="zh-CN" sz="2400" kern="0" dirty="0">
+              <a:solidFill>
+                <a:srgbClr val="202020"/>
+              </a:solidFill>
+              <a:latin typeface="Gill Sans MT" panose="020B0502020104020203" pitchFamily="34" charset="0"/>
+              <a:cs typeface="Helvetica"/>
+              <a:sym typeface="Helvetica"/>
+            </a:endParaRPr>
+          </a:p>
+        </p:txBody>
+      </p:sp>
+      <p:sp>
+        <p:nvSpPr>
+          <p:cNvPr id="6" name="文本框 5">
+            <a:extLst>
+              <a:ext uri="{FF2B5EF4-FFF2-40B4-BE49-F238E27FC236}">
+                <a16:creationId xmlns:a16="http://schemas.microsoft.com/office/drawing/2014/main" id="{11970F9F-5EC6-EC7C-76FE-811228D7001B}"/>
+              </a:ext>
+            </a:extLst>
+          </p:cNvPr>
+          <p:cNvSpPr txBox="1"/>
+          <p:nvPr/>
+        </p:nvSpPr>
+        <p:spPr>
+          <a:xfrm>
+            <a:off x="1262739" y="4796014"/>
+            <a:ext cx="10084709" cy="2031325"/>
+          </a:xfrm>
+          <a:prstGeom prst="rect">
+            <a:avLst/>
+          </a:prstGeom>
+          <a:noFill/>
+          <a:ln w="12700" cap="flat">
+            <a:solidFill>
+              <a:schemeClr val="tx1"/>
+            </a:solidFill>
+            <a:miter lim="400000"/>
+          </a:ln>
+          <a:effectLst/>
+          <a:sp3d/>
+        </p:spPr>
+        <p:style>
+          <a:lnRef idx="0">
+            <a:scrgbClr r="0" g="0" b="0"/>
+          </a:lnRef>
+          <a:fillRef idx="0">
+            <a:scrgbClr r="0" g="0" b="0"/>
+          </a:fillRef>
+          <a:effectRef idx="0">
+            <a:scrgbClr r="0" g="0" b="0"/>
+          </a:effectRef>
+          <a:fontRef idx="none"/>
+        </p:style>
+        <p:txBody>
+          <a:bodyPr wrap="square">
+            <a:spAutoFit/>
+          </a:bodyPr>
+          <a:lstStyle/>
+          <a:p>
+            <a:r>
+              <a:rPr lang="en-HK" altLang="zh-CN" b="0" dirty="0">
+                <a:solidFill>
+                  <a:srgbClr val="8F08C4"/>
+                </a:solidFill>
+                <a:effectLst/>
+                <a:latin typeface="Consolas" panose="020B0609020204030204" pitchFamily="49" charset="0"/>
+              </a:rPr>
+              <a:t>if</a:t>
+            </a:r>
+            <a:r>
+              <a:rPr lang="en-HK" altLang="zh-CN" b="0" dirty="0">
+                <a:solidFill>
+                  <a:srgbClr val="000000"/>
+                </a:solidFill>
+                <a:effectLst/>
+                <a:latin typeface="Consolas" panose="020B0609020204030204" pitchFamily="49" charset="0"/>
+              </a:rPr>
+              <a:t> (</a:t>
+            </a:r>
+            <a:r>
+              <a:rPr lang="en-HK" altLang="zh-CN" b="0" dirty="0" err="1">
+                <a:solidFill>
+                  <a:srgbClr val="74531F"/>
+                </a:solidFill>
+                <a:effectLst/>
+                <a:latin typeface="Consolas" panose="020B0609020204030204" pitchFamily="49" charset="0"/>
+              </a:rPr>
+              <a:t>sem_trywait</a:t>
+            </a:r>
+            <a:r>
+              <a:rPr lang="en-HK" altLang="zh-CN" b="0" dirty="0">
+                <a:solidFill>
+                  <a:srgbClr val="000000"/>
+                </a:solidFill>
+                <a:effectLst/>
+                <a:latin typeface="Consolas" panose="020B0609020204030204" pitchFamily="49" charset="0"/>
+              </a:rPr>
+              <a:t>(&amp;</a:t>
+            </a:r>
+            <a:r>
+              <a:rPr lang="en-HK" altLang="zh-CN" b="0" dirty="0" err="1">
+                <a:solidFill>
+                  <a:srgbClr val="808080"/>
+                </a:solidFill>
+                <a:effectLst/>
+                <a:latin typeface="Consolas" panose="020B0609020204030204" pitchFamily="49" charset="0"/>
+              </a:rPr>
+              <a:t>sem</a:t>
+            </a:r>
+            <a:r>
+              <a:rPr lang="en-HK" altLang="zh-CN" b="0" dirty="0">
+                <a:solidFill>
+                  <a:srgbClr val="000000"/>
+                </a:solidFill>
+                <a:effectLst/>
+                <a:latin typeface="Consolas" panose="020B0609020204030204" pitchFamily="49" charset="0"/>
+              </a:rPr>
+              <a:t>) == </a:t>
+            </a:r>
+            <a:r>
+              <a:rPr lang="en-HK" altLang="zh-CN" b="0" dirty="0">
+                <a:solidFill>
+                  <a:srgbClr val="098658"/>
+                </a:solidFill>
+                <a:effectLst/>
+                <a:latin typeface="Consolas" panose="020B0609020204030204" pitchFamily="49" charset="0"/>
+              </a:rPr>
+              <a:t>0</a:t>
+            </a:r>
+            <a:r>
+              <a:rPr lang="en-HK" altLang="zh-CN" b="0" dirty="0">
+                <a:solidFill>
+                  <a:srgbClr val="000000"/>
+                </a:solidFill>
+                <a:effectLst/>
+                <a:latin typeface="Consolas" panose="020B0609020204030204" pitchFamily="49" charset="0"/>
+              </a:rPr>
+              <a:t>) {</a:t>
+            </a:r>
+          </a:p>
+          <a:p>
+            <a:r>
+              <a:rPr lang="en-HK" altLang="zh-CN" b="0" dirty="0">
+                <a:solidFill>
+                  <a:srgbClr val="000000"/>
+                </a:solidFill>
+                <a:effectLst/>
+                <a:latin typeface="Consolas" panose="020B0609020204030204" pitchFamily="49" charset="0"/>
+              </a:rPr>
+              <a:t>    </a:t>
+            </a:r>
+            <a:r>
+              <a:rPr lang="en-HK" altLang="zh-CN" b="0" dirty="0" err="1">
+                <a:solidFill>
+                  <a:srgbClr val="74531F"/>
+                </a:solidFill>
+                <a:effectLst/>
+                <a:latin typeface="Consolas" panose="020B0609020204030204" pitchFamily="49" charset="0"/>
+              </a:rPr>
+              <a:t>printf</a:t>
+            </a:r>
+            <a:r>
+              <a:rPr lang="en-HK" altLang="zh-CN" b="0" dirty="0">
+                <a:solidFill>
+                  <a:srgbClr val="000000"/>
+                </a:solidFill>
+                <a:effectLst/>
+                <a:latin typeface="Consolas" panose="020B0609020204030204" pitchFamily="49" charset="0"/>
+              </a:rPr>
+              <a:t>(</a:t>
+            </a:r>
+            <a:r>
+              <a:rPr lang="en-HK" altLang="zh-CN" b="0" dirty="0">
+                <a:solidFill>
+                  <a:srgbClr val="E21F1F"/>
+                </a:solidFill>
+                <a:effectLst/>
+                <a:latin typeface="Consolas" panose="020B0609020204030204" pitchFamily="49" charset="0"/>
+              </a:rPr>
+              <a:t>"</a:t>
+            </a:r>
+            <a:r>
+              <a:rPr lang="en-HK" altLang="zh-CN" b="0" dirty="0">
+                <a:solidFill>
+                  <a:srgbClr val="A31515"/>
+                </a:solidFill>
+                <a:effectLst/>
+                <a:latin typeface="Consolas" panose="020B0609020204030204" pitchFamily="49" charset="0"/>
+              </a:rPr>
+              <a:t>Semaphore acquired!</a:t>
+            </a:r>
+            <a:r>
+              <a:rPr lang="en-HK" altLang="zh-CN" b="0" dirty="0">
+                <a:solidFill>
+                  <a:srgbClr val="B776FB"/>
+                </a:solidFill>
+                <a:effectLst/>
+                <a:latin typeface="Consolas" panose="020B0609020204030204" pitchFamily="49" charset="0"/>
+              </a:rPr>
+              <a:t>\n</a:t>
+            </a:r>
+            <a:r>
+              <a:rPr lang="en-HK" altLang="zh-CN" b="0" dirty="0">
+                <a:solidFill>
+                  <a:srgbClr val="E21F1F"/>
+                </a:solidFill>
+                <a:effectLst/>
+                <a:latin typeface="Consolas" panose="020B0609020204030204" pitchFamily="49" charset="0"/>
+              </a:rPr>
+              <a:t>"</a:t>
+            </a:r>
+            <a:r>
+              <a:rPr lang="en-HK" altLang="zh-CN" b="0" dirty="0">
+                <a:solidFill>
+                  <a:srgbClr val="000000"/>
+                </a:solidFill>
+                <a:effectLst/>
+                <a:latin typeface="Consolas" panose="020B0609020204030204" pitchFamily="49" charset="0"/>
+              </a:rPr>
+              <a:t>);</a:t>
+            </a:r>
+          </a:p>
+          <a:p>
+            <a:r>
+              <a:rPr lang="en-HK" altLang="zh-CN" b="0" dirty="0">
+                <a:solidFill>
+                  <a:srgbClr val="000000"/>
+                </a:solidFill>
+                <a:effectLst/>
+                <a:latin typeface="Consolas" panose="020B0609020204030204" pitchFamily="49" charset="0"/>
+              </a:rPr>
+              <a:t>} </a:t>
+            </a:r>
+            <a:r>
+              <a:rPr lang="en-HK" altLang="zh-CN" b="0" dirty="0">
+                <a:solidFill>
+                  <a:srgbClr val="8F08C4"/>
+                </a:solidFill>
+                <a:effectLst/>
+                <a:latin typeface="Consolas" panose="020B0609020204030204" pitchFamily="49" charset="0"/>
+              </a:rPr>
+              <a:t>else</a:t>
+            </a:r>
+            <a:r>
+              <a:rPr lang="en-HK" altLang="zh-CN" b="0" dirty="0">
+                <a:solidFill>
+                  <a:srgbClr val="000000"/>
+                </a:solidFill>
+                <a:effectLst/>
+                <a:latin typeface="Consolas" panose="020B0609020204030204" pitchFamily="49" charset="0"/>
+              </a:rPr>
+              <a:t> {</a:t>
+            </a:r>
+          </a:p>
+          <a:p>
+            <a:r>
+              <a:rPr lang="en-HK" altLang="zh-CN" b="0" dirty="0">
+                <a:solidFill>
+                  <a:srgbClr val="000000"/>
+                </a:solidFill>
+                <a:effectLst/>
+                <a:latin typeface="Consolas" panose="020B0609020204030204" pitchFamily="49" charset="0"/>
+              </a:rPr>
+              <a:t>    </a:t>
+            </a:r>
+            <a:r>
+              <a:rPr lang="en-HK" altLang="zh-CN" b="0" dirty="0">
+                <a:solidFill>
+                  <a:srgbClr val="8F08C4"/>
+                </a:solidFill>
+                <a:effectLst/>
+                <a:latin typeface="Consolas" panose="020B0609020204030204" pitchFamily="49" charset="0"/>
+              </a:rPr>
+              <a:t>if</a:t>
+            </a:r>
+            <a:r>
+              <a:rPr lang="en-HK" altLang="zh-CN" b="0" dirty="0">
+                <a:solidFill>
+                  <a:srgbClr val="000000"/>
+                </a:solidFill>
+                <a:effectLst/>
+                <a:latin typeface="Consolas" panose="020B0609020204030204" pitchFamily="49" charset="0"/>
+              </a:rPr>
+              <a:t> (</a:t>
+            </a:r>
+            <a:r>
+              <a:rPr lang="en-HK" altLang="zh-CN" b="0" dirty="0" err="1">
+                <a:solidFill>
+                  <a:srgbClr val="000000"/>
+                </a:solidFill>
+                <a:effectLst/>
+                <a:latin typeface="Consolas" panose="020B0609020204030204" pitchFamily="49" charset="0"/>
+              </a:rPr>
+              <a:t>errno</a:t>
+            </a:r>
+            <a:r>
+              <a:rPr lang="en-HK" altLang="zh-CN" b="0" dirty="0">
+                <a:solidFill>
+                  <a:srgbClr val="000000"/>
+                </a:solidFill>
+                <a:effectLst/>
+                <a:latin typeface="Consolas" panose="020B0609020204030204" pitchFamily="49" charset="0"/>
+              </a:rPr>
+              <a:t> == EAGAIN) {</a:t>
+            </a:r>
+          </a:p>
+          <a:p>
+            <a:r>
+              <a:rPr lang="en-HK" altLang="zh-CN" b="0" dirty="0">
+                <a:solidFill>
+                  <a:srgbClr val="000000"/>
+                </a:solidFill>
+                <a:effectLst/>
+                <a:latin typeface="Consolas" panose="020B0609020204030204" pitchFamily="49" charset="0"/>
+              </a:rPr>
+              <a:t>        </a:t>
+            </a:r>
+            <a:r>
+              <a:rPr lang="en-HK" altLang="zh-CN" b="0" dirty="0" err="1">
+                <a:solidFill>
+                  <a:srgbClr val="74531F"/>
+                </a:solidFill>
+                <a:effectLst/>
+                <a:latin typeface="Consolas" panose="020B0609020204030204" pitchFamily="49" charset="0"/>
+              </a:rPr>
+              <a:t>printf</a:t>
+            </a:r>
+            <a:r>
+              <a:rPr lang="en-HK" altLang="zh-CN" b="0" dirty="0">
+                <a:solidFill>
+                  <a:srgbClr val="000000"/>
+                </a:solidFill>
+                <a:effectLst/>
+                <a:latin typeface="Consolas" panose="020B0609020204030204" pitchFamily="49" charset="0"/>
+              </a:rPr>
+              <a:t>(</a:t>
+            </a:r>
+            <a:r>
+              <a:rPr lang="en-HK" altLang="zh-CN" b="0" dirty="0">
+                <a:solidFill>
+                  <a:srgbClr val="E21F1F"/>
+                </a:solidFill>
+                <a:effectLst/>
+                <a:latin typeface="Consolas" panose="020B0609020204030204" pitchFamily="49" charset="0"/>
+              </a:rPr>
+              <a:t>"</a:t>
+            </a:r>
+            <a:r>
+              <a:rPr lang="en-HK" altLang="zh-CN" b="0" dirty="0">
+                <a:solidFill>
+                  <a:srgbClr val="A31515"/>
+                </a:solidFill>
+                <a:effectLst/>
+                <a:latin typeface="Consolas" panose="020B0609020204030204" pitchFamily="49" charset="0"/>
+              </a:rPr>
+              <a:t>Semaphore unavailable, try again later.</a:t>
+            </a:r>
+            <a:r>
+              <a:rPr lang="en-HK" altLang="zh-CN" b="0" dirty="0">
+                <a:solidFill>
+                  <a:srgbClr val="B776FB"/>
+                </a:solidFill>
+                <a:effectLst/>
+                <a:latin typeface="Consolas" panose="020B0609020204030204" pitchFamily="49" charset="0"/>
+              </a:rPr>
+              <a:t>\n</a:t>
+            </a:r>
+            <a:r>
+              <a:rPr lang="en-HK" altLang="zh-CN" b="0" dirty="0">
+                <a:solidFill>
+                  <a:srgbClr val="E21F1F"/>
+                </a:solidFill>
+                <a:effectLst/>
+                <a:latin typeface="Consolas" panose="020B0609020204030204" pitchFamily="49" charset="0"/>
+              </a:rPr>
+              <a:t>"</a:t>
+            </a:r>
+            <a:r>
+              <a:rPr lang="en-HK" altLang="zh-CN" b="0" dirty="0">
+                <a:solidFill>
+                  <a:srgbClr val="000000"/>
+                </a:solidFill>
+                <a:effectLst/>
+                <a:latin typeface="Consolas" panose="020B0609020204030204" pitchFamily="49" charset="0"/>
+              </a:rPr>
+              <a:t>);</a:t>
+            </a:r>
+          </a:p>
+          <a:p>
+            <a:r>
+              <a:rPr lang="en-HK" altLang="zh-CN" b="0" dirty="0">
+                <a:solidFill>
+                  <a:srgbClr val="000000"/>
+                </a:solidFill>
+                <a:effectLst/>
+                <a:latin typeface="Consolas" panose="020B0609020204030204" pitchFamily="49" charset="0"/>
+              </a:rPr>
+              <a:t>    }</a:t>
+            </a:r>
+          </a:p>
+          <a:p>
+            <a:r>
+              <a:rPr lang="en-HK" altLang="zh-CN" b="0" dirty="0">
+                <a:solidFill>
+                  <a:srgbClr val="000000"/>
+                </a:solidFill>
+                <a:effectLst/>
+                <a:latin typeface="Consolas" panose="020B0609020204030204" pitchFamily="49" charset="0"/>
+              </a:rPr>
+              <a:t>}</a:t>
+            </a:r>
+          </a:p>
+        </p:txBody>
+      </p:sp>
+    </p:spTree>
+    <p:extLst>
+      <p:ext uri="{BB962C8B-B14F-4D97-AF65-F5344CB8AC3E}">
+        <p14:creationId xmlns:p14="http://schemas.microsoft.com/office/powerpoint/2010/main" val="4233124307"/>
+      </p:ext>
+    </p:extLst>
+  </p:cSld>
+  <p:clrMapOvr>
+    <a:masterClrMapping/>
+  </p:clrMapOvr>
+  <p:transition spd="med"/>
+</p:sld>
+</file>
+
+<file path=ppt/slides/slide9.xml><?xml version="1.0" encoding="utf-8"?>
+<p:sld xmlns:a="http://schemas.openxmlformats.org/drawingml/2006/main" xmlns:r="http://schemas.openxmlformats.org/officeDocument/2006/relationships" xmlns:p="http://schemas.openxmlformats.org/presentationml/2006/main">
+  <p:cSld>
+    <p:spTree>
+      <p:nvGrpSpPr>
+        <p:cNvPr id="1" name=""/>
+        <p:cNvGrpSpPr/>
+        <p:nvPr/>
+      </p:nvGrpSpPr>
+      <p:grpSpPr>
+        <a:xfrm>
+          <a:off x="0" y="0"/>
+          <a:ext cx="0" cy="0"/>
+          <a:chOff x="0" y="0"/>
+          <a:chExt cx="0" cy="0"/>
+        </a:xfrm>
+      </p:grpSpPr>
+      <p:sp>
+        <p:nvSpPr>
+          <p:cNvPr id="2" name="Title 1">
+            <a:extLst>
+              <a:ext uri="{FF2B5EF4-FFF2-40B4-BE49-F238E27FC236}">
+                <a16:creationId xmlns:a16="http://schemas.microsoft.com/office/drawing/2014/main" id="{62715A2E-656D-EC5D-FDE7-230488526EFC}"/>
+              </a:ext>
+            </a:extLst>
+          </p:cNvPr>
+          <p:cNvSpPr>
+            <a:spLocks noGrp="1"/>
+          </p:cNvSpPr>
+          <p:nvPr>
+            <p:ph type="title"/>
+          </p:nvPr>
+        </p:nvSpPr>
+        <p:spPr/>
+        <p:txBody>
+          <a:bodyPr/>
+          <a:lstStyle/>
+          <a:p>
+            <a:r>
+              <a:rPr lang="en-US" dirty="0"/>
+              <a:t>4. </a:t>
+            </a:r>
+            <a:r>
+              <a:rPr lang="en-US" dirty="0" err="1"/>
+              <a:t>sem_destroy</a:t>
+            </a:r>
+            <a:endParaRPr lang="en-US" dirty="0"/>
+          </a:p>
+        </p:txBody>
+      </p:sp>
+      <p:sp>
+        <p:nvSpPr>
+          <p:cNvPr id="4" name="Slide Number Placeholder 3">
+            <a:extLst>
+              <a:ext uri="{FF2B5EF4-FFF2-40B4-BE49-F238E27FC236}">
+                <a16:creationId xmlns:a16="http://schemas.microsoft.com/office/drawing/2014/main" id="{C903FAE4-3A59-50C4-1BA6-A9AEC61D52CB}"/>
+              </a:ext>
+            </a:extLst>
+          </p:cNvPr>
+          <p:cNvSpPr>
+            <a:spLocks noGrp="1"/>
+          </p:cNvSpPr>
+          <p:nvPr>
+            <p:ph type="sldNum" sz="quarter" idx="2"/>
+          </p:nvPr>
+        </p:nvSpPr>
+        <p:spPr>
+          <a:xfrm>
+            <a:off x="11686121" y="6400800"/>
+            <a:ext cx="218008" cy="379591"/>
+          </a:xfrm>
+        </p:spPr>
+        <p:txBody>
+          <a:bodyPr/>
+          <a:lstStyle/>
+          <a:p>
+            <a:pPr marL="0" marR="0" lvl="0" indent="0" algn="ctr" defTabSz="412750" rtl="0" eaLnBrk="1" fontAlgn="auto" latinLnBrk="0" hangingPunct="0">
+              <a:lnSpc>
+                <a:spcPct val="100000"/>
+              </a:lnSpc>
+              <a:spcBef>
+                <a:spcPts val="0"/>
+              </a:spcBef>
+              <a:spcAft>
+                <a:spcPts val="0"/>
+              </a:spcAft>
+              <a:buClrTx/>
+              <a:buSzTx/>
+              <a:buFontTx/>
+              <a:buNone/>
+              <a:tabLst/>
+              <a:defRPr/>
+            </a:pPr>
+            <a:fld id="{86CB4B4D-7CA3-9044-876B-883B54F8677D}" type="slidenum">
+              <a:rPr kumimoji="0" lang="en-US" sz="1800" b="0" i="0" u="none" strike="noStrike" kern="0" cap="none" spc="0" normalizeH="0" baseline="0" noProof="0">
+                <a:ln>
+                  <a:noFill/>
+                </a:ln>
+                <a:solidFill>
+                  <a:srgbClr val="800080"/>
+                </a:solidFill>
+                <a:effectLst/>
+                <a:uLnTx/>
+                <a:uFillTx/>
+                <a:latin typeface="Gill Sans MT" panose="020B0502020104020203" pitchFamily="34" charset="0"/>
+                <a:cs typeface="Helvetica"/>
+                <a:sym typeface="Helvetica"/>
+              </a:rPr>
+              <a:pPr marL="0" marR="0" lvl="0" indent="0" algn="ctr" defTabSz="412750" rtl="0" eaLnBrk="1" fontAlgn="auto" latinLnBrk="0" hangingPunct="0">
+                <a:lnSpc>
+                  <a:spcPct val="100000"/>
+                </a:lnSpc>
+                <a:spcBef>
+                  <a:spcPts val="0"/>
+                </a:spcBef>
+                <a:spcAft>
+                  <a:spcPts val="0"/>
+                </a:spcAft>
+                <a:buClrTx/>
+                <a:buSzTx/>
+                <a:buFontTx/>
+                <a:buNone/>
+                <a:tabLst/>
+                <a:defRPr/>
+              </a:pPr>
+              <a:t>9</a:t>
+            </a:fld>
+            <a:endParaRPr kumimoji="0" lang="en-US" sz="1800" b="0" i="0" u="none" strike="noStrike" kern="0" cap="none" spc="0" normalizeH="0" baseline="0" noProof="0">
+              <a:ln>
+                <a:noFill/>
+              </a:ln>
+              <a:solidFill>
+                <a:srgbClr val="800080"/>
+              </a:solidFill>
+              <a:effectLst/>
+              <a:uLnTx/>
+              <a:uFillTx/>
+              <a:latin typeface="Gill Sans MT" panose="020B0502020104020203" pitchFamily="34" charset="0"/>
+              <a:cs typeface="Helvetica"/>
+              <a:sym typeface="Helvetica"/>
+            </a:endParaRPr>
+          </a:p>
+        </p:txBody>
+      </p:sp>
+      <p:sp>
+        <p:nvSpPr>
+          <p:cNvPr id="8" name="文本占位符 7">
+            <a:extLst>
+              <a:ext uri="{FF2B5EF4-FFF2-40B4-BE49-F238E27FC236}">
+                <a16:creationId xmlns:a16="http://schemas.microsoft.com/office/drawing/2014/main" id="{1D68554F-5AF8-7E1E-17A3-DE6F9E0E8871}"/>
+              </a:ext>
+            </a:extLst>
+          </p:cNvPr>
+          <p:cNvSpPr>
+            <a:spLocks noGrp="1"/>
+          </p:cNvSpPr>
+          <p:nvPr>
+            <p:ph type="body" idx="1"/>
+          </p:nvPr>
+        </p:nvSpPr>
+        <p:spPr>
+          <a:xfrm>
+            <a:off x="844550" y="1229567"/>
+            <a:ext cx="10502900" cy="805912"/>
+          </a:xfrm>
+        </p:spPr>
+        <p:txBody>
+          <a:bodyPr>
+            <a:normAutofit/>
+          </a:bodyPr>
+          <a:lstStyle/>
+          <a:p>
+            <a:pPr marL="342900" marR="0" lvl="0" indent="-342900" algn="l" defTabSz="914400" rtl="0" eaLnBrk="0" fontAlgn="t" latinLnBrk="0" hangingPunct="0">
+              <a:lnSpc>
+                <a:spcPct val="100000"/>
+              </a:lnSpc>
+              <a:spcBef>
+                <a:spcPct val="0"/>
+              </a:spcBef>
+              <a:spcAft>
+                <a:spcPct val="0"/>
+              </a:spcAft>
+              <a:buClrTx/>
+              <a:buSzTx/>
+              <a:buFont typeface="Wingdings" panose="05000000000000000000" pitchFamily="2" charset="2"/>
+              <a:buChar char="Ø"/>
+              <a:tabLst/>
+              <a:defRPr/>
+            </a:pPr>
+            <a:r>
+              <a:rPr lang="en-US" altLang="zh-CN" sz="2400" dirty="0"/>
+              <a:t>Purpose: used to destroy the </a:t>
+            </a:r>
+            <a:r>
+              <a:rPr lang="en-US" altLang="zh-CN" sz="2400" i="1" u="sng" dirty="0"/>
+              <a:t>unnamed semaphore</a:t>
+            </a:r>
+            <a:r>
+              <a:rPr lang="en-US" altLang="zh-CN" sz="2400" dirty="0"/>
+              <a:t>.</a:t>
+            </a:r>
+            <a:endParaRPr kumimoji="0" lang="zh-CN" altLang="zh-CN" sz="2400" b="0" i="0" u="none" strike="noStrike" kern="0" cap="none" spc="0" normalizeH="0" baseline="0" noProof="0" dirty="0">
+              <a:ln>
+                <a:noFill/>
+              </a:ln>
+              <a:solidFill>
+                <a:srgbClr val="202020"/>
+              </a:solidFill>
+              <a:effectLst/>
+              <a:uLnTx/>
+              <a:uFillTx/>
+              <a:latin typeface="Gill Sans MT" panose="020B0502020104020203" pitchFamily="34" charset="0"/>
+              <a:cs typeface="Helvetica"/>
+            </a:endParaRPr>
+          </a:p>
+          <a:p>
+            <a:pPr marL="457200" marR="0" lvl="1" indent="0" algn="l" defTabSz="914400" rtl="0" eaLnBrk="0" fontAlgn="base" latinLnBrk="0" hangingPunct="0">
+              <a:lnSpc>
+                <a:spcPct val="100000"/>
+              </a:lnSpc>
+              <a:spcBef>
+                <a:spcPct val="0"/>
+              </a:spcBef>
+              <a:spcAft>
+                <a:spcPct val="0"/>
+              </a:spcAft>
+              <a:buClrTx/>
+              <a:buSzTx/>
+              <a:buFontTx/>
+              <a:buChar char="•"/>
+              <a:tabLst/>
+              <a:defRPr/>
+            </a:pPr>
+            <a:r>
+              <a:rPr kumimoji="0" lang="en-US" altLang="zh-CN" sz="1800" b="0" i="0" u="none" strike="noStrike" kern="0" cap="none" spc="0" normalizeH="0" baseline="0" noProof="0" dirty="0">
+                <a:ln>
+                  <a:noFill/>
+                </a:ln>
+                <a:solidFill>
+                  <a:srgbClr val="202020"/>
+                </a:solidFill>
+                <a:effectLst/>
+                <a:uLnTx/>
+                <a:uFillTx/>
+                <a:latin typeface="Gill Sans MT" panose="020B0502020104020203" pitchFamily="34" charset="0"/>
+                <a:cs typeface="Helvetica"/>
+              </a:rPr>
+              <a:t> Only a semaphore that was created using </a:t>
+            </a:r>
+            <a:r>
+              <a:rPr lang="en-US" altLang="zh-CN" sz="1900" kern="1200" dirty="0" err="1">
+                <a:solidFill>
+                  <a:srgbClr val="74531F"/>
+                </a:solidFill>
+                <a:latin typeface="Consolas" panose="020B0609020204030204" pitchFamily="49" charset="0"/>
+              </a:rPr>
+              <a:t>sem_init</a:t>
+            </a:r>
+            <a:r>
+              <a:rPr lang="en-US" altLang="zh-CN" sz="1900" kern="1200" dirty="0">
+                <a:solidFill>
+                  <a:srgbClr val="74531F"/>
+                </a:solidFill>
+                <a:latin typeface="Consolas" panose="020B0609020204030204" pitchFamily="49" charset="0"/>
+              </a:rPr>
+              <a:t>() </a:t>
+            </a:r>
+            <a:r>
+              <a:rPr kumimoji="0" lang="en-US" altLang="zh-CN" sz="1800" b="0" i="0" u="none" strike="noStrike" kern="0" cap="none" spc="0" normalizeH="0" baseline="0" noProof="0" dirty="0">
+                <a:ln>
+                  <a:noFill/>
+                </a:ln>
+                <a:solidFill>
+                  <a:srgbClr val="202020"/>
+                </a:solidFill>
+                <a:effectLst/>
+                <a:uLnTx/>
+                <a:uFillTx/>
+                <a:latin typeface="Gill Sans MT" panose="020B0502020104020203" pitchFamily="34" charset="0"/>
+                <a:cs typeface="Helvetica"/>
+              </a:rPr>
+              <a:t>may be destroyed using </a:t>
+            </a:r>
+            <a:r>
+              <a:rPr lang="en-US" altLang="zh-CN" sz="1900" kern="1200" dirty="0" err="1">
+                <a:solidFill>
+                  <a:srgbClr val="74531F"/>
+                </a:solidFill>
+                <a:latin typeface="Consolas" panose="020B0609020204030204" pitchFamily="49" charset="0"/>
+              </a:rPr>
+              <a:t>sem_destroy</a:t>
+            </a:r>
+            <a:r>
+              <a:rPr lang="en-US" altLang="zh-CN" sz="1900" kern="1200" dirty="0">
+                <a:solidFill>
+                  <a:srgbClr val="74531F"/>
+                </a:solidFill>
+                <a:latin typeface="Consolas" panose="020B0609020204030204" pitchFamily="49" charset="0"/>
+              </a:rPr>
+              <a:t>().</a:t>
+            </a:r>
+          </a:p>
+        </p:txBody>
+      </p:sp>
+      <p:sp>
+        <p:nvSpPr>
+          <p:cNvPr id="13" name="文本框 12">
+            <a:extLst>
+              <a:ext uri="{FF2B5EF4-FFF2-40B4-BE49-F238E27FC236}">
+                <a16:creationId xmlns:a16="http://schemas.microsoft.com/office/drawing/2014/main" id="{ED25030F-4FDC-B91B-5C28-8CD4A7CDFC47}"/>
+              </a:ext>
+            </a:extLst>
+          </p:cNvPr>
+          <p:cNvSpPr txBox="1"/>
+          <p:nvPr/>
+        </p:nvSpPr>
+        <p:spPr>
+          <a:xfrm>
+            <a:off x="844550" y="2017699"/>
+            <a:ext cx="6096000" cy="461665"/>
+          </a:xfrm>
+          <a:prstGeom prst="rect">
+            <a:avLst/>
+          </a:prstGeom>
+          <a:noFill/>
+          <a:ln w="12700" cap="flat">
+            <a:noFill/>
+            <a:miter lim="400000"/>
+          </a:ln>
+          <a:effectLst/>
+          <a:sp3d/>
+        </p:spPr>
+        <p:style>
+          <a:lnRef idx="0">
+            <a:scrgbClr r="0" g="0" b="0"/>
+          </a:lnRef>
+          <a:fillRef idx="0">
+            <a:scrgbClr r="0" g="0" b="0"/>
+          </a:fillRef>
+          <a:effectRef idx="0">
+            <a:scrgbClr r="0" g="0" b="0"/>
+          </a:effectRef>
+          <a:fontRef idx="none"/>
+        </p:style>
+        <p:txBody>
+          <a:bodyPr wrap="square">
+            <a:spAutoFit/>
+          </a:bodyPr>
+          <a:lstStyle/>
+          <a:p>
+            <a:pPr marL="289152" marR="0" lvl="0" indent="-289152" algn="l" defTabSz="412750" rtl="0" eaLnBrk="1" fontAlgn="auto" latinLnBrk="0" hangingPunct="1">
+              <a:lnSpc>
+                <a:spcPct val="100000"/>
+              </a:lnSpc>
+              <a:spcBef>
+                <a:spcPts val="2950"/>
+              </a:spcBef>
+              <a:spcAft>
+                <a:spcPts val="0"/>
+              </a:spcAft>
+              <a:buClrTx/>
+              <a:buSzPct val="100000"/>
+              <a:buFont typeface="Wingdings" panose="05000000000000000000" pitchFamily="2" charset="2"/>
+              <a:buChar char="Ø"/>
+              <a:tabLst/>
+              <a:defRPr/>
+            </a:pPr>
+            <a:r>
+              <a:rPr kumimoji="0" lang="en-US" altLang="zh-CN" sz="2400" b="0" i="0" u="none" strike="noStrike" kern="0" cap="none" spc="0" normalizeH="0" baseline="0" noProof="0" dirty="0">
+                <a:ln>
+                  <a:noFill/>
+                </a:ln>
+                <a:solidFill>
+                  <a:srgbClr val="202020"/>
+                </a:solidFill>
+                <a:effectLst/>
+                <a:uLnTx/>
+                <a:uFillTx/>
+                <a:latin typeface="Gill Sans MT" panose="020B0502020104020203" pitchFamily="34" charset="0"/>
+                <a:cs typeface="Helvetica"/>
+                <a:sym typeface="Helvetica"/>
+              </a:rPr>
+              <a:t>Syntax:</a:t>
+            </a:r>
+            <a:endParaRPr kumimoji="0" lang="zh-CN" altLang="en-US" sz="2400" b="0" i="0" u="none" strike="noStrike" kern="0" cap="none" spc="0" normalizeH="0" baseline="0" noProof="0" dirty="0">
+              <a:ln>
+                <a:noFill/>
+              </a:ln>
+              <a:solidFill>
+                <a:srgbClr val="202020"/>
+              </a:solidFill>
+              <a:effectLst/>
+              <a:uLnTx/>
+              <a:uFillTx/>
+              <a:latin typeface="Gill Sans MT" panose="020B0502020104020203" pitchFamily="34" charset="0"/>
+              <a:cs typeface="Helvetica"/>
+              <a:sym typeface="Helvetica"/>
+            </a:endParaRPr>
+          </a:p>
+        </p:txBody>
+      </p:sp>
+      <p:sp>
+        <p:nvSpPr>
+          <p:cNvPr id="17" name="文本框 16">
+            <a:extLst>
+              <a:ext uri="{FF2B5EF4-FFF2-40B4-BE49-F238E27FC236}">
+                <a16:creationId xmlns:a16="http://schemas.microsoft.com/office/drawing/2014/main" id="{6581B964-F4DA-382E-A5CC-2C7FCE505809}"/>
+              </a:ext>
+            </a:extLst>
+          </p:cNvPr>
+          <p:cNvSpPr txBox="1"/>
+          <p:nvPr/>
+        </p:nvSpPr>
+        <p:spPr>
+          <a:xfrm>
+            <a:off x="1262740" y="2545999"/>
+            <a:ext cx="10084709" cy="369332"/>
+          </a:xfrm>
+          <a:prstGeom prst="rect">
+            <a:avLst/>
+          </a:prstGeom>
+          <a:noFill/>
+          <a:ln w="12700" cap="flat">
+            <a:solidFill>
+              <a:schemeClr val="tx1"/>
+            </a:solidFill>
+            <a:miter lim="400000"/>
+          </a:ln>
+          <a:effectLst/>
+          <a:sp3d/>
+        </p:spPr>
+        <p:style>
+          <a:lnRef idx="0">
+            <a:scrgbClr r="0" g="0" b="0"/>
+          </a:lnRef>
+          <a:fillRef idx="0">
+            <a:scrgbClr r="0" g="0" b="0"/>
+          </a:fillRef>
+          <a:effectRef idx="0">
+            <a:scrgbClr r="0" g="0" b="0"/>
+          </a:effectRef>
+          <a:fontRef idx="none"/>
+        </p:style>
+        <p:txBody>
+          <a:bodyPr wrap="square">
+            <a:spAutoFit/>
+          </a:bodyPr>
+          <a:lstStyle/>
+          <a:p>
+            <a:r>
+              <a:rPr lang="pt-BR" altLang="zh-CN" b="0" dirty="0">
+                <a:solidFill>
+                  <a:srgbClr val="0000FF"/>
+                </a:solidFill>
+                <a:effectLst/>
+                <a:latin typeface="Consolas" panose="020B0609020204030204" pitchFamily="49" charset="0"/>
+              </a:rPr>
+              <a:t>int</a:t>
+            </a:r>
+            <a:r>
+              <a:rPr lang="pt-BR" altLang="zh-CN" b="0" dirty="0">
+                <a:solidFill>
+                  <a:srgbClr val="000000"/>
+                </a:solidFill>
+                <a:effectLst/>
+                <a:latin typeface="Consolas" panose="020B0609020204030204" pitchFamily="49" charset="0"/>
+              </a:rPr>
+              <a:t> </a:t>
+            </a:r>
+            <a:r>
+              <a:rPr lang="pt-BR" altLang="zh-CN" b="0" dirty="0">
+                <a:solidFill>
+                  <a:srgbClr val="74531F"/>
+                </a:solidFill>
+                <a:effectLst/>
+                <a:latin typeface="Consolas" panose="020B0609020204030204" pitchFamily="49" charset="0"/>
+              </a:rPr>
+              <a:t>sem_destroy</a:t>
+            </a:r>
+            <a:r>
+              <a:rPr lang="pt-BR" altLang="zh-CN" b="0" dirty="0">
+                <a:solidFill>
+                  <a:srgbClr val="000000"/>
+                </a:solidFill>
+                <a:effectLst/>
+                <a:latin typeface="Consolas" panose="020B0609020204030204" pitchFamily="49" charset="0"/>
+              </a:rPr>
+              <a:t>(</a:t>
+            </a:r>
+            <a:r>
+              <a:rPr lang="pt-BR" altLang="zh-CN" b="0" dirty="0">
+                <a:solidFill>
+                  <a:srgbClr val="2B91AF"/>
+                </a:solidFill>
+                <a:effectLst/>
+                <a:latin typeface="Consolas" panose="020B0609020204030204" pitchFamily="49" charset="0"/>
+              </a:rPr>
+              <a:t>sem_t</a:t>
+            </a:r>
+            <a:r>
+              <a:rPr lang="pt-BR" altLang="zh-CN" b="0" dirty="0">
+                <a:solidFill>
+                  <a:srgbClr val="000000"/>
+                </a:solidFill>
+                <a:effectLst/>
+                <a:latin typeface="Consolas" panose="020B0609020204030204" pitchFamily="49" charset="0"/>
+              </a:rPr>
+              <a:t> *</a:t>
+            </a:r>
+            <a:r>
+              <a:rPr lang="pt-BR" altLang="zh-CN" b="0" dirty="0">
+                <a:solidFill>
+                  <a:srgbClr val="808080"/>
+                </a:solidFill>
+                <a:effectLst/>
+                <a:latin typeface="Consolas" panose="020B0609020204030204" pitchFamily="49" charset="0"/>
+              </a:rPr>
+              <a:t>sem</a:t>
+            </a:r>
+            <a:r>
+              <a:rPr lang="pt-BR" altLang="zh-CN" b="0" dirty="0">
+                <a:solidFill>
+                  <a:srgbClr val="000000"/>
+                </a:solidFill>
+                <a:effectLst/>
+                <a:latin typeface="Consolas" panose="020B0609020204030204" pitchFamily="49" charset="0"/>
+              </a:rPr>
+              <a:t>);</a:t>
+            </a:r>
+          </a:p>
+        </p:txBody>
+      </p:sp>
+      <p:sp>
+        <p:nvSpPr>
+          <p:cNvPr id="18" name="Rectangle 2">
+            <a:extLst>
+              <a:ext uri="{FF2B5EF4-FFF2-40B4-BE49-F238E27FC236}">
+                <a16:creationId xmlns:a16="http://schemas.microsoft.com/office/drawing/2014/main" id="{A18B1B3D-31B5-29E2-CF84-EA37A5C3394F}"/>
+              </a:ext>
+            </a:extLst>
+          </p:cNvPr>
+          <p:cNvSpPr>
+            <a:spLocks noChangeArrowheads="1"/>
+          </p:cNvSpPr>
+          <p:nvPr/>
+        </p:nvSpPr>
+        <p:spPr bwMode="auto">
+          <a:xfrm>
+            <a:off x="844550" y="3200030"/>
+            <a:ext cx="10084709" cy="738664"/>
+          </a:xfrm>
+          <a:prstGeom prst="rect">
+            <a:avLst/>
+          </a:prstGeom>
+          <a:noFill/>
+          <a:ln>
+            <a:noFill/>
+          </a:ln>
+          <a:effectLst/>
+        </p:spPr>
+        <p:txBody>
+          <a:bodyPr vert="horz" wrap="square" lIns="91440" tIns="45720" rIns="91440" bIns="45720" numCol="1" anchor="ctr" anchorCtr="0" compatLnSpc="1">
+            <a:prstTxWarp prst="textNoShape">
+              <a:avLst/>
+            </a:prstTxWarp>
+            <a:spAutoFit/>
+          </a:bodyPr>
+          <a:lstStyle/>
+          <a:p>
+            <a:pPr marL="342900" marR="0" lvl="0" indent="-342900" algn="l" defTabSz="914400" rtl="0" eaLnBrk="0" fontAlgn="t" latinLnBrk="0" hangingPunct="0">
+              <a:lnSpc>
+                <a:spcPct val="100000"/>
+              </a:lnSpc>
+              <a:spcBef>
+                <a:spcPct val="0"/>
+              </a:spcBef>
+              <a:spcAft>
+                <a:spcPct val="0"/>
+              </a:spcAft>
+              <a:buClrTx/>
+              <a:buSzTx/>
+              <a:buFont typeface="Wingdings" panose="05000000000000000000" pitchFamily="2" charset="2"/>
+              <a:buChar char="Ø"/>
+              <a:tabLst/>
+            </a:pPr>
+            <a:r>
+              <a:rPr lang="zh-CN" altLang="zh-CN" sz="2400" kern="0" dirty="0">
+                <a:solidFill>
+                  <a:srgbClr val="202020"/>
+                </a:solidFill>
+                <a:latin typeface="Gill Sans MT" panose="020B0502020104020203" pitchFamily="34" charset="0"/>
+                <a:cs typeface="Helvetica"/>
+              </a:rPr>
+              <a:t>Parameters:</a:t>
+            </a:r>
+          </a:p>
+          <a:p>
+            <a:pPr marL="457200" marR="0" lvl="1" indent="0" algn="l" defTabSz="914400" rtl="0" eaLnBrk="0" fontAlgn="base" latinLnBrk="0" hangingPunct="0">
+              <a:lnSpc>
+                <a:spcPct val="100000"/>
+              </a:lnSpc>
+              <a:spcBef>
+                <a:spcPct val="0"/>
+              </a:spcBef>
+              <a:spcAft>
+                <a:spcPct val="0"/>
+              </a:spcAft>
+              <a:buClrTx/>
+              <a:buSzTx/>
+              <a:buFontTx/>
+              <a:buChar char="•"/>
+              <a:tabLst/>
+            </a:pPr>
+            <a:r>
+              <a:rPr lang="en-US" altLang="zh-CN" kern="0" dirty="0">
+                <a:solidFill>
+                  <a:srgbClr val="202020"/>
+                </a:solidFill>
+                <a:latin typeface="Gill Sans MT" panose="020B0502020104020203" pitchFamily="34" charset="0"/>
+                <a:cs typeface="Helvetica"/>
+              </a:rPr>
+              <a:t> </a:t>
+            </a:r>
+            <a:r>
+              <a:rPr lang="en-US" altLang="zh-CN" b="0" dirty="0" err="1">
+                <a:solidFill>
+                  <a:srgbClr val="808080"/>
+                </a:solidFill>
+                <a:effectLst/>
+                <a:latin typeface="Consolas" panose="020B0609020204030204" pitchFamily="49" charset="0"/>
+              </a:rPr>
+              <a:t>sem</a:t>
+            </a:r>
+            <a:r>
+              <a:rPr lang="en-US" altLang="zh-CN" kern="0" dirty="0">
+                <a:solidFill>
+                  <a:srgbClr val="C00000"/>
+                </a:solidFill>
+                <a:latin typeface="Gill Sans MT" panose="020B0502020104020203" pitchFamily="34" charset="0"/>
+                <a:cs typeface="Helvetica"/>
+              </a:rPr>
+              <a:t>: </a:t>
+            </a:r>
+            <a:r>
+              <a:rPr lang="en-US" altLang="zh-CN" kern="0" dirty="0">
+                <a:solidFill>
+                  <a:schemeClr val="tx1">
+                    <a:lumMod val="50000"/>
+                  </a:schemeClr>
+                </a:solidFill>
+                <a:latin typeface="Gill Sans MT" panose="020B0502020104020203" pitchFamily="34" charset="0"/>
+                <a:cs typeface="Helvetica"/>
+              </a:rPr>
+              <a:t>pointer to the semaphore variable.</a:t>
+            </a:r>
+          </a:p>
+        </p:txBody>
+      </p:sp>
+      <p:sp>
+        <p:nvSpPr>
+          <p:cNvPr id="19" name="文本框 18">
+            <a:extLst>
+              <a:ext uri="{FF2B5EF4-FFF2-40B4-BE49-F238E27FC236}">
+                <a16:creationId xmlns:a16="http://schemas.microsoft.com/office/drawing/2014/main" id="{5CABB9FE-E2BB-4A06-2289-2E62E1541A6C}"/>
+              </a:ext>
+            </a:extLst>
+          </p:cNvPr>
+          <p:cNvSpPr txBox="1"/>
+          <p:nvPr/>
+        </p:nvSpPr>
+        <p:spPr>
+          <a:xfrm>
+            <a:off x="844550" y="4050844"/>
+            <a:ext cx="6096000" cy="461665"/>
+          </a:xfrm>
+          <a:prstGeom prst="rect">
+            <a:avLst/>
+          </a:prstGeom>
+          <a:noFill/>
+          <a:ln w="12700" cap="flat">
+            <a:noFill/>
+            <a:miter lim="400000"/>
+          </a:ln>
+          <a:effectLst/>
+          <a:sp3d/>
+        </p:spPr>
+        <p:style>
+          <a:lnRef idx="0">
+            <a:scrgbClr r="0" g="0" b="0"/>
+          </a:lnRef>
+          <a:fillRef idx="0">
+            <a:scrgbClr r="0" g="0" b="0"/>
+          </a:fillRef>
+          <a:effectRef idx="0">
+            <a:scrgbClr r="0" g="0" b="0"/>
+          </a:effectRef>
+          <a:fontRef idx="none"/>
+        </p:style>
+        <p:txBody>
+          <a:bodyPr wrap="square">
+            <a:spAutoFit/>
+          </a:bodyPr>
+          <a:lstStyle/>
+          <a:p>
+            <a:pPr marL="289152" marR="0" lvl="0" indent="-289152" algn="l" defTabSz="412750" rtl="0" eaLnBrk="1" fontAlgn="auto" latinLnBrk="0" hangingPunct="1">
+              <a:lnSpc>
+                <a:spcPct val="100000"/>
+              </a:lnSpc>
+              <a:spcBef>
+                <a:spcPts val="2950"/>
+              </a:spcBef>
+              <a:spcAft>
+                <a:spcPts val="0"/>
+              </a:spcAft>
+              <a:buClrTx/>
+              <a:buSzPct val="100000"/>
+              <a:buFont typeface="Wingdings" panose="05000000000000000000" pitchFamily="2" charset="2"/>
+              <a:buChar char="Ø"/>
+              <a:tabLst/>
+              <a:defRPr/>
+            </a:pPr>
+            <a:r>
+              <a:rPr kumimoji="0" lang="en-US" altLang="zh-CN" sz="2400" b="0" i="0" u="none" strike="noStrike" kern="0" cap="none" spc="0" normalizeH="0" baseline="0" noProof="0" dirty="0">
+                <a:ln>
+                  <a:noFill/>
+                </a:ln>
+                <a:solidFill>
+                  <a:srgbClr val="202020"/>
+                </a:solidFill>
+                <a:effectLst/>
+                <a:uLnTx/>
+                <a:uFillTx/>
+                <a:latin typeface="Gill Sans MT" panose="020B0502020104020203" pitchFamily="34" charset="0"/>
+                <a:cs typeface="Helvetica"/>
+                <a:sym typeface="Helvetica"/>
+              </a:rPr>
+              <a:t>Example:</a:t>
+            </a:r>
+            <a:endParaRPr lang="en-US" altLang="zh-CN" sz="2400" kern="0" dirty="0">
+              <a:solidFill>
+                <a:srgbClr val="202020"/>
+              </a:solidFill>
+              <a:latin typeface="Gill Sans MT" panose="020B0502020104020203" pitchFamily="34" charset="0"/>
+              <a:cs typeface="Helvetica"/>
+              <a:sym typeface="Helvetica"/>
+            </a:endParaRPr>
+          </a:p>
+        </p:txBody>
+      </p:sp>
+      <p:sp>
+        <p:nvSpPr>
+          <p:cNvPr id="6" name="文本框 5">
+            <a:extLst>
+              <a:ext uri="{FF2B5EF4-FFF2-40B4-BE49-F238E27FC236}">
+                <a16:creationId xmlns:a16="http://schemas.microsoft.com/office/drawing/2014/main" id="{11970F9F-5EC6-EC7C-76FE-811228D7001B}"/>
+              </a:ext>
+            </a:extLst>
+          </p:cNvPr>
+          <p:cNvSpPr txBox="1"/>
+          <p:nvPr/>
+        </p:nvSpPr>
+        <p:spPr>
+          <a:xfrm>
+            <a:off x="1262739" y="4539231"/>
+            <a:ext cx="10084709" cy="369332"/>
+          </a:xfrm>
+          <a:prstGeom prst="rect">
+            <a:avLst/>
+          </a:prstGeom>
+          <a:noFill/>
+          <a:ln w="12700" cap="flat">
+            <a:solidFill>
+              <a:schemeClr val="tx1"/>
+            </a:solidFill>
+            <a:miter lim="400000"/>
+          </a:ln>
+          <a:effectLst/>
+          <a:sp3d/>
+        </p:spPr>
+        <p:style>
+          <a:lnRef idx="0">
+            <a:scrgbClr r="0" g="0" b="0"/>
+          </a:lnRef>
+          <a:fillRef idx="0">
+            <a:scrgbClr r="0" g="0" b="0"/>
+          </a:fillRef>
+          <a:effectRef idx="0">
+            <a:scrgbClr r="0" g="0" b="0"/>
+          </a:effectRef>
+          <a:fontRef idx="none"/>
+        </p:style>
+        <p:txBody>
+          <a:bodyPr wrap="square">
+            <a:spAutoFit/>
+          </a:bodyPr>
+          <a:lstStyle/>
+          <a:p>
+            <a:r>
+              <a:rPr lang="en-HK" altLang="zh-CN" b="0" dirty="0" err="1">
+                <a:solidFill>
+                  <a:srgbClr val="74531F"/>
+                </a:solidFill>
+                <a:effectLst/>
+                <a:latin typeface="Consolas" panose="020B0609020204030204" pitchFamily="49" charset="0"/>
+              </a:rPr>
+              <a:t>sem_destroy</a:t>
+            </a:r>
+            <a:r>
+              <a:rPr lang="en-HK" altLang="zh-CN" b="0" dirty="0">
+                <a:solidFill>
+                  <a:srgbClr val="000000"/>
+                </a:solidFill>
+                <a:effectLst/>
+                <a:latin typeface="Consolas" panose="020B0609020204030204" pitchFamily="49" charset="0"/>
+              </a:rPr>
+              <a:t>(&amp;</a:t>
+            </a:r>
+            <a:r>
+              <a:rPr lang="en-HK" altLang="zh-CN" b="0" dirty="0" err="1">
+                <a:solidFill>
+                  <a:srgbClr val="808080"/>
+                </a:solidFill>
+                <a:effectLst/>
+                <a:latin typeface="Consolas" panose="020B0609020204030204" pitchFamily="49" charset="0"/>
+              </a:rPr>
+              <a:t>sem</a:t>
+            </a:r>
+            <a:r>
+              <a:rPr lang="en-HK" altLang="zh-CN" b="0" dirty="0">
+                <a:solidFill>
+                  <a:srgbClr val="000000"/>
+                </a:solidFill>
+                <a:effectLst/>
+                <a:latin typeface="Consolas" panose="020B0609020204030204" pitchFamily="49" charset="0"/>
+              </a:rPr>
+              <a:t>); </a:t>
+            </a:r>
+          </a:p>
+        </p:txBody>
+      </p:sp>
+    </p:spTree>
+    <p:extLst>
+      <p:ext uri="{BB962C8B-B14F-4D97-AF65-F5344CB8AC3E}">
+        <p14:creationId xmlns:p14="http://schemas.microsoft.com/office/powerpoint/2010/main" val="3347961694"/>
       </p:ext>
     </p:extLst>
   </p:cSld>

--- a/tutorial/T06/tut06.pptx
+++ b/tutorial/T06/tut06.pptx
@@ -5,7 +5,7 @@
     <p:sldMasterId id="2147483660" r:id="rId1"/>
   </p:sldMasterIdLst>
   <p:notesMasterIdLst>
-    <p:notesMasterId r:id="rId19"/>
+    <p:notesMasterId r:id="rId21"/>
   </p:notesMasterIdLst>
   <p:sldIdLst>
     <p:sldId id="613" r:id="rId2"/>
@@ -22,9 +22,11 @@
     <p:sldId id="642" r:id="rId13"/>
     <p:sldId id="652" r:id="rId14"/>
     <p:sldId id="653" r:id="rId15"/>
-    <p:sldId id="663" r:id="rId16"/>
-    <p:sldId id="664" r:id="rId17"/>
-    <p:sldId id="634" r:id="rId18"/>
+    <p:sldId id="666" r:id="rId16"/>
+    <p:sldId id="663" r:id="rId17"/>
+    <p:sldId id="665" r:id="rId18"/>
+    <p:sldId id="664" r:id="rId19"/>
+    <p:sldId id="634" r:id="rId20"/>
   </p:sldIdLst>
   <p:sldSz cx="12192000" cy="6858000"/>
   <p:notesSz cx="6858000" cy="9144000"/>
@@ -213,7 +215,7 @@
           <a:p>
             <a:fld id="{90751E9F-A845-4914-A3CC-CC345012599B}" type="datetimeFigureOut">
               <a:rPr lang="en-US" smtClean="0"/>
-              <a:t>10/9/2024</a:t>
+              <a:t>10/10/2024</a:t>
             </a:fld>
             <a:endParaRPr lang="en-US"/>
           </a:p>
@@ -916,7 +918,13 @@
   <p:cSld>
     <p:spTree>
       <p:nvGrpSpPr>
-        <p:cNvPr id="1" name=""/>
+        <p:cNvPr id="1" name="">
+          <a:extLst>
+            <a:ext uri="{FF2B5EF4-FFF2-40B4-BE49-F238E27FC236}">
+              <a16:creationId xmlns:a16="http://schemas.microsoft.com/office/drawing/2014/main" id="{15AA33EC-93BA-581A-9A1F-81DFECC8D49C}"/>
+            </a:ext>
+          </a:extLst>
+        </p:cNvPr>
         <p:cNvGrpSpPr/>
         <p:nvPr/>
       </p:nvGrpSpPr>
@@ -930,7 +938,13 @@
       </p:grpSpPr>
       <p:sp>
         <p:nvSpPr>
-          <p:cNvPr id="2" name="Slide Image Placeholder 1"/>
+          <p:cNvPr id="2" name="Slide Image Placeholder 1">
+            <a:extLst>
+              <a:ext uri="{FF2B5EF4-FFF2-40B4-BE49-F238E27FC236}">
+                <a16:creationId xmlns:a16="http://schemas.microsoft.com/office/drawing/2014/main" id="{1582F02E-A858-F2B0-367C-7AC60A2810F5}"/>
+              </a:ext>
+            </a:extLst>
+          </p:cNvPr>
           <p:cNvSpPr>
             <a:spLocks noGrp="1" noRot="1" noChangeAspect="1"/>
           </p:cNvSpPr>
@@ -947,7 +961,13 @@
       </p:sp>
       <p:sp>
         <p:nvSpPr>
-          <p:cNvPr id="3" name="Notes Placeholder 2"/>
+          <p:cNvPr id="3" name="Notes Placeholder 2">
+            <a:extLst>
+              <a:ext uri="{FF2B5EF4-FFF2-40B4-BE49-F238E27FC236}">
+                <a16:creationId xmlns:a16="http://schemas.microsoft.com/office/drawing/2014/main" id="{CE7C1AE8-FF81-BA49-EAD6-17F2EBF5E59A}"/>
+              </a:ext>
+            </a:extLst>
+          </p:cNvPr>
           <p:cNvSpPr>
             <a:spLocks noGrp="1"/>
           </p:cNvSpPr>
@@ -972,7 +992,7 @@
     </p:spTree>
     <p:extLst>
       <p:ext uri="{BB962C8B-B14F-4D97-AF65-F5344CB8AC3E}">
-        <p14:creationId xmlns:p14="http://schemas.microsoft.com/office/powerpoint/2010/main" val="2823413523"/>
+        <p14:creationId xmlns:p14="http://schemas.microsoft.com/office/powerpoint/2010/main" val="3169294145"/>
       </p:ext>
     </p:extLst>
   </p:cSld>
@@ -1043,6 +1063,166 @@
     </p:spTree>
     <p:extLst>
       <p:ext uri="{BB962C8B-B14F-4D97-AF65-F5344CB8AC3E}">
+        <p14:creationId xmlns:p14="http://schemas.microsoft.com/office/powerpoint/2010/main" val="2823413523"/>
+      </p:ext>
+    </p:extLst>
+  </p:cSld>
+  <p:clrMapOvr>
+    <a:masterClrMapping/>
+  </p:clrMapOvr>
+</p:notes>
+</file>
+
+<file path=ppt/notesSlides/notesSlide17.xml><?xml version="1.0" encoding="utf-8"?>
+<p:notes xmlns:a="http://schemas.openxmlformats.org/drawingml/2006/main" xmlns:r="http://schemas.openxmlformats.org/officeDocument/2006/relationships" xmlns:p="http://schemas.openxmlformats.org/presentationml/2006/main">
+  <p:cSld>
+    <p:spTree>
+      <p:nvGrpSpPr>
+        <p:cNvPr id="1" name="">
+          <a:extLst>
+            <a:ext uri="{FF2B5EF4-FFF2-40B4-BE49-F238E27FC236}">
+              <a16:creationId xmlns:a16="http://schemas.microsoft.com/office/drawing/2014/main" id="{B3A42FE1-3E23-39D3-E0B4-5808784D95F8}"/>
+            </a:ext>
+          </a:extLst>
+        </p:cNvPr>
+        <p:cNvGrpSpPr/>
+        <p:nvPr/>
+      </p:nvGrpSpPr>
+      <p:grpSpPr>
+        <a:xfrm>
+          <a:off x="0" y="0"/>
+          <a:ext cx="0" cy="0"/>
+          <a:chOff x="0" y="0"/>
+          <a:chExt cx="0" cy="0"/>
+        </a:xfrm>
+      </p:grpSpPr>
+      <p:sp>
+        <p:nvSpPr>
+          <p:cNvPr id="2" name="Slide Image Placeholder 1">
+            <a:extLst>
+              <a:ext uri="{FF2B5EF4-FFF2-40B4-BE49-F238E27FC236}">
+                <a16:creationId xmlns:a16="http://schemas.microsoft.com/office/drawing/2014/main" id="{213C0459-AC74-1B7D-C755-0455C6469D60}"/>
+              </a:ext>
+            </a:extLst>
+          </p:cNvPr>
+          <p:cNvSpPr>
+            <a:spLocks noGrp="1" noRot="1" noChangeAspect="1"/>
+          </p:cNvSpPr>
+          <p:nvPr>
+            <p:ph type="sldImg"/>
+          </p:nvPr>
+        </p:nvSpPr>
+        <p:spPr>
+          <a:xfrm>
+            <a:off x="381000" y="685800"/>
+            <a:ext cx="6096000" cy="3429000"/>
+          </a:xfrm>
+        </p:spPr>
+      </p:sp>
+      <p:sp>
+        <p:nvSpPr>
+          <p:cNvPr id="3" name="Notes Placeholder 2">
+            <a:extLst>
+              <a:ext uri="{FF2B5EF4-FFF2-40B4-BE49-F238E27FC236}">
+                <a16:creationId xmlns:a16="http://schemas.microsoft.com/office/drawing/2014/main" id="{189477AB-968B-1A83-B2E8-6D422AE07A00}"/>
+              </a:ext>
+            </a:extLst>
+          </p:cNvPr>
+          <p:cNvSpPr>
+            <a:spLocks noGrp="1"/>
+          </p:cNvSpPr>
+          <p:nvPr>
+            <p:ph type="body" idx="1"/>
+          </p:nvPr>
+        </p:nvSpPr>
+        <p:spPr/>
+        <p:txBody>
+          <a:bodyPr/>
+          <a:lstStyle/>
+          <a:p>
+            <a:pPr marL="0" indent="0">
+              <a:buNone/>
+            </a:pPr>
+            <a:endParaRPr lang="en-US" dirty="0">
+              <a:latin typeface="Gill Sans MT"/>
+            </a:endParaRPr>
+          </a:p>
+        </p:txBody>
+      </p:sp>
+    </p:spTree>
+    <p:extLst>
+      <p:ext uri="{BB962C8B-B14F-4D97-AF65-F5344CB8AC3E}">
+        <p14:creationId xmlns:p14="http://schemas.microsoft.com/office/powerpoint/2010/main" val="1112111286"/>
+      </p:ext>
+    </p:extLst>
+  </p:cSld>
+  <p:clrMapOvr>
+    <a:masterClrMapping/>
+  </p:clrMapOvr>
+</p:notes>
+</file>
+
+<file path=ppt/notesSlides/notesSlide18.xml><?xml version="1.0" encoding="utf-8"?>
+<p:notes xmlns:a="http://schemas.openxmlformats.org/drawingml/2006/main" xmlns:r="http://schemas.openxmlformats.org/officeDocument/2006/relationships" xmlns:p="http://schemas.openxmlformats.org/presentationml/2006/main">
+  <p:cSld>
+    <p:spTree>
+      <p:nvGrpSpPr>
+        <p:cNvPr id="1" name=""/>
+        <p:cNvGrpSpPr/>
+        <p:nvPr/>
+      </p:nvGrpSpPr>
+      <p:grpSpPr>
+        <a:xfrm>
+          <a:off x="0" y="0"/>
+          <a:ext cx="0" cy="0"/>
+          <a:chOff x="0" y="0"/>
+          <a:chExt cx="0" cy="0"/>
+        </a:xfrm>
+      </p:grpSpPr>
+      <p:sp>
+        <p:nvSpPr>
+          <p:cNvPr id="2" name="Slide Image Placeholder 1"/>
+          <p:cNvSpPr>
+            <a:spLocks noGrp="1" noRot="1" noChangeAspect="1"/>
+          </p:cNvSpPr>
+          <p:nvPr>
+            <p:ph type="sldImg"/>
+          </p:nvPr>
+        </p:nvSpPr>
+        <p:spPr>
+          <a:xfrm>
+            <a:off x="381000" y="685800"/>
+            <a:ext cx="6096000" cy="3429000"/>
+          </a:xfrm>
+        </p:spPr>
+      </p:sp>
+      <p:sp>
+        <p:nvSpPr>
+          <p:cNvPr id="3" name="Notes Placeholder 2"/>
+          <p:cNvSpPr>
+            <a:spLocks noGrp="1"/>
+          </p:cNvSpPr>
+          <p:nvPr>
+            <p:ph type="body" idx="1"/>
+          </p:nvPr>
+        </p:nvSpPr>
+        <p:spPr/>
+        <p:txBody>
+          <a:bodyPr/>
+          <a:lstStyle/>
+          <a:p>
+            <a:pPr marL="0" indent="0">
+              <a:buNone/>
+            </a:pPr>
+            <a:endParaRPr lang="en-US" dirty="0">
+              <a:latin typeface="Gill Sans MT"/>
+            </a:endParaRPr>
+          </a:p>
+        </p:txBody>
+      </p:sp>
+    </p:spTree>
+    <p:extLst>
+      <p:ext uri="{BB962C8B-B14F-4D97-AF65-F5344CB8AC3E}">
         <p14:creationId xmlns:p14="http://schemas.microsoft.com/office/powerpoint/2010/main" val="1743339692"/>
       </p:ext>
     </p:extLst>
@@ -1053,7 +1233,7 @@
 </p:notes>
 </file>
 
-<file path=ppt/notesSlides/notesSlide17.xml><?xml version="1.0" encoding="utf-8"?>
+<file path=ppt/notesSlides/notesSlide19.xml><?xml version="1.0" encoding="utf-8"?>
 <p:notes xmlns:a="http://schemas.openxmlformats.org/drawingml/2006/main" xmlns:r="http://schemas.openxmlformats.org/officeDocument/2006/relationships" xmlns:p="http://schemas.openxmlformats.org/presentationml/2006/main">
   <p:cSld>
     <p:spTree>
@@ -2633,7 +2813,7 @@
           <a:p>
             <a:fld id="{4110DD41-9B81-A544-8498-92133950A0E4}" type="datetime1">
               <a:rPr lang="en-US" smtClean="0"/>
-              <a:t>10/9/2024</a:t>
+              <a:t>10/10/2024</a:t>
             </a:fld>
             <a:endParaRPr lang="en-US"/>
           </a:p>
@@ -5392,15 +5572,7 @@
             </a:pPr>
             <a:r>
               <a:rPr lang="en-US" altLang="zh-CN" sz="2400" dirty="0"/>
-              <a:t>Purpose: used to indicate that the calling process is finished using the named semaphore indicated by </a:t>
-            </a:r>
-            <a:r>
-              <a:rPr lang="en-US" altLang="zh-CN" sz="2400" i="1" dirty="0"/>
-              <a:t>sem</a:t>
-            </a:r>
-            <a:r>
-              <a:rPr lang="en-US" altLang="zh-CN" sz="2400" dirty="0"/>
-              <a:t>.</a:t>
+              <a:t>Purpose: used to indicate that the calling process is finished using the named semaphore.</a:t>
             </a:r>
             <a:endParaRPr kumimoji="0" lang="zh-CN" altLang="zh-CN" sz="2400" b="0" i="0" u="none" strike="noStrike" kern="0" cap="none" spc="0" normalizeH="0" baseline="0" noProof="0" dirty="0">
               <a:ln>
@@ -6290,9 +6462,9 @@
             </a:pPr>
             <a:r>
               <a:rPr lang="en-US" altLang="zh-CN" sz="2400" dirty="0"/>
-              <a:t>Purpose: removes the named semaphore.</a:t>
-            </a:r>
-            <a:endParaRPr kumimoji="0" lang="zh-CN" altLang="zh-CN" sz="2400" b="0" i="0" u="none" strike="noStrike" kern="0" cap="none" spc="0" normalizeH="0" baseline="0" noProof="0" dirty="0">
+              <a:t>Purpose: remove the named semaphore.</a:t>
+            </a:r>
+            <a:endParaRPr kumimoji="0" lang="en-US" altLang="zh-CN" sz="1800" b="0" i="0" u="none" strike="noStrike" kern="0" cap="none" spc="0" normalizeH="0" baseline="0" noProof="0" dirty="0">
               <a:ln>
                 <a:noFill/>
               </a:ln>
@@ -6305,131 +6477,6 @@
               <a:latin typeface="Gill Sans MT" panose="020B0502020104020203" pitchFamily="34" charset="0"/>
               <a:cs typeface="Helvetica"/>
             </a:endParaRPr>
-          </a:p>
-          <a:p>
-            <a:pPr marL="457200" marR="0" lvl="1" indent="0" algn="l" defTabSz="914400" rtl="0" eaLnBrk="0" fontAlgn="base" latinLnBrk="0" hangingPunct="0">
-              <a:lnSpc>
-                <a:spcPct val="100000"/>
-              </a:lnSpc>
-              <a:spcBef>
-                <a:spcPct val="0"/>
-              </a:spcBef>
-              <a:spcAft>
-                <a:spcPct val="0"/>
-              </a:spcAft>
-              <a:buClrTx/>
-              <a:buSzTx/>
-              <a:buFontTx/>
-              <a:buChar char="•"/>
-              <a:tabLst/>
-              <a:defRPr/>
-            </a:pPr>
-            <a:r>
-              <a:rPr kumimoji="0" lang="en-US" altLang="zh-CN" sz="1800" b="0" i="0" u="none" strike="noStrike" kern="0" cap="none" spc="0" normalizeH="0" baseline="0" noProof="0" dirty="0">
-                <a:ln>
-                  <a:noFill/>
-                </a:ln>
-                <a:solidFill>
-                  <a:srgbClr val="202020"/>
-                </a:solidFill>
-                <a:effectLst/>
-                <a:uLnTx/>
-                <a:uFillTx/>
-                <a:latin typeface="Gill Sans MT" panose="020B0502020104020203" pitchFamily="34" charset="0"/>
-                <a:cs typeface="Helvetica"/>
-              </a:rPr>
-              <a:t> </a:t>
-            </a:r>
-            <a:r>
-              <a:rPr lang="en-US" altLang="zh-CN" sz="1800" dirty="0">
-                <a:cs typeface="Helvetica"/>
-              </a:rPr>
-              <a:t>You cannot</a:t>
-            </a:r>
-            <a:r>
-              <a:rPr kumimoji="0" lang="en-US" altLang="zh-CN" sz="1800" b="0" i="0" u="none" strike="noStrike" kern="0" cap="none" spc="0" normalizeH="0" baseline="0" noProof="0" dirty="0">
-                <a:ln>
-                  <a:noFill/>
-                </a:ln>
-                <a:solidFill>
-                  <a:srgbClr val="202020"/>
-                </a:solidFill>
-                <a:effectLst/>
-                <a:uLnTx/>
-                <a:uFillTx/>
-                <a:latin typeface="Gill Sans MT" panose="020B0502020104020203" pitchFamily="34" charset="0"/>
-                <a:cs typeface="Helvetica"/>
-              </a:rPr>
-              <a:t> call </a:t>
-            </a:r>
-            <a:r>
-              <a:rPr lang="en-US" altLang="zh-CN" sz="1900" kern="1200" dirty="0" err="1">
-                <a:solidFill>
-                  <a:srgbClr val="74531F"/>
-                </a:solidFill>
-                <a:latin typeface="Consolas" panose="020B0609020204030204" pitchFamily="49" charset="0"/>
-              </a:rPr>
-              <a:t>sem_close</a:t>
-            </a:r>
-            <a:r>
-              <a:rPr lang="en-US" altLang="zh-CN" sz="1900" kern="1200" dirty="0">
-                <a:solidFill>
-                  <a:srgbClr val="74531F"/>
-                </a:solidFill>
-                <a:latin typeface="Consolas" panose="020B0609020204030204" pitchFamily="49" charset="0"/>
-              </a:rPr>
-              <a:t>() </a:t>
-            </a:r>
-            <a:r>
-              <a:rPr kumimoji="0" lang="en-US" altLang="zh-CN" sz="1800" b="0" i="0" u="none" strike="noStrike" kern="0" cap="none" spc="0" normalizeH="0" baseline="0" noProof="0" dirty="0">
-                <a:ln>
-                  <a:noFill/>
-                </a:ln>
-                <a:solidFill>
-                  <a:srgbClr val="202020"/>
-                </a:solidFill>
-                <a:effectLst/>
-                <a:uLnTx/>
-                <a:uFillTx/>
-                <a:latin typeface="Gill Sans MT" panose="020B0502020104020203" pitchFamily="34" charset="0"/>
-                <a:cs typeface="Helvetica"/>
-              </a:rPr>
-              <a:t>for an unnamed semaphore (one created by </a:t>
-            </a:r>
-            <a:r>
-              <a:rPr lang="en-US" altLang="zh-CN" sz="1900" kern="1200" dirty="0" err="1">
-                <a:solidFill>
-                  <a:srgbClr val="74531F"/>
-                </a:solidFill>
-                <a:latin typeface="Consolas" panose="020B0609020204030204" pitchFamily="49" charset="0"/>
-              </a:rPr>
-              <a:t>sem_init</a:t>
-            </a:r>
-            <a:r>
-              <a:rPr lang="en-US" altLang="zh-CN" sz="1800" kern="1200" dirty="0">
-                <a:solidFill>
-                  <a:srgbClr val="74531F"/>
-                </a:solidFill>
-                <a:latin typeface="Consolas" panose="020B0609020204030204" pitchFamily="49" charset="0"/>
-              </a:rPr>
-              <a:t>()</a:t>
-            </a:r>
-            <a:r>
-              <a:rPr kumimoji="0" lang="en-US" altLang="zh-CN" sz="1800" b="0" i="0" u="none" strike="noStrike" kern="0" cap="none" spc="0" normalizeH="0" baseline="0" noProof="0" dirty="0">
-                <a:ln>
-                  <a:noFill/>
-                </a:ln>
-                <a:solidFill>
-                  <a:srgbClr val="202020"/>
-                </a:solidFill>
-                <a:effectLst/>
-                <a:uLnTx/>
-                <a:uFillTx/>
-                <a:latin typeface="Gill Sans MT" panose="020B0502020104020203" pitchFamily="34" charset="0"/>
-                <a:cs typeface="Helvetica"/>
-              </a:rPr>
-              <a:t>).</a:t>
-            </a:r>
           </a:p>
           <a:p>
             <a:pPr marL="457200" marR="0" lvl="1" indent="0" algn="l" defTabSz="914400" rtl="0" eaLnBrk="0" fontAlgn="base" latinLnBrk="0" hangingPunct="0">
@@ -7403,7 +7450,7 @@
                 <a:latin typeface="Gill Sans MT" panose="020B0502020104020203" pitchFamily="34" charset="0"/>
                 <a:cs typeface="Helvetica"/>
               </a:rPr>
-              <a:t> Threads share the same memory space, allowing direct access to semaphore variables.</a:t>
+              <a:t> Threads share the same memory space, allowing direct access to semaphore variables of other threads.</a:t>
             </a:r>
           </a:p>
           <a:p>
@@ -10098,7 +10145,29 @@
                 <a:cs typeface="Helvetica"/>
                 <a:sym typeface="Helvetica"/>
               </a:rPr>
-              <a:t>Tip: We can use ./a &amp; ./b to run a and b simultaneously.</a:t>
+              <a:t>Tip: We can use </a:t>
+            </a:r>
+            <a:r>
+              <a:rPr lang="en-US" altLang="zh-CN" kern="0" dirty="0">
+                <a:solidFill>
+                  <a:srgbClr val="0070C0"/>
+                </a:solidFill>
+                <a:latin typeface="Gill Sans MT" panose="020B0502020104020203" pitchFamily="34" charset="0"/>
+                <a:cs typeface="Helvetica"/>
+                <a:sym typeface="Helvetica"/>
+              </a:rPr>
+              <a:t>./a &amp; ./b </a:t>
+            </a:r>
+            <a:r>
+              <a:rPr lang="en-US" altLang="zh-CN" kern="0" dirty="0">
+                <a:solidFill>
+                  <a:srgbClr val="202020"/>
+                </a:solidFill>
+                <a:latin typeface="Gill Sans MT" panose="020B0502020104020203" pitchFamily="34" charset="0"/>
+                <a:cs typeface="Helvetica"/>
+                <a:sym typeface="Helvetica"/>
+              </a:rPr>
+              <a:t>to run a and b simultaneously.</a:t>
             </a:r>
           </a:p>
           <a:p>
@@ -10199,18 +10268,16 @@
           <a:prstGeom prst="rect">
             <a:avLst/>
           </a:prstGeom>
-          <a:solidFill>
-            <a:srgbClr val="005E00">
-              <a:alpha val="20000"/>
-            </a:srgbClr>
-          </a:solidFill>
-          <a:ln w="25400" cap="flat">
-            <a:noFill/>
+          <a:noFill/>
+          <a:ln w="9525" cap="flat" cmpd="sng" algn="ctr">
+            <a:solidFill>
+              <a:schemeClr val="accent1"/>
+            </a:solidFill>
             <a:prstDash val="solid"/>
             <a:round/>
+            <a:headEnd type="none" w="med" len="med"/>
+            <a:tailEnd type="none" w="med" len="med"/>
           </a:ln>
-          <a:effectLst/>
-          <a:sp3d/>
         </p:spPr>
         <p:style>
           <a:lnRef idx="0">
@@ -10222,7 +10289,9 @@
           <a:effectRef idx="0">
             <a:scrgbClr r="0" g="0" b="0"/>
           </a:effectRef>
-          <a:fontRef idx="none"/>
+          <a:fontRef idx="minor">
+            <a:schemeClr val="accent1"/>
+          </a:fontRef>
         </p:style>
         <p:txBody>
           <a:bodyPr rot="0" spcFirstLastPara="1" vertOverflow="overflow" horzOverflow="overflow" vert="horz" wrap="square" lIns="0" tIns="0" rIns="0" bIns="0" numCol="1" spcCol="38100" rtlCol="0" anchor="ctr">
@@ -10283,18 +10352,16 @@
           <a:prstGeom prst="rect">
             <a:avLst/>
           </a:prstGeom>
-          <a:solidFill>
-            <a:srgbClr val="FF0000">
-              <a:alpha val="20000"/>
-            </a:srgbClr>
-          </a:solidFill>
-          <a:ln w="25400" cap="flat">
-            <a:noFill/>
+          <a:noFill/>
+          <a:ln w="9525" cap="flat" cmpd="sng" algn="ctr">
+            <a:solidFill>
+              <a:schemeClr val="accent1"/>
+            </a:solidFill>
             <a:prstDash val="solid"/>
             <a:round/>
+            <a:headEnd type="none" w="med" len="med"/>
+            <a:tailEnd type="none" w="med" len="med"/>
           </a:ln>
-          <a:effectLst/>
-          <a:sp3d/>
         </p:spPr>
         <p:style>
           <a:lnRef idx="0">
@@ -10306,7 +10373,9 @@
           <a:effectRef idx="0">
             <a:scrgbClr r="0" g="0" b="0"/>
           </a:effectRef>
-          <a:fontRef idx="none"/>
+          <a:fontRef idx="minor">
+            <a:schemeClr val="accent1"/>
+          </a:fontRef>
         </p:style>
         <p:txBody>
           <a:bodyPr rot="0" spcFirstLastPara="1" vertOverflow="overflow" horzOverflow="overflow" vert="horz" wrap="square" lIns="0" tIns="0" rIns="0" bIns="0" numCol="1" spcCol="38100" rtlCol="0" anchor="ctr">
@@ -10585,64 +10654,6 @@
               <a:buFont typeface="Wingdings" panose="05000000000000000000" pitchFamily="2" charset="2"/>
               <a:buChar char="Ø"/>
             </a:pPr>
-            <a:r>
-              <a:rPr lang="en-US" altLang="zh-CN" sz="2400" dirty="0">
-                <a:solidFill>
-                  <a:srgbClr val="000000"/>
-                </a:solidFill>
-                <a:latin typeface="-apple-system"/>
-              </a:rPr>
-              <a:t>But what if we change the initial value of the semaphore to 2</a:t>
-            </a:r>
-            <a:r>
-              <a:rPr lang="zh-CN" altLang="en-US" sz="2400" dirty="0">
-                <a:solidFill>
-                  <a:srgbClr val="000000"/>
-                </a:solidFill>
-                <a:latin typeface="-apple-system"/>
-              </a:rPr>
-              <a:t>？</a:t>
-            </a:r>
-            <a:r>
-              <a:rPr lang="en-US" altLang="zh-CN" sz="2400" dirty="0">
-                <a:solidFill>
-                  <a:srgbClr val="000000"/>
-                </a:solidFill>
-                <a:latin typeface="-apple-system"/>
-              </a:rPr>
-              <a:t>Both process A and B will enter the critical section.</a:t>
-            </a:r>
-          </a:p>
-          <a:p>
-            <a:pPr algn="l">
-              <a:buFont typeface="Wingdings" panose="05000000000000000000" pitchFamily="2" charset="2"/>
-              <a:buChar char="Ø"/>
-            </a:pPr>
-            <a:r>
-              <a:rPr lang="en-US" altLang="zh-CN" sz="2400" i="0" dirty="0">
-                <a:solidFill>
-                  <a:srgbClr val="000000"/>
-                </a:solidFill>
-                <a:effectLst/>
-                <a:latin typeface="-apple-system"/>
-              </a:rPr>
-              <a:t>Let</a:t>
-            </a:r>
-            <a:r>
-              <a:rPr lang="en-US" altLang="zh-CN" sz="2400" dirty="0">
-                <a:solidFill>
-                  <a:srgbClr val="000000"/>
-                </a:solidFill>
-                <a:latin typeface="-apple-system"/>
-              </a:rPr>
-              <a:t>’s change the value and re-compile it.</a:t>
-            </a:r>
-          </a:p>
-          <a:p>
-            <a:pPr algn="l">
-              <a:buFont typeface="Wingdings" panose="05000000000000000000" pitchFamily="2" charset="2"/>
-              <a:buChar char="Ø"/>
-            </a:pPr>
             <a:endParaRPr lang="en-US" altLang="zh-CN" sz="2400" i="0" dirty="0">
               <a:solidFill>
                 <a:srgbClr val="000000"/>
@@ -10676,7 +10687,34 @@
                 <a:effectLst/>
                 <a:latin typeface="-apple-system"/>
               </a:rPr>
-              <a:t>Only one process enters critical section! Our change does not work.</a:t>
+              <a:t>Only </a:t>
+            </a:r>
+            <a:r>
+              <a:rPr lang="en-US" altLang="zh-CN" sz="2400" i="0" dirty="0">
+                <a:ln w="0"/>
+                <a:solidFill>
+                  <a:schemeClr val="accent1"/>
+                </a:solidFill>
+                <a:effectLst>
+                  <a:outerShdw blurRad="38100" dist="25400" dir="5400000" algn="ctr" rotWithShape="0">
+                    <a:srgbClr val="6E747A">
+                      <a:alpha val="43000"/>
+                    </a:srgbClr>
+                  </a:outerShdw>
+                </a:effectLst>
+                <a:latin typeface="-apple-system"/>
+              </a:rPr>
+              <a:t>one</a:t>
+            </a:r>
+            <a:r>
+              <a:rPr lang="en-US" altLang="zh-CN" sz="2400" i="0" dirty="0">
+                <a:solidFill>
+                  <a:srgbClr val="000000"/>
+                </a:solidFill>
+                <a:effectLst/>
+                <a:latin typeface="-apple-system"/>
+              </a:rPr>
+              <a:t> process enters critical section</a:t>
             </a:r>
           </a:p>
         </p:txBody>
@@ -10703,7 +10741,7 @@
         </p:blipFill>
         <p:spPr>
           <a:xfrm>
-            <a:off x="3152633" y="3602840"/>
+            <a:off x="3290419" y="1811618"/>
             <a:ext cx="5423316" cy="1704872"/>
           </a:xfrm>
           <a:prstGeom prst="rect">
@@ -10730,7 +10768,13 @@
   <p:cSld>
     <p:spTree>
       <p:nvGrpSpPr>
-        <p:cNvPr id="1" name=""/>
+        <p:cNvPr id="1" name="">
+          <a:extLst>
+            <a:ext uri="{FF2B5EF4-FFF2-40B4-BE49-F238E27FC236}">
+              <a16:creationId xmlns:a16="http://schemas.microsoft.com/office/drawing/2014/main" id="{704E23DF-85E3-85C4-AE3D-C249E82E1AE9}"/>
+            </a:ext>
+          </a:extLst>
+        </p:cNvPr>
         <p:cNvGrpSpPr/>
         <p:nvPr/>
       </p:nvGrpSpPr>
@@ -10747,7 +10791,7 @@
           <p:cNvPr id="2" name="Title 1">
             <a:extLst>
               <a:ext uri="{FF2B5EF4-FFF2-40B4-BE49-F238E27FC236}">
-                <a16:creationId xmlns:a16="http://schemas.microsoft.com/office/drawing/2014/main" id="{62715A2E-656D-EC5D-FDE7-230488526EFC}"/>
+                <a16:creationId xmlns:a16="http://schemas.microsoft.com/office/drawing/2014/main" id="{B337FC18-5B1A-B8EE-3AE2-8CAE55B074E6}"/>
               </a:ext>
             </a:extLst>
           </p:cNvPr>
@@ -10776,7 +10820,7 @@
           <p:cNvPr id="4" name="Slide Number Placeholder 3">
             <a:extLst>
               <a:ext uri="{FF2B5EF4-FFF2-40B4-BE49-F238E27FC236}">
-                <a16:creationId xmlns:a16="http://schemas.microsoft.com/office/drawing/2014/main" id="{C903FAE4-3A59-50C4-1BA6-A9AEC61D52CB}"/>
+                <a16:creationId xmlns:a16="http://schemas.microsoft.com/office/drawing/2014/main" id="{541B439F-5BDB-6412-E2F5-ADEB3875B047}"/>
               </a:ext>
             </a:extLst>
           </p:cNvPr>
@@ -10870,7 +10914,7 @@
           <p:cNvPr id="5" name="文本占位符 7">
             <a:extLst>
               <a:ext uri="{FF2B5EF4-FFF2-40B4-BE49-F238E27FC236}">
-                <a16:creationId xmlns:a16="http://schemas.microsoft.com/office/drawing/2014/main" id="{14771B40-21CF-5E90-3A74-392C5D51EA85}"/>
+                <a16:creationId xmlns:a16="http://schemas.microsoft.com/office/drawing/2014/main" id="{01864431-986E-BAA9-3245-102926FC6D90}"/>
               </a:ext>
             </a:extLst>
           </p:cNvPr>
@@ -10898,13 +10942,50 @@
               <a:buChar char="Ø"/>
             </a:pPr>
             <a:r>
+              <a:rPr lang="en-US" altLang="zh-CN" sz="2400" i="0" dirty="0" err="1">
+                <a:solidFill>
+                  <a:srgbClr val="000000"/>
+                </a:solidFill>
+                <a:effectLst/>
+                <a:latin typeface="-apple-system"/>
+              </a:rPr>
+              <a:t>a.</a:t>
+            </a:r>
+            <a:r>
+              <a:rPr lang="en-US" altLang="zh-CN" sz="2400" dirty="0" err="1">
+                <a:solidFill>
+                  <a:srgbClr val="000000"/>
+                </a:solidFill>
+                <a:latin typeface="-apple-system"/>
+              </a:rPr>
+              <a:t>c</a:t>
+            </a:r>
+            <a:r>
               <a:rPr lang="en-US" altLang="zh-CN" sz="2400" dirty="0">
                 <a:solidFill>
                   <a:srgbClr val="000000"/>
                 </a:solidFill>
                 <a:latin typeface="-apple-system"/>
               </a:rPr>
-              <a:t>Why didn't our changes take effect?</a:t>
+              <a:t> and </a:t>
+            </a:r>
+            <a:r>
+              <a:rPr lang="en-US" altLang="zh-CN" sz="2400" dirty="0" err="1">
+                <a:solidFill>
+                  <a:srgbClr val="000000"/>
+                </a:solidFill>
+                <a:latin typeface="-apple-system"/>
+              </a:rPr>
+              <a:t>b.c</a:t>
+            </a:r>
+            <a:r>
+              <a:rPr lang="en-US" altLang="zh-CN" sz="2400" dirty="0">
+                <a:solidFill>
+                  <a:srgbClr val="000000"/>
+                </a:solidFill>
+                <a:latin typeface="-apple-system"/>
+              </a:rPr>
+              <a:t> works.</a:t>
             </a:r>
           </a:p>
           <a:p>
@@ -10919,7 +11000,25 @@
                 </a:solidFill>
                 <a:latin typeface="-apple-system"/>
               </a:rPr>
-              <a:t>Because even though our program ends, the named semaphore is still in memory.</a:t>
+              <a:t>But what if we change the initial value of the semaphore to 2</a:t>
+            </a:r>
+            <a:r>
+              <a:rPr lang="zh-CN" altLang="en-US" sz="2400" dirty="0">
+                <a:solidFill>
+                  <a:srgbClr val="000000"/>
+                </a:solidFill>
+                <a:latin typeface="-apple-system"/>
+              </a:rPr>
+              <a:t>？</a:t>
+            </a:r>
+            <a:r>
+              <a:rPr lang="en-US" altLang="zh-CN" sz="2400" dirty="0">
+                <a:solidFill>
+                  <a:srgbClr val="000000"/>
+                </a:solidFill>
+                <a:latin typeface="-apple-system"/>
+              </a:rPr>
+              <a:t>Both process A and B will enter the critical section.</a:t>
             </a:r>
           </a:p>
           <a:p>
@@ -10928,32 +11027,219 @@
               <a:buChar char="Ø"/>
             </a:pPr>
             <a:r>
+              <a:rPr lang="en-HK" altLang="zh-CN" sz="2400" b="0" dirty="0" err="1">
+                <a:solidFill>
+                  <a:srgbClr val="2B91AF"/>
+                </a:solidFill>
+                <a:effectLst/>
+                <a:latin typeface="Consolas" panose="020B0609020204030204" pitchFamily="49" charset="0"/>
+              </a:rPr>
+              <a:t>sem_t</a:t>
+            </a:r>
+            <a:r>
+              <a:rPr lang="en-HK" altLang="zh-CN" sz="2400" b="0" dirty="0">
+                <a:solidFill>
+                  <a:srgbClr val="000000"/>
+                </a:solidFill>
+                <a:effectLst/>
+                <a:latin typeface="Consolas" panose="020B0609020204030204" pitchFamily="49" charset="0"/>
+              </a:rPr>
+              <a:t> *</a:t>
+            </a:r>
+            <a:r>
+              <a:rPr lang="en-HK" altLang="zh-CN" sz="2400" b="0" dirty="0" err="1">
+                <a:solidFill>
+                  <a:srgbClr val="1F377F"/>
+                </a:solidFill>
+                <a:effectLst/>
+                <a:latin typeface="Consolas" panose="020B0609020204030204" pitchFamily="49" charset="0"/>
+              </a:rPr>
+              <a:t>sem</a:t>
+            </a:r>
+            <a:r>
+              <a:rPr lang="en-HK" altLang="zh-CN" sz="2400" b="0" dirty="0">
+                <a:solidFill>
+                  <a:srgbClr val="000000"/>
+                </a:solidFill>
+                <a:effectLst/>
+                <a:latin typeface="Consolas" panose="020B0609020204030204" pitchFamily="49" charset="0"/>
+              </a:rPr>
+              <a:t> = </a:t>
+            </a:r>
+            <a:r>
+              <a:rPr lang="en-HK" altLang="zh-CN" sz="2400" b="0" dirty="0" err="1">
+                <a:solidFill>
+                  <a:srgbClr val="74531F"/>
+                </a:solidFill>
+                <a:effectLst/>
+                <a:latin typeface="Consolas" panose="020B0609020204030204" pitchFamily="49" charset="0"/>
+              </a:rPr>
+              <a:t>sem_open</a:t>
+            </a:r>
+            <a:r>
+              <a:rPr lang="en-HK" altLang="zh-CN" sz="2400" b="0" dirty="0">
+                <a:solidFill>
+                  <a:srgbClr val="000000"/>
+                </a:solidFill>
+                <a:effectLst/>
+                <a:latin typeface="Consolas" panose="020B0609020204030204" pitchFamily="49" charset="0"/>
+              </a:rPr>
+              <a:t>(</a:t>
+            </a:r>
+            <a:r>
+              <a:rPr lang="en-HK" altLang="zh-CN" sz="2400" b="0" dirty="0">
+                <a:solidFill>
+                  <a:srgbClr val="E21F1F"/>
+                </a:solidFill>
+                <a:effectLst/>
+                <a:latin typeface="Consolas" panose="020B0609020204030204" pitchFamily="49" charset="0"/>
+              </a:rPr>
+              <a:t>"</a:t>
+            </a:r>
+            <a:r>
+              <a:rPr lang="en-HK" altLang="zh-CN" sz="2400" b="0" dirty="0">
+                <a:solidFill>
+                  <a:srgbClr val="A31515"/>
+                </a:solidFill>
+                <a:effectLst/>
+                <a:latin typeface="Consolas" panose="020B0609020204030204" pitchFamily="49" charset="0"/>
+              </a:rPr>
+              <a:t>/</a:t>
+            </a:r>
+            <a:r>
+              <a:rPr lang="en-HK" altLang="zh-CN" sz="2400" b="0" dirty="0" err="1">
+                <a:solidFill>
+                  <a:srgbClr val="A31515"/>
+                </a:solidFill>
+                <a:effectLst/>
+                <a:latin typeface="Consolas" panose="020B0609020204030204" pitchFamily="49" charset="0"/>
+              </a:rPr>
+              <a:t>mysem</a:t>
+            </a:r>
+            <a:r>
+              <a:rPr lang="en-HK" altLang="zh-CN" sz="2400" b="0" dirty="0">
+                <a:solidFill>
+                  <a:srgbClr val="E21F1F"/>
+                </a:solidFill>
+                <a:effectLst/>
+                <a:latin typeface="Consolas" panose="020B0609020204030204" pitchFamily="49" charset="0"/>
+              </a:rPr>
+              <a:t>"</a:t>
+            </a:r>
+            <a:r>
+              <a:rPr lang="en-HK" altLang="zh-CN" sz="2400" b="0" dirty="0">
+                <a:solidFill>
+                  <a:srgbClr val="000000"/>
+                </a:solidFill>
+                <a:effectLst/>
+                <a:latin typeface="Consolas" panose="020B0609020204030204" pitchFamily="49" charset="0"/>
+              </a:rPr>
+              <a:t>, </a:t>
+            </a:r>
+            <a:r>
+              <a:rPr lang="en-HK" altLang="zh-CN" sz="2400" b="0" dirty="0">
+                <a:solidFill>
+                  <a:srgbClr val="8A1BFF"/>
+                </a:solidFill>
+                <a:effectLst/>
+                <a:latin typeface="Consolas" panose="020B0609020204030204" pitchFamily="49" charset="0"/>
+              </a:rPr>
+              <a:t>O_CREAT</a:t>
+            </a:r>
+            <a:r>
+              <a:rPr lang="en-HK" altLang="zh-CN" sz="2400" b="0" dirty="0">
+                <a:solidFill>
+                  <a:srgbClr val="000000"/>
+                </a:solidFill>
+                <a:effectLst/>
+                <a:latin typeface="Consolas" panose="020B0609020204030204" pitchFamily="49" charset="0"/>
+              </a:rPr>
+              <a:t>, </a:t>
+            </a:r>
+            <a:r>
+              <a:rPr lang="en-HK" altLang="zh-CN" sz="2400" b="0" dirty="0">
+                <a:solidFill>
+                  <a:srgbClr val="098658"/>
+                </a:solidFill>
+                <a:effectLst/>
+                <a:latin typeface="Consolas" panose="020B0609020204030204" pitchFamily="49" charset="0"/>
+              </a:rPr>
+              <a:t>0644</a:t>
+            </a:r>
+            <a:r>
+              <a:rPr lang="en-HK" altLang="zh-CN" sz="2400" b="0" dirty="0">
+                <a:solidFill>
+                  <a:srgbClr val="000000"/>
+                </a:solidFill>
+                <a:effectLst/>
+                <a:latin typeface="Consolas" panose="020B0609020204030204" pitchFamily="49" charset="0"/>
+              </a:rPr>
+              <a:t>, </a:t>
+            </a:r>
+            <a:r>
+              <a:rPr lang="en-HK" altLang="zh-CN" sz="2400" b="0" dirty="0">
+                <a:solidFill>
+                  <a:srgbClr val="098658"/>
+                </a:solidFill>
+                <a:effectLst/>
+                <a:latin typeface="Consolas" panose="020B0609020204030204" pitchFamily="49" charset="0"/>
+              </a:rPr>
+              <a:t>2</a:t>
+            </a:r>
+            <a:r>
+              <a:rPr lang="en-HK" altLang="zh-CN" sz="2400" b="0" dirty="0">
+                <a:solidFill>
+                  <a:srgbClr val="000000"/>
+                </a:solidFill>
+                <a:effectLst/>
+                <a:latin typeface="Consolas" panose="020B0609020204030204" pitchFamily="49" charset="0"/>
+              </a:rPr>
+              <a:t>);</a:t>
+            </a:r>
+            <a:endParaRPr lang="en-US" altLang="zh-CN" sz="2400" dirty="0">
+              <a:solidFill>
+                <a:srgbClr val="000000"/>
+              </a:solidFill>
+              <a:latin typeface="-apple-system"/>
+            </a:endParaRPr>
+          </a:p>
+          <a:p>
+            <a:pPr algn="l">
+              <a:buFont typeface="Wingdings" panose="05000000000000000000" pitchFamily="2" charset="2"/>
+              <a:buChar char="Ø"/>
+            </a:pPr>
+            <a:r>
+              <a:rPr lang="en-US" altLang="zh-CN" sz="2400" i="0" dirty="0">
+                <a:solidFill>
+                  <a:srgbClr val="000000"/>
+                </a:solidFill>
+                <a:effectLst/>
+                <a:latin typeface="-apple-system"/>
+              </a:rPr>
+              <a:t>Let</a:t>
+            </a:r>
+            <a:r>
               <a:rPr lang="en-US" altLang="zh-CN" sz="2400" dirty="0">
                 <a:solidFill>
                   <a:srgbClr val="000000"/>
                 </a:solidFill>
                 <a:latin typeface="-apple-system"/>
               </a:rPr>
-              <a:t>Where it is? /dev/</a:t>
-            </a:r>
-            <a:r>
-              <a:rPr lang="en-US" altLang="zh-CN" sz="2400" dirty="0" err="1">
-                <a:solidFill>
-                  <a:srgbClr val="000000"/>
-                </a:solidFill>
-                <a:latin typeface="-apple-system"/>
-              </a:rPr>
-              <a:t>shm</a:t>
-            </a:r>
-            <a:r>
-              <a:rPr lang="en-US" altLang="zh-CN" sz="2400" dirty="0">
-                <a:solidFill>
-                  <a:srgbClr val="000000"/>
-                </a:solidFill>
-                <a:latin typeface="-apple-system"/>
-              </a:rPr>
-              <a:t>. If you do not explicitly delete it, it persists until shutdown.</a:t>
-            </a:r>
+              <a:t>’s change the value and re-compile it.</a:t>
+            </a:r>
+          </a:p>
+          <a:p>
+            <a:pPr algn="l">
+              <a:buFont typeface="Wingdings" panose="05000000000000000000" pitchFamily="2" charset="2"/>
+              <a:buChar char="Ø"/>
+            </a:pPr>
+            <a:endParaRPr lang="en-US" altLang="zh-CN" sz="2400" i="0" dirty="0">
+              <a:solidFill>
+                <a:srgbClr val="000000"/>
+              </a:solidFill>
+              <a:effectLst/>
+              <a:latin typeface="-apple-system"/>
+            </a:endParaRPr>
           </a:p>
           <a:p>
             <a:pPr algn="l">
@@ -10973,48 +11259,70 @@
               <a:buChar char="Ø"/>
             </a:pPr>
             <a:r>
+              <a:rPr lang="en-US" altLang="zh-CN" sz="2400" i="0" dirty="0">
+                <a:solidFill>
+                  <a:srgbClr val="000000"/>
+                </a:solidFill>
+                <a:effectLst/>
+                <a:latin typeface="-apple-system"/>
+              </a:rPr>
+              <a:t>Still </a:t>
+            </a:r>
+            <a:r>
               <a:rPr lang="en-US" altLang="zh-CN" sz="2400" dirty="0">
                 <a:solidFill>
                   <a:srgbClr val="000000"/>
                 </a:solidFill>
                 <a:latin typeface="-apple-system"/>
               </a:rPr>
-              <a:t>Thus, we need to add </a:t>
-            </a:r>
-            <a:r>
-              <a:rPr kumimoji="0" lang="pt-BR" altLang="zh-CN" sz="1800" b="0" i="0" u="none" strike="noStrike" kern="1200" cap="none" spc="0" normalizeH="0" baseline="0" noProof="0" dirty="0">
-                <a:ln>
-                  <a:noFill/>
-                </a:ln>
-                <a:solidFill>
-                  <a:srgbClr val="74531F"/>
-                </a:solidFill>
-                <a:effectLst/>
-                <a:uLnTx/>
-                <a:uFillTx/>
-                <a:latin typeface="Consolas" panose="020B0609020204030204" pitchFamily="49" charset="0"/>
-                <a:cs typeface="Helvetica"/>
-              </a:rPr>
-              <a:t>sem_unlink() </a:t>
-            </a:r>
-            <a:r>
-              <a:rPr lang="en-US" altLang="zh-CN" sz="2400" dirty="0">
-                <a:solidFill>
-                  <a:srgbClr val="000000"/>
-                </a:solidFill>
+              <a:t>o</a:t>
+            </a:r>
+            <a:r>
+              <a:rPr lang="en-US" altLang="zh-CN" sz="2400" i="0" dirty="0">
+                <a:solidFill>
+                  <a:srgbClr val="000000"/>
+                </a:solidFill>
+                <a:effectLst/>
                 <a:latin typeface="-apple-system"/>
               </a:rPr>
-              <a:t>in our code. </a:t>
+              <a:t>nly </a:t>
+            </a:r>
+            <a:r>
+              <a:rPr lang="en-US" altLang="zh-CN" sz="2400" i="0" dirty="0">
+                <a:ln w="0"/>
+                <a:solidFill>
+                  <a:schemeClr val="accent1"/>
+                </a:solidFill>
+                <a:effectLst>
+                  <a:outerShdw blurRad="38100" dist="25400" dir="5400000" algn="ctr" rotWithShape="0">
+                    <a:srgbClr val="6E747A">
+                      <a:alpha val="43000"/>
+                    </a:srgbClr>
+                  </a:outerShdw>
+                </a:effectLst>
+                <a:latin typeface="-apple-system"/>
+              </a:rPr>
+              <a:t>one</a:t>
+            </a:r>
+            <a:r>
+              <a:rPr lang="en-US" altLang="zh-CN" sz="2400" i="0" dirty="0">
+                <a:solidFill>
+                  <a:srgbClr val="000000"/>
+                </a:solidFill>
+                <a:effectLst/>
+                <a:latin typeface="-apple-system"/>
+              </a:rPr>
+              <a:t> process enters critical section. Our change does not work.</a:t>
             </a:r>
           </a:p>
         </p:txBody>
       </p:sp>
       <p:pic>
         <p:nvPicPr>
-          <p:cNvPr id="8" name="图片 7">
+          <p:cNvPr id="10" name="图片 9">
             <a:extLst>
               <a:ext uri="{FF2B5EF4-FFF2-40B4-BE49-F238E27FC236}">
-                <a16:creationId xmlns:a16="http://schemas.microsoft.com/office/drawing/2014/main" id="{1A9902E1-3394-B1A2-27FA-987D9D2A748E}"/>
+                <a16:creationId xmlns:a16="http://schemas.microsoft.com/office/drawing/2014/main" id="{5776F65D-4FF7-3A1B-A347-25401538DF79}"/>
               </a:ext>
             </a:extLst>
           </p:cNvPr>
@@ -11031,8 +11339,8 @@
         </p:blipFill>
         <p:spPr>
           <a:xfrm>
-            <a:off x="2320119" y="3264331"/>
-            <a:ext cx="7249278" cy="484843"/>
+            <a:off x="3202737" y="4329350"/>
+            <a:ext cx="5423316" cy="1704872"/>
           </a:xfrm>
           <a:prstGeom prst="rect">
             <a:avLst/>
@@ -11042,7 +11350,7 @@
     </p:spTree>
     <p:extLst>
       <p:ext uri="{BB962C8B-B14F-4D97-AF65-F5344CB8AC3E}">
-        <p14:creationId xmlns:p14="http://schemas.microsoft.com/office/powerpoint/2010/main" val="243332128"/>
+        <p14:creationId xmlns:p14="http://schemas.microsoft.com/office/powerpoint/2010/main" val="3213488800"/>
       </p:ext>
     </p:extLst>
   </p:cSld>
@@ -11093,7 +11401,7 @@
           <a:p>
             <a:r>
               <a:rPr lang="en-US" altLang="zh-CN" dirty="0"/>
-              <a:t>Example: Unnamed Semaphore</a:t>
+              <a:t>Example: Named Semaphore</a:t>
             </a:r>
             <a:endParaRPr lang="en-US" dirty="0"/>
           </a:p>
@@ -11232,7 +11540,7 @@
                 </a:solidFill>
                 <a:latin typeface="-apple-system"/>
               </a:rPr>
-              <a:t>You can also use the unnamed semaphore to implement inter-process semaphores.</a:t>
+              <a:t>Why didn't our changes take effect?</a:t>
             </a:r>
           </a:p>
           <a:p>
@@ -11247,7 +11555,7 @@
                 </a:solidFill>
                 <a:latin typeface="-apple-system"/>
               </a:rPr>
-              <a:t>But it is harder than using named semaphore and beyond the scope of this course.</a:t>
+              <a:t>Because even though our program ends, the named semaphore is still in memory.</a:t>
             </a:r>
           </a:p>
           <a:p>
@@ -11262,46 +11570,100 @@
                 </a:solidFill>
                 <a:latin typeface="-apple-system"/>
               </a:rPr>
-              <a:t>You may need to use:</a:t>
-            </a:r>
-          </a:p>
-          <a:p>
-            <a:pPr lvl="1">
+              <a:t>Where it is? /dev/</a:t>
+            </a:r>
+            <a:r>
+              <a:rPr lang="en-US" altLang="zh-CN" sz="2400" dirty="0" err="1">
+                <a:solidFill>
+                  <a:srgbClr val="000000"/>
+                </a:solidFill>
+                <a:latin typeface="-apple-system"/>
+              </a:rPr>
+              <a:t>shm</a:t>
+            </a:r>
+            <a:r>
+              <a:rPr lang="en-US" altLang="zh-CN" sz="2400" dirty="0">
+                <a:solidFill>
+                  <a:srgbClr val="000000"/>
+                </a:solidFill>
+                <a:latin typeface="-apple-system"/>
+              </a:rPr>
+              <a:t>. If you do not explicitly delete it, it persists until shutdown.</a:t>
+            </a:r>
+          </a:p>
+          <a:p>
+            <a:pPr algn="l">
               <a:buFont typeface="Wingdings" panose="05000000000000000000" pitchFamily="2" charset="2"/>
               <a:buChar char="Ø"/>
             </a:pPr>
-            <a:r>
-              <a:rPr lang="en-US" altLang="zh-CN" sz="2400" dirty="0" err="1">
-                <a:solidFill>
-                  <a:srgbClr val="000000"/>
-                </a:solidFill>
-                <a:latin typeface="-apple-system"/>
-              </a:rPr>
-              <a:t>shm_open</a:t>
-            </a:r>
-            <a:r>
-              <a:rPr lang="en-US" altLang="zh-CN" sz="2400" dirty="0">
-                <a:solidFill>
-                  <a:srgbClr val="000000"/>
-                </a:solidFill>
-                <a:latin typeface="-apple-system"/>
-              </a:rPr>
-              <a:t>(): open a shared memory object.</a:t>
-            </a:r>
-          </a:p>
-          <a:p>
-            <a:pPr lvl="1">
+            <a:endParaRPr lang="en-US" altLang="zh-CN" sz="2400" dirty="0">
+              <a:solidFill>
+                <a:srgbClr val="000000"/>
+              </a:solidFill>
+              <a:latin typeface="-apple-system"/>
+            </a:endParaRPr>
+          </a:p>
+          <a:p>
+            <a:pPr algn="l">
               <a:buFont typeface="Wingdings" panose="05000000000000000000" pitchFamily="2" charset="2"/>
               <a:buChar char="Ø"/>
             </a:pPr>
             <a:r>
-              <a:rPr lang="en-US" altLang="zh-CN" sz="2400" dirty="0" err="1">
+              <a:rPr lang="en-US" altLang="zh-CN" sz="2400" dirty="0">
                 <a:solidFill>
                   <a:srgbClr val="000000"/>
                 </a:solidFill>
                 <a:latin typeface="-apple-system"/>
               </a:rPr>
-              <a:t>ftruncate</a:t>
+              <a:t>Thus, we need to add </a:t>
+            </a:r>
+            <a:r>
+              <a:rPr kumimoji="0" lang="pt-BR" altLang="zh-CN" sz="1800" b="0" i="0" u="none" strike="noStrike" kern="1200" cap="none" spc="0" normalizeH="0" baseline="0" noProof="0" dirty="0">
+                <a:ln>
+                  <a:noFill/>
+                </a:ln>
+                <a:solidFill>
+                  <a:srgbClr val="74531F"/>
+                </a:solidFill>
+                <a:effectLst/>
+                <a:uLnTx/>
+                <a:uFillTx/>
+                <a:latin typeface="Consolas" panose="020B0609020204030204" pitchFamily="49" charset="0"/>
+                <a:cs typeface="Helvetica"/>
+              </a:rPr>
+              <a:t>sem_unlink() </a:t>
+            </a:r>
+            <a:r>
+              <a:rPr kumimoji="0" lang="en-US" altLang="zh-CN" sz="2400" b="0" i="0" u="none" strike="noStrike" kern="1200" cap="none" spc="0" normalizeH="0" baseline="0" noProof="0" dirty="0">
+                <a:ln>
+                  <a:noFill/>
+                </a:ln>
+                <a:solidFill>
+                  <a:srgbClr val="000000"/>
+                </a:solidFill>
+                <a:effectLst/>
+                <a:uLnTx/>
+                <a:uFillTx/>
+                <a:latin typeface="-apple-system"/>
+                <a:cs typeface="Helvetica"/>
+              </a:rPr>
+              <a:t>to remove named semaphores </a:t>
+            </a:r>
+            <a:r>
+              <a:rPr kumimoji="0" lang="en-US" altLang="zh-CN" sz="2400" b="0" i="0" u="none" strike="noStrike" kern="1200" cap="none" spc="0" normalizeH="0" baseline="0" noProof="0" dirty="0" err="1">
+                <a:ln>
+                  <a:noFill/>
+                </a:ln>
+                <a:solidFill>
+                  <a:srgbClr val="000000"/>
+                </a:solidFill>
+                <a:effectLst/>
+                <a:uLnTx/>
+                <a:uFillTx/>
+                <a:latin typeface="-apple-system"/>
+                <a:cs typeface="Helvetica"/>
+              </a:rPr>
+              <a:t>i</a:t>
             </a:r>
             <a:r>
               <a:rPr lang="en-US" altLang="zh-CN" sz="2400" dirty="0">
@@ -11310,23 +11672,2782 @@
                 </a:solidFill>
                 <a:latin typeface="-apple-system"/>
               </a:rPr>
-              <a:t>(): set the object size.</a:t>
-            </a:r>
-          </a:p>
-          <a:p>
-            <a:pPr lvl="1">
+              <a:t>n our code. </a:t>
+            </a:r>
+          </a:p>
+        </p:txBody>
+      </p:sp>
+      <p:pic>
+        <p:nvPicPr>
+          <p:cNvPr id="8" name="图片 7">
+            <a:extLst>
+              <a:ext uri="{FF2B5EF4-FFF2-40B4-BE49-F238E27FC236}">
+                <a16:creationId xmlns:a16="http://schemas.microsoft.com/office/drawing/2014/main" id="{1A9902E1-3394-B1A2-27FA-987D9D2A748E}"/>
+              </a:ext>
+            </a:extLst>
+          </p:cNvPr>
+          <p:cNvPicPr>
+            <a:picLocks noChangeAspect="1"/>
+          </p:cNvPicPr>
+          <p:nvPr/>
+        </p:nvPicPr>
+        <p:blipFill>
+          <a:blip r:embed="rId3"/>
+          <a:stretch>
+            <a:fillRect/>
+          </a:stretch>
+        </p:blipFill>
+        <p:spPr>
+          <a:xfrm>
+            <a:off x="2320119" y="3264331"/>
+            <a:ext cx="7249278" cy="484843"/>
+          </a:xfrm>
+          <a:prstGeom prst="rect">
+            <a:avLst/>
+          </a:prstGeom>
+        </p:spPr>
+      </p:pic>
+    </p:spTree>
+    <p:extLst>
+      <p:ext uri="{BB962C8B-B14F-4D97-AF65-F5344CB8AC3E}">
+        <p14:creationId xmlns:p14="http://schemas.microsoft.com/office/powerpoint/2010/main" val="243332128"/>
+      </p:ext>
+    </p:extLst>
+  </p:cSld>
+  <p:clrMapOvr>
+    <a:masterClrMapping/>
+  </p:clrMapOvr>
+  <p:transition spd="med"/>
+</p:sld>
+</file>
+
+<file path=ppt/slides/slide17.xml><?xml version="1.0" encoding="utf-8"?>
+<p:sld xmlns:a="http://schemas.openxmlformats.org/drawingml/2006/main" xmlns:r="http://schemas.openxmlformats.org/officeDocument/2006/relationships" xmlns:p="http://schemas.openxmlformats.org/presentationml/2006/main">
+  <p:cSld>
+    <p:spTree>
+      <p:nvGrpSpPr>
+        <p:cNvPr id="1" name="">
+          <a:extLst>
+            <a:ext uri="{FF2B5EF4-FFF2-40B4-BE49-F238E27FC236}">
+              <a16:creationId xmlns:a16="http://schemas.microsoft.com/office/drawing/2014/main" id="{8FC3858A-C534-D190-DE05-D8F66CB64A7F}"/>
+            </a:ext>
+          </a:extLst>
+        </p:cNvPr>
+        <p:cNvGrpSpPr/>
+        <p:nvPr/>
+      </p:nvGrpSpPr>
+      <p:grpSpPr>
+        <a:xfrm>
+          <a:off x="0" y="0"/>
+          <a:ext cx="0" cy="0"/>
+          <a:chOff x="0" y="0"/>
+          <a:chExt cx="0" cy="0"/>
+        </a:xfrm>
+      </p:grpSpPr>
+      <p:sp>
+        <p:nvSpPr>
+          <p:cNvPr id="2" name="Title 1">
+            <a:extLst>
+              <a:ext uri="{FF2B5EF4-FFF2-40B4-BE49-F238E27FC236}">
+                <a16:creationId xmlns:a16="http://schemas.microsoft.com/office/drawing/2014/main" id="{DF1EC72D-AF0C-5BC1-6B77-EB498299E59A}"/>
+              </a:ext>
+            </a:extLst>
+          </p:cNvPr>
+          <p:cNvSpPr>
+            <a:spLocks noGrp="1"/>
+          </p:cNvSpPr>
+          <p:nvPr>
+            <p:ph type="title"/>
+          </p:nvPr>
+        </p:nvSpPr>
+        <p:spPr/>
+        <p:txBody>
+          <a:bodyPr/>
+          <a:lstStyle/>
+          <a:p>
+            <a:r>
+              <a:rPr lang="en-US" altLang="zh-CN" dirty="0"/>
+              <a:t>Example: Named Semaphore</a:t>
+            </a:r>
+            <a:endParaRPr lang="en-US" dirty="0"/>
+          </a:p>
+        </p:txBody>
+      </p:sp>
+      <p:sp>
+        <p:nvSpPr>
+          <p:cNvPr id="4" name="Slide Number Placeholder 3">
+            <a:extLst>
+              <a:ext uri="{FF2B5EF4-FFF2-40B4-BE49-F238E27FC236}">
+                <a16:creationId xmlns:a16="http://schemas.microsoft.com/office/drawing/2014/main" id="{AE2A333B-1ED3-0270-56B3-80F8AE796453}"/>
+              </a:ext>
+            </a:extLst>
+          </p:cNvPr>
+          <p:cNvSpPr>
+            <a:spLocks noGrp="1"/>
+          </p:cNvSpPr>
+          <p:nvPr>
+            <p:ph type="sldNum" sz="quarter" idx="2"/>
+          </p:nvPr>
+        </p:nvSpPr>
+        <p:spPr>
+          <a:xfrm>
+            <a:off x="11686121" y="6400800"/>
+            <a:ext cx="218008" cy="379591"/>
+          </a:xfrm>
+        </p:spPr>
+        <p:txBody>
+          <a:bodyPr/>
+          <a:lstStyle/>
+          <a:p>
+            <a:pPr marL="0" marR="0" lvl="0" indent="0" algn="ctr" defTabSz="412750" rtl="0" eaLnBrk="1" fontAlgn="auto" latinLnBrk="0" hangingPunct="0">
+              <a:lnSpc>
+                <a:spcPct val="100000"/>
+              </a:lnSpc>
+              <a:spcBef>
+                <a:spcPts val="0"/>
+              </a:spcBef>
+              <a:spcAft>
+                <a:spcPts val="0"/>
+              </a:spcAft>
+              <a:buClrTx/>
+              <a:buSzTx/>
+              <a:buFontTx/>
+              <a:buNone/>
+              <a:tabLst/>
+              <a:defRPr/>
+            </a:pPr>
+            <a:fld id="{86CB4B4D-7CA3-9044-876B-883B54F8677D}" type="slidenum">
+              <a:rPr kumimoji="0" lang="en-US" sz="1800" b="0" i="0" u="none" strike="noStrike" kern="0" cap="none" spc="0" normalizeH="0" baseline="0" noProof="0">
+                <a:ln>
+                  <a:noFill/>
+                </a:ln>
+                <a:solidFill>
+                  <a:srgbClr val="800080"/>
+                </a:solidFill>
+                <a:effectLst/>
+                <a:uLnTx/>
+                <a:uFillTx/>
+                <a:latin typeface="Gill Sans MT" panose="020B0502020104020203" pitchFamily="34" charset="0"/>
+                <a:cs typeface="Helvetica"/>
+                <a:sym typeface="Helvetica"/>
+              </a:rPr>
+              <a:pPr marL="0" marR="0" lvl="0" indent="0" algn="ctr" defTabSz="412750" rtl="0" eaLnBrk="1" fontAlgn="auto" latinLnBrk="0" hangingPunct="0">
+                <a:lnSpc>
+                  <a:spcPct val="100000"/>
+                </a:lnSpc>
+                <a:spcBef>
+                  <a:spcPts val="0"/>
+                </a:spcBef>
+                <a:spcAft>
+                  <a:spcPts val="0"/>
+                </a:spcAft>
+                <a:buClrTx/>
+                <a:buSzTx/>
+                <a:buFontTx/>
+                <a:buNone/>
+                <a:tabLst/>
+                <a:defRPr/>
+              </a:pPr>
+              <a:t>17</a:t>
+            </a:fld>
+            <a:endParaRPr kumimoji="0" lang="en-US" sz="1800" b="0" i="0" u="none" strike="noStrike" kern="0" cap="none" spc="0" normalizeH="0" baseline="0" noProof="0">
+              <a:ln>
+                <a:noFill/>
+              </a:ln>
+              <a:solidFill>
+                <a:srgbClr val="800080"/>
+              </a:solidFill>
+              <a:effectLst/>
+              <a:uLnTx/>
+              <a:uFillTx/>
+              <a:latin typeface="Gill Sans MT" panose="020B0502020104020203" pitchFamily="34" charset="0"/>
+              <a:cs typeface="Helvetica"/>
+              <a:sym typeface="Helvetica"/>
+            </a:endParaRPr>
+          </a:p>
+        </p:txBody>
+      </p:sp>
+      <p:sp>
+        <p:nvSpPr>
+          <p:cNvPr id="5" name="文本框 8">
+            <a:extLst>
+              <a:ext uri="{FF2B5EF4-FFF2-40B4-BE49-F238E27FC236}">
+                <a16:creationId xmlns:a16="http://schemas.microsoft.com/office/drawing/2014/main" id="{5341D096-5953-4E06-AD96-103B0C5601FF}"/>
+              </a:ext>
+            </a:extLst>
+          </p:cNvPr>
+          <p:cNvSpPr txBox="1"/>
+          <p:nvPr/>
+        </p:nvSpPr>
+        <p:spPr>
+          <a:xfrm>
+            <a:off x="135471" y="1264941"/>
+            <a:ext cx="5820354" cy="3970318"/>
+          </a:xfrm>
+          <a:prstGeom prst="rect">
+            <a:avLst/>
+          </a:prstGeom>
+          <a:noFill/>
+          <a:ln>
+            <a:solidFill>
+              <a:schemeClr val="tx1"/>
+            </a:solidFill>
+          </a:ln>
+        </p:spPr>
+        <p:txBody>
+          <a:bodyPr wrap="square" numCol="1">
+            <a:spAutoFit/>
+          </a:bodyPr>
+          <a:lstStyle/>
+          <a:p>
+            <a:r>
+              <a:rPr lang="en-HK" altLang="zh-CN" sz="1400" b="0" dirty="0">
+                <a:solidFill>
+                  <a:srgbClr val="808080"/>
+                </a:solidFill>
+                <a:effectLst/>
+                <a:latin typeface="Consolas" panose="020B0609020204030204" pitchFamily="49" charset="0"/>
+              </a:rPr>
+              <a:t>#include</a:t>
+            </a:r>
+            <a:r>
+              <a:rPr lang="en-HK" altLang="zh-CN" sz="1400" b="0" dirty="0">
+                <a:solidFill>
+                  <a:srgbClr val="000000"/>
+                </a:solidFill>
+                <a:effectLst/>
+                <a:latin typeface="Consolas" panose="020B0609020204030204" pitchFamily="49" charset="0"/>
+              </a:rPr>
+              <a:t> </a:t>
+            </a:r>
+            <a:r>
+              <a:rPr lang="en-HK" altLang="zh-CN" sz="1400" b="0" dirty="0">
+                <a:solidFill>
+                  <a:srgbClr val="E21F1F"/>
+                </a:solidFill>
+                <a:effectLst/>
+                <a:latin typeface="Consolas" panose="020B0609020204030204" pitchFamily="49" charset="0"/>
+              </a:rPr>
+              <a:t>&lt;</a:t>
+            </a:r>
+            <a:r>
+              <a:rPr lang="en-HK" altLang="zh-CN" sz="1400" b="0" dirty="0" err="1">
+                <a:solidFill>
+                  <a:srgbClr val="A31515"/>
+                </a:solidFill>
+                <a:effectLst/>
+                <a:latin typeface="Consolas" panose="020B0609020204030204" pitchFamily="49" charset="0"/>
+              </a:rPr>
+              <a:t>stdio.h</a:t>
+            </a:r>
+            <a:r>
+              <a:rPr lang="en-HK" altLang="zh-CN" sz="1400" b="0" dirty="0">
+                <a:solidFill>
+                  <a:srgbClr val="E21F1F"/>
+                </a:solidFill>
+                <a:effectLst/>
+                <a:latin typeface="Consolas" panose="020B0609020204030204" pitchFamily="49" charset="0"/>
+              </a:rPr>
+              <a:t>&gt;</a:t>
+            </a:r>
+            <a:endParaRPr lang="en-HK" altLang="zh-CN" sz="1400" b="0" dirty="0">
+              <a:solidFill>
+                <a:srgbClr val="000000"/>
+              </a:solidFill>
+              <a:effectLst/>
+              <a:latin typeface="Consolas" panose="020B0609020204030204" pitchFamily="49" charset="0"/>
+            </a:endParaRPr>
+          </a:p>
+          <a:p>
+            <a:r>
+              <a:rPr lang="en-HK" altLang="zh-CN" sz="1400" b="0" dirty="0">
+                <a:solidFill>
+                  <a:srgbClr val="808080"/>
+                </a:solidFill>
+                <a:effectLst/>
+                <a:latin typeface="Consolas" panose="020B0609020204030204" pitchFamily="49" charset="0"/>
+              </a:rPr>
+              <a:t>#include</a:t>
+            </a:r>
+            <a:r>
+              <a:rPr lang="en-HK" altLang="zh-CN" sz="1400" b="0" dirty="0">
+                <a:solidFill>
+                  <a:srgbClr val="000000"/>
+                </a:solidFill>
+                <a:effectLst/>
+                <a:latin typeface="Consolas" panose="020B0609020204030204" pitchFamily="49" charset="0"/>
+              </a:rPr>
+              <a:t> </a:t>
+            </a:r>
+            <a:r>
+              <a:rPr lang="en-HK" altLang="zh-CN" sz="1400" b="0" dirty="0">
+                <a:solidFill>
+                  <a:srgbClr val="E21F1F"/>
+                </a:solidFill>
+                <a:effectLst/>
+                <a:latin typeface="Consolas" panose="020B0609020204030204" pitchFamily="49" charset="0"/>
+              </a:rPr>
+              <a:t>&lt;</a:t>
+            </a:r>
+            <a:r>
+              <a:rPr lang="en-HK" altLang="zh-CN" sz="1400" b="0" dirty="0" err="1">
+                <a:solidFill>
+                  <a:srgbClr val="A31515"/>
+                </a:solidFill>
+                <a:effectLst/>
+                <a:latin typeface="Consolas" panose="020B0609020204030204" pitchFamily="49" charset="0"/>
+              </a:rPr>
+              <a:t>semaphore.h</a:t>
+            </a:r>
+            <a:r>
+              <a:rPr lang="en-HK" altLang="zh-CN" sz="1400" b="0" dirty="0">
+                <a:solidFill>
+                  <a:srgbClr val="E21F1F"/>
+                </a:solidFill>
+                <a:effectLst/>
+                <a:latin typeface="Consolas" panose="020B0609020204030204" pitchFamily="49" charset="0"/>
+              </a:rPr>
+              <a:t>&gt;</a:t>
+            </a:r>
+            <a:endParaRPr lang="en-HK" altLang="zh-CN" sz="1400" b="0" dirty="0">
+              <a:solidFill>
+                <a:srgbClr val="000000"/>
+              </a:solidFill>
+              <a:effectLst/>
+              <a:latin typeface="Consolas" panose="020B0609020204030204" pitchFamily="49" charset="0"/>
+            </a:endParaRPr>
+          </a:p>
+          <a:p>
+            <a:r>
+              <a:rPr lang="en-HK" altLang="zh-CN" sz="1400" b="0" dirty="0">
+                <a:solidFill>
+                  <a:srgbClr val="808080"/>
+                </a:solidFill>
+                <a:effectLst/>
+                <a:latin typeface="Consolas" panose="020B0609020204030204" pitchFamily="49" charset="0"/>
+              </a:rPr>
+              <a:t>#include</a:t>
+            </a:r>
+            <a:r>
+              <a:rPr lang="en-HK" altLang="zh-CN" sz="1400" b="0" dirty="0">
+                <a:solidFill>
+                  <a:srgbClr val="000000"/>
+                </a:solidFill>
+                <a:effectLst/>
+                <a:latin typeface="Consolas" panose="020B0609020204030204" pitchFamily="49" charset="0"/>
+              </a:rPr>
+              <a:t> </a:t>
+            </a:r>
+            <a:r>
+              <a:rPr lang="en-HK" altLang="zh-CN" sz="1400" b="0" dirty="0">
+                <a:solidFill>
+                  <a:srgbClr val="E21F1F"/>
+                </a:solidFill>
+                <a:effectLst/>
+                <a:latin typeface="Consolas" panose="020B0609020204030204" pitchFamily="49" charset="0"/>
+              </a:rPr>
+              <a:t>&lt;</a:t>
+            </a:r>
+            <a:r>
+              <a:rPr lang="en-HK" altLang="zh-CN" sz="1400" b="0" dirty="0" err="1">
+                <a:solidFill>
+                  <a:srgbClr val="A31515"/>
+                </a:solidFill>
+                <a:effectLst/>
+                <a:latin typeface="Consolas" panose="020B0609020204030204" pitchFamily="49" charset="0"/>
+              </a:rPr>
+              <a:t>fcntl.h</a:t>
+            </a:r>
+            <a:r>
+              <a:rPr lang="en-HK" altLang="zh-CN" sz="1400" b="0" dirty="0">
+                <a:solidFill>
+                  <a:srgbClr val="E21F1F"/>
+                </a:solidFill>
+                <a:effectLst/>
+                <a:latin typeface="Consolas" panose="020B0609020204030204" pitchFamily="49" charset="0"/>
+              </a:rPr>
+              <a:t>&gt;</a:t>
+            </a:r>
+            <a:endParaRPr lang="en-HK" altLang="zh-CN" sz="1400" b="0" dirty="0">
+              <a:solidFill>
+                <a:srgbClr val="000000"/>
+              </a:solidFill>
+              <a:effectLst/>
+              <a:latin typeface="Consolas" panose="020B0609020204030204" pitchFamily="49" charset="0"/>
+            </a:endParaRPr>
+          </a:p>
+          <a:p>
+            <a:r>
+              <a:rPr lang="en-HK" altLang="zh-CN" sz="1400" b="0" dirty="0">
+                <a:solidFill>
+                  <a:srgbClr val="808080"/>
+                </a:solidFill>
+                <a:effectLst/>
+                <a:latin typeface="Consolas" panose="020B0609020204030204" pitchFamily="49" charset="0"/>
+              </a:rPr>
+              <a:t>#include</a:t>
+            </a:r>
+            <a:r>
+              <a:rPr lang="en-HK" altLang="zh-CN" sz="1400" b="0" dirty="0">
+                <a:solidFill>
+                  <a:srgbClr val="000000"/>
+                </a:solidFill>
+                <a:effectLst/>
+                <a:latin typeface="Consolas" panose="020B0609020204030204" pitchFamily="49" charset="0"/>
+              </a:rPr>
+              <a:t> </a:t>
+            </a:r>
+            <a:r>
+              <a:rPr lang="en-HK" altLang="zh-CN" sz="1400" b="0" dirty="0">
+                <a:solidFill>
+                  <a:srgbClr val="E21F1F"/>
+                </a:solidFill>
+                <a:effectLst/>
+                <a:latin typeface="Consolas" panose="020B0609020204030204" pitchFamily="49" charset="0"/>
+              </a:rPr>
+              <a:t>&lt;</a:t>
+            </a:r>
+            <a:r>
+              <a:rPr lang="en-HK" altLang="zh-CN" sz="1400" b="0" dirty="0" err="1">
+                <a:solidFill>
+                  <a:srgbClr val="A31515"/>
+                </a:solidFill>
+                <a:effectLst/>
+                <a:latin typeface="Consolas" panose="020B0609020204030204" pitchFamily="49" charset="0"/>
+              </a:rPr>
+              <a:t>unistd.h</a:t>
+            </a:r>
+            <a:r>
+              <a:rPr lang="en-HK" altLang="zh-CN" sz="1400" b="0" dirty="0">
+                <a:solidFill>
+                  <a:srgbClr val="E21F1F"/>
+                </a:solidFill>
+                <a:effectLst/>
+                <a:latin typeface="Consolas" panose="020B0609020204030204" pitchFamily="49" charset="0"/>
+              </a:rPr>
+              <a:t>&gt;</a:t>
+            </a:r>
+            <a:endParaRPr lang="en-HK" altLang="zh-CN" sz="1400" b="0" dirty="0">
+              <a:solidFill>
+                <a:srgbClr val="000000"/>
+              </a:solidFill>
+              <a:effectLst/>
+              <a:latin typeface="Consolas" panose="020B0609020204030204" pitchFamily="49" charset="0"/>
+            </a:endParaRPr>
+          </a:p>
+          <a:p>
+            <a:br>
+              <a:rPr lang="en-HK" altLang="zh-CN" sz="1400" b="0" dirty="0">
+                <a:solidFill>
+                  <a:srgbClr val="000000"/>
+                </a:solidFill>
+                <a:effectLst/>
+                <a:latin typeface="Consolas" panose="020B0609020204030204" pitchFamily="49" charset="0"/>
+              </a:rPr>
+            </a:br>
+            <a:r>
+              <a:rPr lang="en-HK" altLang="zh-CN" sz="1400" b="0" dirty="0">
+                <a:solidFill>
+                  <a:srgbClr val="0000FF"/>
+                </a:solidFill>
+                <a:effectLst/>
+                <a:latin typeface="Consolas" panose="020B0609020204030204" pitchFamily="49" charset="0"/>
+              </a:rPr>
+              <a:t>int</a:t>
+            </a:r>
+            <a:r>
+              <a:rPr lang="en-HK" altLang="zh-CN" sz="1400" b="0" dirty="0">
+                <a:solidFill>
+                  <a:srgbClr val="000000"/>
+                </a:solidFill>
+                <a:effectLst/>
+                <a:latin typeface="Consolas" panose="020B0609020204030204" pitchFamily="49" charset="0"/>
+              </a:rPr>
+              <a:t> </a:t>
+            </a:r>
+            <a:r>
+              <a:rPr lang="en-HK" altLang="zh-CN" sz="1400" b="0" dirty="0">
+                <a:solidFill>
+                  <a:srgbClr val="74531F"/>
+                </a:solidFill>
+                <a:effectLst/>
+                <a:latin typeface="Consolas" panose="020B0609020204030204" pitchFamily="49" charset="0"/>
+              </a:rPr>
+              <a:t>main</a:t>
+            </a:r>
+            <a:r>
+              <a:rPr lang="en-HK" altLang="zh-CN" sz="1400" b="0" dirty="0">
+                <a:solidFill>
+                  <a:srgbClr val="000000"/>
+                </a:solidFill>
+                <a:effectLst/>
+                <a:latin typeface="Consolas" panose="020B0609020204030204" pitchFamily="49" charset="0"/>
+              </a:rPr>
+              <a:t>() {</a:t>
+            </a:r>
+          </a:p>
+          <a:p>
+            <a:r>
+              <a:rPr lang="en-HK" altLang="zh-CN" sz="1400" b="0" dirty="0">
+                <a:solidFill>
+                  <a:srgbClr val="000000"/>
+                </a:solidFill>
+                <a:effectLst/>
+                <a:latin typeface="Consolas" panose="020B0609020204030204" pitchFamily="49" charset="0"/>
+              </a:rPr>
+              <a:t>    </a:t>
+            </a:r>
+            <a:r>
+              <a:rPr lang="en-HK" altLang="zh-CN" sz="1400" b="0" dirty="0">
+                <a:solidFill>
+                  <a:srgbClr val="008000"/>
+                </a:solidFill>
+                <a:effectLst/>
+                <a:latin typeface="Consolas" panose="020B0609020204030204" pitchFamily="49" charset="0"/>
+              </a:rPr>
+              <a:t>// Create a semaphore</a:t>
+            </a:r>
+            <a:endParaRPr lang="en-HK" altLang="zh-CN" sz="1400" b="0" dirty="0">
+              <a:solidFill>
+                <a:srgbClr val="000000"/>
+              </a:solidFill>
+              <a:effectLst/>
+              <a:latin typeface="Consolas" panose="020B0609020204030204" pitchFamily="49" charset="0"/>
+            </a:endParaRPr>
+          </a:p>
+          <a:p>
+            <a:r>
+              <a:rPr lang="en-HK" altLang="zh-CN" sz="1400" b="0" dirty="0">
+                <a:solidFill>
+                  <a:srgbClr val="000000"/>
+                </a:solidFill>
+                <a:effectLst/>
+                <a:latin typeface="Consolas" panose="020B0609020204030204" pitchFamily="49" charset="0"/>
+              </a:rPr>
+              <a:t>    </a:t>
+            </a:r>
+            <a:r>
+              <a:rPr lang="en-HK" altLang="zh-CN" sz="1400" b="0" dirty="0" err="1">
+                <a:solidFill>
+                  <a:srgbClr val="2B91AF"/>
+                </a:solidFill>
+                <a:effectLst/>
+                <a:latin typeface="Consolas" panose="020B0609020204030204" pitchFamily="49" charset="0"/>
+              </a:rPr>
+              <a:t>sem_t</a:t>
+            </a:r>
+            <a:r>
+              <a:rPr lang="en-HK" altLang="zh-CN" sz="1400" b="0" dirty="0">
+                <a:solidFill>
+                  <a:srgbClr val="000000"/>
+                </a:solidFill>
+                <a:effectLst/>
+                <a:latin typeface="Consolas" panose="020B0609020204030204" pitchFamily="49" charset="0"/>
+              </a:rPr>
+              <a:t> *</a:t>
+            </a:r>
+            <a:r>
+              <a:rPr lang="en-HK" altLang="zh-CN" sz="1400" b="0" dirty="0" err="1">
+                <a:solidFill>
+                  <a:srgbClr val="1F377F"/>
+                </a:solidFill>
+                <a:effectLst/>
+                <a:latin typeface="Consolas" panose="020B0609020204030204" pitchFamily="49" charset="0"/>
+              </a:rPr>
+              <a:t>sem</a:t>
+            </a:r>
+            <a:r>
+              <a:rPr lang="en-HK" altLang="zh-CN" sz="1400" b="0" dirty="0">
+                <a:solidFill>
+                  <a:srgbClr val="000000"/>
+                </a:solidFill>
+                <a:effectLst/>
+                <a:latin typeface="Consolas" panose="020B0609020204030204" pitchFamily="49" charset="0"/>
+              </a:rPr>
+              <a:t> = </a:t>
+            </a:r>
+            <a:r>
+              <a:rPr lang="en-HK" altLang="zh-CN" sz="1400" b="0" dirty="0" err="1">
+                <a:solidFill>
+                  <a:srgbClr val="74531F"/>
+                </a:solidFill>
+                <a:effectLst/>
+                <a:latin typeface="Consolas" panose="020B0609020204030204" pitchFamily="49" charset="0"/>
+              </a:rPr>
+              <a:t>sem_open</a:t>
+            </a:r>
+            <a:r>
+              <a:rPr lang="en-HK" altLang="zh-CN" sz="1400" b="0" dirty="0">
+                <a:solidFill>
+                  <a:srgbClr val="000000"/>
+                </a:solidFill>
+                <a:effectLst/>
+                <a:latin typeface="Consolas" panose="020B0609020204030204" pitchFamily="49" charset="0"/>
+              </a:rPr>
+              <a:t>(</a:t>
+            </a:r>
+            <a:r>
+              <a:rPr lang="en-HK" altLang="zh-CN" sz="1400" b="0" dirty="0">
+                <a:solidFill>
+                  <a:srgbClr val="E21F1F"/>
+                </a:solidFill>
+                <a:effectLst/>
+                <a:latin typeface="Consolas" panose="020B0609020204030204" pitchFamily="49" charset="0"/>
+              </a:rPr>
+              <a:t>"</a:t>
+            </a:r>
+            <a:r>
+              <a:rPr lang="en-HK" altLang="zh-CN" sz="1400" b="0" dirty="0">
+                <a:solidFill>
+                  <a:srgbClr val="A31515"/>
+                </a:solidFill>
+                <a:effectLst/>
+                <a:latin typeface="Consolas" panose="020B0609020204030204" pitchFamily="49" charset="0"/>
+              </a:rPr>
+              <a:t>/</a:t>
+            </a:r>
+            <a:r>
+              <a:rPr lang="en-HK" altLang="zh-CN" sz="1400" b="0" dirty="0" err="1">
+                <a:solidFill>
+                  <a:srgbClr val="A31515"/>
+                </a:solidFill>
+                <a:effectLst/>
+                <a:latin typeface="Consolas" panose="020B0609020204030204" pitchFamily="49" charset="0"/>
+              </a:rPr>
+              <a:t>mysem</a:t>
+            </a:r>
+            <a:r>
+              <a:rPr lang="en-HK" altLang="zh-CN" sz="1400" b="0" dirty="0">
+                <a:solidFill>
+                  <a:srgbClr val="E21F1F"/>
+                </a:solidFill>
+                <a:effectLst/>
+                <a:latin typeface="Consolas" panose="020B0609020204030204" pitchFamily="49" charset="0"/>
+              </a:rPr>
+              <a:t>"</a:t>
+            </a:r>
+            <a:r>
+              <a:rPr lang="en-HK" altLang="zh-CN" sz="1400" b="0" dirty="0">
+                <a:solidFill>
+                  <a:srgbClr val="000000"/>
+                </a:solidFill>
+                <a:effectLst/>
+                <a:latin typeface="Consolas" panose="020B0609020204030204" pitchFamily="49" charset="0"/>
+              </a:rPr>
+              <a:t>, </a:t>
+            </a:r>
+            <a:r>
+              <a:rPr lang="en-HK" altLang="zh-CN" sz="1400" b="0" dirty="0">
+                <a:solidFill>
+                  <a:srgbClr val="8A1BFF"/>
+                </a:solidFill>
+                <a:effectLst/>
+                <a:latin typeface="Consolas" panose="020B0609020204030204" pitchFamily="49" charset="0"/>
+              </a:rPr>
+              <a:t>O_CREAT</a:t>
+            </a:r>
+            <a:r>
+              <a:rPr lang="en-HK" altLang="zh-CN" sz="1400" b="0" dirty="0">
+                <a:solidFill>
+                  <a:srgbClr val="000000"/>
+                </a:solidFill>
+                <a:effectLst/>
+                <a:latin typeface="Consolas" panose="020B0609020204030204" pitchFamily="49" charset="0"/>
+              </a:rPr>
+              <a:t>, </a:t>
+            </a:r>
+            <a:r>
+              <a:rPr lang="en-HK" altLang="zh-CN" sz="1400" b="0" dirty="0">
+                <a:solidFill>
+                  <a:srgbClr val="098658"/>
+                </a:solidFill>
+                <a:effectLst/>
+                <a:latin typeface="Consolas" panose="020B0609020204030204" pitchFamily="49" charset="0"/>
+              </a:rPr>
+              <a:t>0644</a:t>
+            </a:r>
+            <a:r>
+              <a:rPr lang="en-HK" altLang="zh-CN" sz="1400" b="0" dirty="0">
+                <a:solidFill>
+                  <a:srgbClr val="000000"/>
+                </a:solidFill>
+                <a:effectLst/>
+                <a:latin typeface="Consolas" panose="020B0609020204030204" pitchFamily="49" charset="0"/>
+              </a:rPr>
+              <a:t>, </a:t>
+            </a:r>
+            <a:r>
+              <a:rPr lang="en-HK" altLang="zh-CN" sz="1400" dirty="0">
+                <a:solidFill>
+                  <a:srgbClr val="098658"/>
+                </a:solidFill>
+                <a:latin typeface="Consolas" panose="020B0609020204030204" pitchFamily="49" charset="0"/>
+              </a:rPr>
+              <a:t>1</a:t>
+            </a:r>
+            <a:r>
+              <a:rPr lang="en-HK" altLang="zh-CN" sz="1400" b="0" dirty="0">
+                <a:solidFill>
+                  <a:srgbClr val="000000"/>
+                </a:solidFill>
+                <a:effectLst/>
+                <a:latin typeface="Consolas" panose="020B0609020204030204" pitchFamily="49" charset="0"/>
+              </a:rPr>
+              <a:t>);</a:t>
+            </a:r>
+          </a:p>
+          <a:p>
+            <a:endParaRPr lang="en-HK" altLang="zh-CN" sz="1400" b="0" dirty="0">
+              <a:solidFill>
+                <a:srgbClr val="000000"/>
+              </a:solidFill>
+              <a:effectLst/>
+              <a:latin typeface="Consolas" panose="020B0609020204030204" pitchFamily="49" charset="0"/>
+            </a:endParaRPr>
+          </a:p>
+          <a:p>
+            <a:r>
+              <a:rPr lang="en-HK" altLang="zh-CN" sz="1400" b="0" dirty="0">
+                <a:solidFill>
+                  <a:srgbClr val="000000"/>
+                </a:solidFill>
+                <a:effectLst/>
+                <a:latin typeface="Consolas" panose="020B0609020204030204" pitchFamily="49" charset="0"/>
+              </a:rPr>
+              <a:t>    </a:t>
+            </a:r>
+            <a:r>
+              <a:rPr lang="en-HK" altLang="zh-CN" sz="1400" b="0" dirty="0" err="1">
+                <a:solidFill>
+                  <a:srgbClr val="74531F"/>
+                </a:solidFill>
+                <a:effectLst/>
+                <a:latin typeface="Consolas" panose="020B0609020204030204" pitchFamily="49" charset="0"/>
+              </a:rPr>
+              <a:t>sem_wait</a:t>
+            </a:r>
+            <a:r>
+              <a:rPr lang="en-HK" altLang="zh-CN" sz="1400" b="0" dirty="0">
+                <a:solidFill>
+                  <a:srgbClr val="000000"/>
+                </a:solidFill>
+                <a:effectLst/>
+                <a:latin typeface="Consolas" panose="020B0609020204030204" pitchFamily="49" charset="0"/>
+              </a:rPr>
+              <a:t>(</a:t>
+            </a:r>
+            <a:r>
+              <a:rPr lang="en-HK" altLang="zh-CN" sz="1400" b="0" dirty="0" err="1">
+                <a:solidFill>
+                  <a:srgbClr val="1F377F"/>
+                </a:solidFill>
+                <a:effectLst/>
+                <a:latin typeface="Consolas" panose="020B0609020204030204" pitchFamily="49" charset="0"/>
+              </a:rPr>
+              <a:t>sem</a:t>
+            </a:r>
+            <a:r>
+              <a:rPr lang="en-HK" altLang="zh-CN" sz="1400" b="0" dirty="0">
+                <a:solidFill>
+                  <a:srgbClr val="000000"/>
+                </a:solidFill>
+                <a:effectLst/>
+                <a:latin typeface="Consolas" panose="020B0609020204030204" pitchFamily="49" charset="0"/>
+              </a:rPr>
+              <a:t>);</a:t>
+            </a:r>
+          </a:p>
+          <a:p>
+            <a:r>
+              <a:rPr lang="en-HK" altLang="zh-CN" sz="1400" b="0" dirty="0">
+                <a:solidFill>
+                  <a:srgbClr val="000000"/>
+                </a:solidFill>
+                <a:effectLst/>
+                <a:latin typeface="Consolas" panose="020B0609020204030204" pitchFamily="49" charset="0"/>
+              </a:rPr>
+              <a:t>    </a:t>
+            </a:r>
+            <a:r>
+              <a:rPr lang="en-HK" altLang="zh-CN" sz="1400" b="0" dirty="0" err="1">
+                <a:solidFill>
+                  <a:srgbClr val="74531F"/>
+                </a:solidFill>
+                <a:effectLst/>
+                <a:latin typeface="Consolas" panose="020B0609020204030204" pitchFamily="49" charset="0"/>
+              </a:rPr>
+              <a:t>printf</a:t>
+            </a:r>
+            <a:r>
+              <a:rPr lang="en-HK" altLang="zh-CN" sz="1400" b="0" dirty="0">
+                <a:solidFill>
+                  <a:srgbClr val="000000"/>
+                </a:solidFill>
+                <a:effectLst/>
+                <a:latin typeface="Consolas" panose="020B0609020204030204" pitchFamily="49" charset="0"/>
+              </a:rPr>
+              <a:t>(</a:t>
+            </a:r>
+            <a:r>
+              <a:rPr lang="en-HK" altLang="zh-CN" sz="1400" b="0" dirty="0">
+                <a:solidFill>
+                  <a:srgbClr val="E21F1F"/>
+                </a:solidFill>
+                <a:effectLst/>
+                <a:latin typeface="Consolas" panose="020B0609020204030204" pitchFamily="49" charset="0"/>
+              </a:rPr>
+              <a:t>"</a:t>
+            </a:r>
+            <a:r>
+              <a:rPr lang="en-HK" altLang="zh-CN" sz="1400" b="0" dirty="0">
+                <a:solidFill>
+                  <a:srgbClr val="A31515"/>
+                </a:solidFill>
+                <a:effectLst/>
+                <a:latin typeface="Consolas" panose="020B0609020204030204" pitchFamily="49" charset="0"/>
+              </a:rPr>
+              <a:t>Process A enters the critical section.</a:t>
+            </a:r>
+            <a:r>
+              <a:rPr lang="en-HK" altLang="zh-CN" sz="1400" b="0" dirty="0">
+                <a:solidFill>
+                  <a:srgbClr val="B776FB"/>
+                </a:solidFill>
+                <a:effectLst/>
+                <a:latin typeface="Consolas" panose="020B0609020204030204" pitchFamily="49" charset="0"/>
+              </a:rPr>
+              <a:t>\n</a:t>
+            </a:r>
+            <a:r>
+              <a:rPr lang="en-HK" altLang="zh-CN" sz="1400" b="0" dirty="0">
+                <a:solidFill>
+                  <a:srgbClr val="E21F1F"/>
+                </a:solidFill>
+                <a:effectLst/>
+                <a:latin typeface="Consolas" panose="020B0609020204030204" pitchFamily="49" charset="0"/>
+              </a:rPr>
+              <a:t>"</a:t>
+            </a:r>
+            <a:r>
+              <a:rPr lang="en-HK" altLang="zh-CN" sz="1400" b="0" dirty="0">
+                <a:solidFill>
+                  <a:srgbClr val="000000"/>
+                </a:solidFill>
+                <a:effectLst/>
+                <a:latin typeface="Consolas" panose="020B0609020204030204" pitchFamily="49" charset="0"/>
+              </a:rPr>
+              <a:t>);</a:t>
+            </a:r>
+          </a:p>
+          <a:p>
+            <a:r>
+              <a:rPr lang="en-HK" altLang="zh-CN" sz="1400" b="0" dirty="0">
+                <a:solidFill>
+                  <a:srgbClr val="000000"/>
+                </a:solidFill>
+                <a:effectLst/>
+                <a:latin typeface="Consolas" panose="020B0609020204030204" pitchFamily="49" charset="0"/>
+              </a:rPr>
+              <a:t>    </a:t>
+            </a:r>
+            <a:r>
+              <a:rPr lang="en-HK" altLang="zh-CN" sz="1400" b="0" dirty="0">
+                <a:solidFill>
+                  <a:srgbClr val="74531F"/>
+                </a:solidFill>
+                <a:effectLst/>
+                <a:latin typeface="Consolas" panose="020B0609020204030204" pitchFamily="49" charset="0"/>
+              </a:rPr>
+              <a:t>sleep</a:t>
+            </a:r>
+            <a:r>
+              <a:rPr lang="en-HK" altLang="zh-CN" sz="1400" b="0" dirty="0">
+                <a:solidFill>
+                  <a:srgbClr val="000000"/>
+                </a:solidFill>
+                <a:effectLst/>
+                <a:latin typeface="Consolas" panose="020B0609020204030204" pitchFamily="49" charset="0"/>
+              </a:rPr>
+              <a:t>(</a:t>
+            </a:r>
+            <a:r>
+              <a:rPr lang="en-HK" altLang="zh-CN" sz="1400" b="0" dirty="0">
+                <a:solidFill>
+                  <a:srgbClr val="098658"/>
+                </a:solidFill>
+                <a:effectLst/>
+                <a:latin typeface="Consolas" panose="020B0609020204030204" pitchFamily="49" charset="0"/>
+              </a:rPr>
+              <a:t>5</a:t>
+            </a:r>
+            <a:r>
+              <a:rPr lang="en-HK" altLang="zh-CN" sz="1400" b="0" dirty="0">
+                <a:solidFill>
+                  <a:srgbClr val="000000"/>
+                </a:solidFill>
+                <a:effectLst/>
+                <a:latin typeface="Consolas" panose="020B0609020204030204" pitchFamily="49" charset="0"/>
+              </a:rPr>
+              <a:t>);</a:t>
+            </a:r>
+            <a:endParaRPr lang="zh-CN" altLang="en-US" sz="1400" b="0" dirty="0">
+              <a:solidFill>
+                <a:srgbClr val="000000"/>
+              </a:solidFill>
+              <a:effectLst/>
+              <a:latin typeface="Consolas" panose="020B0609020204030204" pitchFamily="49" charset="0"/>
+            </a:endParaRPr>
+          </a:p>
+          <a:p>
+            <a:r>
+              <a:rPr lang="zh-CN" altLang="en-US" sz="1400" b="0" dirty="0">
+                <a:solidFill>
+                  <a:srgbClr val="000000"/>
+                </a:solidFill>
+                <a:effectLst/>
+                <a:latin typeface="Consolas" panose="020B0609020204030204" pitchFamily="49" charset="0"/>
+              </a:rPr>
+              <a:t>    </a:t>
+            </a:r>
+            <a:r>
+              <a:rPr lang="en-HK" altLang="zh-CN" sz="1400" b="0" dirty="0" err="1">
+                <a:solidFill>
+                  <a:srgbClr val="74531F"/>
+                </a:solidFill>
+                <a:effectLst/>
+                <a:latin typeface="Consolas" panose="020B0609020204030204" pitchFamily="49" charset="0"/>
+              </a:rPr>
+              <a:t>printf</a:t>
+            </a:r>
+            <a:r>
+              <a:rPr lang="en-HK" altLang="zh-CN" sz="1400" b="0" dirty="0">
+                <a:solidFill>
+                  <a:srgbClr val="000000"/>
+                </a:solidFill>
+                <a:effectLst/>
+                <a:latin typeface="Consolas" panose="020B0609020204030204" pitchFamily="49" charset="0"/>
+              </a:rPr>
+              <a:t>(</a:t>
+            </a:r>
+            <a:r>
+              <a:rPr lang="en-HK" altLang="zh-CN" sz="1400" b="0" dirty="0">
+                <a:solidFill>
+                  <a:srgbClr val="E21F1F"/>
+                </a:solidFill>
+                <a:effectLst/>
+                <a:latin typeface="Consolas" panose="020B0609020204030204" pitchFamily="49" charset="0"/>
+              </a:rPr>
+              <a:t>"</a:t>
+            </a:r>
+            <a:r>
+              <a:rPr lang="en-HK" altLang="zh-CN" sz="1400" b="0" dirty="0">
+                <a:solidFill>
+                  <a:srgbClr val="A31515"/>
+                </a:solidFill>
+                <a:effectLst/>
+                <a:latin typeface="Consolas" panose="020B0609020204030204" pitchFamily="49" charset="0"/>
+              </a:rPr>
+              <a:t>Process A leaves the critical section.</a:t>
+            </a:r>
+            <a:r>
+              <a:rPr lang="en-HK" altLang="zh-CN" sz="1400" b="0" dirty="0">
+                <a:solidFill>
+                  <a:srgbClr val="B776FB"/>
+                </a:solidFill>
+                <a:effectLst/>
+                <a:latin typeface="Consolas" panose="020B0609020204030204" pitchFamily="49" charset="0"/>
+              </a:rPr>
+              <a:t>\n</a:t>
+            </a:r>
+            <a:r>
+              <a:rPr lang="en-HK" altLang="zh-CN" sz="1400" b="0" dirty="0">
+                <a:solidFill>
+                  <a:srgbClr val="E21F1F"/>
+                </a:solidFill>
+                <a:effectLst/>
+                <a:latin typeface="Consolas" panose="020B0609020204030204" pitchFamily="49" charset="0"/>
+              </a:rPr>
+              <a:t>"</a:t>
+            </a:r>
+            <a:r>
+              <a:rPr lang="en-HK" altLang="zh-CN" sz="1400" b="0" dirty="0">
+                <a:solidFill>
+                  <a:srgbClr val="000000"/>
+                </a:solidFill>
+                <a:effectLst/>
+                <a:latin typeface="Consolas" panose="020B0609020204030204" pitchFamily="49" charset="0"/>
+              </a:rPr>
+              <a:t>);</a:t>
+            </a:r>
+          </a:p>
+          <a:p>
+            <a:r>
+              <a:rPr lang="en-HK" altLang="zh-CN" sz="1400" b="0" dirty="0">
+                <a:solidFill>
+                  <a:srgbClr val="000000"/>
+                </a:solidFill>
+                <a:effectLst/>
+                <a:latin typeface="Consolas" panose="020B0609020204030204" pitchFamily="49" charset="0"/>
+              </a:rPr>
+              <a:t>    </a:t>
+            </a:r>
+            <a:r>
+              <a:rPr lang="en-HK" altLang="zh-CN" sz="1400" b="0" dirty="0" err="1">
+                <a:solidFill>
+                  <a:srgbClr val="74531F"/>
+                </a:solidFill>
+                <a:effectLst/>
+                <a:latin typeface="Consolas" panose="020B0609020204030204" pitchFamily="49" charset="0"/>
+              </a:rPr>
+              <a:t>sem_post</a:t>
+            </a:r>
+            <a:r>
+              <a:rPr lang="en-HK" altLang="zh-CN" sz="1400" b="0" dirty="0">
+                <a:solidFill>
+                  <a:srgbClr val="000000"/>
+                </a:solidFill>
+                <a:effectLst/>
+                <a:latin typeface="Consolas" panose="020B0609020204030204" pitchFamily="49" charset="0"/>
+              </a:rPr>
+              <a:t>(</a:t>
+            </a:r>
+            <a:r>
+              <a:rPr lang="en-HK" altLang="zh-CN" sz="1400" b="0" dirty="0" err="1">
+                <a:solidFill>
+                  <a:srgbClr val="1F377F"/>
+                </a:solidFill>
+                <a:effectLst/>
+                <a:latin typeface="Consolas" panose="020B0609020204030204" pitchFamily="49" charset="0"/>
+              </a:rPr>
+              <a:t>sem</a:t>
+            </a:r>
+            <a:r>
+              <a:rPr lang="en-HK" altLang="zh-CN" sz="1400" b="0" dirty="0">
+                <a:solidFill>
+                  <a:srgbClr val="000000"/>
+                </a:solidFill>
+                <a:effectLst/>
+                <a:latin typeface="Consolas" panose="020B0609020204030204" pitchFamily="49" charset="0"/>
+              </a:rPr>
+              <a:t>);</a:t>
+            </a:r>
+          </a:p>
+          <a:p>
+            <a:r>
+              <a:rPr lang="en-HK" altLang="zh-CN" sz="1400" b="0" dirty="0">
+                <a:solidFill>
+                  <a:srgbClr val="000000"/>
+                </a:solidFill>
+                <a:effectLst/>
+                <a:latin typeface="Consolas" panose="020B0609020204030204" pitchFamily="49" charset="0"/>
+              </a:rPr>
+              <a:t>    </a:t>
+            </a:r>
+            <a:r>
+              <a:rPr lang="en-HK" altLang="zh-CN" sz="1400" b="0" dirty="0" err="1">
+                <a:solidFill>
+                  <a:srgbClr val="74531F"/>
+                </a:solidFill>
+                <a:effectLst/>
+                <a:latin typeface="Consolas" panose="020B0609020204030204" pitchFamily="49" charset="0"/>
+              </a:rPr>
+              <a:t>sem_close</a:t>
+            </a:r>
+            <a:r>
+              <a:rPr lang="en-HK" altLang="zh-CN" sz="1400" b="0" dirty="0">
+                <a:solidFill>
+                  <a:srgbClr val="000000"/>
+                </a:solidFill>
+                <a:effectLst/>
+                <a:latin typeface="Consolas" panose="020B0609020204030204" pitchFamily="49" charset="0"/>
+              </a:rPr>
+              <a:t>(</a:t>
+            </a:r>
+            <a:r>
+              <a:rPr lang="en-HK" altLang="zh-CN" sz="1400" b="0" dirty="0" err="1">
+                <a:solidFill>
+                  <a:srgbClr val="1F377F"/>
+                </a:solidFill>
+                <a:effectLst/>
+                <a:latin typeface="Consolas" panose="020B0609020204030204" pitchFamily="49" charset="0"/>
+              </a:rPr>
+              <a:t>sem</a:t>
+            </a:r>
+            <a:r>
+              <a:rPr lang="en-HK" altLang="zh-CN" sz="1400" b="0" dirty="0">
+                <a:solidFill>
+                  <a:srgbClr val="000000"/>
+                </a:solidFill>
+                <a:effectLst/>
+                <a:latin typeface="Consolas" panose="020B0609020204030204" pitchFamily="49" charset="0"/>
+              </a:rPr>
+              <a:t>);</a:t>
+            </a:r>
+          </a:p>
+          <a:p>
+            <a:r>
+              <a:rPr lang="en-HK" altLang="zh-CN" sz="1400" dirty="0">
+                <a:solidFill>
+                  <a:srgbClr val="000000"/>
+                </a:solidFill>
+                <a:latin typeface="Consolas" panose="020B0609020204030204" pitchFamily="49" charset="0"/>
+              </a:rPr>
+              <a:t>    </a:t>
+            </a:r>
+            <a:r>
+              <a:rPr lang="en-HK" altLang="zh-CN" sz="1400" b="0" dirty="0" err="1">
+                <a:solidFill>
+                  <a:srgbClr val="74531F"/>
+                </a:solidFill>
+                <a:effectLst/>
+                <a:latin typeface="Consolas" panose="020B0609020204030204" pitchFamily="49" charset="0"/>
+              </a:rPr>
+              <a:t>sem_</a:t>
+            </a:r>
+            <a:r>
+              <a:rPr lang="en-HK" altLang="zh-CN" sz="1400" dirty="0" err="1">
+                <a:solidFill>
+                  <a:srgbClr val="74531F"/>
+                </a:solidFill>
+                <a:latin typeface="Consolas" panose="020B0609020204030204" pitchFamily="49" charset="0"/>
+              </a:rPr>
+              <a:t>unlink</a:t>
+            </a:r>
+            <a:r>
+              <a:rPr lang="en-HK" altLang="zh-CN" sz="1400" b="0" dirty="0">
+                <a:solidFill>
+                  <a:srgbClr val="000000"/>
+                </a:solidFill>
+                <a:effectLst/>
+                <a:latin typeface="Consolas" panose="020B0609020204030204" pitchFamily="49" charset="0"/>
+              </a:rPr>
+              <a:t>(</a:t>
+            </a:r>
+            <a:r>
+              <a:rPr lang="en-HK" altLang="zh-CN" sz="1400" b="0" dirty="0">
+                <a:solidFill>
+                  <a:srgbClr val="A31515"/>
+                </a:solidFill>
+                <a:effectLst/>
+                <a:latin typeface="Consolas" panose="020B0609020204030204" pitchFamily="49" charset="0"/>
+              </a:rPr>
+              <a:t>/</a:t>
+            </a:r>
+            <a:r>
+              <a:rPr lang="en-HK" altLang="zh-CN" sz="1400" b="0" dirty="0" err="1">
+                <a:solidFill>
+                  <a:srgbClr val="A31515"/>
+                </a:solidFill>
+                <a:effectLst/>
+                <a:latin typeface="Consolas" panose="020B0609020204030204" pitchFamily="49" charset="0"/>
+              </a:rPr>
+              <a:t>mysem</a:t>
+            </a:r>
+            <a:r>
+              <a:rPr lang="en-HK" altLang="zh-CN" sz="1400" b="0" dirty="0">
+                <a:solidFill>
+                  <a:srgbClr val="E21F1F"/>
+                </a:solidFill>
+                <a:effectLst/>
+                <a:latin typeface="Consolas" panose="020B0609020204030204" pitchFamily="49" charset="0"/>
+              </a:rPr>
+              <a:t>"</a:t>
+            </a:r>
+            <a:r>
+              <a:rPr lang="en-HK" altLang="zh-CN" sz="1400" b="0" dirty="0">
+                <a:solidFill>
+                  <a:srgbClr val="000000"/>
+                </a:solidFill>
+                <a:effectLst/>
+                <a:latin typeface="Consolas" panose="020B0609020204030204" pitchFamily="49" charset="0"/>
+              </a:rPr>
+              <a:t>);</a:t>
+            </a:r>
+          </a:p>
+          <a:p>
+            <a:r>
+              <a:rPr lang="en-HK" altLang="zh-CN" sz="1400" b="0" dirty="0">
+                <a:solidFill>
+                  <a:srgbClr val="000000"/>
+                </a:solidFill>
+                <a:effectLst/>
+                <a:latin typeface="Consolas" panose="020B0609020204030204" pitchFamily="49" charset="0"/>
+              </a:rPr>
+              <a:t>    </a:t>
+            </a:r>
+            <a:r>
+              <a:rPr lang="en-HK" altLang="zh-CN" sz="1400" b="0" dirty="0">
+                <a:solidFill>
+                  <a:srgbClr val="8F08C4"/>
+                </a:solidFill>
+                <a:effectLst/>
+                <a:latin typeface="Consolas" panose="020B0609020204030204" pitchFamily="49" charset="0"/>
+              </a:rPr>
+              <a:t>return</a:t>
+            </a:r>
+            <a:r>
+              <a:rPr lang="en-HK" altLang="zh-CN" sz="1400" b="0" dirty="0">
+                <a:solidFill>
+                  <a:srgbClr val="000000"/>
+                </a:solidFill>
+                <a:effectLst/>
+                <a:latin typeface="Consolas" panose="020B0609020204030204" pitchFamily="49" charset="0"/>
+              </a:rPr>
+              <a:t> </a:t>
+            </a:r>
+            <a:r>
+              <a:rPr lang="en-HK" altLang="zh-CN" sz="1400" b="0" dirty="0">
+                <a:solidFill>
+                  <a:srgbClr val="098658"/>
+                </a:solidFill>
+                <a:effectLst/>
+                <a:latin typeface="Consolas" panose="020B0609020204030204" pitchFamily="49" charset="0"/>
+              </a:rPr>
+              <a:t>0</a:t>
+            </a:r>
+            <a:r>
+              <a:rPr lang="en-HK" altLang="zh-CN" sz="1400" b="0" dirty="0">
+                <a:solidFill>
+                  <a:srgbClr val="000000"/>
+                </a:solidFill>
+                <a:effectLst/>
+                <a:latin typeface="Consolas" panose="020B0609020204030204" pitchFamily="49" charset="0"/>
+              </a:rPr>
+              <a:t>;</a:t>
+            </a:r>
+          </a:p>
+          <a:p>
+            <a:r>
+              <a:rPr lang="en-HK" altLang="zh-CN" sz="1400" b="0" dirty="0">
+                <a:solidFill>
+                  <a:srgbClr val="000000"/>
+                </a:solidFill>
+                <a:effectLst/>
+                <a:latin typeface="Consolas" panose="020B0609020204030204" pitchFamily="49" charset="0"/>
+              </a:rPr>
+              <a:t>}</a:t>
+            </a:r>
+          </a:p>
+        </p:txBody>
+      </p:sp>
+      <p:sp>
+        <p:nvSpPr>
+          <p:cNvPr id="7" name="TextBox 8">
+            <a:extLst>
+              <a:ext uri="{FF2B5EF4-FFF2-40B4-BE49-F238E27FC236}">
+                <a16:creationId xmlns:a16="http://schemas.microsoft.com/office/drawing/2014/main" id="{E04F959D-B020-892B-06FD-AC5F4D5FE477}"/>
+              </a:ext>
+            </a:extLst>
+          </p:cNvPr>
+          <p:cNvSpPr txBox="1"/>
+          <p:nvPr/>
+        </p:nvSpPr>
+        <p:spPr>
+          <a:xfrm>
+            <a:off x="4720723" y="1272092"/>
+            <a:ext cx="1235102" cy="369332"/>
+          </a:xfrm>
+          <a:prstGeom prst="rect">
+            <a:avLst/>
+          </a:prstGeom>
+          <a:solidFill>
+            <a:schemeClr val="accent4"/>
+          </a:solidFill>
+          <a:ln w="12700" cap="flat">
+            <a:noFill/>
+            <a:miter lim="400000"/>
+          </a:ln>
+          <a:effectLst/>
+          <a:sp3d/>
+        </p:spPr>
+        <p:style>
+          <a:lnRef idx="0">
+            <a:scrgbClr r="0" g="0" b="0"/>
+          </a:lnRef>
+          <a:fillRef idx="0">
+            <a:scrgbClr r="0" g="0" b="0"/>
+          </a:fillRef>
+          <a:effectRef idx="0">
+            <a:scrgbClr r="0" g="0" b="0"/>
+          </a:effectRef>
+          <a:fontRef idx="none"/>
+        </p:style>
+        <p:txBody>
+          <a:bodyPr wrap="square">
+            <a:spAutoFit/>
+          </a:bodyPr>
+          <a:lstStyle/>
+          <a:p>
+            <a:pPr algn="ctr"/>
+            <a:r>
+              <a:rPr kumimoji="0" lang="en-US" sz="1800" b="0" i="0" u="none" strike="noStrike" kern="0" cap="none" spc="0" normalizeH="0" baseline="0" noProof="0" dirty="0" err="1">
+                <a:ln>
+                  <a:noFill/>
+                </a:ln>
+                <a:solidFill>
+                  <a:srgbClr val="202020"/>
+                </a:solidFill>
+                <a:effectLst/>
+                <a:uLnTx/>
+                <a:uFillTx/>
+                <a:latin typeface="Gill Sans MT" panose="020B0502020104020203" pitchFamily="34" charset="0"/>
+                <a:cs typeface="Helvetica"/>
+                <a:sym typeface="Helvetica"/>
+              </a:rPr>
+              <a:t>a.c</a:t>
+            </a:r>
+            <a:endParaRPr lang="en-US" dirty="0"/>
+          </a:p>
+        </p:txBody>
+      </p:sp>
+      <p:sp>
+        <p:nvSpPr>
+          <p:cNvPr id="11" name="文本框 8">
+            <a:extLst>
+              <a:ext uri="{FF2B5EF4-FFF2-40B4-BE49-F238E27FC236}">
+                <a16:creationId xmlns:a16="http://schemas.microsoft.com/office/drawing/2014/main" id="{0C80301E-5260-01B4-C126-433EC94734A0}"/>
+              </a:ext>
+            </a:extLst>
+          </p:cNvPr>
+          <p:cNvSpPr txBox="1"/>
+          <p:nvPr/>
+        </p:nvSpPr>
+        <p:spPr>
+          <a:xfrm>
+            <a:off x="5955825" y="1264941"/>
+            <a:ext cx="6100704" cy="3970318"/>
+          </a:xfrm>
+          <a:prstGeom prst="rect">
+            <a:avLst/>
+          </a:prstGeom>
+          <a:noFill/>
+          <a:ln>
+            <a:solidFill>
+              <a:schemeClr val="tx1"/>
+            </a:solidFill>
+          </a:ln>
+        </p:spPr>
+        <p:txBody>
+          <a:bodyPr wrap="square" numCol="1">
+            <a:spAutoFit/>
+          </a:bodyPr>
+          <a:lstStyle/>
+          <a:p>
+            <a:r>
+              <a:rPr lang="en-HK" altLang="zh-CN" sz="1400" b="0" dirty="0">
+                <a:solidFill>
+                  <a:srgbClr val="808080"/>
+                </a:solidFill>
+                <a:effectLst/>
+                <a:latin typeface="Consolas" panose="020B0609020204030204" pitchFamily="49" charset="0"/>
+              </a:rPr>
+              <a:t>#include</a:t>
+            </a:r>
+            <a:r>
+              <a:rPr lang="en-HK" altLang="zh-CN" sz="1400" b="0" dirty="0">
+                <a:solidFill>
+                  <a:srgbClr val="000000"/>
+                </a:solidFill>
+                <a:effectLst/>
+                <a:latin typeface="Consolas" panose="020B0609020204030204" pitchFamily="49" charset="0"/>
+              </a:rPr>
+              <a:t> </a:t>
+            </a:r>
+            <a:r>
+              <a:rPr lang="en-HK" altLang="zh-CN" sz="1400" b="0" dirty="0">
+                <a:solidFill>
+                  <a:srgbClr val="E21F1F"/>
+                </a:solidFill>
+                <a:effectLst/>
+                <a:latin typeface="Consolas" panose="020B0609020204030204" pitchFamily="49" charset="0"/>
+              </a:rPr>
+              <a:t>&lt;</a:t>
+            </a:r>
+            <a:r>
+              <a:rPr lang="en-HK" altLang="zh-CN" sz="1400" b="0" dirty="0" err="1">
+                <a:solidFill>
+                  <a:srgbClr val="A31515"/>
+                </a:solidFill>
+                <a:effectLst/>
+                <a:latin typeface="Consolas" panose="020B0609020204030204" pitchFamily="49" charset="0"/>
+              </a:rPr>
+              <a:t>stdio.h</a:t>
+            </a:r>
+            <a:r>
+              <a:rPr lang="en-HK" altLang="zh-CN" sz="1400" b="0" dirty="0">
+                <a:solidFill>
+                  <a:srgbClr val="E21F1F"/>
+                </a:solidFill>
+                <a:effectLst/>
+                <a:latin typeface="Consolas" panose="020B0609020204030204" pitchFamily="49" charset="0"/>
+              </a:rPr>
+              <a:t>&gt;</a:t>
+            </a:r>
+            <a:endParaRPr lang="en-HK" altLang="zh-CN" sz="1400" b="0" dirty="0">
+              <a:solidFill>
+                <a:srgbClr val="000000"/>
+              </a:solidFill>
+              <a:effectLst/>
+              <a:latin typeface="Consolas" panose="020B0609020204030204" pitchFamily="49" charset="0"/>
+            </a:endParaRPr>
+          </a:p>
+          <a:p>
+            <a:r>
+              <a:rPr lang="en-HK" altLang="zh-CN" sz="1400" b="0" dirty="0">
+                <a:solidFill>
+                  <a:srgbClr val="808080"/>
+                </a:solidFill>
+                <a:effectLst/>
+                <a:latin typeface="Consolas" panose="020B0609020204030204" pitchFamily="49" charset="0"/>
+              </a:rPr>
+              <a:t>#include</a:t>
+            </a:r>
+            <a:r>
+              <a:rPr lang="en-HK" altLang="zh-CN" sz="1400" b="0" dirty="0">
+                <a:solidFill>
+                  <a:srgbClr val="000000"/>
+                </a:solidFill>
+                <a:effectLst/>
+                <a:latin typeface="Consolas" panose="020B0609020204030204" pitchFamily="49" charset="0"/>
+              </a:rPr>
+              <a:t> </a:t>
+            </a:r>
+            <a:r>
+              <a:rPr lang="en-HK" altLang="zh-CN" sz="1400" b="0" dirty="0">
+                <a:solidFill>
+                  <a:srgbClr val="E21F1F"/>
+                </a:solidFill>
+                <a:effectLst/>
+                <a:latin typeface="Consolas" panose="020B0609020204030204" pitchFamily="49" charset="0"/>
+              </a:rPr>
+              <a:t>&lt;</a:t>
+            </a:r>
+            <a:r>
+              <a:rPr lang="en-HK" altLang="zh-CN" sz="1400" b="0" dirty="0" err="1">
+                <a:solidFill>
+                  <a:srgbClr val="A31515"/>
+                </a:solidFill>
+                <a:effectLst/>
+                <a:latin typeface="Consolas" panose="020B0609020204030204" pitchFamily="49" charset="0"/>
+              </a:rPr>
+              <a:t>semaphore.h</a:t>
+            </a:r>
+            <a:r>
+              <a:rPr lang="en-HK" altLang="zh-CN" sz="1400" b="0" dirty="0">
+                <a:solidFill>
+                  <a:srgbClr val="E21F1F"/>
+                </a:solidFill>
+                <a:effectLst/>
+                <a:latin typeface="Consolas" panose="020B0609020204030204" pitchFamily="49" charset="0"/>
+              </a:rPr>
+              <a:t>&gt;</a:t>
+            </a:r>
+            <a:endParaRPr lang="en-HK" altLang="zh-CN" sz="1400" b="0" dirty="0">
+              <a:solidFill>
+                <a:srgbClr val="000000"/>
+              </a:solidFill>
+              <a:effectLst/>
+              <a:latin typeface="Consolas" panose="020B0609020204030204" pitchFamily="49" charset="0"/>
+            </a:endParaRPr>
+          </a:p>
+          <a:p>
+            <a:r>
+              <a:rPr lang="en-HK" altLang="zh-CN" sz="1400" b="0" dirty="0">
+                <a:solidFill>
+                  <a:srgbClr val="808080"/>
+                </a:solidFill>
+                <a:effectLst/>
+                <a:latin typeface="Consolas" panose="020B0609020204030204" pitchFamily="49" charset="0"/>
+              </a:rPr>
+              <a:t>#include</a:t>
+            </a:r>
+            <a:r>
+              <a:rPr lang="en-HK" altLang="zh-CN" sz="1400" b="0" dirty="0">
+                <a:solidFill>
+                  <a:srgbClr val="000000"/>
+                </a:solidFill>
+                <a:effectLst/>
+                <a:latin typeface="Consolas" panose="020B0609020204030204" pitchFamily="49" charset="0"/>
+              </a:rPr>
+              <a:t> </a:t>
+            </a:r>
+            <a:r>
+              <a:rPr lang="en-HK" altLang="zh-CN" sz="1400" b="0" dirty="0">
+                <a:solidFill>
+                  <a:srgbClr val="E21F1F"/>
+                </a:solidFill>
+                <a:effectLst/>
+                <a:latin typeface="Consolas" panose="020B0609020204030204" pitchFamily="49" charset="0"/>
+              </a:rPr>
+              <a:t>&lt;</a:t>
+            </a:r>
+            <a:r>
+              <a:rPr lang="en-HK" altLang="zh-CN" sz="1400" b="0" dirty="0" err="1">
+                <a:solidFill>
+                  <a:srgbClr val="A31515"/>
+                </a:solidFill>
+                <a:effectLst/>
+                <a:latin typeface="Consolas" panose="020B0609020204030204" pitchFamily="49" charset="0"/>
+              </a:rPr>
+              <a:t>fcntl.h</a:t>
+            </a:r>
+            <a:r>
+              <a:rPr lang="en-HK" altLang="zh-CN" sz="1400" b="0" dirty="0">
+                <a:solidFill>
+                  <a:srgbClr val="E21F1F"/>
+                </a:solidFill>
+                <a:effectLst/>
+                <a:latin typeface="Consolas" panose="020B0609020204030204" pitchFamily="49" charset="0"/>
+              </a:rPr>
+              <a:t>&gt;</a:t>
+            </a:r>
+            <a:endParaRPr lang="en-HK" altLang="zh-CN" sz="1400" b="0" dirty="0">
+              <a:solidFill>
+                <a:srgbClr val="000000"/>
+              </a:solidFill>
+              <a:effectLst/>
+              <a:latin typeface="Consolas" panose="020B0609020204030204" pitchFamily="49" charset="0"/>
+            </a:endParaRPr>
+          </a:p>
+          <a:p>
+            <a:r>
+              <a:rPr lang="en-HK" altLang="zh-CN" sz="1400" b="0" dirty="0">
+                <a:solidFill>
+                  <a:srgbClr val="808080"/>
+                </a:solidFill>
+                <a:effectLst/>
+                <a:latin typeface="Consolas" panose="020B0609020204030204" pitchFamily="49" charset="0"/>
+              </a:rPr>
+              <a:t>#include</a:t>
+            </a:r>
+            <a:r>
+              <a:rPr lang="en-HK" altLang="zh-CN" sz="1400" b="0" dirty="0">
+                <a:solidFill>
+                  <a:srgbClr val="000000"/>
+                </a:solidFill>
+                <a:effectLst/>
+                <a:latin typeface="Consolas" panose="020B0609020204030204" pitchFamily="49" charset="0"/>
+              </a:rPr>
+              <a:t> </a:t>
+            </a:r>
+            <a:r>
+              <a:rPr lang="en-HK" altLang="zh-CN" sz="1400" b="0" dirty="0">
+                <a:solidFill>
+                  <a:srgbClr val="E21F1F"/>
+                </a:solidFill>
+                <a:effectLst/>
+                <a:latin typeface="Consolas" panose="020B0609020204030204" pitchFamily="49" charset="0"/>
+              </a:rPr>
+              <a:t>&lt;</a:t>
+            </a:r>
+            <a:r>
+              <a:rPr lang="en-HK" altLang="zh-CN" sz="1400" b="0" dirty="0" err="1">
+                <a:solidFill>
+                  <a:srgbClr val="A31515"/>
+                </a:solidFill>
+                <a:effectLst/>
+                <a:latin typeface="Consolas" panose="020B0609020204030204" pitchFamily="49" charset="0"/>
+              </a:rPr>
+              <a:t>unistd.h</a:t>
+            </a:r>
+            <a:r>
+              <a:rPr lang="en-HK" altLang="zh-CN" sz="1400" b="0" dirty="0">
+                <a:solidFill>
+                  <a:srgbClr val="E21F1F"/>
+                </a:solidFill>
+                <a:effectLst/>
+                <a:latin typeface="Consolas" panose="020B0609020204030204" pitchFamily="49" charset="0"/>
+              </a:rPr>
+              <a:t>&gt;</a:t>
+            </a:r>
+            <a:endParaRPr lang="en-HK" altLang="zh-CN" sz="1400" b="0" dirty="0">
+              <a:solidFill>
+                <a:srgbClr val="000000"/>
+              </a:solidFill>
+              <a:effectLst/>
+              <a:latin typeface="Consolas" panose="020B0609020204030204" pitchFamily="49" charset="0"/>
+            </a:endParaRPr>
+          </a:p>
+          <a:p>
+            <a:br>
+              <a:rPr lang="en-HK" altLang="zh-CN" sz="1400" b="0" dirty="0">
+                <a:solidFill>
+                  <a:srgbClr val="000000"/>
+                </a:solidFill>
+                <a:effectLst/>
+                <a:latin typeface="Consolas" panose="020B0609020204030204" pitchFamily="49" charset="0"/>
+              </a:rPr>
+            </a:br>
+            <a:r>
+              <a:rPr lang="en-HK" altLang="zh-CN" sz="1400" b="0" dirty="0">
+                <a:solidFill>
+                  <a:srgbClr val="0000FF"/>
+                </a:solidFill>
+                <a:effectLst/>
+                <a:latin typeface="Consolas" panose="020B0609020204030204" pitchFamily="49" charset="0"/>
+              </a:rPr>
+              <a:t>int</a:t>
+            </a:r>
+            <a:r>
+              <a:rPr lang="en-HK" altLang="zh-CN" sz="1400" b="0" dirty="0">
+                <a:solidFill>
+                  <a:srgbClr val="000000"/>
+                </a:solidFill>
+                <a:effectLst/>
+                <a:latin typeface="Consolas" panose="020B0609020204030204" pitchFamily="49" charset="0"/>
+              </a:rPr>
+              <a:t> </a:t>
+            </a:r>
+            <a:r>
+              <a:rPr lang="en-HK" altLang="zh-CN" sz="1400" b="0" dirty="0">
+                <a:solidFill>
+                  <a:srgbClr val="74531F"/>
+                </a:solidFill>
+                <a:effectLst/>
+                <a:latin typeface="Consolas" panose="020B0609020204030204" pitchFamily="49" charset="0"/>
+              </a:rPr>
+              <a:t>main</a:t>
+            </a:r>
+            <a:r>
+              <a:rPr lang="en-HK" altLang="zh-CN" sz="1400" b="0" dirty="0">
+                <a:solidFill>
+                  <a:srgbClr val="000000"/>
+                </a:solidFill>
+                <a:effectLst/>
+                <a:latin typeface="Consolas" panose="020B0609020204030204" pitchFamily="49" charset="0"/>
+              </a:rPr>
+              <a:t>() {</a:t>
+            </a:r>
+          </a:p>
+          <a:p>
+            <a:r>
+              <a:rPr lang="en-HK" altLang="zh-CN" sz="1400" b="0" dirty="0">
+                <a:solidFill>
+                  <a:srgbClr val="000000"/>
+                </a:solidFill>
+                <a:effectLst/>
+                <a:latin typeface="Consolas" panose="020B0609020204030204" pitchFamily="49" charset="0"/>
+              </a:rPr>
+              <a:t>    </a:t>
+            </a:r>
+            <a:r>
+              <a:rPr lang="en-HK" altLang="zh-CN" sz="1400" b="0" dirty="0">
+                <a:solidFill>
+                  <a:srgbClr val="008000"/>
+                </a:solidFill>
+                <a:effectLst/>
+                <a:latin typeface="Consolas" panose="020B0609020204030204" pitchFamily="49" charset="0"/>
+              </a:rPr>
+              <a:t>// Open the semaphore created in Process A</a:t>
+            </a:r>
+            <a:endParaRPr lang="en-HK" altLang="zh-CN" sz="1400" b="0" dirty="0">
+              <a:solidFill>
+                <a:srgbClr val="000000"/>
+              </a:solidFill>
+              <a:effectLst/>
+              <a:latin typeface="Consolas" panose="020B0609020204030204" pitchFamily="49" charset="0"/>
+            </a:endParaRPr>
+          </a:p>
+          <a:p>
+            <a:r>
+              <a:rPr lang="en-HK" altLang="zh-CN" sz="1400" b="0" dirty="0">
+                <a:solidFill>
+                  <a:srgbClr val="000000"/>
+                </a:solidFill>
+                <a:effectLst/>
+                <a:latin typeface="Consolas" panose="020B0609020204030204" pitchFamily="49" charset="0"/>
+              </a:rPr>
+              <a:t>    </a:t>
+            </a:r>
+            <a:r>
+              <a:rPr lang="en-HK" altLang="zh-CN" sz="1400" b="0" dirty="0" err="1">
+                <a:solidFill>
+                  <a:srgbClr val="2B91AF"/>
+                </a:solidFill>
+                <a:effectLst/>
+                <a:latin typeface="Consolas" panose="020B0609020204030204" pitchFamily="49" charset="0"/>
+              </a:rPr>
+              <a:t>sem_t</a:t>
+            </a:r>
+            <a:r>
+              <a:rPr lang="en-HK" altLang="zh-CN" sz="1400" b="0" dirty="0">
+                <a:solidFill>
+                  <a:srgbClr val="000000"/>
+                </a:solidFill>
+                <a:effectLst/>
+                <a:latin typeface="Consolas" panose="020B0609020204030204" pitchFamily="49" charset="0"/>
+              </a:rPr>
+              <a:t> *</a:t>
+            </a:r>
+            <a:r>
+              <a:rPr lang="en-HK" altLang="zh-CN" sz="1400" b="0" dirty="0" err="1">
+                <a:solidFill>
+                  <a:srgbClr val="1F377F"/>
+                </a:solidFill>
+                <a:effectLst/>
+                <a:latin typeface="Consolas" panose="020B0609020204030204" pitchFamily="49" charset="0"/>
+              </a:rPr>
+              <a:t>sem</a:t>
+            </a:r>
+            <a:r>
+              <a:rPr lang="en-HK" altLang="zh-CN" sz="1400" b="0" dirty="0">
+                <a:solidFill>
+                  <a:srgbClr val="000000"/>
+                </a:solidFill>
+                <a:effectLst/>
+                <a:latin typeface="Consolas" panose="020B0609020204030204" pitchFamily="49" charset="0"/>
+              </a:rPr>
+              <a:t> = </a:t>
+            </a:r>
+            <a:r>
+              <a:rPr lang="en-HK" altLang="zh-CN" sz="1400" b="0" dirty="0" err="1">
+                <a:solidFill>
+                  <a:srgbClr val="74531F"/>
+                </a:solidFill>
+                <a:effectLst/>
+                <a:latin typeface="Consolas" panose="020B0609020204030204" pitchFamily="49" charset="0"/>
+              </a:rPr>
+              <a:t>sem_open</a:t>
+            </a:r>
+            <a:r>
+              <a:rPr lang="en-HK" altLang="zh-CN" sz="1400" b="0" dirty="0">
+                <a:solidFill>
+                  <a:srgbClr val="000000"/>
+                </a:solidFill>
+                <a:effectLst/>
+                <a:latin typeface="Consolas" panose="020B0609020204030204" pitchFamily="49" charset="0"/>
+              </a:rPr>
+              <a:t>(</a:t>
+            </a:r>
+            <a:r>
+              <a:rPr lang="en-HK" altLang="zh-CN" sz="1400" b="0" dirty="0">
+                <a:solidFill>
+                  <a:srgbClr val="E21F1F"/>
+                </a:solidFill>
+                <a:effectLst/>
+                <a:latin typeface="Consolas" panose="020B0609020204030204" pitchFamily="49" charset="0"/>
+              </a:rPr>
+              <a:t>"</a:t>
+            </a:r>
+            <a:r>
+              <a:rPr lang="en-HK" altLang="zh-CN" sz="1400" b="0" dirty="0">
+                <a:solidFill>
+                  <a:srgbClr val="A31515"/>
+                </a:solidFill>
+                <a:effectLst/>
+                <a:latin typeface="Consolas" panose="020B0609020204030204" pitchFamily="49" charset="0"/>
+              </a:rPr>
+              <a:t>/</a:t>
+            </a:r>
+            <a:r>
+              <a:rPr lang="en-HK" altLang="zh-CN" sz="1400" b="0" dirty="0" err="1">
+                <a:solidFill>
+                  <a:srgbClr val="A31515"/>
+                </a:solidFill>
+                <a:effectLst/>
+                <a:latin typeface="Consolas" panose="020B0609020204030204" pitchFamily="49" charset="0"/>
+              </a:rPr>
+              <a:t>mysem</a:t>
+            </a:r>
+            <a:r>
+              <a:rPr lang="en-HK" altLang="zh-CN" sz="1400" b="0" dirty="0">
+                <a:solidFill>
+                  <a:srgbClr val="E21F1F"/>
+                </a:solidFill>
+                <a:effectLst/>
+                <a:latin typeface="Consolas" panose="020B0609020204030204" pitchFamily="49" charset="0"/>
+              </a:rPr>
+              <a:t>"</a:t>
+            </a:r>
+            <a:r>
+              <a:rPr lang="en-HK" altLang="zh-CN" sz="1400" b="0" dirty="0">
+                <a:solidFill>
+                  <a:srgbClr val="000000"/>
+                </a:solidFill>
+                <a:effectLst/>
+                <a:latin typeface="Consolas" panose="020B0609020204030204" pitchFamily="49" charset="0"/>
+              </a:rPr>
+              <a:t>, </a:t>
+            </a:r>
+            <a:r>
+              <a:rPr lang="en-HK" altLang="zh-CN" sz="1400" b="0" dirty="0">
+                <a:solidFill>
+                  <a:srgbClr val="098658"/>
+                </a:solidFill>
+                <a:effectLst/>
+                <a:latin typeface="Consolas" panose="020B0609020204030204" pitchFamily="49" charset="0"/>
+              </a:rPr>
+              <a:t>0</a:t>
+            </a:r>
+            <a:r>
+              <a:rPr lang="en-HK" altLang="zh-CN" sz="1400" b="0" dirty="0">
+                <a:solidFill>
+                  <a:srgbClr val="000000"/>
+                </a:solidFill>
+                <a:effectLst/>
+                <a:latin typeface="Consolas" panose="020B0609020204030204" pitchFamily="49" charset="0"/>
+              </a:rPr>
+              <a:t>);</a:t>
+            </a:r>
+          </a:p>
+          <a:p>
+            <a:endParaRPr lang="en-HK" altLang="zh-CN" sz="1400" b="0" dirty="0">
+              <a:solidFill>
+                <a:srgbClr val="000000"/>
+              </a:solidFill>
+              <a:effectLst/>
+              <a:latin typeface="Consolas" panose="020B0609020204030204" pitchFamily="49" charset="0"/>
+            </a:endParaRPr>
+          </a:p>
+          <a:p>
+            <a:r>
+              <a:rPr lang="en-HK" altLang="zh-CN" sz="1400" b="0" dirty="0">
+                <a:solidFill>
+                  <a:srgbClr val="000000"/>
+                </a:solidFill>
+                <a:effectLst/>
+                <a:latin typeface="Consolas" panose="020B0609020204030204" pitchFamily="49" charset="0"/>
+              </a:rPr>
+              <a:t>    </a:t>
+            </a:r>
+            <a:r>
+              <a:rPr lang="en-HK" altLang="zh-CN" sz="1400" b="0" dirty="0" err="1">
+                <a:solidFill>
+                  <a:srgbClr val="74531F"/>
+                </a:solidFill>
+                <a:effectLst/>
+                <a:latin typeface="Consolas" panose="020B0609020204030204" pitchFamily="49" charset="0"/>
+              </a:rPr>
+              <a:t>sem_wait</a:t>
+            </a:r>
+            <a:r>
+              <a:rPr lang="en-HK" altLang="zh-CN" sz="1400" b="0" dirty="0">
+                <a:solidFill>
+                  <a:srgbClr val="000000"/>
+                </a:solidFill>
+                <a:effectLst/>
+                <a:latin typeface="Consolas" panose="020B0609020204030204" pitchFamily="49" charset="0"/>
+              </a:rPr>
+              <a:t>(</a:t>
+            </a:r>
+            <a:r>
+              <a:rPr lang="en-HK" altLang="zh-CN" sz="1400" b="0" dirty="0" err="1">
+                <a:solidFill>
+                  <a:srgbClr val="1F377F"/>
+                </a:solidFill>
+                <a:effectLst/>
+                <a:latin typeface="Consolas" panose="020B0609020204030204" pitchFamily="49" charset="0"/>
+              </a:rPr>
+              <a:t>sem</a:t>
+            </a:r>
+            <a:r>
+              <a:rPr lang="en-HK" altLang="zh-CN" sz="1400" b="0" dirty="0">
+                <a:solidFill>
+                  <a:srgbClr val="000000"/>
+                </a:solidFill>
+                <a:effectLst/>
+                <a:latin typeface="Consolas" panose="020B0609020204030204" pitchFamily="49" charset="0"/>
+              </a:rPr>
+              <a:t>);</a:t>
+            </a:r>
+          </a:p>
+          <a:p>
+            <a:r>
+              <a:rPr lang="en-HK" altLang="zh-CN" sz="1400" b="0" dirty="0">
+                <a:solidFill>
+                  <a:srgbClr val="000000"/>
+                </a:solidFill>
+                <a:effectLst/>
+                <a:latin typeface="Consolas" panose="020B0609020204030204" pitchFamily="49" charset="0"/>
+              </a:rPr>
+              <a:t>    </a:t>
+            </a:r>
+            <a:r>
+              <a:rPr lang="en-HK" altLang="zh-CN" sz="1400" b="0" dirty="0" err="1">
+                <a:solidFill>
+                  <a:srgbClr val="74531F"/>
+                </a:solidFill>
+                <a:effectLst/>
+                <a:latin typeface="Consolas" panose="020B0609020204030204" pitchFamily="49" charset="0"/>
+              </a:rPr>
+              <a:t>printf</a:t>
+            </a:r>
+            <a:r>
+              <a:rPr lang="en-HK" altLang="zh-CN" sz="1400" b="0" dirty="0">
+                <a:solidFill>
+                  <a:srgbClr val="000000"/>
+                </a:solidFill>
+                <a:effectLst/>
+                <a:latin typeface="Consolas" panose="020B0609020204030204" pitchFamily="49" charset="0"/>
+              </a:rPr>
+              <a:t>(</a:t>
+            </a:r>
+            <a:r>
+              <a:rPr lang="en-HK" altLang="zh-CN" sz="1400" b="0" dirty="0">
+                <a:solidFill>
+                  <a:srgbClr val="E21F1F"/>
+                </a:solidFill>
+                <a:effectLst/>
+                <a:latin typeface="Consolas" panose="020B0609020204030204" pitchFamily="49" charset="0"/>
+              </a:rPr>
+              <a:t>"</a:t>
+            </a:r>
+            <a:r>
+              <a:rPr lang="en-HK" altLang="zh-CN" sz="1400" b="0" dirty="0">
+                <a:solidFill>
+                  <a:srgbClr val="A31515"/>
+                </a:solidFill>
+                <a:effectLst/>
+                <a:latin typeface="Consolas" panose="020B0609020204030204" pitchFamily="49" charset="0"/>
+              </a:rPr>
+              <a:t>Process B enters the critical section.</a:t>
+            </a:r>
+            <a:r>
+              <a:rPr lang="en-HK" altLang="zh-CN" sz="1400" b="0" dirty="0">
+                <a:solidFill>
+                  <a:srgbClr val="B776FB"/>
+                </a:solidFill>
+                <a:effectLst/>
+                <a:latin typeface="Consolas" panose="020B0609020204030204" pitchFamily="49" charset="0"/>
+              </a:rPr>
+              <a:t>\n</a:t>
+            </a:r>
+            <a:r>
+              <a:rPr lang="en-HK" altLang="zh-CN" sz="1400" b="0" dirty="0">
+                <a:solidFill>
+                  <a:srgbClr val="E21F1F"/>
+                </a:solidFill>
+                <a:effectLst/>
+                <a:latin typeface="Consolas" panose="020B0609020204030204" pitchFamily="49" charset="0"/>
+              </a:rPr>
+              <a:t>"</a:t>
+            </a:r>
+            <a:r>
+              <a:rPr lang="en-HK" altLang="zh-CN" sz="1400" b="0" dirty="0">
+                <a:solidFill>
+                  <a:srgbClr val="000000"/>
+                </a:solidFill>
+                <a:effectLst/>
+                <a:latin typeface="Consolas" panose="020B0609020204030204" pitchFamily="49" charset="0"/>
+              </a:rPr>
+              <a:t>);</a:t>
+            </a:r>
+          </a:p>
+          <a:p>
+            <a:r>
+              <a:rPr lang="en-HK" altLang="zh-CN" sz="1400" b="0" dirty="0">
+                <a:solidFill>
+                  <a:srgbClr val="000000"/>
+                </a:solidFill>
+                <a:effectLst/>
+                <a:latin typeface="Consolas" panose="020B0609020204030204" pitchFamily="49" charset="0"/>
+              </a:rPr>
+              <a:t>    </a:t>
+            </a:r>
+            <a:r>
+              <a:rPr lang="en-HK" altLang="zh-CN" sz="1400" b="0" dirty="0">
+                <a:solidFill>
+                  <a:srgbClr val="74531F"/>
+                </a:solidFill>
+                <a:effectLst/>
+                <a:latin typeface="Consolas" panose="020B0609020204030204" pitchFamily="49" charset="0"/>
+              </a:rPr>
+              <a:t>sleep</a:t>
+            </a:r>
+            <a:r>
+              <a:rPr lang="en-HK" altLang="zh-CN" sz="1400" b="0" dirty="0">
+                <a:solidFill>
+                  <a:srgbClr val="000000"/>
+                </a:solidFill>
+                <a:effectLst/>
+                <a:latin typeface="Consolas" panose="020B0609020204030204" pitchFamily="49" charset="0"/>
+              </a:rPr>
+              <a:t>(</a:t>
+            </a:r>
+            <a:r>
+              <a:rPr lang="en-HK" altLang="zh-CN" sz="1400" b="0" dirty="0">
+                <a:solidFill>
+                  <a:srgbClr val="098658"/>
+                </a:solidFill>
+                <a:effectLst/>
+                <a:latin typeface="Consolas" panose="020B0609020204030204" pitchFamily="49" charset="0"/>
+              </a:rPr>
+              <a:t>5</a:t>
+            </a:r>
+            <a:r>
+              <a:rPr lang="en-HK" altLang="zh-CN" sz="1400" b="0" dirty="0">
+                <a:solidFill>
+                  <a:srgbClr val="000000"/>
+                </a:solidFill>
+                <a:effectLst/>
+                <a:latin typeface="Consolas" panose="020B0609020204030204" pitchFamily="49" charset="0"/>
+              </a:rPr>
+              <a:t>); </a:t>
+            </a:r>
+          </a:p>
+          <a:p>
+            <a:r>
+              <a:rPr lang="en-HK" altLang="zh-CN" sz="1400" b="0" dirty="0">
+                <a:solidFill>
+                  <a:srgbClr val="000000"/>
+                </a:solidFill>
+                <a:effectLst/>
+                <a:latin typeface="Consolas" panose="020B0609020204030204" pitchFamily="49" charset="0"/>
+              </a:rPr>
+              <a:t>    </a:t>
+            </a:r>
+            <a:r>
+              <a:rPr lang="en-HK" altLang="zh-CN" sz="1400" b="0" dirty="0" err="1">
+                <a:solidFill>
+                  <a:srgbClr val="74531F"/>
+                </a:solidFill>
+                <a:effectLst/>
+                <a:latin typeface="Consolas" panose="020B0609020204030204" pitchFamily="49" charset="0"/>
+              </a:rPr>
+              <a:t>printf</a:t>
+            </a:r>
+            <a:r>
+              <a:rPr lang="en-HK" altLang="zh-CN" sz="1400" b="0" dirty="0">
+                <a:solidFill>
+                  <a:srgbClr val="000000"/>
+                </a:solidFill>
+                <a:effectLst/>
+                <a:latin typeface="Consolas" panose="020B0609020204030204" pitchFamily="49" charset="0"/>
+              </a:rPr>
+              <a:t>(</a:t>
+            </a:r>
+            <a:r>
+              <a:rPr lang="en-HK" altLang="zh-CN" sz="1400" b="0" dirty="0">
+                <a:solidFill>
+                  <a:srgbClr val="E21F1F"/>
+                </a:solidFill>
+                <a:effectLst/>
+                <a:latin typeface="Consolas" panose="020B0609020204030204" pitchFamily="49" charset="0"/>
+              </a:rPr>
+              <a:t>"</a:t>
+            </a:r>
+            <a:r>
+              <a:rPr lang="en-HK" altLang="zh-CN" sz="1400" b="0" dirty="0">
+                <a:solidFill>
+                  <a:srgbClr val="A31515"/>
+                </a:solidFill>
+                <a:effectLst/>
+                <a:latin typeface="Consolas" panose="020B0609020204030204" pitchFamily="49" charset="0"/>
+              </a:rPr>
+              <a:t>Process B leaves the critical section.</a:t>
+            </a:r>
+            <a:r>
+              <a:rPr lang="en-HK" altLang="zh-CN" sz="1400" b="0" dirty="0">
+                <a:solidFill>
+                  <a:srgbClr val="B776FB"/>
+                </a:solidFill>
+                <a:effectLst/>
+                <a:latin typeface="Consolas" panose="020B0609020204030204" pitchFamily="49" charset="0"/>
+              </a:rPr>
+              <a:t>\n</a:t>
+            </a:r>
+            <a:r>
+              <a:rPr lang="en-HK" altLang="zh-CN" sz="1400" b="0" dirty="0">
+                <a:solidFill>
+                  <a:srgbClr val="E21F1F"/>
+                </a:solidFill>
+                <a:effectLst/>
+                <a:latin typeface="Consolas" panose="020B0609020204030204" pitchFamily="49" charset="0"/>
+              </a:rPr>
+              <a:t>"</a:t>
+            </a:r>
+            <a:r>
+              <a:rPr lang="en-HK" altLang="zh-CN" sz="1400" b="0" dirty="0">
+                <a:solidFill>
+                  <a:srgbClr val="000000"/>
+                </a:solidFill>
+                <a:effectLst/>
+                <a:latin typeface="Consolas" panose="020B0609020204030204" pitchFamily="49" charset="0"/>
+              </a:rPr>
+              <a:t>);</a:t>
+            </a:r>
+          </a:p>
+          <a:p>
+            <a:r>
+              <a:rPr lang="en-HK" altLang="zh-CN" sz="1400" b="0" dirty="0">
+                <a:solidFill>
+                  <a:srgbClr val="000000"/>
+                </a:solidFill>
+                <a:effectLst/>
+                <a:latin typeface="Consolas" panose="020B0609020204030204" pitchFamily="49" charset="0"/>
+              </a:rPr>
+              <a:t>    </a:t>
+            </a:r>
+            <a:r>
+              <a:rPr lang="en-HK" altLang="zh-CN" sz="1400" b="0" dirty="0" err="1">
+                <a:solidFill>
+                  <a:srgbClr val="74531F"/>
+                </a:solidFill>
+                <a:effectLst/>
+                <a:latin typeface="Consolas" panose="020B0609020204030204" pitchFamily="49" charset="0"/>
+              </a:rPr>
+              <a:t>sem_post</a:t>
+            </a:r>
+            <a:r>
+              <a:rPr lang="en-HK" altLang="zh-CN" sz="1400" b="0" dirty="0">
+                <a:solidFill>
+                  <a:srgbClr val="000000"/>
+                </a:solidFill>
+                <a:effectLst/>
+                <a:latin typeface="Consolas" panose="020B0609020204030204" pitchFamily="49" charset="0"/>
+              </a:rPr>
+              <a:t>(</a:t>
+            </a:r>
+            <a:r>
+              <a:rPr lang="en-HK" altLang="zh-CN" sz="1400" b="0" dirty="0" err="1">
+                <a:solidFill>
+                  <a:srgbClr val="1F377F"/>
+                </a:solidFill>
+                <a:effectLst/>
+                <a:latin typeface="Consolas" panose="020B0609020204030204" pitchFamily="49" charset="0"/>
+              </a:rPr>
+              <a:t>sem</a:t>
+            </a:r>
+            <a:r>
+              <a:rPr lang="en-HK" altLang="zh-CN" sz="1400" b="0" dirty="0">
+                <a:solidFill>
+                  <a:srgbClr val="000000"/>
+                </a:solidFill>
+                <a:effectLst/>
+                <a:latin typeface="Consolas" panose="020B0609020204030204" pitchFamily="49" charset="0"/>
+              </a:rPr>
+              <a:t>);</a:t>
+            </a:r>
+          </a:p>
+          <a:p>
+            <a:r>
+              <a:rPr lang="en-HK" altLang="zh-CN" sz="1400" b="0" dirty="0">
+                <a:solidFill>
+                  <a:srgbClr val="000000"/>
+                </a:solidFill>
+                <a:effectLst/>
+                <a:latin typeface="Consolas" panose="020B0609020204030204" pitchFamily="49" charset="0"/>
+              </a:rPr>
+              <a:t>    </a:t>
+            </a:r>
+            <a:r>
+              <a:rPr lang="en-HK" altLang="zh-CN" sz="1400" b="0" dirty="0" err="1">
+                <a:solidFill>
+                  <a:srgbClr val="74531F"/>
+                </a:solidFill>
+                <a:effectLst/>
+                <a:latin typeface="Consolas" panose="020B0609020204030204" pitchFamily="49" charset="0"/>
+              </a:rPr>
+              <a:t>sem_close</a:t>
+            </a:r>
+            <a:r>
+              <a:rPr lang="en-HK" altLang="zh-CN" sz="1400" b="0" dirty="0">
+                <a:solidFill>
+                  <a:srgbClr val="000000"/>
+                </a:solidFill>
+                <a:effectLst/>
+                <a:latin typeface="Consolas" panose="020B0609020204030204" pitchFamily="49" charset="0"/>
+              </a:rPr>
+              <a:t>(</a:t>
+            </a:r>
+            <a:r>
+              <a:rPr lang="en-HK" altLang="zh-CN" sz="1400" b="0" dirty="0" err="1">
+                <a:solidFill>
+                  <a:srgbClr val="1F377F"/>
+                </a:solidFill>
+                <a:effectLst/>
+                <a:latin typeface="Consolas" panose="020B0609020204030204" pitchFamily="49" charset="0"/>
+              </a:rPr>
+              <a:t>sem</a:t>
+            </a:r>
+            <a:r>
+              <a:rPr lang="en-HK" altLang="zh-CN" sz="1400" b="0" dirty="0">
+                <a:solidFill>
+                  <a:srgbClr val="000000"/>
+                </a:solidFill>
+                <a:effectLst/>
+                <a:latin typeface="Consolas" panose="020B0609020204030204" pitchFamily="49" charset="0"/>
+              </a:rPr>
+              <a:t>);</a:t>
+            </a:r>
+          </a:p>
+          <a:p>
+            <a:r>
+              <a:rPr lang="en-HK" altLang="zh-CN" sz="1400" b="0" dirty="0">
+                <a:solidFill>
+                  <a:srgbClr val="000000"/>
+                </a:solidFill>
+                <a:effectLst/>
+                <a:latin typeface="Consolas" panose="020B0609020204030204" pitchFamily="49" charset="0"/>
+              </a:rPr>
+              <a:t>    </a:t>
+            </a:r>
+            <a:r>
+              <a:rPr lang="en-HK" altLang="zh-CN" sz="1400" b="0" dirty="0">
+                <a:solidFill>
+                  <a:srgbClr val="8F08C4"/>
+                </a:solidFill>
+                <a:effectLst/>
+                <a:latin typeface="Consolas" panose="020B0609020204030204" pitchFamily="49" charset="0"/>
+              </a:rPr>
+              <a:t>return</a:t>
+            </a:r>
+            <a:r>
+              <a:rPr lang="en-HK" altLang="zh-CN" sz="1400" b="0" dirty="0">
+                <a:solidFill>
+                  <a:srgbClr val="000000"/>
+                </a:solidFill>
+                <a:effectLst/>
+                <a:latin typeface="Consolas" panose="020B0609020204030204" pitchFamily="49" charset="0"/>
+              </a:rPr>
+              <a:t> </a:t>
+            </a:r>
+            <a:r>
+              <a:rPr lang="en-HK" altLang="zh-CN" sz="1400" b="0" dirty="0">
+                <a:solidFill>
+                  <a:srgbClr val="098658"/>
+                </a:solidFill>
+                <a:effectLst/>
+                <a:latin typeface="Consolas" panose="020B0609020204030204" pitchFamily="49" charset="0"/>
+              </a:rPr>
+              <a:t>0</a:t>
+            </a:r>
+            <a:r>
+              <a:rPr lang="en-HK" altLang="zh-CN" sz="1400" b="0" dirty="0">
+                <a:solidFill>
+                  <a:srgbClr val="000000"/>
+                </a:solidFill>
+                <a:effectLst/>
+                <a:latin typeface="Consolas" panose="020B0609020204030204" pitchFamily="49" charset="0"/>
+              </a:rPr>
+              <a:t>;</a:t>
+            </a:r>
+          </a:p>
+          <a:p>
+            <a:r>
+              <a:rPr lang="en-HK" altLang="zh-CN" sz="1400" b="0" dirty="0">
+                <a:solidFill>
+                  <a:srgbClr val="000000"/>
+                </a:solidFill>
+                <a:effectLst/>
+                <a:latin typeface="Consolas" panose="020B0609020204030204" pitchFamily="49" charset="0"/>
+              </a:rPr>
+              <a:t>}</a:t>
+            </a:r>
+          </a:p>
+          <a:p>
+            <a:endParaRPr lang="en-HK" altLang="zh-CN" sz="1400" b="0" dirty="0">
+              <a:solidFill>
+                <a:srgbClr val="000000"/>
+              </a:solidFill>
+              <a:effectLst/>
+              <a:latin typeface="Consolas" panose="020B0609020204030204" pitchFamily="49" charset="0"/>
+            </a:endParaRPr>
+          </a:p>
+        </p:txBody>
+      </p:sp>
+      <p:sp>
+        <p:nvSpPr>
+          <p:cNvPr id="23" name="Slide Number Placeholder 3">
+            <a:extLst>
+              <a:ext uri="{FF2B5EF4-FFF2-40B4-BE49-F238E27FC236}">
+                <a16:creationId xmlns:a16="http://schemas.microsoft.com/office/drawing/2014/main" id="{D14C1DED-796D-F5E1-7F92-E19C216C6E66}"/>
+              </a:ext>
+            </a:extLst>
+          </p:cNvPr>
+          <p:cNvSpPr txBox="1">
+            <a:spLocks/>
+          </p:cNvSpPr>
+          <p:nvPr/>
+        </p:nvSpPr>
+        <p:spPr>
+          <a:xfrm>
+            <a:off x="11896196" y="6553200"/>
+            <a:ext cx="102657" cy="379591"/>
+          </a:xfrm>
+          <a:prstGeom prst="rect">
+            <a:avLst/>
+          </a:prstGeom>
+          <a:ln w="12700">
+            <a:miter lim="400000"/>
+          </a:ln>
+        </p:spPr>
+        <p:txBody>
+          <a:bodyPr wrap="none" lIns="50800" tIns="50800" rIns="50800" bIns="50800">
+            <a:spAutoFit/>
+          </a:bodyPr>
+          <a:lstStyle>
+            <a:defPPr>
+              <a:defRPr lang="en-US"/>
+            </a:defPPr>
+            <a:lvl1pPr marL="0" algn="l" defTabSz="412750" rtl="0" eaLnBrk="1" latinLnBrk="0" hangingPunct="1">
+              <a:defRPr sz="1800" kern="1200">
+                <a:solidFill>
+                  <a:srgbClr val="800080"/>
+                </a:solidFill>
+                <a:latin typeface="Gill Sans MT" panose="020B0502020104020203" pitchFamily="34" charset="0"/>
+                <a:ea typeface="+mn-ea"/>
+                <a:cs typeface="+mn-cs"/>
+              </a:defRPr>
+            </a:lvl1pPr>
+            <a:lvl2pPr marL="457200" algn="l" defTabSz="914400" rtl="0" eaLnBrk="1" latinLnBrk="0" hangingPunct="1">
+              <a:defRPr sz="1800" kern="1200">
+                <a:solidFill>
+                  <a:schemeClr val="tx1"/>
+                </a:solidFill>
+                <a:latin typeface="+mn-lt"/>
+                <a:ea typeface="+mn-ea"/>
+                <a:cs typeface="+mn-cs"/>
+              </a:defRPr>
+            </a:lvl2pPr>
+            <a:lvl3pPr marL="914400" algn="l" defTabSz="914400" rtl="0" eaLnBrk="1" latinLnBrk="0" hangingPunct="1">
+              <a:defRPr sz="1800" kern="1200">
+                <a:solidFill>
+                  <a:schemeClr val="tx1"/>
+                </a:solidFill>
+                <a:latin typeface="+mn-lt"/>
+                <a:ea typeface="+mn-ea"/>
+                <a:cs typeface="+mn-cs"/>
+              </a:defRPr>
+            </a:lvl3pPr>
+            <a:lvl4pPr marL="1371600" algn="l" defTabSz="914400" rtl="0" eaLnBrk="1" latinLnBrk="0" hangingPunct="1">
+              <a:defRPr sz="1800" kern="1200">
+                <a:solidFill>
+                  <a:schemeClr val="tx1"/>
+                </a:solidFill>
+                <a:latin typeface="+mn-lt"/>
+                <a:ea typeface="+mn-ea"/>
+                <a:cs typeface="+mn-cs"/>
+              </a:defRPr>
+            </a:lvl4pPr>
+            <a:lvl5pPr marL="1828800" algn="l" defTabSz="914400" rtl="0" eaLnBrk="1" latinLnBrk="0" hangingPunct="1">
+              <a:defRPr sz="1800" kern="1200">
+                <a:solidFill>
+                  <a:schemeClr val="tx1"/>
+                </a:solidFill>
+                <a:latin typeface="+mn-lt"/>
+                <a:ea typeface="+mn-ea"/>
+                <a:cs typeface="+mn-cs"/>
+              </a:defRPr>
+            </a:lvl5pPr>
+            <a:lvl6pPr marL="2286000" algn="l" defTabSz="914400" rtl="0" eaLnBrk="1" latinLnBrk="0" hangingPunct="1">
+              <a:defRPr sz="1800" kern="1200">
+                <a:solidFill>
+                  <a:schemeClr val="tx1"/>
+                </a:solidFill>
+                <a:latin typeface="+mn-lt"/>
+                <a:ea typeface="+mn-ea"/>
+                <a:cs typeface="+mn-cs"/>
+              </a:defRPr>
+            </a:lvl6pPr>
+            <a:lvl7pPr marL="2743200" algn="l" defTabSz="914400" rtl="0" eaLnBrk="1" latinLnBrk="0" hangingPunct="1">
+              <a:defRPr sz="1800" kern="1200">
+                <a:solidFill>
+                  <a:schemeClr val="tx1"/>
+                </a:solidFill>
+                <a:latin typeface="+mn-lt"/>
+                <a:ea typeface="+mn-ea"/>
+                <a:cs typeface="+mn-cs"/>
+              </a:defRPr>
+            </a:lvl7pPr>
+            <a:lvl8pPr marL="3200400" algn="l" defTabSz="914400" rtl="0" eaLnBrk="1" latinLnBrk="0" hangingPunct="1">
+              <a:defRPr sz="1800" kern="1200">
+                <a:solidFill>
+                  <a:schemeClr val="tx1"/>
+                </a:solidFill>
+                <a:latin typeface="+mn-lt"/>
+                <a:ea typeface="+mn-ea"/>
+                <a:cs typeface="+mn-cs"/>
+              </a:defRPr>
+            </a:lvl8pPr>
+            <a:lvl9pPr marL="3657600" algn="l" defTabSz="914400" rtl="0" eaLnBrk="1" latinLnBrk="0" hangingPunct="1">
+              <a:defRPr sz="1800" kern="1200">
+                <a:solidFill>
+                  <a:schemeClr val="tx1"/>
+                </a:solidFill>
+                <a:latin typeface="+mn-lt"/>
+                <a:ea typeface="+mn-ea"/>
+                <a:cs typeface="+mn-cs"/>
+              </a:defRPr>
+            </a:lvl9pPr>
+          </a:lstStyle>
+          <a:p>
+            <a:pPr algn="ctr" hangingPunct="0">
+              <a:defRPr/>
+            </a:pPr>
+            <a:endParaRPr lang="en-US" kern="0" dirty="0">
+              <a:cs typeface="Helvetica"/>
+              <a:sym typeface="Helvetica"/>
+            </a:endParaRPr>
+          </a:p>
+        </p:txBody>
+      </p:sp>
+      <p:sp>
+        <p:nvSpPr>
+          <p:cNvPr id="3" name="TextBox 8">
+            <a:extLst>
+              <a:ext uri="{FF2B5EF4-FFF2-40B4-BE49-F238E27FC236}">
+                <a16:creationId xmlns:a16="http://schemas.microsoft.com/office/drawing/2014/main" id="{CE47D629-1966-D913-3729-3C0FCCA6AFA3}"/>
+              </a:ext>
+            </a:extLst>
+          </p:cNvPr>
+          <p:cNvSpPr txBox="1"/>
+          <p:nvPr/>
+        </p:nvSpPr>
+        <p:spPr>
+          <a:xfrm>
+            <a:off x="10821427" y="1272092"/>
+            <a:ext cx="1235102" cy="369332"/>
+          </a:xfrm>
+          <a:prstGeom prst="rect">
+            <a:avLst/>
+          </a:prstGeom>
+          <a:solidFill>
+            <a:schemeClr val="accent4"/>
+          </a:solidFill>
+          <a:ln w="12700" cap="flat">
+            <a:noFill/>
+            <a:miter lim="400000"/>
+          </a:ln>
+          <a:effectLst/>
+          <a:sp3d/>
+        </p:spPr>
+        <p:style>
+          <a:lnRef idx="0">
+            <a:scrgbClr r="0" g="0" b="0"/>
+          </a:lnRef>
+          <a:fillRef idx="0">
+            <a:scrgbClr r="0" g="0" b="0"/>
+          </a:fillRef>
+          <a:effectRef idx="0">
+            <a:scrgbClr r="0" g="0" b="0"/>
+          </a:effectRef>
+          <a:fontRef idx="none"/>
+        </p:style>
+        <p:txBody>
+          <a:bodyPr wrap="square">
+            <a:spAutoFit/>
+          </a:bodyPr>
+          <a:lstStyle/>
+          <a:p>
+            <a:pPr algn="ctr"/>
+            <a:r>
+              <a:rPr lang="en-US" kern="0" dirty="0">
+                <a:solidFill>
+                  <a:srgbClr val="202020"/>
+                </a:solidFill>
+                <a:latin typeface="Gill Sans MT" panose="020B0502020104020203" pitchFamily="34" charset="0"/>
+                <a:cs typeface="Helvetica"/>
+                <a:sym typeface="Helvetica"/>
+              </a:rPr>
+              <a:t>b</a:t>
+            </a:r>
+            <a:r>
+              <a:rPr kumimoji="0" lang="en-US" sz="1800" b="0" i="0" u="none" strike="noStrike" kern="0" cap="none" spc="0" normalizeH="0" baseline="0" noProof="0" dirty="0">
+                <a:ln>
+                  <a:noFill/>
+                </a:ln>
+                <a:solidFill>
+                  <a:srgbClr val="202020"/>
+                </a:solidFill>
+                <a:effectLst/>
+                <a:uLnTx/>
+                <a:uFillTx/>
+                <a:latin typeface="Gill Sans MT" panose="020B0502020104020203" pitchFamily="34" charset="0"/>
+                <a:cs typeface="Helvetica"/>
+                <a:sym typeface="Helvetica"/>
+              </a:rPr>
+              <a:t>.c</a:t>
+            </a:r>
+            <a:endParaRPr lang="en-US" dirty="0"/>
+          </a:p>
+        </p:txBody>
+      </p:sp>
+      <p:sp>
+        <p:nvSpPr>
+          <p:cNvPr id="10" name="矩形 9">
+            <a:extLst>
+              <a:ext uri="{FF2B5EF4-FFF2-40B4-BE49-F238E27FC236}">
+                <a16:creationId xmlns:a16="http://schemas.microsoft.com/office/drawing/2014/main" id="{6AF00238-2DED-0E26-3709-20A850FBA03F}"/>
+              </a:ext>
+            </a:extLst>
+          </p:cNvPr>
+          <p:cNvSpPr/>
+          <p:nvPr/>
+        </p:nvSpPr>
+        <p:spPr>
+          <a:xfrm>
+            <a:off x="455892" y="4528159"/>
+            <a:ext cx="5179512" cy="206680"/>
+          </a:xfrm>
+          <a:prstGeom prst="rect">
+            <a:avLst/>
+          </a:prstGeom>
+          <a:noFill/>
+          <a:ln w="9525" cap="flat" cmpd="sng" algn="ctr">
+            <a:solidFill>
+              <a:schemeClr val="accent1"/>
+            </a:solidFill>
+            <a:prstDash val="solid"/>
+            <a:round/>
+            <a:headEnd type="none" w="med" len="med"/>
+            <a:tailEnd type="none" w="med" len="med"/>
+          </a:ln>
+        </p:spPr>
+        <p:style>
+          <a:lnRef idx="0">
+            <a:scrgbClr r="0" g="0" b="0"/>
+          </a:lnRef>
+          <a:fillRef idx="0">
+            <a:scrgbClr r="0" g="0" b="0"/>
+          </a:fillRef>
+          <a:effectRef idx="0">
+            <a:scrgbClr r="0" g="0" b="0"/>
+          </a:effectRef>
+          <a:fontRef idx="minor">
+            <a:schemeClr val="accent1"/>
+          </a:fontRef>
+        </p:style>
+        <p:txBody>
+          <a:bodyPr rot="0" spcFirstLastPara="1" vertOverflow="overflow" horzOverflow="overflow" vert="horz" wrap="square" lIns="0" tIns="0" rIns="0" bIns="0" numCol="1" spcCol="38100" rtlCol="0" anchor="ctr">
+            <a:spAutoFit/>
+          </a:bodyPr>
+          <a:lstStyle/>
+          <a:p>
+            <a:pPr marL="0" marR="0" indent="0" algn="ctr" defTabSz="584200" rtl="0" fontAlgn="auto" latinLnBrk="0" hangingPunct="0">
+              <a:lnSpc>
+                <a:spcPct val="100000"/>
+              </a:lnSpc>
+              <a:spcBef>
+                <a:spcPts val="0"/>
+              </a:spcBef>
+              <a:spcAft>
+                <a:spcPts val="0"/>
+              </a:spcAft>
+              <a:buClrTx/>
+              <a:buSzTx/>
+              <a:buFontTx/>
+              <a:buNone/>
+              <a:tabLst/>
+            </a:pPr>
+            <a:endParaRPr kumimoji="0" lang="zh-CN" altLang="en-US" sz="5800" b="0" i="0" u="none" strike="noStrike" cap="none" spc="0" normalizeH="0" baseline="0">
+              <a:ln>
+                <a:noFill/>
+              </a:ln>
+              <a:solidFill>
+                <a:srgbClr val="5E5E5E"/>
+              </a:solidFill>
+              <a:effectLst/>
+              <a:uFillTx/>
+              <a:latin typeface="+mn-lt"/>
+              <a:ea typeface="+mn-ea"/>
+              <a:cs typeface="+mn-cs"/>
+              <a:sym typeface="Helvetica"/>
+            </a:endParaRPr>
+          </a:p>
+        </p:txBody>
+      </p:sp>
+    </p:spTree>
+    <p:extLst>
+      <p:ext uri="{BB962C8B-B14F-4D97-AF65-F5344CB8AC3E}">
+        <p14:creationId xmlns:p14="http://schemas.microsoft.com/office/powerpoint/2010/main" val="3179309753"/>
+      </p:ext>
+    </p:extLst>
+  </p:cSld>
+  <p:clrMapOvr>
+    <a:masterClrMapping/>
+  </p:clrMapOvr>
+  <p:transition spd="med"/>
+</p:sld>
+</file>
+
+<file path=ppt/slides/slide18.xml><?xml version="1.0" encoding="utf-8"?>
+<p:sld xmlns:a="http://schemas.openxmlformats.org/drawingml/2006/main" xmlns:r="http://schemas.openxmlformats.org/officeDocument/2006/relationships" xmlns:p="http://schemas.openxmlformats.org/presentationml/2006/main">
+  <p:cSld>
+    <p:spTree>
+      <p:nvGrpSpPr>
+        <p:cNvPr id="1" name=""/>
+        <p:cNvGrpSpPr/>
+        <p:nvPr/>
+      </p:nvGrpSpPr>
+      <p:grpSpPr>
+        <a:xfrm>
+          <a:off x="0" y="0"/>
+          <a:ext cx="0" cy="0"/>
+          <a:chOff x="0" y="0"/>
+          <a:chExt cx="0" cy="0"/>
+        </a:xfrm>
+      </p:grpSpPr>
+      <p:sp>
+        <p:nvSpPr>
+          <p:cNvPr id="2" name="Title 1">
+            <a:extLst>
+              <a:ext uri="{FF2B5EF4-FFF2-40B4-BE49-F238E27FC236}">
+                <a16:creationId xmlns:a16="http://schemas.microsoft.com/office/drawing/2014/main" id="{62715A2E-656D-EC5D-FDE7-230488526EFC}"/>
+              </a:ext>
+            </a:extLst>
+          </p:cNvPr>
+          <p:cNvSpPr>
+            <a:spLocks noGrp="1"/>
+          </p:cNvSpPr>
+          <p:nvPr>
+            <p:ph type="title"/>
+          </p:nvPr>
+        </p:nvSpPr>
+        <p:spPr/>
+        <p:txBody>
+          <a:bodyPr/>
+          <a:lstStyle/>
+          <a:p>
+            <a:r>
+              <a:rPr lang="en-US" altLang="zh-CN" dirty="0"/>
+              <a:t>Example: Unnamed Semaphore</a:t>
+            </a:r>
+            <a:endParaRPr lang="en-US" dirty="0"/>
+          </a:p>
+        </p:txBody>
+      </p:sp>
+      <p:sp>
+        <p:nvSpPr>
+          <p:cNvPr id="4" name="Slide Number Placeholder 3">
+            <a:extLst>
+              <a:ext uri="{FF2B5EF4-FFF2-40B4-BE49-F238E27FC236}">
+                <a16:creationId xmlns:a16="http://schemas.microsoft.com/office/drawing/2014/main" id="{C903FAE4-3A59-50C4-1BA6-A9AEC61D52CB}"/>
+              </a:ext>
+            </a:extLst>
+          </p:cNvPr>
+          <p:cNvSpPr>
+            <a:spLocks noGrp="1"/>
+          </p:cNvSpPr>
+          <p:nvPr>
+            <p:ph type="sldNum" sz="quarter" idx="2"/>
+          </p:nvPr>
+        </p:nvSpPr>
+        <p:spPr>
+          <a:xfrm>
+            <a:off x="11686121" y="6400800"/>
+            <a:ext cx="218008" cy="379591"/>
+          </a:xfrm>
+        </p:spPr>
+        <p:txBody>
+          <a:bodyPr/>
+          <a:lstStyle/>
+          <a:p>
+            <a:pPr marL="0" marR="0" lvl="0" indent="0" algn="ctr" defTabSz="412750" rtl="0" eaLnBrk="1" fontAlgn="auto" latinLnBrk="0" hangingPunct="0">
+              <a:lnSpc>
+                <a:spcPct val="100000"/>
+              </a:lnSpc>
+              <a:spcBef>
+                <a:spcPts val="0"/>
+              </a:spcBef>
+              <a:spcAft>
+                <a:spcPts val="0"/>
+              </a:spcAft>
+              <a:buClrTx/>
+              <a:buSzTx/>
+              <a:buFontTx/>
+              <a:buNone/>
+              <a:tabLst/>
+              <a:defRPr/>
+            </a:pPr>
+            <a:fld id="{86CB4B4D-7CA3-9044-876B-883B54F8677D}" type="slidenum">
+              <a:rPr kumimoji="0" lang="en-US" sz="1800" b="0" i="0" u="none" strike="noStrike" kern="0" cap="none" spc="0" normalizeH="0" baseline="0" noProof="0">
+                <a:ln>
+                  <a:noFill/>
+                </a:ln>
+                <a:solidFill>
+                  <a:srgbClr val="800080"/>
+                </a:solidFill>
+                <a:effectLst/>
+                <a:uLnTx/>
+                <a:uFillTx/>
+                <a:latin typeface="Gill Sans MT" panose="020B0502020104020203" pitchFamily="34" charset="0"/>
+                <a:cs typeface="Helvetica"/>
+                <a:sym typeface="Helvetica"/>
+              </a:rPr>
+              <a:pPr marL="0" marR="0" lvl="0" indent="0" algn="ctr" defTabSz="412750" rtl="0" eaLnBrk="1" fontAlgn="auto" latinLnBrk="0" hangingPunct="0">
+                <a:lnSpc>
+                  <a:spcPct val="100000"/>
+                </a:lnSpc>
+                <a:spcBef>
+                  <a:spcPts val="0"/>
+                </a:spcBef>
+                <a:spcAft>
+                  <a:spcPts val="0"/>
+                </a:spcAft>
+                <a:buClrTx/>
+                <a:buSzTx/>
+                <a:buFontTx/>
+                <a:buNone/>
+                <a:tabLst/>
+                <a:defRPr/>
+              </a:pPr>
+              <a:t>18</a:t>
+            </a:fld>
+            <a:endParaRPr kumimoji="0" lang="en-US" sz="1800" b="0" i="0" u="none" strike="noStrike" kern="0" cap="none" spc="0" normalizeH="0" baseline="0" noProof="0">
+              <a:ln>
+                <a:noFill/>
+              </a:ln>
+              <a:solidFill>
+                <a:srgbClr val="800080"/>
+              </a:solidFill>
+              <a:effectLst/>
+              <a:uLnTx/>
+              <a:uFillTx/>
+              <a:latin typeface="Gill Sans MT" panose="020B0502020104020203" pitchFamily="34" charset="0"/>
+              <a:cs typeface="Helvetica"/>
+              <a:sym typeface="Helvetica"/>
+            </a:endParaRPr>
+          </a:p>
+        </p:txBody>
+      </p:sp>
+      <p:sp>
+        <p:nvSpPr>
+          <p:cNvPr id="5" name="文本占位符 7">
+            <a:extLst>
+              <a:ext uri="{FF2B5EF4-FFF2-40B4-BE49-F238E27FC236}">
+                <a16:creationId xmlns:a16="http://schemas.microsoft.com/office/drawing/2014/main" id="{14771B40-21CF-5E90-3A74-392C5D51EA85}"/>
+              </a:ext>
+            </a:extLst>
+          </p:cNvPr>
+          <p:cNvSpPr>
+            <a:spLocks noGrp="1"/>
+          </p:cNvSpPr>
+          <p:nvPr>
+            <p:ph type="body" idx="1"/>
+          </p:nvPr>
+        </p:nvSpPr>
+        <p:spPr>
+          <a:xfrm>
+            <a:off x="844550" y="1229566"/>
+            <a:ext cx="10502900" cy="5382774"/>
+          </a:xfrm>
+        </p:spPr>
+        <p:txBody>
+          <a:bodyPr>
+            <a:normAutofit/>
+          </a:bodyPr>
+          <a:lstStyle/>
+          <a:p>
+            <a:pPr algn="l">
               <a:buFont typeface="Wingdings" panose="05000000000000000000" pitchFamily="2" charset="2"/>
               <a:buChar char="Ø"/>
             </a:pPr>
             <a:r>
-              <a:rPr lang="en-US" altLang="zh-CN" sz="2400" dirty="0" err="1">
+              <a:rPr lang="en-US" altLang="zh-CN" sz="2400" dirty="0">
                 <a:solidFill>
                   <a:srgbClr val="000000"/>
                 </a:solidFill>
                 <a:latin typeface="-apple-system"/>
               </a:rPr>
-              <a:t>mmap</a:t>
-            </a:r>
+              <a:t>You can also use the unnamed semaphore to implement inter-process semaphores.</a:t>
+            </a:r>
+          </a:p>
+          <a:p>
+            <a:pPr algn="l">
+              <a:buFont typeface="Wingdings" panose="05000000000000000000" pitchFamily="2" charset="2"/>
+              <a:buChar char="Ø"/>
+            </a:pPr>
             <a:r>
               <a:rPr lang="en-US" altLang="zh-CN" sz="2400" dirty="0">
                 <a:solidFill>
@@ -11334,7 +14455,22 @@
                 </a:solidFill>
                 <a:latin typeface="-apple-system"/>
               </a:rPr>
-              <a:t>(): map the shared memory into the process’s address space</a:t>
+              <a:t>But it is harder than using named semaphore and beyond the scope of this course.</a:t>
+            </a:r>
+          </a:p>
+          <a:p>
+            <a:pPr algn="l">
+              <a:buFont typeface="Wingdings" panose="05000000000000000000" pitchFamily="2" charset="2"/>
+              <a:buChar char="Ø"/>
+            </a:pPr>
+            <a:r>
+              <a:rPr lang="en-US" altLang="zh-CN" sz="2400" dirty="0">
+                <a:solidFill>
+                  <a:srgbClr val="000000"/>
+                </a:solidFill>
+                <a:latin typeface="-apple-system"/>
+              </a:rPr>
+              <a:t>If you are interested in operating system, you can try it.</a:t>
             </a:r>
           </a:p>
         </p:txBody>
@@ -11353,7 +14489,7 @@
 </p:sld>
 </file>
 
-<file path=ppt/slides/slide17.xml><?xml version="1.0" encoding="utf-8"?>
+<file path=ppt/slides/slide19.xml><?xml version="1.0" encoding="utf-8"?>
 <p:sld xmlns:a="http://schemas.openxmlformats.org/drawingml/2006/main" xmlns:r="http://schemas.openxmlformats.org/officeDocument/2006/relationships" xmlns:p="http://schemas.openxmlformats.org/presentationml/2006/main">
   <p:cSld>
     <p:spTree>
@@ -11622,7 +14758,7 @@
               <a:rPr lang="en-US" altLang="zh-CN" sz="2400" dirty="0">
                 <a:cs typeface="Helvetica"/>
               </a:rPr>
-              <a:t>Remain 25 days</a:t>
+              <a:t>25 days left</a:t>
             </a:r>
             <a:endParaRPr lang="en-US" sz="2400" dirty="0">
               <a:cs typeface="Helvetica"/>
@@ -11849,16 +14985,10 @@
               <a:defRPr/>
             </a:pPr>
             <a:r>
-              <a:rPr lang="en-US" sz="2400" dirty="0" err="1">
-                <a:cs typeface="Helvetica"/>
-              </a:rPr>
-              <a:t>Intefaces</a:t>
-            </a:r>
-            <a:r>
               <a:rPr lang="en-US" sz="2400" dirty="0">
                 <a:cs typeface="Helvetica"/>
               </a:rPr>
-              <a:t> in </a:t>
+              <a:t>Interfaces in </a:t>
             </a:r>
             <a:r>
               <a:rPr kumimoji="0" lang="en-US" altLang="zh-CN" sz="2400" b="0" i="0" u="none" strike="noStrike" kern="0" cap="none" spc="0" normalizeH="0" baseline="0" noProof="0" dirty="0">
@@ -11939,7 +15069,7 @@
                 <a:cs typeface="Helvetica"/>
                 <a:sym typeface="Helvetica"/>
               </a:rPr>
-              <a:t>How to implement inter-process semaphores</a:t>
+              <a:t>How to use inter-process semaphores</a:t>
             </a:r>
           </a:p>
         </p:txBody>
@@ -13609,7 +16739,15 @@
             </a:pPr>
             <a:r>
               <a:rPr lang="en-US" altLang="zh-CN" sz="2400" dirty="0"/>
-              <a:t>Purpose: initialize an unnamed semaphore.</a:t>
+              <a:t>Purpose: initialize an </a:t>
+            </a:r>
+            <a:r>
+              <a:rPr lang="en-US" altLang="zh-CN" sz="2400" i="1" u="sng" dirty="0"/>
+              <a:t>unnamed semaphore</a:t>
+            </a:r>
+            <a:r>
+              <a:rPr lang="en-US" altLang="zh-CN" sz="2400" dirty="0"/>
+              <a:t>.</a:t>
             </a:r>
           </a:p>
         </p:txBody>
@@ -14698,7 +17836,15 @@
             </a:pPr>
             <a:r>
               <a:rPr lang="en-US" altLang="zh-CN" sz="2400" dirty="0"/>
-              <a:t>Purpose: initialize and open a named semaphore.</a:t>
+              <a:t>Purpose: initialize and open a </a:t>
+            </a:r>
+            <a:r>
+              <a:rPr lang="en-US" altLang="zh-CN" sz="2400" i="1" u="sng" dirty="0"/>
+              <a:t>named semaphore </a:t>
+            </a:r>
+            <a:r>
+              <a:rPr lang="en-US" altLang="zh-CN" sz="2400" dirty="0"/>
+              <a:t>(inter-process).</a:t>
             </a:r>
           </a:p>
         </p:txBody>
@@ -15480,7 +18626,7 @@
                 <a:latin typeface="Gill Sans MT" panose="020B0502020104020203" pitchFamily="34" charset="0"/>
                 <a:cs typeface="Helvetica"/>
               </a:rPr>
-              <a:t> Permission bits control access to files or objects and are represented as a three- or four-digit octal number. Each digit represents permissions for the owner, group, and others, respectively.</a:t>
+              <a:t> Permission bits control access to files or objects and are represented as a three- or four-digit number. Each digit represents permissions for the owner, group, and others, respectively.</a:t>
             </a:r>
           </a:p>
           <a:p>
@@ -15774,7 +18920,7 @@
         </p:nvSpPr>
         <p:spPr>
           <a:xfrm>
-            <a:off x="11686121" y="6400800"/>
+            <a:off x="12086953" y="6400800"/>
             <a:ext cx="218008" cy="379591"/>
           </a:xfrm>
         </p:spPr>
@@ -16406,120 +19552,6 @@
               </a:rPr>
               <a:t> 4: Other users (other users who do not belong to the same group) have only read permission (4 = 4, i.e. r--).</a:t>
             </a:r>
-          </a:p>
-        </p:txBody>
-      </p:sp>
-      <p:pic>
-        <p:nvPicPr>
-          <p:cNvPr id="5" name="图片 4">
-            <a:extLst>
-              <a:ext uri="{FF2B5EF4-FFF2-40B4-BE49-F238E27FC236}">
-                <a16:creationId xmlns:a16="http://schemas.microsoft.com/office/drawing/2014/main" id="{B4DE650B-D5CE-7C9B-AABB-4948329B8DDD}"/>
-              </a:ext>
-            </a:extLst>
-          </p:cNvPr>
-          <p:cNvPicPr>
-            <a:picLocks noChangeAspect="1"/>
-          </p:cNvPicPr>
-          <p:nvPr/>
-        </p:nvPicPr>
-        <p:blipFill>
-          <a:blip r:embed="rId3"/>
-          <a:stretch>
-            <a:fillRect/>
-          </a:stretch>
-        </p:blipFill>
-        <p:spPr>
-          <a:xfrm>
-            <a:off x="1262740" y="5370317"/>
-            <a:ext cx="8083642" cy="811957"/>
-          </a:xfrm>
-          <a:prstGeom prst="rect">
-            <a:avLst/>
-          </a:prstGeom>
-        </p:spPr>
-      </p:pic>
-      <p:sp>
-        <p:nvSpPr>
-          <p:cNvPr id="6" name="矩形 5">
-            <a:extLst>
-              <a:ext uri="{FF2B5EF4-FFF2-40B4-BE49-F238E27FC236}">
-                <a16:creationId xmlns:a16="http://schemas.microsoft.com/office/drawing/2014/main" id="{0992CF2B-CEFA-17BC-4014-CBB478EEFA58}"/>
-              </a:ext>
-            </a:extLst>
-          </p:cNvPr>
-          <p:cNvSpPr/>
-          <p:nvPr/>
-        </p:nvSpPr>
-        <p:spPr>
-          <a:xfrm>
-            <a:off x="1033397" y="5916865"/>
-            <a:ext cx="1766170" cy="382044"/>
-          </a:xfrm>
-          <a:prstGeom prst="rect">
-            <a:avLst/>
-          </a:prstGeom>
-          <a:noFill/>
-          <a:ln w="38100" cap="flat" cmpd="sng" algn="ctr">
-            <a:solidFill>
-              <a:schemeClr val="accent5"/>
-            </a:solidFill>
-            <a:prstDash val="solid"/>
-            <a:round/>
-            <a:headEnd type="none" w="med" len="med"/>
-            <a:tailEnd type="none" w="med" len="med"/>
-          </a:ln>
-        </p:spPr>
-        <p:style>
-          <a:lnRef idx="0">
-            <a:scrgbClr r="0" g="0" b="0"/>
-          </a:lnRef>
-          <a:fillRef idx="0">
-            <a:scrgbClr r="0" g="0" b="0"/>
-          </a:fillRef>
-          <a:effectRef idx="0">
-            <a:scrgbClr r="0" g="0" b="0"/>
-          </a:effectRef>
-          <a:fontRef idx="minor">
-            <a:schemeClr val="accent5"/>
-          </a:fontRef>
-        </p:style>
-        <p:txBody>
-          <a:bodyPr rot="0" spcFirstLastPara="1" vertOverflow="overflow" horzOverflow="overflow" vert="horz" wrap="square" lIns="0" tIns="0" rIns="0" bIns="0" numCol="1" spcCol="38100" rtlCol="0" anchor="ctr">
-            <a:spAutoFit/>
-          </a:bodyPr>
-          <a:lstStyle/>
-          <a:p>
-            <a:pPr marL="0" marR="0" indent="0" algn="ctr" defTabSz="584200" rtl="0" fontAlgn="auto" latinLnBrk="0" hangingPunct="0">
-              <a:lnSpc>
-                <a:spcPct val="100000"/>
-              </a:lnSpc>
-              <a:spcBef>
-                <a:spcPts val="0"/>
-              </a:spcBef>
-              <a:spcAft>
-                <a:spcPts val="0"/>
-              </a:spcAft>
-              <a:buClrTx/>
-              <a:buSzTx/>
-              <a:buFontTx/>
-              <a:buNone/>
-              <a:tabLst/>
-            </a:pPr>
-            <a:endParaRPr kumimoji="0" lang="zh-CN" altLang="en-US" sz="5800" b="0" i="0" u="none" strike="noStrike" cap="none" spc="0" normalizeH="0" baseline="0">
-              <a:ln>
-                <a:noFill/>
-              </a:ln>
-              <a:solidFill>
-                <a:srgbClr val="5E5E5E"/>
-              </a:solidFill>
-              <a:effectLst/>
-              <a:uFillTx/>
-              <a:latin typeface="+mn-lt"/>
-              <a:ea typeface="+mn-ea"/>
-              <a:cs typeface="+mn-cs"/>
-              <a:sym typeface="Helvetica"/>
-            </a:endParaRPr>
           </a:p>
         </p:txBody>
       </p:sp>
@@ -16776,19 +19808,6 @@
               </a:rPr>
               <a:t>t is useful in cases where you don't want the process or thread to block while waiting for the semaphore.</a:t>
             </a:r>
-            <a:endParaRPr kumimoji="0" lang="zh-CN" altLang="zh-CN" sz="2400" b="0" i="0" u="none" strike="noStrike" kern="0" cap="none" spc="0" normalizeH="0" baseline="0" noProof="0" dirty="0">
-              <a:ln>
-                <a:noFill/>
-              </a:ln>
-              <a:solidFill>
-                <a:srgbClr val="202020"/>
-              </a:solidFill>
-              <a:effectLst/>
-              <a:uLnTx/>
-              <a:uFillTx/>
-              <a:latin typeface="Gill Sans MT" panose="020B0502020104020203" pitchFamily="34" charset="0"/>
-              <a:cs typeface="Helvetica"/>
-            </a:endParaRPr>
           </a:p>
           <a:p>
             <a:pPr marL="457200" marR="0" lvl="1" indent="0" algn="l" defTabSz="914400" rtl="0" eaLnBrk="0" fontAlgn="base" latinLnBrk="0" hangingPunct="0">
@@ -17683,7 +20702,7 @@
                 <a:effectLst/>
                 <a:latin typeface="Consolas" panose="020B0609020204030204" pitchFamily="49" charset="0"/>
               </a:rPr>
-              <a:t>Semaphore unavailable, try again later.</a:t>
+              <a:t>Semaphore unavailable, do other things.</a:t>
             </a:r>
             <a:r>
               <a:rPr lang="en-HK" altLang="zh-CN" b="0" dirty="0">

--- a/tutorial/T06/tut06.pptx
+++ b/tutorial/T06/tut06.pptx
@@ -5572,7 +5572,15 @@
             </a:pPr>
             <a:r>
               <a:rPr lang="en-US" altLang="zh-CN" sz="2400" dirty="0"/>
-              <a:t>Purpose: used to indicate that the calling process is finished using the named semaphore.</a:t>
+              <a:t>Purpose: used to indicate that the calling process is finished using the </a:t>
+            </a:r>
+            <a:r>
+              <a:rPr lang="en-US" altLang="zh-CN" sz="2400" i="1" u="sng" dirty="0"/>
+              <a:t>named semaphore</a:t>
+            </a:r>
+            <a:r>
+              <a:rPr lang="en-US" altLang="zh-CN" sz="2400" dirty="0"/>
+              <a:t>.</a:t>
             </a:r>
             <a:endParaRPr kumimoji="0" lang="zh-CN" altLang="zh-CN" sz="2400" b="0" i="0" u="none" strike="noStrike" kern="0" cap="none" spc="0" normalizeH="0" baseline="0" noProof="0" dirty="0">
               <a:ln>
@@ -6462,7 +6470,15 @@
             </a:pPr>
             <a:r>
               <a:rPr lang="en-US" altLang="zh-CN" sz="2400" dirty="0"/>
-              <a:t>Purpose: remove the named semaphore.</a:t>
+              <a:t>Purpose: remove the </a:t>
+            </a:r>
+            <a:r>
+              <a:rPr lang="en-US" altLang="zh-CN" sz="2400" i="1" u="sng" dirty="0"/>
+              <a:t>named semaphore</a:t>
+            </a:r>
+            <a:r>
+              <a:rPr lang="en-US" altLang="zh-CN" sz="2400" dirty="0"/>
+              <a:t>.</a:t>
             </a:r>
             <a:endParaRPr kumimoji="0" lang="en-US" altLang="zh-CN" sz="1800" b="0" i="0" u="none" strike="noStrike" kern="0" cap="none" spc="0" normalizeH="0" baseline="0" noProof="0" dirty="0">
               <a:ln>
@@ -6524,7 +6540,7 @@
               <a:rPr lang="en-US" altLang="zh-CN" sz="1800" dirty="0">
                 <a:cs typeface="Helvetica"/>
               </a:rPr>
-              <a:t>is called, destruction of the semaphore is postponed until all references to the semaphore have been destroyed by calls to</a:t>
+              <a:t>is called, destruction of the semaphore is postponed until all references to the semaphore have been closed by calls to</a:t>
             </a:r>
             <a:r>
               <a:rPr lang="en-US" altLang="zh-CN" sz="1800" kern="1200" dirty="0">
@@ -6557,7 +6573,7 @@
               <a:rPr lang="en-US" altLang="zh-CN" sz="1800" dirty="0">
                 <a:cs typeface="Helvetica"/>
               </a:rPr>
-              <a:t>, _exit(), or exec.</a:t>
+              <a:t>, or the process exits.</a:t>
             </a:r>
           </a:p>
         </p:txBody>
@@ -10167,7 +10183,7 @@
                 <a:cs typeface="Helvetica"/>
                 <a:sym typeface="Helvetica"/>
               </a:rPr>
-              <a:t>to run a and b simultaneously.</a:t>
+              <a:t>to run a and b concurrently.</a:t>
             </a:r>
           </a:p>
           <a:p>
@@ -10225,7 +10241,7 @@
                 <a:cs typeface="Helvetica"/>
                 <a:sym typeface="Helvetica"/>
               </a:rPr>
-              <a:t>./a &amp; ./b means that a </a:t>
+              <a:t>E.g. ./a &amp; ./b means that a </a:t>
             </a:r>
             <a:r>
               <a:rPr lang="en-US" altLang="zh-CN" kern="0" dirty="0">
@@ -10659,6 +10675,18 @@
                 <a:srgbClr val="000000"/>
               </a:solidFill>
               <a:effectLst/>
+              <a:latin typeface="-apple-system"/>
+            </a:endParaRPr>
+          </a:p>
+          <a:p>
+            <a:pPr algn="l">
+              <a:buFont typeface="Wingdings" panose="05000000000000000000" pitchFamily="2" charset="2"/>
+              <a:buChar char="Ø"/>
+            </a:pPr>
+            <a:endParaRPr lang="en-US" altLang="zh-CN" sz="2400" dirty="0">
+              <a:solidFill>
+                <a:srgbClr val="000000"/>
+              </a:solidFill>
               <a:latin typeface="-apple-system"/>
             </a:endParaRPr>
           </a:p>
@@ -10927,7 +10955,7 @@
         </p:nvSpPr>
         <p:spPr>
           <a:xfrm>
-            <a:off x="844550" y="1229566"/>
+            <a:off x="844550" y="490532"/>
             <a:ext cx="10502900" cy="5382774"/>
           </a:xfrm>
         </p:spPr>
@@ -10937,28 +10965,38 @@
           </a:bodyPr>
           <a:lstStyle/>
           <a:p>
+            <a:pPr marL="0" indent="0" algn="l">
+              <a:buNone/>
+            </a:pPr>
+            <a:endParaRPr lang="en-US" altLang="zh-CN" sz="2400" dirty="0">
+              <a:solidFill>
+                <a:srgbClr val="000000"/>
+              </a:solidFill>
+              <a:latin typeface="-apple-system"/>
+            </a:endParaRPr>
+          </a:p>
+          <a:p>
             <a:pPr algn="l">
               <a:buFont typeface="Wingdings" panose="05000000000000000000" pitchFamily="2" charset="2"/>
               <a:buChar char="Ø"/>
             </a:pPr>
             <a:r>
-              <a:rPr lang="en-US" altLang="zh-CN" sz="2400" i="0" dirty="0" err="1">
-                <a:solidFill>
-                  <a:srgbClr val="000000"/>
-                </a:solidFill>
-                <a:effectLst/>
+              <a:rPr lang="en-US" altLang="zh-CN" sz="2400" dirty="0">
+                <a:solidFill>
+                  <a:srgbClr val="000000"/>
+                </a:solidFill>
                 <a:latin typeface="-apple-system"/>
               </a:rPr>
-              <a:t>a.</a:t>
-            </a:r>
-            <a:r>
-              <a:rPr lang="en-US" altLang="zh-CN" sz="2400" dirty="0" err="1">
+              <a:t>But what if we change the initial value of the semaphore to 2</a:t>
+            </a:r>
+            <a:r>
+              <a:rPr lang="zh-CN" altLang="en-US" sz="2400" dirty="0">
                 <a:solidFill>
                   <a:srgbClr val="000000"/>
                 </a:solidFill>
                 <a:latin typeface="-apple-system"/>
               </a:rPr>
-              <a:t>c</a:t>
+              <a:t>？</a:t>
             </a:r>
             <a:r>
               <a:rPr lang="en-US" altLang="zh-CN" sz="2400" dirty="0">
@@ -10967,58 +11005,7 @@
                 </a:solidFill>
                 <a:latin typeface="-apple-system"/>
               </a:rPr>
-              <a:t> and </a:t>
-            </a:r>
-            <a:r>
-              <a:rPr lang="en-US" altLang="zh-CN" sz="2400" dirty="0" err="1">
-                <a:solidFill>
-                  <a:srgbClr val="000000"/>
-                </a:solidFill>
-                <a:latin typeface="-apple-system"/>
-              </a:rPr>
-              <a:t>b.c</a:t>
-            </a:r>
-            <a:r>
-              <a:rPr lang="en-US" altLang="zh-CN" sz="2400" dirty="0">
-                <a:solidFill>
-                  <a:srgbClr val="000000"/>
-                </a:solidFill>
-                <a:latin typeface="-apple-system"/>
-              </a:rPr>
-              <a:t> works.</a:t>
-            </a:r>
-          </a:p>
-          <a:p>
-            <a:pPr algn="l">
-              <a:buFont typeface="Wingdings" panose="05000000000000000000" pitchFamily="2" charset="2"/>
-              <a:buChar char="Ø"/>
-            </a:pPr>
-            <a:r>
-              <a:rPr lang="en-US" altLang="zh-CN" sz="2400" dirty="0">
-                <a:solidFill>
-                  <a:srgbClr val="000000"/>
-                </a:solidFill>
-                <a:latin typeface="-apple-system"/>
-              </a:rPr>
-              <a:t>But what if we change the initial value of the semaphore to 2</a:t>
-            </a:r>
-            <a:r>
-              <a:rPr lang="zh-CN" altLang="en-US" sz="2400" dirty="0">
-                <a:solidFill>
-                  <a:srgbClr val="000000"/>
-                </a:solidFill>
-                <a:latin typeface="-apple-system"/>
-              </a:rPr>
-              <a:t>？</a:t>
-            </a:r>
-            <a:r>
-              <a:rPr lang="en-US" altLang="zh-CN" sz="2400" dirty="0">
-                <a:solidFill>
-                  <a:srgbClr val="000000"/>
-                </a:solidFill>
-                <a:latin typeface="-apple-system"/>
-              </a:rPr>
-              <a:t>Both process A and B will enter the critical section.</a:t>
+              <a:t>We want both process A and B to enter the critical section.</a:t>
             </a:r>
           </a:p>
           <a:p>
@@ -11339,7 +11326,7 @@
         </p:blipFill>
         <p:spPr>
           <a:xfrm>
-            <a:off x="3202737" y="4329350"/>
+            <a:off x="3202737" y="3590316"/>
             <a:ext cx="5423316" cy="1704872"/>
           </a:xfrm>
           <a:prstGeom prst="rect">
@@ -11347,6 +11334,90 @@
           </a:prstGeom>
         </p:spPr>
       </p:pic>
+      <p:sp>
+        <p:nvSpPr>
+          <p:cNvPr id="3" name="矩形 2">
+            <a:extLst>
+              <a:ext uri="{FF2B5EF4-FFF2-40B4-BE49-F238E27FC236}">
+                <a16:creationId xmlns:a16="http://schemas.microsoft.com/office/drawing/2014/main" id="{61227375-5953-CD58-3267-E005F9BCAC4E}"/>
+              </a:ext>
+            </a:extLst>
+          </p:cNvPr>
+          <p:cNvSpPr/>
+          <p:nvPr/>
+        </p:nvSpPr>
+        <p:spPr>
+          <a:xfrm>
+            <a:off x="8937321" y="2298524"/>
+            <a:ext cx="438411" cy="538619"/>
+          </a:xfrm>
+          <a:prstGeom prst="rect">
+            <a:avLst/>
+          </a:prstGeom>
+          <a:noFill/>
+          <a:ln w="9525" cap="flat" cmpd="sng" algn="ctr">
+            <a:solidFill>
+              <a:schemeClr val="accent1"/>
+            </a:solidFill>
+            <a:prstDash val="solid"/>
+            <a:round/>
+            <a:headEnd type="none" w="med" len="med"/>
+            <a:tailEnd type="none" w="med" len="med"/>
+          </a:ln>
+        </p:spPr>
+        <p:style>
+          <a:lnRef idx="0">
+            <a:scrgbClr r="0" g="0" b="0"/>
+          </a:lnRef>
+          <a:fillRef idx="0">
+            <a:scrgbClr r="0" g="0" b="0"/>
+          </a:fillRef>
+          <a:effectRef idx="0">
+            <a:scrgbClr r="0" g="0" b="0"/>
+          </a:effectRef>
+          <a:fontRef idx="minor">
+            <a:schemeClr val="accent1"/>
+          </a:fontRef>
+        </p:style>
+        <p:txBody>
+          <a:bodyPr rot="0" spcFirstLastPara="1" vertOverflow="overflow" horzOverflow="overflow" vert="horz" wrap="square" lIns="0" tIns="0" rIns="0" bIns="0" numCol="1" spcCol="38100" rtlCol="0" anchor="ctr">
+            <a:spAutoFit/>
+          </a:bodyPr>
+          <a:lstStyle/>
+          <a:p>
+            <a:pPr marL="0" marR="0" indent="0" algn="ctr" defTabSz="584200" rtl="0" fontAlgn="auto" latinLnBrk="0" hangingPunct="0">
+              <a:lnSpc>
+                <a:spcPct val="100000"/>
+              </a:lnSpc>
+              <a:spcBef>
+                <a:spcPts val="0"/>
+              </a:spcBef>
+              <a:spcAft>
+                <a:spcPts val="0"/>
+              </a:spcAft>
+              <a:buClrTx/>
+              <a:buSzTx/>
+              <a:buFontTx/>
+              <a:buNone/>
+              <a:tabLst/>
+            </a:pPr>
+            <a:endParaRPr kumimoji="0" lang="zh-CN" altLang="en-US" sz="5800" b="0" i="0" u="none" strike="noStrike" cap="none" spc="0" normalizeH="0" baseline="0">
+              <a:ln>
+                <a:noFill/>
+              </a:ln>
+              <a:solidFill>
+                <a:srgbClr val="5E5E5E"/>
+              </a:solidFill>
+              <a:effectLst/>
+              <a:uFillTx/>
+              <a:latin typeface="+mn-lt"/>
+              <a:ea typeface="+mn-ea"/>
+              <a:cs typeface="+mn-cs"/>
+              <a:sym typeface="Helvetica"/>
+            </a:endParaRPr>
+          </a:p>
+        </p:txBody>
+      </p:sp>
     </p:spTree>
     <p:extLst>
       <p:ext uri="{BB962C8B-B14F-4D97-AF65-F5344CB8AC3E}">
@@ -11555,7 +11626,7 @@
                 </a:solidFill>
                 <a:latin typeface="-apple-system"/>
               </a:rPr>
-              <a:t>Because even though our program ends, the named semaphore is still in memory.</a:t>
+              <a:t>Because even though our program ends, the named semaphore is still exist in memory.</a:t>
             </a:r>
           </a:p>
           <a:p>
@@ -11588,7 +11659,7 @@
                 </a:solidFill>
                 <a:latin typeface="-apple-system"/>
               </a:rPr>
-              <a:t>. If you do not explicitly delete it, it persists until shutdown.</a:t>
+              <a:t>. If you do not delete it, it persists until shutdown.</a:t>
             </a:r>
           </a:p>
           <a:p>
@@ -11699,7 +11770,7 @@
         </p:blipFill>
         <p:spPr>
           <a:xfrm>
-            <a:off x="2320119" y="3264331"/>
+            <a:off x="2332645" y="3828002"/>
             <a:ext cx="7249278" cy="484843"/>
           </a:xfrm>
           <a:prstGeom prst="rect">
@@ -18556,7 +18627,7 @@
                 <a:latin typeface="Gill Sans MT" panose="020B0502020104020203" pitchFamily="34" charset="0"/>
                 <a:cs typeface="Helvetica"/>
               </a:rPr>
-              <a:t>: O_CREAT, O_CREAT | O_EXCL.</a:t>
+              <a:t>: 0, O_CREAT, O_CREAT | O_EXCL.</a:t>
             </a:r>
           </a:p>
           <a:p>
@@ -19875,7 +19946,7 @@
                 <a:latin typeface="Gill Sans MT" panose="020B0502020104020203" pitchFamily="34" charset="0"/>
                 <a:cs typeface="Helvetica"/>
               </a:rPr>
-              <a:t>is a non-blocking function that attempts to decrease (lock) the value of a semaphore. If the semaphore’s value is greater than 0, it decrements the value and proceeds. However, if the semaphore's value is 0 (unavailable), it returns immediately with a failure and sets </a:t>
+              <a:t>is a non-blocking function that attempts to decrease the value of a semaphore. If the semaphore’s value is greater than 0, it decrements the value and proceeds. However, if the semaphore's value is 0 (unavailable), it returns immediately with a failure and sets </a:t>
             </a:r>
             <a:r>
               <a:rPr kumimoji="0" lang="en-US" altLang="zh-CN" sz="1800" b="0" i="0" u="none" strike="noStrike" kern="0" cap="none" spc="0" normalizeH="0" baseline="0" noProof="0" dirty="0" err="1">
